--- a/Formation/Formation Bourse.pptx
+++ b/Formation/Formation Bourse.pptx
@@ -9,11 +9,14 @@
     <p:sldId id="257" r:id="rId3"/>
     <p:sldId id="258" r:id="rId4"/>
     <p:sldId id="261" r:id="rId5"/>
-    <p:sldId id="264" r:id="rId6"/>
-    <p:sldId id="260" r:id="rId7"/>
-    <p:sldId id="259" r:id="rId8"/>
-    <p:sldId id="263" r:id="rId9"/>
-    <p:sldId id="262" r:id="rId10"/>
+    <p:sldId id="267" r:id="rId6"/>
+    <p:sldId id="264" r:id="rId7"/>
+    <p:sldId id="260" r:id="rId8"/>
+    <p:sldId id="259" r:id="rId9"/>
+    <p:sldId id="263" r:id="rId10"/>
+    <p:sldId id="265" r:id="rId11"/>
+    <p:sldId id="266" r:id="rId12"/>
+    <p:sldId id="262" r:id="rId13"/>
   </p:sldIdLst>
   <p:sldSz cx="12192000" cy="6858000"/>
   <p:notesSz cx="6858000" cy="9144000"/>
@@ -112,6 +115,31 @@
       </a:defRPr>
     </a:lvl9pPr>
   </p:defaultTextStyle>
+  <p:extLst>
+    <p:ext uri="{521415D9-36F7-43E2-AB2F-B90AF26B5E84}">
+      <p14:sectionLst xmlns:p14="http://schemas.microsoft.com/office/powerpoint/2010/main">
+        <p14:section name="Default Section" id="{9C49FFC2-86EC-4274-883D-3EDC37DD92B7}">
+          <p14:sldIdLst>
+            <p14:sldId id="256"/>
+            <p14:sldId id="257"/>
+            <p14:sldId id="258"/>
+            <p14:sldId id="261"/>
+            <p14:sldId id="267"/>
+            <p14:sldId id="264"/>
+            <p14:sldId id="260"/>
+            <p14:sldId id="259"/>
+            <p14:sldId id="263"/>
+            <p14:sldId id="265"/>
+            <p14:sldId id="266"/>
+            <p14:sldId id="262"/>
+          </p14:sldIdLst>
+        </p14:section>
+      </p14:sectionLst>
+    </p:ext>
+    <p:ext uri="{EFAFB233-063F-42B5-8137-9DF3F51BA10A}">
+      <p15:sldGuideLst xmlns:p15="http://schemas.microsoft.com/office/powerpoint/2012/main"/>
+    </p:ext>
+  </p:extLst>
 </p:presentation>
 </file>
 
@@ -262,7 +290,7 @@
           <a:p>
             <a:fld id="{17B49B2E-EC6C-4037-9ACB-43BC4863C7EA}" type="datetimeFigureOut">
               <a:rPr lang="en-US" smtClean="0"/>
-              <a:t>4/14/2020</a:t>
+              <a:t>4/19/2020</a:t>
             </a:fld>
             <a:endParaRPr lang="en-US"/>
           </a:p>
@@ -460,7 +488,7 @@
           <a:p>
             <a:fld id="{17B49B2E-EC6C-4037-9ACB-43BC4863C7EA}" type="datetimeFigureOut">
               <a:rPr lang="en-US" smtClean="0"/>
-              <a:t>4/14/2020</a:t>
+              <a:t>4/19/2020</a:t>
             </a:fld>
             <a:endParaRPr lang="en-US"/>
           </a:p>
@@ -668,7 +696,7 @@
           <a:p>
             <a:fld id="{17B49B2E-EC6C-4037-9ACB-43BC4863C7EA}" type="datetimeFigureOut">
               <a:rPr lang="en-US" smtClean="0"/>
-              <a:t>4/14/2020</a:t>
+              <a:t>4/19/2020</a:t>
             </a:fld>
             <a:endParaRPr lang="en-US"/>
           </a:p>
@@ -866,7 +894,7 @@
           <a:p>
             <a:fld id="{17B49B2E-EC6C-4037-9ACB-43BC4863C7EA}" type="datetimeFigureOut">
               <a:rPr lang="en-US" smtClean="0"/>
-              <a:t>4/14/2020</a:t>
+              <a:t>4/19/2020</a:t>
             </a:fld>
             <a:endParaRPr lang="en-US"/>
           </a:p>
@@ -1141,7 +1169,7 @@
           <a:p>
             <a:fld id="{17B49B2E-EC6C-4037-9ACB-43BC4863C7EA}" type="datetimeFigureOut">
               <a:rPr lang="en-US" smtClean="0"/>
-              <a:t>4/14/2020</a:t>
+              <a:t>4/19/2020</a:t>
             </a:fld>
             <a:endParaRPr lang="en-US"/>
           </a:p>
@@ -1406,7 +1434,7 @@
           <a:p>
             <a:fld id="{17B49B2E-EC6C-4037-9ACB-43BC4863C7EA}" type="datetimeFigureOut">
               <a:rPr lang="en-US" smtClean="0"/>
-              <a:t>4/14/2020</a:t>
+              <a:t>4/19/2020</a:t>
             </a:fld>
             <a:endParaRPr lang="en-US"/>
           </a:p>
@@ -1818,7 +1846,7 @@
           <a:p>
             <a:fld id="{17B49B2E-EC6C-4037-9ACB-43BC4863C7EA}" type="datetimeFigureOut">
               <a:rPr lang="en-US" smtClean="0"/>
-              <a:t>4/14/2020</a:t>
+              <a:t>4/19/2020</a:t>
             </a:fld>
             <a:endParaRPr lang="en-US"/>
           </a:p>
@@ -1959,7 +1987,7 @@
           <a:p>
             <a:fld id="{17B49B2E-EC6C-4037-9ACB-43BC4863C7EA}" type="datetimeFigureOut">
               <a:rPr lang="en-US" smtClean="0"/>
-              <a:t>4/14/2020</a:t>
+              <a:t>4/19/2020</a:t>
             </a:fld>
             <a:endParaRPr lang="en-US"/>
           </a:p>
@@ -2072,7 +2100,7 @@
           <a:p>
             <a:fld id="{17B49B2E-EC6C-4037-9ACB-43BC4863C7EA}" type="datetimeFigureOut">
               <a:rPr lang="en-US" smtClean="0"/>
-              <a:t>4/14/2020</a:t>
+              <a:t>4/19/2020</a:t>
             </a:fld>
             <a:endParaRPr lang="en-US"/>
           </a:p>
@@ -2383,7 +2411,7 @@
           <a:p>
             <a:fld id="{17B49B2E-EC6C-4037-9ACB-43BC4863C7EA}" type="datetimeFigureOut">
               <a:rPr lang="en-US" smtClean="0"/>
-              <a:t>4/14/2020</a:t>
+              <a:t>4/19/2020</a:t>
             </a:fld>
             <a:endParaRPr lang="en-US"/>
           </a:p>
@@ -2671,7 +2699,7 @@
           <a:p>
             <a:fld id="{17B49B2E-EC6C-4037-9ACB-43BC4863C7EA}" type="datetimeFigureOut">
               <a:rPr lang="en-US" smtClean="0"/>
-              <a:t>4/14/2020</a:t>
+              <a:t>4/19/2020</a:t>
             </a:fld>
             <a:endParaRPr lang="en-US"/>
           </a:p>
@@ -2912,7 +2940,7 @@
           <a:p>
             <a:fld id="{17B49B2E-EC6C-4037-9ACB-43BC4863C7EA}" type="datetimeFigureOut">
               <a:rPr lang="en-US" smtClean="0"/>
-              <a:t>4/14/2020</a:t>
+              <a:t>4/19/2020</a:t>
             </a:fld>
             <a:endParaRPr lang="en-US"/>
           </a:p>
@@ -3396,6 +3424,327 @@
 </p:sld>
 </file>
 
+<file path=ppt/slides/slide10.xml><?xml version="1.0" encoding="utf-8"?>
+<p:sld xmlns:a="http://schemas.openxmlformats.org/drawingml/2006/main" xmlns:r="http://schemas.openxmlformats.org/officeDocument/2006/relationships" xmlns:p="http://schemas.openxmlformats.org/presentationml/2006/main">
+  <p:cSld>
+    <p:spTree>
+      <p:nvGrpSpPr>
+        <p:cNvPr id="1" name=""/>
+        <p:cNvGrpSpPr/>
+        <p:nvPr/>
+      </p:nvGrpSpPr>
+      <p:grpSpPr>
+        <a:xfrm>
+          <a:off x="0" y="0"/>
+          <a:ext cx="0" cy="0"/>
+          <a:chOff x="0" y="0"/>
+          <a:chExt cx="0" cy="0"/>
+        </a:xfrm>
+      </p:grpSpPr>
+      <p:sp>
+        <p:nvSpPr>
+          <p:cNvPr id="2" name="Title 1">
+            <a:extLst>
+              <a:ext uri="{FF2B5EF4-FFF2-40B4-BE49-F238E27FC236}">
+                <a16:creationId xmlns:a16="http://schemas.microsoft.com/office/drawing/2014/main" id="{E04E3372-C95E-44C7-90FA-D8A631A63FED}"/>
+              </a:ext>
+            </a:extLst>
+          </p:cNvPr>
+          <p:cNvSpPr>
+            <a:spLocks noGrp="1"/>
+          </p:cNvSpPr>
+          <p:nvPr>
+            <p:ph type="title"/>
+          </p:nvPr>
+        </p:nvSpPr>
+        <p:spPr/>
+        <p:txBody>
+          <a:bodyPr/>
+          <a:lstStyle/>
+          <a:p>
+            <a:r>
+              <a:rPr lang="fr-FR" dirty="0"/>
+              <a:t>Construction d’un portefeuille</a:t>
+            </a:r>
+            <a:endParaRPr lang="en-US" dirty="0"/>
+          </a:p>
+        </p:txBody>
+      </p:sp>
+      <p:sp>
+        <p:nvSpPr>
+          <p:cNvPr id="3" name="Content Placeholder 2">
+            <a:extLst>
+              <a:ext uri="{FF2B5EF4-FFF2-40B4-BE49-F238E27FC236}">
+                <a16:creationId xmlns:a16="http://schemas.microsoft.com/office/drawing/2014/main" id="{ED9DB76D-9365-425E-A39F-5026367D4CBE}"/>
+              </a:ext>
+            </a:extLst>
+          </p:cNvPr>
+          <p:cNvSpPr>
+            <a:spLocks noGrp="1"/>
+          </p:cNvSpPr>
+          <p:nvPr>
+            <p:ph idx="1"/>
+          </p:nvPr>
+        </p:nvSpPr>
+        <p:spPr/>
+        <p:txBody>
+          <a:bodyPr/>
+          <a:lstStyle/>
+          <a:p>
+            <a:r>
+              <a:rPr lang="fr-FR" dirty="0"/>
+              <a:t>Diversification != All In</a:t>
+            </a:r>
+          </a:p>
+          <a:p>
+            <a:r>
+              <a:rPr lang="fr-FR" dirty="0"/>
+              <a:t>Gestion du risque</a:t>
+            </a:r>
+          </a:p>
+          <a:p>
+            <a:r>
+              <a:rPr lang="en-US" dirty="0" err="1"/>
+              <a:t>Nombre</a:t>
+            </a:r>
+            <a:r>
+              <a:rPr lang="en-US" dirty="0"/>
+              <a:t> de positions</a:t>
+            </a:r>
+          </a:p>
+        </p:txBody>
+      </p:sp>
+    </p:spTree>
+    <p:extLst>
+      <p:ext uri="{BB962C8B-B14F-4D97-AF65-F5344CB8AC3E}">
+        <p14:creationId xmlns:p14="http://schemas.microsoft.com/office/powerpoint/2010/main" val="2373413576"/>
+      </p:ext>
+    </p:extLst>
+  </p:cSld>
+  <p:clrMapOvr>
+    <a:masterClrMapping/>
+  </p:clrMapOvr>
+</p:sld>
+</file>
+
+<file path=ppt/slides/slide11.xml><?xml version="1.0" encoding="utf-8"?>
+<p:sld xmlns:a="http://schemas.openxmlformats.org/drawingml/2006/main" xmlns:r="http://schemas.openxmlformats.org/officeDocument/2006/relationships" xmlns:p="http://schemas.openxmlformats.org/presentationml/2006/main">
+  <p:cSld>
+    <p:spTree>
+      <p:nvGrpSpPr>
+        <p:cNvPr id="1" name=""/>
+        <p:cNvGrpSpPr/>
+        <p:nvPr/>
+      </p:nvGrpSpPr>
+      <p:grpSpPr>
+        <a:xfrm>
+          <a:off x="0" y="0"/>
+          <a:ext cx="0" cy="0"/>
+          <a:chOff x="0" y="0"/>
+          <a:chExt cx="0" cy="0"/>
+        </a:xfrm>
+      </p:grpSpPr>
+      <p:pic>
+        <p:nvPicPr>
+          <p:cNvPr id="1026" name="Picture 2" descr="Psychology Charts &amp; Sentiment Cycles (Updated) | Cheat sheets ...">
+            <a:extLst>
+              <a:ext uri="{FF2B5EF4-FFF2-40B4-BE49-F238E27FC236}">
+                <a16:creationId xmlns:a16="http://schemas.microsoft.com/office/drawing/2014/main" id="{BE62A6C7-3A4B-47F0-93D0-55B174085862}"/>
+              </a:ext>
+            </a:extLst>
+          </p:cNvPr>
+          <p:cNvPicPr>
+            <a:picLocks noGrp="1" noChangeAspect="1" noChangeArrowheads="1"/>
+          </p:cNvPicPr>
+          <p:nvPr>
+            <p:ph idx="1"/>
+          </p:nvPr>
+        </p:nvPicPr>
+        <p:blipFill>
+          <a:blip r:embed="rId2">
+            <a:extLst>
+              <a:ext uri="{28A0092B-C50C-407E-A947-70E740481C1C}">
+                <a14:useLocalDpi xmlns:a14="http://schemas.microsoft.com/office/drawing/2010/main" val="0"/>
+              </a:ext>
+            </a:extLst>
+          </a:blip>
+          <a:srcRect/>
+          <a:stretch>
+            <a:fillRect/>
+          </a:stretch>
+        </p:blipFill>
+        <p:spPr bwMode="auto">
+          <a:xfrm>
+            <a:off x="2821259" y="1361706"/>
+            <a:ext cx="6523463" cy="5300315"/>
+          </a:xfrm>
+          <a:prstGeom prst="rect">
+            <a:avLst/>
+          </a:prstGeom>
+          <a:noFill/>
+          <a:extLst>
+            <a:ext uri="{909E8E84-426E-40DD-AFC4-6F175D3DCCD1}">
+              <a14:hiddenFill xmlns:a14="http://schemas.microsoft.com/office/drawing/2010/main">
+                <a:solidFill>
+                  <a:srgbClr val="FFFFFF"/>
+                </a:solidFill>
+              </a14:hiddenFill>
+            </a:ext>
+          </a:extLst>
+        </p:spPr>
+      </p:pic>
+    </p:spTree>
+    <p:extLst>
+      <p:ext uri="{BB962C8B-B14F-4D97-AF65-F5344CB8AC3E}">
+        <p14:creationId xmlns:p14="http://schemas.microsoft.com/office/powerpoint/2010/main" val="725611940"/>
+      </p:ext>
+    </p:extLst>
+  </p:cSld>
+  <p:clrMapOvr>
+    <a:masterClrMapping/>
+  </p:clrMapOvr>
+</p:sld>
+</file>
+
+<file path=ppt/slides/slide12.xml><?xml version="1.0" encoding="utf-8"?>
+<p:sld xmlns:a="http://schemas.openxmlformats.org/drawingml/2006/main" xmlns:r="http://schemas.openxmlformats.org/officeDocument/2006/relationships" xmlns:p="http://schemas.openxmlformats.org/presentationml/2006/main">
+  <p:cSld>
+    <p:spTree>
+      <p:nvGrpSpPr>
+        <p:cNvPr id="1" name=""/>
+        <p:cNvGrpSpPr/>
+        <p:nvPr/>
+      </p:nvGrpSpPr>
+      <p:grpSpPr>
+        <a:xfrm>
+          <a:off x="0" y="0"/>
+          <a:ext cx="0" cy="0"/>
+          <a:chOff x="0" y="0"/>
+          <a:chExt cx="0" cy="0"/>
+        </a:xfrm>
+      </p:grpSpPr>
+      <p:sp>
+        <p:nvSpPr>
+          <p:cNvPr id="2" name="Title 1">
+            <a:extLst>
+              <a:ext uri="{FF2B5EF4-FFF2-40B4-BE49-F238E27FC236}">
+                <a16:creationId xmlns:a16="http://schemas.microsoft.com/office/drawing/2014/main" id="{8799B785-EEBE-49C4-AB80-AC77F7A85E20}"/>
+              </a:ext>
+            </a:extLst>
+          </p:cNvPr>
+          <p:cNvSpPr>
+            <a:spLocks noGrp="1"/>
+          </p:cNvSpPr>
+          <p:nvPr>
+            <p:ph type="title"/>
+          </p:nvPr>
+        </p:nvSpPr>
+        <p:spPr/>
+        <p:txBody>
+          <a:bodyPr/>
+          <a:lstStyle/>
+          <a:p>
+            <a:r>
+              <a:rPr lang="fr-FR" dirty="0"/>
+              <a:t>Psychologie</a:t>
+            </a:r>
+            <a:endParaRPr lang="en-US" dirty="0"/>
+          </a:p>
+        </p:txBody>
+      </p:sp>
+      <p:sp>
+        <p:nvSpPr>
+          <p:cNvPr id="3" name="Content Placeholder 2">
+            <a:extLst>
+              <a:ext uri="{FF2B5EF4-FFF2-40B4-BE49-F238E27FC236}">
+                <a16:creationId xmlns:a16="http://schemas.microsoft.com/office/drawing/2014/main" id="{EDA62261-4CE3-4393-9DEA-A5C83C80C12E}"/>
+              </a:ext>
+            </a:extLst>
+          </p:cNvPr>
+          <p:cNvSpPr>
+            <a:spLocks noGrp="1"/>
+          </p:cNvSpPr>
+          <p:nvPr>
+            <p:ph idx="1"/>
+          </p:nvPr>
+        </p:nvSpPr>
+        <p:spPr/>
+        <p:txBody>
+          <a:bodyPr/>
+          <a:lstStyle/>
+          <a:p>
+            <a:r>
+              <a:rPr lang="fr-FR" dirty="0"/>
+              <a:t>Couper les pertes et laisser courir les gains</a:t>
+            </a:r>
+          </a:p>
+          <a:p>
+            <a:pPr lvl="1">
+              <a:buFont typeface="Wingdings" panose="05000000000000000000" pitchFamily="2" charset="2"/>
+              <a:buChar char="è"/>
+            </a:pPr>
+            <a:r>
+              <a:rPr lang="fr-FR" dirty="0">
+                <a:sym typeface="Wingdings" panose="05000000000000000000" pitchFamily="2" charset="2"/>
+              </a:rPr>
+              <a:t>Contre la nature humaine</a:t>
+            </a:r>
+          </a:p>
+          <a:p>
+            <a:r>
+              <a:rPr lang="en-US" dirty="0"/>
+              <a:t>Ne pas </a:t>
+            </a:r>
+            <a:r>
+              <a:rPr lang="en-US" dirty="0" err="1"/>
+              <a:t>vouloir</a:t>
+            </a:r>
+            <a:r>
+              <a:rPr lang="en-US" dirty="0"/>
+              <a:t> </a:t>
+            </a:r>
+            <a:r>
+              <a:rPr lang="en-US" dirty="0" err="1"/>
+              <a:t>avoir</a:t>
+            </a:r>
+            <a:r>
+              <a:rPr lang="en-US" dirty="0"/>
+              <a:t> raison</a:t>
+            </a:r>
+          </a:p>
+          <a:p>
+            <a:pPr marL="457200" lvl="1" indent="0">
+              <a:buNone/>
+            </a:pPr>
+            <a:r>
+              <a:rPr lang="en-US" dirty="0">
+                <a:sym typeface="Wingdings" panose="05000000000000000000" pitchFamily="2" charset="2"/>
+              </a:rPr>
+              <a:t>Ranger son </a:t>
+            </a:r>
+            <a:r>
+              <a:rPr lang="en-US" dirty="0" err="1">
+                <a:sym typeface="Wingdings" panose="05000000000000000000" pitchFamily="2" charset="2"/>
+              </a:rPr>
+              <a:t>égo</a:t>
+            </a:r>
+            <a:endParaRPr lang="en-US" dirty="0"/>
+          </a:p>
+        </p:txBody>
+      </p:sp>
+    </p:spTree>
+    <p:extLst>
+      <p:ext uri="{BB962C8B-B14F-4D97-AF65-F5344CB8AC3E}">
+        <p14:creationId xmlns:p14="http://schemas.microsoft.com/office/powerpoint/2010/main" val="2971414286"/>
+      </p:ext>
+    </p:extLst>
+  </p:cSld>
+  <p:clrMapOvr>
+    <a:masterClrMapping/>
+  </p:clrMapOvr>
+</p:sld>
+</file>
+
 <file path=ppt/slides/slide2.xml><?xml version="1.0" encoding="utf-8"?>
 <p:sld xmlns:a="http://schemas.openxmlformats.org/drawingml/2006/main" xmlns:r="http://schemas.openxmlformats.org/officeDocument/2006/relationships" xmlns:p="http://schemas.openxmlformats.org/presentationml/2006/main">
   <p:cSld>
@@ -3483,27 +3832,15 @@
               <a:rPr lang="fr-FR" dirty="0">
                 <a:sym typeface="Wingdings" panose="05000000000000000000" pitchFamily="2" charset="2"/>
               </a:rPr>
-              <a:t> PEA (plus values </a:t>
-            </a:r>
-            <a:r>
-              <a:rPr lang="fr-FR" dirty="0" err="1">
-                <a:sym typeface="Wingdings" panose="05000000000000000000" pitchFamily="2" charset="2"/>
-              </a:rPr>
-              <a:t>deficalisées</a:t>
-            </a:r>
+              <a:t> PEA (plus values défiscalisées)</a:t>
+            </a:r>
+          </a:p>
+          <a:p>
             <a:r>
               <a:rPr lang="fr-FR" dirty="0">
                 <a:sym typeface="Wingdings" panose="05000000000000000000" pitchFamily="2" charset="2"/>
               </a:rPr>
-              <a:t>)</a:t>
-            </a:r>
-          </a:p>
-          <a:p>
-            <a:r>
-              <a:rPr lang="fr-FR" dirty="0">
-                <a:sym typeface="Wingdings" panose="05000000000000000000" pitchFamily="2" charset="2"/>
-              </a:rPr>
-              <a:t>Moyen Terme  Compte titre (fiscalité 30% sur plus value)</a:t>
+              <a:t>Moyen Terme  Compte titre (fiscalité 30% sur plus values)</a:t>
             </a:r>
           </a:p>
           <a:p>
@@ -3820,7 +4157,7 @@
           <a:p>
             <a:r>
               <a:rPr lang="fr-FR" dirty="0"/>
-              <a:t>Indices (CAC40, S&amp;P 500….)</a:t>
+              <a:t>Indices nationaux, sectoriel (CAC40, S&amp;P 500….)</a:t>
             </a:r>
           </a:p>
           <a:p>
@@ -3978,6 +4315,109 @@
           <p:cNvPr id="2" name="Title 1">
             <a:extLst>
               <a:ext uri="{FF2B5EF4-FFF2-40B4-BE49-F238E27FC236}">
+                <a16:creationId xmlns:a16="http://schemas.microsoft.com/office/drawing/2014/main" id="{95CE8B56-0435-468D-930C-1FC0A11A36C9}"/>
+              </a:ext>
+            </a:extLst>
+          </p:cNvPr>
+          <p:cNvSpPr>
+            <a:spLocks noGrp="1"/>
+          </p:cNvSpPr>
+          <p:nvPr>
+            <p:ph type="title"/>
+          </p:nvPr>
+        </p:nvSpPr>
+        <p:spPr/>
+        <p:txBody>
+          <a:bodyPr/>
+          <a:lstStyle/>
+          <a:p>
+            <a:r>
+              <a:rPr lang="fr-FR" dirty="0" err="1"/>
+              <a:t>Oil</a:t>
+            </a:r>
+            <a:r>
+              <a:rPr lang="fr-FR" dirty="0"/>
+              <a:t> </a:t>
+            </a:r>
+            <a:r>
+              <a:rPr lang="fr-FR" dirty="0" err="1"/>
+              <a:t>Status</a:t>
+            </a:r>
+            <a:r>
+              <a:rPr lang="fr-FR" dirty="0"/>
+              <a:t> 20/04/2020 – Roll over</a:t>
+            </a:r>
+            <a:endParaRPr lang="en-US" dirty="0"/>
+          </a:p>
+        </p:txBody>
+      </p:sp>
+      <p:pic>
+        <p:nvPicPr>
+          <p:cNvPr id="4" name="Content Placeholder 3">
+            <a:extLst>
+              <a:ext uri="{FF2B5EF4-FFF2-40B4-BE49-F238E27FC236}">
+                <a16:creationId xmlns:a16="http://schemas.microsoft.com/office/drawing/2014/main" id="{80B42E31-F4C5-42A8-BD31-CDBDF5AD32D0}"/>
+              </a:ext>
+            </a:extLst>
+          </p:cNvPr>
+          <p:cNvPicPr>
+            <a:picLocks noGrp="1" noChangeAspect="1"/>
+          </p:cNvPicPr>
+          <p:nvPr>
+            <p:ph idx="1"/>
+          </p:nvPr>
+        </p:nvPicPr>
+        <p:blipFill>
+          <a:blip r:embed="rId2"/>
+          <a:stretch>
+            <a:fillRect/>
+          </a:stretch>
+        </p:blipFill>
+        <p:spPr>
+          <a:xfrm>
+            <a:off x="1886643" y="1825621"/>
+            <a:ext cx="9601200" cy="4962525"/>
+          </a:xfrm>
+          <a:prstGeom prst="rect">
+            <a:avLst/>
+          </a:prstGeom>
+        </p:spPr>
+      </p:pic>
+    </p:spTree>
+    <p:extLst>
+      <p:ext uri="{BB962C8B-B14F-4D97-AF65-F5344CB8AC3E}">
+        <p14:creationId xmlns:p14="http://schemas.microsoft.com/office/powerpoint/2010/main" val="2932741455"/>
+      </p:ext>
+    </p:extLst>
+  </p:cSld>
+  <p:clrMapOvr>
+    <a:masterClrMapping/>
+  </p:clrMapOvr>
+</p:sld>
+</file>
+
+<file path=ppt/slides/slide6.xml><?xml version="1.0" encoding="utf-8"?>
+<p:sld xmlns:a="http://schemas.openxmlformats.org/drawingml/2006/main" xmlns:r="http://schemas.openxmlformats.org/officeDocument/2006/relationships" xmlns:p="http://schemas.openxmlformats.org/presentationml/2006/main">
+  <p:cSld>
+    <p:spTree>
+      <p:nvGrpSpPr>
+        <p:cNvPr id="1" name=""/>
+        <p:cNvGrpSpPr/>
+        <p:nvPr/>
+      </p:nvGrpSpPr>
+      <p:grpSpPr>
+        <a:xfrm>
+          <a:off x="0" y="0"/>
+          <a:ext cx="0" cy="0"/>
+          <a:chOff x="0" y="0"/>
+          <a:chExt cx="0" cy="0"/>
+        </a:xfrm>
+      </p:grpSpPr>
+      <p:sp>
+        <p:nvSpPr>
+          <p:cNvPr id="2" name="Title 1">
+            <a:extLst>
+              <a:ext uri="{FF2B5EF4-FFF2-40B4-BE49-F238E27FC236}">
                 <a16:creationId xmlns:a16="http://schemas.microsoft.com/office/drawing/2014/main" id="{0174C7E8-0AD8-46BF-AE72-3EC502D53944}"/>
               </a:ext>
             </a:extLst>
@@ -4040,7 +4480,7 @@
 </p:sld>
 </file>
 
-<file path=ppt/slides/slide6.xml><?xml version="1.0" encoding="utf-8"?>
+<file path=ppt/slides/slide7.xml><?xml version="1.0" encoding="utf-8"?>
 <p:sld xmlns:a="http://schemas.openxmlformats.org/drawingml/2006/main" xmlns:r="http://schemas.openxmlformats.org/officeDocument/2006/relationships" xmlns:p="http://schemas.openxmlformats.org/presentationml/2006/main">
   <p:cSld>
     <p:spTree>
@@ -4341,7 +4781,7 @@
 </p:sld>
 </file>
 
-<file path=ppt/slides/slide7.xml><?xml version="1.0" encoding="utf-8"?>
+<file path=ppt/slides/slide8.xml><?xml version="1.0" encoding="utf-8"?>
 <p:sld xmlns:a="http://schemas.openxmlformats.org/drawingml/2006/main" xmlns:r="http://schemas.openxmlformats.org/officeDocument/2006/relationships" xmlns:p="http://schemas.openxmlformats.org/presentationml/2006/main">
   <p:cSld>
     <p:spTree>
@@ -4495,90 +4935,6 @@
 </p:sld>
 </file>
 
-<file path=ppt/slides/slide8.xml><?xml version="1.0" encoding="utf-8"?>
-<p:sld xmlns:a="http://schemas.openxmlformats.org/drawingml/2006/main" xmlns:r="http://schemas.openxmlformats.org/officeDocument/2006/relationships" xmlns:p="http://schemas.openxmlformats.org/presentationml/2006/main">
-  <p:cSld>
-    <p:spTree>
-      <p:nvGrpSpPr>
-        <p:cNvPr id="1" name=""/>
-        <p:cNvGrpSpPr/>
-        <p:nvPr/>
-      </p:nvGrpSpPr>
-      <p:grpSpPr>
-        <a:xfrm>
-          <a:off x="0" y="0"/>
-          <a:ext cx="0" cy="0"/>
-          <a:chOff x="0" y="0"/>
-          <a:chExt cx="0" cy="0"/>
-        </a:xfrm>
-      </p:grpSpPr>
-      <p:sp>
-        <p:nvSpPr>
-          <p:cNvPr id="2" name="Title 1">
-            <a:extLst>
-              <a:ext uri="{FF2B5EF4-FFF2-40B4-BE49-F238E27FC236}">
-                <a16:creationId xmlns:a16="http://schemas.microsoft.com/office/drawing/2014/main" id="{0ABDA52D-1056-4DB9-9B30-FCCEA3009EA9}"/>
-              </a:ext>
-            </a:extLst>
-          </p:cNvPr>
-          <p:cNvSpPr>
-            <a:spLocks noGrp="1"/>
-          </p:cNvSpPr>
-          <p:nvPr>
-            <p:ph type="title"/>
-          </p:nvPr>
-        </p:nvSpPr>
-        <p:spPr/>
-        <p:txBody>
-          <a:bodyPr/>
-          <a:lstStyle/>
-          <a:p>
-            <a:r>
-              <a:rPr lang="fr-FR" dirty="0"/>
-              <a:t>Stratégies</a:t>
-            </a:r>
-            <a:endParaRPr lang="en-US" dirty="0"/>
-          </a:p>
-        </p:txBody>
-      </p:sp>
-      <p:sp>
-        <p:nvSpPr>
-          <p:cNvPr id="3" name="Content Placeholder 2">
-            <a:extLst>
-              <a:ext uri="{FF2B5EF4-FFF2-40B4-BE49-F238E27FC236}">
-                <a16:creationId xmlns:a16="http://schemas.microsoft.com/office/drawing/2014/main" id="{B9D697F1-7132-4218-9A02-891537714431}"/>
-              </a:ext>
-            </a:extLst>
-          </p:cNvPr>
-          <p:cNvSpPr>
-            <a:spLocks noGrp="1"/>
-          </p:cNvSpPr>
-          <p:nvPr>
-            <p:ph idx="1"/>
-          </p:nvPr>
-        </p:nvSpPr>
-        <p:spPr/>
-        <p:txBody>
-          <a:bodyPr/>
-          <a:lstStyle/>
-          <a:p>
-            <a:endParaRPr lang="en-US" dirty="0"/>
-          </a:p>
-        </p:txBody>
-      </p:sp>
-    </p:spTree>
-    <p:extLst>
-      <p:ext uri="{BB962C8B-B14F-4D97-AF65-F5344CB8AC3E}">
-        <p14:creationId xmlns:p14="http://schemas.microsoft.com/office/powerpoint/2010/main" val="4045546859"/>
-      </p:ext>
-    </p:extLst>
-  </p:cSld>
-  <p:clrMapOvr>
-    <a:masterClrMapping/>
-  </p:clrMapOvr>
-</p:sld>
-</file>
-
 <file path=ppt/slides/slide9.xml><?xml version="1.0" encoding="utf-8"?>
 <p:sld xmlns:a="http://schemas.openxmlformats.org/drawingml/2006/main" xmlns:r="http://schemas.openxmlformats.org/officeDocument/2006/relationships" xmlns:p="http://schemas.openxmlformats.org/presentationml/2006/main">
   <p:cSld>
@@ -4601,7 +4957,7 @@
           <p:cNvPr id="2" name="Title 1">
             <a:extLst>
               <a:ext uri="{FF2B5EF4-FFF2-40B4-BE49-F238E27FC236}">
-                <a16:creationId xmlns:a16="http://schemas.microsoft.com/office/drawing/2014/main" id="{8799B785-EEBE-49C4-AB80-AC77F7A85E20}"/>
+                <a16:creationId xmlns:a16="http://schemas.microsoft.com/office/drawing/2014/main" id="{0ABDA52D-1056-4DB9-9B30-FCCEA3009EA9}"/>
               </a:ext>
             </a:extLst>
           </p:cNvPr>
@@ -4619,7 +4975,7 @@
           <a:p>
             <a:r>
               <a:rPr lang="fr-FR" dirty="0"/>
-              <a:t>Psychologie</a:t>
+              <a:t>Stratégies</a:t>
             </a:r>
             <a:endParaRPr lang="en-US" dirty="0"/>
           </a:p>
@@ -4630,7 +4986,7 @@
           <p:cNvPr id="3" name="Content Placeholder 2">
             <a:extLst>
               <a:ext uri="{FF2B5EF4-FFF2-40B4-BE49-F238E27FC236}">
-                <a16:creationId xmlns:a16="http://schemas.microsoft.com/office/drawing/2014/main" id="{EDA62261-4CE3-4393-9DEA-A5C83C80C12E}"/>
+                <a16:creationId xmlns:a16="http://schemas.microsoft.com/office/drawing/2014/main" id="{B9D697F1-7132-4218-9A02-891537714431}"/>
               </a:ext>
             </a:extLst>
           </p:cNvPr>
@@ -4646,14 +5002,42 @@
           <a:bodyPr/>
           <a:lstStyle/>
           <a:p>
-            <a:endParaRPr lang="en-US"/>
+            <a:r>
+              <a:rPr lang="fr-FR" dirty="0"/>
+              <a:t>Analyse technique</a:t>
+            </a:r>
+          </a:p>
+          <a:p>
+            <a:r>
+              <a:rPr lang="fr-FR" dirty="0"/>
+              <a:t>Indicateurs</a:t>
+            </a:r>
+          </a:p>
+          <a:p>
+            <a:r>
+              <a:rPr lang="fr-FR" dirty="0"/>
+              <a:t>Analyse fondamentale</a:t>
+            </a:r>
+          </a:p>
+          <a:p>
+            <a:r>
+              <a:rPr lang="fr-FR" dirty="0"/>
+              <a:t>News</a:t>
+            </a:r>
+          </a:p>
+          <a:p>
+            <a:r>
+              <a:rPr lang="fr-FR" dirty="0" err="1"/>
+              <a:t>Contrarian</a:t>
+            </a:r>
+            <a:endParaRPr lang="en-US" dirty="0"/>
           </a:p>
         </p:txBody>
       </p:sp>
     </p:spTree>
     <p:extLst>
       <p:ext uri="{BB962C8B-B14F-4D97-AF65-F5344CB8AC3E}">
-        <p14:creationId xmlns:p14="http://schemas.microsoft.com/office/powerpoint/2010/main" val="2971414286"/>
+        <p14:creationId xmlns:p14="http://schemas.microsoft.com/office/powerpoint/2010/main" val="4045546859"/>
       </p:ext>
     </p:extLst>
   </p:cSld>

--- a/Formation/Formation Bourse.pptx
+++ b/Formation/Formation Bourse.pptx
@@ -9,14 +9,26 @@
     <p:sldId id="257" r:id="rId3"/>
     <p:sldId id="258" r:id="rId4"/>
     <p:sldId id="261" r:id="rId5"/>
-    <p:sldId id="267" r:id="rId6"/>
-    <p:sldId id="264" r:id="rId7"/>
-    <p:sldId id="260" r:id="rId8"/>
-    <p:sldId id="259" r:id="rId9"/>
-    <p:sldId id="263" r:id="rId10"/>
-    <p:sldId id="265" r:id="rId11"/>
-    <p:sldId id="266" r:id="rId12"/>
-    <p:sldId id="262" r:id="rId13"/>
+    <p:sldId id="268" r:id="rId6"/>
+    <p:sldId id="267" r:id="rId7"/>
+    <p:sldId id="277" r:id="rId8"/>
+    <p:sldId id="278" r:id="rId9"/>
+    <p:sldId id="280" r:id="rId10"/>
+    <p:sldId id="260" r:id="rId11"/>
+    <p:sldId id="264" r:id="rId12"/>
+    <p:sldId id="279" r:id="rId13"/>
+    <p:sldId id="275" r:id="rId14"/>
+    <p:sldId id="281" r:id="rId15"/>
+    <p:sldId id="271" r:id="rId16"/>
+    <p:sldId id="272" r:id="rId17"/>
+    <p:sldId id="259" r:id="rId18"/>
+    <p:sldId id="273" r:id="rId19"/>
+    <p:sldId id="274" r:id="rId20"/>
+    <p:sldId id="263" r:id="rId21"/>
+    <p:sldId id="265" r:id="rId22"/>
+    <p:sldId id="266" r:id="rId23"/>
+    <p:sldId id="262" r:id="rId24"/>
+    <p:sldId id="276" r:id="rId25"/>
   </p:sldIdLst>
   <p:sldSz cx="12192000" cy="6858000"/>
   <p:notesSz cx="6858000" cy="9144000"/>
@@ -124,14 +136,30 @@
             <p14:sldId id="257"/>
             <p14:sldId id="258"/>
             <p14:sldId id="261"/>
+            <p14:sldId id="268"/>
             <p14:sldId id="267"/>
+          </p14:sldIdLst>
+        </p14:section>
+        <p14:section name="Gestion de positions" id="{95E13692-23CB-4B0F-9E5E-173512BBD440}">
+          <p14:sldIdLst>
+            <p14:sldId id="277"/>
+            <p14:sldId id="278"/>
+            <p14:sldId id="280"/>
+            <p14:sldId id="260"/>
             <p14:sldId id="264"/>
-            <p14:sldId id="260"/>
+            <p14:sldId id="279"/>
+            <p14:sldId id="275"/>
+            <p14:sldId id="281"/>
+            <p14:sldId id="271"/>
+            <p14:sldId id="272"/>
             <p14:sldId id="259"/>
+            <p14:sldId id="273"/>
+            <p14:sldId id="274"/>
             <p14:sldId id="263"/>
             <p14:sldId id="265"/>
             <p14:sldId id="266"/>
             <p14:sldId id="262"/>
+            <p14:sldId id="276"/>
           </p14:sldIdLst>
         </p14:section>
       </p14:sectionLst>
@@ -290,7 +318,7 @@
           <a:p>
             <a:fld id="{17B49B2E-EC6C-4037-9ACB-43BC4863C7EA}" type="datetimeFigureOut">
               <a:rPr lang="en-US" smtClean="0"/>
-              <a:t>4/19/2020</a:t>
+              <a:t>4/21/2020</a:t>
             </a:fld>
             <a:endParaRPr lang="en-US"/>
           </a:p>
@@ -488,7 +516,7 @@
           <a:p>
             <a:fld id="{17B49B2E-EC6C-4037-9ACB-43BC4863C7EA}" type="datetimeFigureOut">
               <a:rPr lang="en-US" smtClean="0"/>
-              <a:t>4/19/2020</a:t>
+              <a:t>4/21/2020</a:t>
             </a:fld>
             <a:endParaRPr lang="en-US"/>
           </a:p>
@@ -696,7 +724,7 @@
           <a:p>
             <a:fld id="{17B49B2E-EC6C-4037-9ACB-43BC4863C7EA}" type="datetimeFigureOut">
               <a:rPr lang="en-US" smtClean="0"/>
-              <a:t>4/19/2020</a:t>
+              <a:t>4/21/2020</a:t>
             </a:fld>
             <a:endParaRPr lang="en-US"/>
           </a:p>
@@ -894,7 +922,7 @@
           <a:p>
             <a:fld id="{17B49B2E-EC6C-4037-9ACB-43BC4863C7EA}" type="datetimeFigureOut">
               <a:rPr lang="en-US" smtClean="0"/>
-              <a:t>4/19/2020</a:t>
+              <a:t>4/21/2020</a:t>
             </a:fld>
             <a:endParaRPr lang="en-US"/>
           </a:p>
@@ -1169,7 +1197,7 @@
           <a:p>
             <a:fld id="{17B49B2E-EC6C-4037-9ACB-43BC4863C7EA}" type="datetimeFigureOut">
               <a:rPr lang="en-US" smtClean="0"/>
-              <a:t>4/19/2020</a:t>
+              <a:t>4/21/2020</a:t>
             </a:fld>
             <a:endParaRPr lang="en-US"/>
           </a:p>
@@ -1434,7 +1462,7 @@
           <a:p>
             <a:fld id="{17B49B2E-EC6C-4037-9ACB-43BC4863C7EA}" type="datetimeFigureOut">
               <a:rPr lang="en-US" smtClean="0"/>
-              <a:t>4/19/2020</a:t>
+              <a:t>4/21/2020</a:t>
             </a:fld>
             <a:endParaRPr lang="en-US"/>
           </a:p>
@@ -1846,7 +1874,7 @@
           <a:p>
             <a:fld id="{17B49B2E-EC6C-4037-9ACB-43BC4863C7EA}" type="datetimeFigureOut">
               <a:rPr lang="en-US" smtClean="0"/>
-              <a:t>4/19/2020</a:t>
+              <a:t>4/21/2020</a:t>
             </a:fld>
             <a:endParaRPr lang="en-US"/>
           </a:p>
@@ -1987,7 +2015,7 @@
           <a:p>
             <a:fld id="{17B49B2E-EC6C-4037-9ACB-43BC4863C7EA}" type="datetimeFigureOut">
               <a:rPr lang="en-US" smtClean="0"/>
-              <a:t>4/19/2020</a:t>
+              <a:t>4/21/2020</a:t>
             </a:fld>
             <a:endParaRPr lang="en-US"/>
           </a:p>
@@ -2100,7 +2128,7 @@
           <a:p>
             <a:fld id="{17B49B2E-EC6C-4037-9ACB-43BC4863C7EA}" type="datetimeFigureOut">
               <a:rPr lang="en-US" smtClean="0"/>
-              <a:t>4/19/2020</a:t>
+              <a:t>4/21/2020</a:t>
             </a:fld>
             <a:endParaRPr lang="en-US"/>
           </a:p>
@@ -2411,7 +2439,7 @@
           <a:p>
             <a:fld id="{17B49B2E-EC6C-4037-9ACB-43BC4863C7EA}" type="datetimeFigureOut">
               <a:rPr lang="en-US" smtClean="0"/>
-              <a:t>4/19/2020</a:t>
+              <a:t>4/21/2020</a:t>
             </a:fld>
             <a:endParaRPr lang="en-US"/>
           </a:p>
@@ -2699,7 +2727,7 @@
           <a:p>
             <a:fld id="{17B49B2E-EC6C-4037-9ACB-43BC4863C7EA}" type="datetimeFigureOut">
               <a:rPr lang="en-US" smtClean="0"/>
-              <a:t>4/19/2020</a:t>
+              <a:t>4/21/2020</a:t>
             </a:fld>
             <a:endParaRPr lang="en-US"/>
           </a:p>
@@ -2940,7 +2968,7 @@
           <a:p>
             <a:fld id="{17B49B2E-EC6C-4037-9ACB-43BC4863C7EA}" type="datetimeFigureOut">
               <a:rPr lang="en-US" smtClean="0"/>
-              <a:t>4/19/2020</a:t>
+              <a:t>4/21/2020</a:t>
             </a:fld>
             <a:endParaRPr lang="en-US"/>
           </a:p>
@@ -3446,7 +3474,7 @@
           <p:cNvPr id="2" name="Title 1">
             <a:extLst>
               <a:ext uri="{FF2B5EF4-FFF2-40B4-BE49-F238E27FC236}">
-                <a16:creationId xmlns:a16="http://schemas.microsoft.com/office/drawing/2014/main" id="{E04E3372-C95E-44C7-90FA-D8A631A63FED}"/>
+                <a16:creationId xmlns:a16="http://schemas.microsoft.com/office/drawing/2014/main" id="{A5696142-A667-4045-9643-77E913D1303C}"/>
               </a:ext>
             </a:extLst>
           </p:cNvPr>
@@ -3464,7 +3492,7 @@
           <a:p>
             <a:r>
               <a:rPr lang="fr-FR" dirty="0"/>
-              <a:t>Construction d’un portefeuille</a:t>
+              <a:t>Le graphique de prix</a:t>
             </a:r>
             <a:endParaRPr lang="en-US" dirty="0"/>
           </a:p>
@@ -3475,7 +3503,7 @@
           <p:cNvPr id="3" name="Content Placeholder 2">
             <a:extLst>
               <a:ext uri="{FF2B5EF4-FFF2-40B4-BE49-F238E27FC236}">
-                <a16:creationId xmlns:a16="http://schemas.microsoft.com/office/drawing/2014/main" id="{ED9DB76D-9365-425E-A39F-5026367D4CBE}"/>
+                <a16:creationId xmlns:a16="http://schemas.microsoft.com/office/drawing/2014/main" id="{0A512346-E576-4C8F-810B-A629AD743BF3}"/>
               </a:ext>
             </a:extLst>
           </p:cNvPr>
@@ -3483,41 +3511,239 @@
             <a:spLocks noGrp="1"/>
           </p:cNvSpPr>
           <p:nvPr>
-            <p:ph idx="1"/>
+            <p:ph sz="half" idx="1"/>
           </p:nvPr>
         </p:nvSpPr>
-        <p:spPr/>
+        <p:spPr>
+          <a:xfrm>
+            <a:off x="838200" y="2598233"/>
+            <a:ext cx="5181600" cy="2747963"/>
+          </a:xfrm>
+        </p:spPr>
         <p:txBody>
           <a:bodyPr/>
           <a:lstStyle/>
           <a:p>
             <a:r>
               <a:rPr lang="fr-FR" dirty="0"/>
-              <a:t>Diversification != All In</a:t>
-            </a:r>
-          </a:p>
+              <a:t>Barres  </a:t>
+            </a:r>
+            <a:endParaRPr lang="en-US" dirty="0"/>
+          </a:p>
+        </p:txBody>
+      </p:sp>
+      <p:sp>
+        <p:nvSpPr>
+          <p:cNvPr id="5" name="Content Placeholder 4">
+            <a:extLst>
+              <a:ext uri="{FF2B5EF4-FFF2-40B4-BE49-F238E27FC236}">
+                <a16:creationId xmlns:a16="http://schemas.microsoft.com/office/drawing/2014/main" id="{F4EC5147-3E45-4B27-BF2F-801501201F0C}"/>
+              </a:ext>
+            </a:extLst>
+          </p:cNvPr>
+          <p:cNvSpPr>
+            <a:spLocks noGrp="1"/>
+          </p:cNvSpPr>
+          <p:nvPr>
+            <p:ph sz="half" idx="2"/>
+          </p:nvPr>
+        </p:nvSpPr>
+        <p:spPr>
+          <a:xfrm>
+            <a:off x="6328317" y="2598233"/>
+            <a:ext cx="5181600" cy="3578729"/>
+          </a:xfrm>
+        </p:spPr>
+        <p:txBody>
+          <a:bodyPr/>
+          <a:lstStyle/>
           <a:p>
             <a:r>
               <a:rPr lang="fr-FR" dirty="0"/>
-              <a:t>Gestion du risque</a:t>
-            </a:r>
-          </a:p>
-          <a:p>
-            <a:r>
-              <a:rPr lang="en-US" dirty="0" err="1"/>
-              <a:t>Nombre</a:t>
-            </a:r>
-            <a:r>
-              <a:rPr lang="en-US" dirty="0"/>
-              <a:t> de positions</a:t>
-            </a:r>
-          </a:p>
-        </p:txBody>
-      </p:sp>
+              <a:t>Les chandeliers japonais</a:t>
+            </a:r>
+          </a:p>
+          <a:p>
+            <a:pPr marL="0" indent="0">
+              <a:buNone/>
+            </a:pPr>
+            <a:endParaRPr lang="en-US" dirty="0"/>
+          </a:p>
+        </p:txBody>
+      </p:sp>
+      <p:pic>
+        <p:nvPicPr>
+          <p:cNvPr id="1026" name="Picture 2" descr="Candlestick chart - Wikiwand">
+            <a:extLst>
+              <a:ext uri="{FF2B5EF4-FFF2-40B4-BE49-F238E27FC236}">
+                <a16:creationId xmlns:a16="http://schemas.microsoft.com/office/drawing/2014/main" id="{4C93B5AF-7740-4477-955C-FCCD7B091D67}"/>
+              </a:ext>
+            </a:extLst>
+          </p:cNvPr>
+          <p:cNvPicPr>
+            <a:picLocks noChangeAspect="1" noChangeArrowheads="1"/>
+          </p:cNvPicPr>
+          <p:nvPr/>
+        </p:nvPicPr>
+        <p:blipFill>
+          <a:blip r:embed="rId2">
+            <a:extLst>
+              <a:ext uri="{28A0092B-C50C-407E-A947-70E740481C1C}">
+                <a14:useLocalDpi xmlns:a14="http://schemas.microsoft.com/office/drawing/2010/main" val="0"/>
+              </a:ext>
+            </a:extLst>
+          </a:blip>
+          <a:srcRect/>
+          <a:stretch>
+            <a:fillRect/>
+          </a:stretch>
+        </p:blipFill>
+        <p:spPr bwMode="auto">
+          <a:xfrm>
+            <a:off x="7124251" y="3388895"/>
+            <a:ext cx="3589731" cy="2388270"/>
+          </a:xfrm>
+          <a:prstGeom prst="rect">
+            <a:avLst/>
+          </a:prstGeom>
+          <a:noFill/>
+          <a:extLst>
+            <a:ext uri="{909E8E84-426E-40DD-AFC4-6F175D3DCCD1}">
+              <a14:hiddenFill xmlns:a14="http://schemas.microsoft.com/office/drawing/2010/main">
+                <a:solidFill>
+                  <a:srgbClr val="FFFFFF"/>
+                </a:solidFill>
+              </a14:hiddenFill>
+            </a:ext>
+          </a:extLst>
+        </p:spPr>
+      </p:pic>
+      <p:pic>
+        <p:nvPicPr>
+          <p:cNvPr id="1028" name="Picture 4" descr="Bar Definition">
+            <a:extLst>
+              <a:ext uri="{FF2B5EF4-FFF2-40B4-BE49-F238E27FC236}">
+                <a16:creationId xmlns:a16="http://schemas.microsoft.com/office/drawing/2014/main" id="{FC8E5857-68F5-4BC5-B843-D46F47566CA0}"/>
+              </a:ext>
+            </a:extLst>
+          </p:cNvPr>
+          <p:cNvPicPr>
+            <a:picLocks noChangeAspect="1" noChangeArrowheads="1"/>
+          </p:cNvPicPr>
+          <p:nvPr/>
+        </p:nvPicPr>
+        <p:blipFill>
+          <a:blip r:embed="rId3">
+            <a:extLst>
+              <a:ext uri="{28A0092B-C50C-407E-A947-70E740481C1C}">
+                <a14:useLocalDpi xmlns:a14="http://schemas.microsoft.com/office/drawing/2010/main" val="0"/>
+              </a:ext>
+            </a:extLst>
+          </a:blip>
+          <a:srcRect/>
+          <a:stretch>
+            <a:fillRect/>
+          </a:stretch>
+        </p:blipFill>
+        <p:spPr bwMode="auto">
+          <a:xfrm>
+            <a:off x="1762822" y="3876933"/>
+            <a:ext cx="3332356" cy="1765914"/>
+          </a:xfrm>
+          <a:prstGeom prst="rect">
+            <a:avLst/>
+          </a:prstGeom>
+          <a:noFill/>
+          <a:extLst>
+            <a:ext uri="{909E8E84-426E-40DD-AFC4-6F175D3DCCD1}">
+              <a14:hiddenFill xmlns:a14="http://schemas.microsoft.com/office/drawing/2010/main">
+                <a:solidFill>
+                  <a:srgbClr val="FFFFFF"/>
+                </a:solidFill>
+              </a14:hiddenFill>
+            </a:ext>
+          </a:extLst>
+        </p:spPr>
+      </p:pic>
+      <p:sp>
+        <p:nvSpPr>
+          <p:cNvPr id="7" name="Rectangle 6">
+            <a:extLst>
+              <a:ext uri="{FF2B5EF4-FFF2-40B4-BE49-F238E27FC236}">
+                <a16:creationId xmlns:a16="http://schemas.microsoft.com/office/drawing/2014/main" id="{2FFEA829-29CA-48B6-9EC5-F0E346BDF1F2}"/>
+              </a:ext>
+            </a:extLst>
+          </p:cNvPr>
+          <p:cNvSpPr/>
+          <p:nvPr/>
+        </p:nvSpPr>
+        <p:spPr>
+          <a:xfrm>
+            <a:off x="709513" y="1501363"/>
+            <a:ext cx="9956630" cy="800219"/>
+          </a:xfrm>
+          <a:prstGeom prst="rect">
+            <a:avLst/>
+          </a:prstGeom>
+        </p:spPr>
+        <p:txBody>
+          <a:bodyPr wrap="square">
+            <a:spAutoFit/>
+          </a:bodyPr>
+          <a:lstStyle/>
+          <a:p>
+            <a:pPr marL="457200" indent="-457200">
+              <a:buFont typeface="Arial" panose="020B0604020202020204" pitchFamily="34" charset="0"/>
+              <a:buChar char="•"/>
+            </a:pPr>
+            <a:r>
+              <a:rPr lang="fr-FR" sz="2800" dirty="0"/>
+              <a:t>Echelle de temps</a:t>
+            </a:r>
+          </a:p>
+          <a:p>
+            <a:pPr lvl="1"/>
+            <a:r>
+              <a:rPr lang="fr-FR" dirty="0"/>
+              <a:t>X Minutes, jour, semaine, mois en fonction du profil</a:t>
+            </a:r>
+          </a:p>
+        </p:txBody>
+      </p:sp>
+      <p:pic>
+        <p:nvPicPr>
+          <p:cNvPr id="9" name="Picture 8">
+            <a:extLst>
+              <a:ext uri="{FF2B5EF4-FFF2-40B4-BE49-F238E27FC236}">
+                <a16:creationId xmlns:a16="http://schemas.microsoft.com/office/drawing/2014/main" id="{C9F3E477-F153-4C2F-B0CB-7F0913BC746D}"/>
+              </a:ext>
+            </a:extLst>
+          </p:cNvPr>
+          <p:cNvPicPr>
+            <a:picLocks noChangeAspect="1"/>
+          </p:cNvPicPr>
+          <p:nvPr/>
+        </p:nvPicPr>
+        <p:blipFill>
+          <a:blip r:embed="rId4"/>
+          <a:stretch>
+            <a:fillRect/>
+          </a:stretch>
+        </p:blipFill>
+        <p:spPr>
+          <a:xfrm>
+            <a:off x="7327730" y="234657"/>
+            <a:ext cx="4352925" cy="2066925"/>
+          </a:xfrm>
+          <a:prstGeom prst="rect">
+            <a:avLst/>
+          </a:prstGeom>
+        </p:spPr>
+      </p:pic>
     </p:spTree>
     <p:extLst>
       <p:ext uri="{BB962C8B-B14F-4D97-AF65-F5344CB8AC3E}">
-        <p14:creationId xmlns:p14="http://schemas.microsoft.com/office/powerpoint/2010/main" val="2373413576"/>
+        <p14:creationId xmlns:p14="http://schemas.microsoft.com/office/powerpoint/2010/main" val="3647544170"/>
       </p:ext>
     </p:extLst>
   </p:cSld>
@@ -3544,59 +3770,68 @@
           <a:chExt cx="0" cy="0"/>
         </a:xfrm>
       </p:grpSpPr>
-      <p:pic>
-        <p:nvPicPr>
-          <p:cNvPr id="1026" name="Picture 2" descr="Psychology Charts &amp; Sentiment Cycles (Updated) | Cheat sheets ...">
-            <a:extLst>
-              <a:ext uri="{FF2B5EF4-FFF2-40B4-BE49-F238E27FC236}">
-                <a16:creationId xmlns:a16="http://schemas.microsoft.com/office/drawing/2014/main" id="{BE62A6C7-3A4B-47F0-93D0-55B174085862}"/>
-              </a:ext>
-            </a:extLst>
-          </p:cNvPr>
-          <p:cNvPicPr>
-            <a:picLocks noGrp="1" noChangeAspect="1" noChangeArrowheads="1"/>
-          </p:cNvPicPr>
+      <p:sp>
+        <p:nvSpPr>
+          <p:cNvPr id="2" name="Title 1">
+            <a:extLst>
+              <a:ext uri="{FF2B5EF4-FFF2-40B4-BE49-F238E27FC236}">
+                <a16:creationId xmlns:a16="http://schemas.microsoft.com/office/drawing/2014/main" id="{0174C7E8-0AD8-46BF-AE72-3EC502D53944}"/>
+              </a:ext>
+            </a:extLst>
+          </p:cNvPr>
+          <p:cNvSpPr>
+            <a:spLocks noGrp="1"/>
+          </p:cNvSpPr>
           <p:nvPr>
-            <p:ph idx="1"/>
+            <p:ph type="title"/>
           </p:nvPr>
-        </p:nvPicPr>
-        <p:blipFill>
-          <a:blip r:embed="rId2">
-            <a:extLst>
-              <a:ext uri="{28A0092B-C50C-407E-A947-70E740481C1C}">
-                <a14:useLocalDpi xmlns:a14="http://schemas.microsoft.com/office/drawing/2010/main" val="0"/>
-              </a:ext>
-            </a:extLst>
-          </a:blip>
-          <a:srcRect/>
-          <a:stretch>
-            <a:fillRect/>
-          </a:stretch>
-        </p:blipFill>
-        <p:spPr bwMode="auto">
-          <a:xfrm>
-            <a:off x="2821259" y="1361706"/>
-            <a:ext cx="6523463" cy="5300315"/>
-          </a:xfrm>
-          <a:prstGeom prst="rect">
-            <a:avLst/>
-          </a:prstGeom>
-          <a:noFill/>
-          <a:extLst>
-            <a:ext uri="{909E8E84-426E-40DD-AFC4-6F175D3DCCD1}">
-              <a14:hiddenFill xmlns:a14="http://schemas.microsoft.com/office/drawing/2010/main">
-                <a:solidFill>
-                  <a:srgbClr val="FFFFFF"/>
-                </a:solidFill>
-              </a14:hiddenFill>
-            </a:ext>
-          </a:extLst>
-        </p:spPr>
-      </p:pic>
+        </p:nvSpPr>
+        <p:spPr/>
+        <p:txBody>
+          <a:bodyPr/>
+          <a:lstStyle/>
+          <a:p>
+            <a:r>
+              <a:rPr lang="fr-FR" dirty="0"/>
+              <a:t>Décision &amp; </a:t>
+            </a:r>
+            <a:r>
+              <a:rPr lang="fr-FR" dirty="0" err="1"/>
+              <a:t>Strategies</a:t>
+            </a:r>
+            <a:endParaRPr lang="en-US" dirty="0"/>
+          </a:p>
+        </p:txBody>
+      </p:sp>
+      <p:sp>
+        <p:nvSpPr>
+          <p:cNvPr id="4" name="Text Placeholder 3">
+            <a:extLst>
+              <a:ext uri="{FF2B5EF4-FFF2-40B4-BE49-F238E27FC236}">
+                <a16:creationId xmlns:a16="http://schemas.microsoft.com/office/drawing/2014/main" id="{08AADF6F-A497-4FF7-B627-216B7F641585}"/>
+              </a:ext>
+            </a:extLst>
+          </p:cNvPr>
+          <p:cNvSpPr>
+            <a:spLocks noGrp="1"/>
+          </p:cNvSpPr>
+          <p:nvPr>
+            <p:ph type="body" idx="1"/>
+          </p:nvPr>
+        </p:nvSpPr>
+        <p:spPr/>
+        <p:txBody>
+          <a:bodyPr/>
+          <a:lstStyle/>
+          <a:p>
+            <a:endParaRPr lang="en-US"/>
+          </a:p>
+        </p:txBody>
+      </p:sp>
     </p:spTree>
     <p:extLst>
       <p:ext uri="{BB962C8B-B14F-4D97-AF65-F5344CB8AC3E}">
-        <p14:creationId xmlns:p14="http://schemas.microsoft.com/office/powerpoint/2010/main" val="725611940"/>
+        <p14:creationId xmlns:p14="http://schemas.microsoft.com/office/powerpoint/2010/main" val="580380791"/>
       </p:ext>
     </p:extLst>
   </p:cSld>
@@ -3625,10 +3860,10 @@
       </p:grpSpPr>
       <p:sp>
         <p:nvSpPr>
-          <p:cNvPr id="2" name="Title 1">
-            <a:extLst>
-              <a:ext uri="{FF2B5EF4-FFF2-40B4-BE49-F238E27FC236}">
-                <a16:creationId xmlns:a16="http://schemas.microsoft.com/office/drawing/2014/main" id="{8799B785-EEBE-49C4-AB80-AC77F7A85E20}"/>
+          <p:cNvPr id="5" name="Title 4">
+            <a:extLst>
+              <a:ext uri="{FF2B5EF4-FFF2-40B4-BE49-F238E27FC236}">
+                <a16:creationId xmlns:a16="http://schemas.microsoft.com/office/drawing/2014/main" id="{30187587-F81A-46A9-BBF3-21E69C23AE4A}"/>
               </a:ext>
             </a:extLst>
           </p:cNvPr>
@@ -3646,7 +3881,7 @@
           <a:p>
             <a:r>
               <a:rPr lang="fr-FR" dirty="0"/>
-              <a:t>Psychologie</a:t>
+              <a:t>Théorie de Dow</a:t>
             </a:r>
             <a:endParaRPr lang="en-US" dirty="0"/>
           </a:p>
@@ -3654,10 +3889,10 @@
       </p:sp>
       <p:sp>
         <p:nvSpPr>
-          <p:cNvPr id="3" name="Content Placeholder 2">
-            <a:extLst>
-              <a:ext uri="{FF2B5EF4-FFF2-40B4-BE49-F238E27FC236}">
-                <a16:creationId xmlns:a16="http://schemas.microsoft.com/office/drawing/2014/main" id="{EDA62261-4CE3-4393-9DEA-A5C83C80C12E}"/>
+          <p:cNvPr id="6" name="Content Placeholder 5">
+            <a:extLst>
+              <a:ext uri="{FF2B5EF4-FFF2-40B4-BE49-F238E27FC236}">
+                <a16:creationId xmlns:a16="http://schemas.microsoft.com/office/drawing/2014/main" id="{2C233374-EC03-434C-97CF-D27D823FDB7D}"/>
               </a:ext>
             </a:extLst>
           </p:cNvPr>
@@ -3668,48 +3903,84 @@
             <p:ph idx="1"/>
           </p:nvPr>
         </p:nvSpPr>
-        <p:spPr/>
+        <p:spPr>
+          <a:xfrm>
+            <a:off x="838200" y="1825625"/>
+            <a:ext cx="4784678" cy="4351338"/>
+          </a:xfrm>
+        </p:spPr>
         <p:txBody>
           <a:bodyPr/>
           <a:lstStyle/>
           <a:p>
             <a:r>
               <a:rPr lang="fr-FR" dirty="0"/>
-              <a:t>Couper les pertes et laisser courir les gains</a:t>
-            </a:r>
-          </a:p>
-          <a:p>
-            <a:pPr lvl="1">
-              <a:buFont typeface="Wingdings" panose="05000000000000000000" pitchFamily="2" charset="2"/>
-              <a:buChar char="è"/>
+              <a:t>Tendance haussière</a:t>
+            </a:r>
+          </a:p>
+          <a:p>
+            <a:pPr marL="457200" lvl="1" indent="0">
+              <a:buNone/>
             </a:pPr>
             <a:r>
               <a:rPr lang="fr-FR" dirty="0">
                 <a:sym typeface="Wingdings" panose="05000000000000000000" pitchFamily="2" charset="2"/>
               </a:rPr>
-              <a:t>Contre la nature humaine</a:t>
-            </a:r>
-          </a:p>
-          <a:p>
-            <a:r>
-              <a:rPr lang="en-US" dirty="0"/>
-              <a:t>Ne pas </a:t>
-            </a:r>
-            <a:r>
-              <a:rPr lang="en-US" dirty="0" err="1"/>
-              <a:t>vouloir</a:t>
-            </a:r>
-            <a:r>
-              <a:rPr lang="en-US" dirty="0"/>
+              <a:t>Succession de points hauts plus hauts et de points bas plus hauts, </a:t>
+            </a:r>
+            <a:r>
+              <a:rPr lang="fr-FR" dirty="0" err="1">
+                <a:sym typeface="Wingdings" panose="05000000000000000000" pitchFamily="2" charset="2"/>
+              </a:rPr>
+              <a:t>higher</a:t>
+            </a:r>
+            <a:r>
+              <a:rPr lang="fr-FR" dirty="0">
+                <a:sym typeface="Wingdings" panose="05000000000000000000" pitchFamily="2" charset="2"/>
+              </a:rPr>
               <a:t> </a:t>
             </a:r>
             <a:r>
-              <a:rPr lang="en-US" dirty="0" err="1"/>
-              <a:t>avoir</a:t>
-            </a:r>
-            <a:r>
-              <a:rPr lang="en-US" dirty="0"/>
-              <a:t> raison</a:t>
+              <a:rPr lang="fr-FR" dirty="0" err="1">
+                <a:sym typeface="Wingdings" panose="05000000000000000000" pitchFamily="2" charset="2"/>
+              </a:rPr>
+              <a:t>highs</a:t>
+            </a:r>
+            <a:r>
+              <a:rPr lang="fr-FR" dirty="0">
+                <a:sym typeface="Wingdings" panose="05000000000000000000" pitchFamily="2" charset="2"/>
+              </a:rPr>
+              <a:t> &amp; </a:t>
+            </a:r>
+            <a:r>
+              <a:rPr lang="fr-FR" dirty="0" err="1">
+                <a:sym typeface="Wingdings" panose="05000000000000000000" pitchFamily="2" charset="2"/>
+              </a:rPr>
+              <a:t>lower</a:t>
+            </a:r>
+            <a:r>
+              <a:rPr lang="fr-FR" dirty="0">
+                <a:sym typeface="Wingdings" panose="05000000000000000000" pitchFamily="2" charset="2"/>
+              </a:rPr>
+              <a:t> </a:t>
+            </a:r>
+            <a:r>
+              <a:rPr lang="fr-FR" dirty="0" err="1">
+                <a:sym typeface="Wingdings" panose="05000000000000000000" pitchFamily="2" charset="2"/>
+              </a:rPr>
+              <a:t>lows</a:t>
+            </a:r>
+            <a:r>
+              <a:rPr lang="fr-FR" dirty="0">
+                <a:sym typeface="Wingdings" panose="05000000000000000000" pitchFamily="2" charset="2"/>
+              </a:rPr>
+              <a:t> (HH, HL)</a:t>
+            </a:r>
+          </a:p>
+          <a:p>
+            <a:r>
+              <a:rPr lang="fr-FR" dirty="0"/>
+              <a:t>Tendance baissière</a:t>
             </a:r>
           </a:p>
           <a:p>
@@ -3717,25 +3988,4899 @@
               <a:buNone/>
             </a:pPr>
             <a:r>
-              <a:rPr lang="en-US" dirty="0">
+              <a:rPr lang="fr-FR" dirty="0">
                 <a:sym typeface="Wingdings" panose="05000000000000000000" pitchFamily="2" charset="2"/>
               </a:rPr>
-              <a:t>Ranger son </a:t>
-            </a:r>
-            <a:r>
-              <a:rPr lang="en-US" dirty="0" err="1">
+              <a:t>Succession de points bas plus bas et de points hauts plus bas </a:t>
+            </a:r>
+            <a:r>
+              <a:rPr lang="fr-FR" dirty="0" err="1">
                 <a:sym typeface="Wingdings" panose="05000000000000000000" pitchFamily="2" charset="2"/>
               </a:rPr>
-              <a:t>égo</a:t>
-            </a:r>
+              <a:t>Lower</a:t>
+            </a:r>
+            <a:r>
+              <a:rPr lang="fr-FR" dirty="0">
+                <a:sym typeface="Wingdings" panose="05000000000000000000" pitchFamily="2" charset="2"/>
+              </a:rPr>
+              <a:t> </a:t>
+            </a:r>
+            <a:r>
+              <a:rPr lang="fr-FR" dirty="0" err="1">
+                <a:sym typeface="Wingdings" panose="05000000000000000000" pitchFamily="2" charset="2"/>
+              </a:rPr>
+              <a:t>highs</a:t>
+            </a:r>
+            <a:r>
+              <a:rPr lang="fr-FR" dirty="0">
+                <a:sym typeface="Wingdings" panose="05000000000000000000" pitchFamily="2" charset="2"/>
+              </a:rPr>
+              <a:t> and </a:t>
+            </a:r>
+            <a:r>
+              <a:rPr lang="fr-FR" dirty="0" err="1">
+                <a:sym typeface="Wingdings" panose="05000000000000000000" pitchFamily="2" charset="2"/>
+              </a:rPr>
+              <a:t>lower</a:t>
+            </a:r>
+            <a:r>
+              <a:rPr lang="fr-FR" dirty="0">
+                <a:sym typeface="Wingdings" panose="05000000000000000000" pitchFamily="2" charset="2"/>
+              </a:rPr>
+              <a:t> </a:t>
+            </a:r>
+            <a:r>
+              <a:rPr lang="fr-FR" dirty="0" err="1">
+                <a:sym typeface="Wingdings" panose="05000000000000000000" pitchFamily="2" charset="2"/>
+              </a:rPr>
+              <a:t>lows</a:t>
+            </a:r>
+            <a:r>
+              <a:rPr lang="fr-FR" dirty="0">
+                <a:sym typeface="Wingdings" panose="05000000000000000000" pitchFamily="2" charset="2"/>
+              </a:rPr>
+              <a:t> (LH,LL)</a:t>
+            </a:r>
+          </a:p>
+          <a:p>
+            <a:pPr marL="457200" lvl="1" indent="0">
+              <a:buNone/>
+            </a:pPr>
+            <a:endParaRPr lang="fr-FR" dirty="0">
+              <a:sym typeface="Wingdings" panose="05000000000000000000" pitchFamily="2" charset="2"/>
+            </a:endParaRPr>
+          </a:p>
+          <a:p>
+            <a:pPr marL="0" indent="0">
+              <a:buNone/>
+            </a:pPr>
             <a:endParaRPr lang="en-US" dirty="0"/>
+          </a:p>
+        </p:txBody>
+      </p:sp>
+      <p:sp>
+        <p:nvSpPr>
+          <p:cNvPr id="7" name="Freeform: Shape 6">
+            <a:extLst>
+              <a:ext uri="{FF2B5EF4-FFF2-40B4-BE49-F238E27FC236}">
+                <a16:creationId xmlns:a16="http://schemas.microsoft.com/office/drawing/2014/main" id="{B6992A3D-1B42-47AE-A75F-927D906849B8}"/>
+              </a:ext>
+            </a:extLst>
+          </p:cNvPr>
+          <p:cNvSpPr/>
+          <p:nvPr/>
+        </p:nvSpPr>
+        <p:spPr>
+          <a:xfrm>
+            <a:off x="5199797" y="2431048"/>
+            <a:ext cx="6564573" cy="3901513"/>
+          </a:xfrm>
+          <a:custGeom>
+            <a:avLst/>
+            <a:gdLst>
+              <a:gd name="connsiteX0" fmla="*/ 0 w 6564573"/>
+              <a:gd name="connsiteY0" fmla="*/ 3328307 h 3901513"/>
+              <a:gd name="connsiteX1" fmla="*/ 423081 w 6564573"/>
+              <a:gd name="connsiteY1" fmla="*/ 3805979 h 3901513"/>
+              <a:gd name="connsiteX2" fmla="*/ 914400 w 6564573"/>
+              <a:gd name="connsiteY2" fmla="*/ 2782397 h 3901513"/>
+              <a:gd name="connsiteX3" fmla="*/ 1378424 w 6564573"/>
+              <a:gd name="connsiteY3" fmla="*/ 3178182 h 3901513"/>
+              <a:gd name="connsiteX4" fmla="*/ 1719618 w 6564573"/>
+              <a:gd name="connsiteY4" fmla="*/ 2127304 h 3901513"/>
+              <a:gd name="connsiteX5" fmla="*/ 2088107 w 6564573"/>
+              <a:gd name="connsiteY5" fmla="*/ 2427555 h 3901513"/>
+              <a:gd name="connsiteX6" fmla="*/ 2388358 w 6564573"/>
+              <a:gd name="connsiteY6" fmla="*/ 1185609 h 3901513"/>
+              <a:gd name="connsiteX7" fmla="*/ 2838734 w 6564573"/>
+              <a:gd name="connsiteY7" fmla="*/ 1472212 h 3901513"/>
+              <a:gd name="connsiteX8" fmla="*/ 3179928 w 6564573"/>
+              <a:gd name="connsiteY8" fmla="*/ 11901 h 3901513"/>
+              <a:gd name="connsiteX9" fmla="*/ 3466531 w 6564573"/>
+              <a:gd name="connsiteY9" fmla="*/ 762528 h 3901513"/>
+              <a:gd name="connsiteX10" fmla="*/ 3889612 w 6564573"/>
+              <a:gd name="connsiteY10" fmla="*/ 421334 h 3901513"/>
+              <a:gd name="connsiteX11" fmla="*/ 4107976 w 6564573"/>
+              <a:gd name="connsiteY11" fmla="*/ 1226552 h 3901513"/>
+              <a:gd name="connsiteX12" fmla="*/ 4640239 w 6564573"/>
+              <a:gd name="connsiteY12" fmla="*/ 899006 h 3901513"/>
+              <a:gd name="connsiteX13" fmla="*/ 5036024 w 6564573"/>
+              <a:gd name="connsiteY13" fmla="*/ 2427555 h 3901513"/>
+              <a:gd name="connsiteX14" fmla="*/ 5500048 w 6564573"/>
+              <a:gd name="connsiteY14" fmla="*/ 1676928 h 3901513"/>
+              <a:gd name="connsiteX15" fmla="*/ 5882185 w 6564573"/>
+              <a:gd name="connsiteY15" fmla="*/ 3246421 h 3901513"/>
+              <a:gd name="connsiteX16" fmla="*/ 6182436 w 6564573"/>
+              <a:gd name="connsiteY16" fmla="*/ 2836988 h 3901513"/>
+              <a:gd name="connsiteX17" fmla="*/ 6564573 w 6564573"/>
+              <a:gd name="connsiteY17" fmla="*/ 3901513 h 3901513"/>
+            </a:gdLst>
+            <a:ahLst/>
+            <a:cxnLst>
+              <a:cxn ang="0">
+                <a:pos x="connsiteX0" y="connsiteY0"/>
+              </a:cxn>
+              <a:cxn ang="0">
+                <a:pos x="connsiteX1" y="connsiteY1"/>
+              </a:cxn>
+              <a:cxn ang="0">
+                <a:pos x="connsiteX2" y="connsiteY2"/>
+              </a:cxn>
+              <a:cxn ang="0">
+                <a:pos x="connsiteX3" y="connsiteY3"/>
+              </a:cxn>
+              <a:cxn ang="0">
+                <a:pos x="connsiteX4" y="connsiteY4"/>
+              </a:cxn>
+              <a:cxn ang="0">
+                <a:pos x="connsiteX5" y="connsiteY5"/>
+              </a:cxn>
+              <a:cxn ang="0">
+                <a:pos x="connsiteX6" y="connsiteY6"/>
+              </a:cxn>
+              <a:cxn ang="0">
+                <a:pos x="connsiteX7" y="connsiteY7"/>
+              </a:cxn>
+              <a:cxn ang="0">
+                <a:pos x="connsiteX8" y="connsiteY8"/>
+              </a:cxn>
+              <a:cxn ang="0">
+                <a:pos x="connsiteX9" y="connsiteY9"/>
+              </a:cxn>
+              <a:cxn ang="0">
+                <a:pos x="connsiteX10" y="connsiteY10"/>
+              </a:cxn>
+              <a:cxn ang="0">
+                <a:pos x="connsiteX11" y="connsiteY11"/>
+              </a:cxn>
+              <a:cxn ang="0">
+                <a:pos x="connsiteX12" y="connsiteY12"/>
+              </a:cxn>
+              <a:cxn ang="0">
+                <a:pos x="connsiteX13" y="connsiteY13"/>
+              </a:cxn>
+              <a:cxn ang="0">
+                <a:pos x="connsiteX14" y="connsiteY14"/>
+              </a:cxn>
+              <a:cxn ang="0">
+                <a:pos x="connsiteX15" y="connsiteY15"/>
+              </a:cxn>
+              <a:cxn ang="0">
+                <a:pos x="connsiteX16" y="connsiteY16"/>
+              </a:cxn>
+              <a:cxn ang="0">
+                <a:pos x="connsiteX17" y="connsiteY17"/>
+              </a:cxn>
+            </a:cxnLst>
+            <a:rect l="l" t="t" r="r" b="b"/>
+            <a:pathLst>
+              <a:path w="6564573" h="3901513">
+                <a:moveTo>
+                  <a:pt x="0" y="3328307"/>
+                </a:moveTo>
+                <a:cubicBezTo>
+                  <a:pt x="135340" y="3612635"/>
+                  <a:pt x="270681" y="3896964"/>
+                  <a:pt x="423081" y="3805979"/>
+                </a:cubicBezTo>
+                <a:cubicBezTo>
+                  <a:pt x="575481" y="3714994"/>
+                  <a:pt x="755176" y="2887030"/>
+                  <a:pt x="914400" y="2782397"/>
+                </a:cubicBezTo>
+                <a:cubicBezTo>
+                  <a:pt x="1073624" y="2677764"/>
+                  <a:pt x="1244221" y="3287364"/>
+                  <a:pt x="1378424" y="3178182"/>
+                </a:cubicBezTo>
+                <a:cubicBezTo>
+                  <a:pt x="1512627" y="3069000"/>
+                  <a:pt x="1601338" y="2252408"/>
+                  <a:pt x="1719618" y="2127304"/>
+                </a:cubicBezTo>
+                <a:cubicBezTo>
+                  <a:pt x="1837898" y="2002200"/>
+                  <a:pt x="1976650" y="2584504"/>
+                  <a:pt x="2088107" y="2427555"/>
+                </a:cubicBezTo>
+                <a:cubicBezTo>
+                  <a:pt x="2199564" y="2270606"/>
+                  <a:pt x="2263254" y="1344833"/>
+                  <a:pt x="2388358" y="1185609"/>
+                </a:cubicBezTo>
+                <a:cubicBezTo>
+                  <a:pt x="2513462" y="1026385"/>
+                  <a:pt x="2706806" y="1667830"/>
+                  <a:pt x="2838734" y="1472212"/>
+                </a:cubicBezTo>
+                <a:cubicBezTo>
+                  <a:pt x="2970662" y="1276594"/>
+                  <a:pt x="3075295" y="130181"/>
+                  <a:pt x="3179928" y="11901"/>
+                </a:cubicBezTo>
+                <a:cubicBezTo>
+                  <a:pt x="3284561" y="-106379"/>
+                  <a:pt x="3348250" y="694289"/>
+                  <a:pt x="3466531" y="762528"/>
+                </a:cubicBezTo>
+                <a:cubicBezTo>
+                  <a:pt x="3584812" y="830767"/>
+                  <a:pt x="3782705" y="343997"/>
+                  <a:pt x="3889612" y="421334"/>
+                </a:cubicBezTo>
+                <a:cubicBezTo>
+                  <a:pt x="3996520" y="498671"/>
+                  <a:pt x="3982872" y="1146940"/>
+                  <a:pt x="4107976" y="1226552"/>
+                </a:cubicBezTo>
+                <a:cubicBezTo>
+                  <a:pt x="4233081" y="1306164"/>
+                  <a:pt x="4485564" y="698839"/>
+                  <a:pt x="4640239" y="899006"/>
+                </a:cubicBezTo>
+                <a:cubicBezTo>
+                  <a:pt x="4794914" y="1099173"/>
+                  <a:pt x="4892723" y="2297901"/>
+                  <a:pt x="5036024" y="2427555"/>
+                </a:cubicBezTo>
+                <a:cubicBezTo>
+                  <a:pt x="5179325" y="2557209"/>
+                  <a:pt x="5359021" y="1540450"/>
+                  <a:pt x="5500048" y="1676928"/>
+                </a:cubicBezTo>
+                <a:cubicBezTo>
+                  <a:pt x="5641075" y="1813406"/>
+                  <a:pt x="5768454" y="3053078"/>
+                  <a:pt x="5882185" y="3246421"/>
+                </a:cubicBezTo>
+                <a:cubicBezTo>
+                  <a:pt x="5995916" y="3439764"/>
+                  <a:pt x="6068705" y="2727806"/>
+                  <a:pt x="6182436" y="2836988"/>
+                </a:cubicBezTo>
+                <a:cubicBezTo>
+                  <a:pt x="6296167" y="2946170"/>
+                  <a:pt x="6430370" y="3423841"/>
+                  <a:pt x="6564573" y="3901513"/>
+                </a:cubicBezTo>
+              </a:path>
+            </a:pathLst>
+          </a:custGeom>
+          <a:noFill/>
+        </p:spPr>
+        <p:style>
+          <a:lnRef idx="2">
+            <a:schemeClr val="accent1">
+              <a:shade val="50000"/>
+            </a:schemeClr>
+          </a:lnRef>
+          <a:fillRef idx="1">
+            <a:schemeClr val="accent1"/>
+          </a:fillRef>
+          <a:effectRef idx="0">
+            <a:schemeClr val="accent1"/>
+          </a:effectRef>
+          <a:fontRef idx="minor">
+            <a:schemeClr val="lt1"/>
+          </a:fontRef>
+        </p:style>
+        <p:txBody>
+          <a:bodyPr rtlCol="0" anchor="ctr"/>
+          <a:lstStyle/>
+          <a:p>
+            <a:pPr algn="ctr"/>
+            <a:endParaRPr lang="en-US" sz="1400"/>
+          </a:p>
+        </p:txBody>
+      </p:sp>
+      <p:sp>
+        <p:nvSpPr>
+          <p:cNvPr id="9" name="TextBox 8">
+            <a:extLst>
+              <a:ext uri="{FF2B5EF4-FFF2-40B4-BE49-F238E27FC236}">
+                <a16:creationId xmlns:a16="http://schemas.microsoft.com/office/drawing/2014/main" id="{882820C5-B375-4264-8235-73C9F8C033ED}"/>
+              </a:ext>
+            </a:extLst>
+          </p:cNvPr>
+          <p:cNvSpPr txBox="1"/>
+          <p:nvPr/>
+        </p:nvSpPr>
+        <p:spPr>
+          <a:xfrm>
+            <a:off x="11183204" y="5024106"/>
+            <a:ext cx="477672" cy="307777"/>
+          </a:xfrm>
+          <a:prstGeom prst="rect">
+            <a:avLst/>
+          </a:prstGeom>
+          <a:noFill/>
+        </p:spPr>
+        <p:txBody>
+          <a:bodyPr wrap="square" rtlCol="0">
+            <a:spAutoFit/>
+          </a:bodyPr>
+          <a:lstStyle/>
+          <a:p>
+            <a:r>
+              <a:rPr lang="fr-FR" sz="1400" dirty="0"/>
+              <a:t>LH</a:t>
+            </a:r>
+            <a:endParaRPr lang="en-US" sz="1400" dirty="0"/>
+          </a:p>
+        </p:txBody>
+      </p:sp>
+      <p:sp>
+        <p:nvSpPr>
+          <p:cNvPr id="10" name="TextBox 9">
+            <a:extLst>
+              <a:ext uri="{FF2B5EF4-FFF2-40B4-BE49-F238E27FC236}">
+                <a16:creationId xmlns:a16="http://schemas.microsoft.com/office/drawing/2014/main" id="{811AC5CC-82D5-47E4-84CC-FE13A033BC7F}"/>
+              </a:ext>
+            </a:extLst>
+          </p:cNvPr>
+          <p:cNvSpPr txBox="1"/>
+          <p:nvPr/>
+        </p:nvSpPr>
+        <p:spPr>
+          <a:xfrm>
+            <a:off x="9180682" y="3615392"/>
+            <a:ext cx="477672" cy="307777"/>
+          </a:xfrm>
+          <a:prstGeom prst="rect">
+            <a:avLst/>
+          </a:prstGeom>
+          <a:noFill/>
+        </p:spPr>
+        <p:txBody>
+          <a:bodyPr wrap="square" rtlCol="0">
+            <a:spAutoFit/>
+          </a:bodyPr>
+          <a:lstStyle/>
+          <a:p>
+            <a:r>
+              <a:rPr lang="fr-FR" sz="1400" dirty="0"/>
+              <a:t>LL</a:t>
+            </a:r>
+            <a:endParaRPr lang="en-US" sz="1400" dirty="0"/>
+          </a:p>
+        </p:txBody>
+      </p:sp>
+      <p:sp>
+        <p:nvSpPr>
+          <p:cNvPr id="13" name="TextBox 12">
+            <a:extLst>
+              <a:ext uri="{FF2B5EF4-FFF2-40B4-BE49-F238E27FC236}">
+                <a16:creationId xmlns:a16="http://schemas.microsoft.com/office/drawing/2014/main" id="{96C243CC-8D1B-4300-8A1F-E0D38F467744}"/>
+              </a:ext>
+            </a:extLst>
+          </p:cNvPr>
+          <p:cNvSpPr txBox="1"/>
+          <p:nvPr/>
+        </p:nvSpPr>
+        <p:spPr>
+          <a:xfrm>
+            <a:off x="8194348" y="2148391"/>
+            <a:ext cx="477672" cy="307777"/>
+          </a:xfrm>
+          <a:prstGeom prst="rect">
+            <a:avLst/>
+          </a:prstGeom>
+          <a:noFill/>
+        </p:spPr>
+        <p:txBody>
+          <a:bodyPr wrap="square" rtlCol="0">
+            <a:spAutoFit/>
+          </a:bodyPr>
+          <a:lstStyle/>
+          <a:p>
+            <a:r>
+              <a:rPr lang="fr-FR" sz="1400" dirty="0"/>
+              <a:t>HH</a:t>
+            </a:r>
+            <a:endParaRPr lang="en-US" sz="1400" dirty="0"/>
+          </a:p>
+        </p:txBody>
+      </p:sp>
+      <p:sp>
+        <p:nvSpPr>
+          <p:cNvPr id="14" name="TextBox 13">
+            <a:extLst>
+              <a:ext uri="{FF2B5EF4-FFF2-40B4-BE49-F238E27FC236}">
+                <a16:creationId xmlns:a16="http://schemas.microsoft.com/office/drawing/2014/main" id="{8DAD73D5-1470-4E84-B301-7DFA08CED590}"/>
+              </a:ext>
+            </a:extLst>
+          </p:cNvPr>
+          <p:cNvSpPr txBox="1"/>
+          <p:nvPr/>
+        </p:nvSpPr>
+        <p:spPr>
+          <a:xfrm>
+            <a:off x="7426660" y="3293193"/>
+            <a:ext cx="477672" cy="307777"/>
+          </a:xfrm>
+          <a:prstGeom prst="rect">
+            <a:avLst/>
+          </a:prstGeom>
+          <a:noFill/>
+        </p:spPr>
+        <p:txBody>
+          <a:bodyPr wrap="square" rtlCol="0">
+            <a:spAutoFit/>
+          </a:bodyPr>
+          <a:lstStyle/>
+          <a:p>
+            <a:r>
+              <a:rPr lang="fr-FR" sz="1400" dirty="0"/>
+              <a:t>HH</a:t>
+            </a:r>
+            <a:endParaRPr lang="en-US" sz="1400" dirty="0"/>
+          </a:p>
+        </p:txBody>
+      </p:sp>
+      <p:sp>
+        <p:nvSpPr>
+          <p:cNvPr id="15" name="TextBox 14">
+            <a:extLst>
+              <a:ext uri="{FF2B5EF4-FFF2-40B4-BE49-F238E27FC236}">
+                <a16:creationId xmlns:a16="http://schemas.microsoft.com/office/drawing/2014/main" id="{0763A331-382B-48A1-A7A7-1870FFB79DA4}"/>
+              </a:ext>
+            </a:extLst>
+          </p:cNvPr>
+          <p:cNvSpPr txBox="1"/>
+          <p:nvPr/>
+        </p:nvSpPr>
+        <p:spPr>
+          <a:xfrm>
+            <a:off x="6728348" y="4217062"/>
+            <a:ext cx="477672" cy="307777"/>
+          </a:xfrm>
+          <a:prstGeom prst="rect">
+            <a:avLst/>
+          </a:prstGeom>
+          <a:noFill/>
+        </p:spPr>
+        <p:txBody>
+          <a:bodyPr wrap="square" rtlCol="0">
+            <a:spAutoFit/>
+          </a:bodyPr>
+          <a:lstStyle/>
+          <a:p>
+            <a:r>
+              <a:rPr lang="fr-FR" sz="1400" dirty="0"/>
+              <a:t>HH</a:t>
+            </a:r>
+            <a:endParaRPr lang="en-US" sz="1400" dirty="0"/>
+          </a:p>
+        </p:txBody>
+      </p:sp>
+      <p:sp>
+        <p:nvSpPr>
+          <p:cNvPr id="16" name="TextBox 15">
+            <a:extLst>
+              <a:ext uri="{FF2B5EF4-FFF2-40B4-BE49-F238E27FC236}">
+                <a16:creationId xmlns:a16="http://schemas.microsoft.com/office/drawing/2014/main" id="{391E031E-FD13-485B-9E18-0DBE1087AB42}"/>
+              </a:ext>
+            </a:extLst>
+          </p:cNvPr>
+          <p:cNvSpPr txBox="1"/>
+          <p:nvPr/>
+        </p:nvSpPr>
+        <p:spPr>
+          <a:xfrm>
+            <a:off x="5964641" y="4941500"/>
+            <a:ext cx="477672" cy="307777"/>
+          </a:xfrm>
+          <a:prstGeom prst="rect">
+            <a:avLst/>
+          </a:prstGeom>
+          <a:noFill/>
+        </p:spPr>
+        <p:txBody>
+          <a:bodyPr wrap="square" rtlCol="0">
+            <a:spAutoFit/>
+          </a:bodyPr>
+          <a:lstStyle/>
+          <a:p>
+            <a:r>
+              <a:rPr lang="fr-FR" sz="1400" dirty="0"/>
+              <a:t>HH</a:t>
+            </a:r>
+            <a:endParaRPr lang="en-US" sz="1400" dirty="0"/>
+          </a:p>
+        </p:txBody>
+      </p:sp>
+      <p:sp>
+        <p:nvSpPr>
+          <p:cNvPr id="17" name="TextBox 16">
+            <a:extLst>
+              <a:ext uri="{FF2B5EF4-FFF2-40B4-BE49-F238E27FC236}">
+                <a16:creationId xmlns:a16="http://schemas.microsoft.com/office/drawing/2014/main" id="{3321BDEA-0AA4-42E3-B7FB-2C1F5FF60053}"/>
+              </a:ext>
+            </a:extLst>
+          </p:cNvPr>
+          <p:cNvSpPr txBox="1"/>
+          <p:nvPr/>
+        </p:nvSpPr>
+        <p:spPr>
+          <a:xfrm>
+            <a:off x="10495699" y="3836682"/>
+            <a:ext cx="477672" cy="307777"/>
+          </a:xfrm>
+          <a:prstGeom prst="rect">
+            <a:avLst/>
+          </a:prstGeom>
+          <a:noFill/>
+        </p:spPr>
+        <p:txBody>
+          <a:bodyPr wrap="square" rtlCol="0">
+            <a:spAutoFit/>
+          </a:bodyPr>
+          <a:lstStyle/>
+          <a:p>
+            <a:r>
+              <a:rPr lang="fr-FR" sz="1400" dirty="0"/>
+              <a:t>LH</a:t>
+            </a:r>
+            <a:endParaRPr lang="en-US" sz="1400" dirty="0"/>
+          </a:p>
+        </p:txBody>
+      </p:sp>
+      <p:sp>
+        <p:nvSpPr>
+          <p:cNvPr id="18" name="TextBox 17">
+            <a:extLst>
+              <a:ext uri="{FF2B5EF4-FFF2-40B4-BE49-F238E27FC236}">
+                <a16:creationId xmlns:a16="http://schemas.microsoft.com/office/drawing/2014/main" id="{B2707481-F584-4F4E-9817-EDABE4F19F46}"/>
+              </a:ext>
+            </a:extLst>
+          </p:cNvPr>
+          <p:cNvSpPr txBox="1"/>
+          <p:nvPr/>
+        </p:nvSpPr>
+        <p:spPr>
+          <a:xfrm>
+            <a:off x="9596654" y="3040287"/>
+            <a:ext cx="477672" cy="307777"/>
+          </a:xfrm>
+          <a:prstGeom prst="rect">
+            <a:avLst/>
+          </a:prstGeom>
+          <a:noFill/>
+        </p:spPr>
+        <p:txBody>
+          <a:bodyPr wrap="square" rtlCol="0">
+            <a:spAutoFit/>
+          </a:bodyPr>
+          <a:lstStyle/>
+          <a:p>
+            <a:r>
+              <a:rPr lang="fr-FR" sz="1400" dirty="0"/>
+              <a:t>LH</a:t>
+            </a:r>
+            <a:endParaRPr lang="en-US" sz="1400" dirty="0"/>
+          </a:p>
+        </p:txBody>
+      </p:sp>
+      <p:sp>
+        <p:nvSpPr>
+          <p:cNvPr id="19" name="TextBox 18">
+            <a:extLst>
+              <a:ext uri="{FF2B5EF4-FFF2-40B4-BE49-F238E27FC236}">
+                <a16:creationId xmlns:a16="http://schemas.microsoft.com/office/drawing/2014/main" id="{760BC38F-583D-4009-AAE7-6A64FD297E2E}"/>
+              </a:ext>
+            </a:extLst>
+          </p:cNvPr>
+          <p:cNvSpPr txBox="1"/>
+          <p:nvPr/>
+        </p:nvSpPr>
+        <p:spPr>
+          <a:xfrm>
+            <a:off x="8880145" y="2608472"/>
+            <a:ext cx="477672" cy="307777"/>
+          </a:xfrm>
+          <a:prstGeom prst="rect">
+            <a:avLst/>
+          </a:prstGeom>
+          <a:noFill/>
+        </p:spPr>
+        <p:txBody>
+          <a:bodyPr wrap="square" rtlCol="0">
+            <a:spAutoFit/>
+          </a:bodyPr>
+          <a:lstStyle/>
+          <a:p>
+            <a:r>
+              <a:rPr lang="fr-FR" sz="1400" dirty="0"/>
+              <a:t>LH</a:t>
+            </a:r>
+            <a:endParaRPr lang="en-US" sz="1400" dirty="0"/>
+          </a:p>
+        </p:txBody>
+      </p:sp>
+      <p:sp>
+        <p:nvSpPr>
+          <p:cNvPr id="23" name="TextBox 22">
+            <a:extLst>
+              <a:ext uri="{FF2B5EF4-FFF2-40B4-BE49-F238E27FC236}">
+                <a16:creationId xmlns:a16="http://schemas.microsoft.com/office/drawing/2014/main" id="{6DFF3B9C-6CB9-49DA-A179-FAD411FA6CF3}"/>
+              </a:ext>
+            </a:extLst>
+          </p:cNvPr>
+          <p:cNvSpPr txBox="1"/>
+          <p:nvPr/>
+        </p:nvSpPr>
+        <p:spPr>
+          <a:xfrm>
+            <a:off x="6375780" y="5558126"/>
+            <a:ext cx="477672" cy="307777"/>
+          </a:xfrm>
+          <a:prstGeom prst="rect">
+            <a:avLst/>
+          </a:prstGeom>
+          <a:noFill/>
+        </p:spPr>
+        <p:txBody>
+          <a:bodyPr wrap="square" rtlCol="0">
+            <a:spAutoFit/>
+          </a:bodyPr>
+          <a:lstStyle/>
+          <a:p>
+            <a:r>
+              <a:rPr lang="fr-FR" sz="1400" dirty="0"/>
+              <a:t>HL</a:t>
+            </a:r>
+            <a:endParaRPr lang="en-US" sz="1400" dirty="0"/>
+          </a:p>
+        </p:txBody>
+      </p:sp>
+      <p:sp>
+        <p:nvSpPr>
+          <p:cNvPr id="24" name="TextBox 23">
+            <a:extLst>
+              <a:ext uri="{FF2B5EF4-FFF2-40B4-BE49-F238E27FC236}">
+                <a16:creationId xmlns:a16="http://schemas.microsoft.com/office/drawing/2014/main" id="{035CA265-F2C8-4A23-B559-38BB5A0F1DEB}"/>
+              </a:ext>
+            </a:extLst>
+          </p:cNvPr>
+          <p:cNvSpPr txBox="1"/>
+          <p:nvPr/>
+        </p:nvSpPr>
+        <p:spPr>
+          <a:xfrm>
+            <a:off x="7080915" y="4838815"/>
+            <a:ext cx="477672" cy="307777"/>
+          </a:xfrm>
+          <a:prstGeom prst="rect">
+            <a:avLst/>
+          </a:prstGeom>
+          <a:noFill/>
+        </p:spPr>
+        <p:txBody>
+          <a:bodyPr wrap="square" rtlCol="0">
+            <a:spAutoFit/>
+          </a:bodyPr>
+          <a:lstStyle/>
+          <a:p>
+            <a:r>
+              <a:rPr lang="fr-FR" sz="1400" dirty="0"/>
+              <a:t>HL</a:t>
+            </a:r>
+            <a:endParaRPr lang="en-US" sz="1400" dirty="0"/>
+          </a:p>
+        </p:txBody>
+      </p:sp>
+      <p:sp>
+        <p:nvSpPr>
+          <p:cNvPr id="25" name="TextBox 24">
+            <a:extLst>
+              <a:ext uri="{FF2B5EF4-FFF2-40B4-BE49-F238E27FC236}">
+                <a16:creationId xmlns:a16="http://schemas.microsoft.com/office/drawing/2014/main" id="{802ABC2E-1E5C-41E0-93E6-3E8CC025722A}"/>
+              </a:ext>
+            </a:extLst>
+          </p:cNvPr>
+          <p:cNvSpPr txBox="1"/>
+          <p:nvPr/>
+        </p:nvSpPr>
+        <p:spPr>
+          <a:xfrm>
+            <a:off x="7836376" y="3886546"/>
+            <a:ext cx="477672" cy="307777"/>
+          </a:xfrm>
+          <a:prstGeom prst="rect">
+            <a:avLst/>
+          </a:prstGeom>
+          <a:noFill/>
+        </p:spPr>
+        <p:txBody>
+          <a:bodyPr wrap="square" rtlCol="0">
+            <a:spAutoFit/>
+          </a:bodyPr>
+          <a:lstStyle/>
+          <a:p>
+            <a:r>
+              <a:rPr lang="fr-FR" sz="1400" dirty="0"/>
+              <a:t>HL</a:t>
+            </a:r>
+            <a:endParaRPr lang="en-US" sz="1400" dirty="0"/>
+          </a:p>
+        </p:txBody>
+      </p:sp>
+      <p:sp>
+        <p:nvSpPr>
+          <p:cNvPr id="26" name="TextBox 25">
+            <a:extLst>
+              <a:ext uri="{FF2B5EF4-FFF2-40B4-BE49-F238E27FC236}">
+                <a16:creationId xmlns:a16="http://schemas.microsoft.com/office/drawing/2014/main" id="{28BB6F78-BEC8-4639-990F-4224D69D928F}"/>
+              </a:ext>
+            </a:extLst>
+          </p:cNvPr>
+          <p:cNvSpPr txBox="1"/>
+          <p:nvPr/>
+        </p:nvSpPr>
+        <p:spPr>
+          <a:xfrm>
+            <a:off x="8532412" y="3125712"/>
+            <a:ext cx="477672" cy="307777"/>
+          </a:xfrm>
+          <a:prstGeom prst="rect">
+            <a:avLst/>
+          </a:prstGeom>
+          <a:noFill/>
+        </p:spPr>
+        <p:txBody>
+          <a:bodyPr wrap="square" rtlCol="0">
+            <a:spAutoFit/>
+          </a:bodyPr>
+          <a:lstStyle/>
+          <a:p>
+            <a:r>
+              <a:rPr lang="fr-FR" sz="1400" dirty="0"/>
+              <a:t>HL</a:t>
+            </a:r>
+            <a:endParaRPr lang="en-US" sz="1400" dirty="0"/>
+          </a:p>
+        </p:txBody>
+      </p:sp>
+      <p:sp>
+        <p:nvSpPr>
+          <p:cNvPr id="27" name="TextBox 26">
+            <a:extLst>
+              <a:ext uri="{FF2B5EF4-FFF2-40B4-BE49-F238E27FC236}">
+                <a16:creationId xmlns:a16="http://schemas.microsoft.com/office/drawing/2014/main" id="{0F36391C-CCFE-4992-A052-A7059536A071}"/>
+              </a:ext>
+            </a:extLst>
+          </p:cNvPr>
+          <p:cNvSpPr txBox="1"/>
+          <p:nvPr/>
+        </p:nvSpPr>
+        <p:spPr>
+          <a:xfrm>
+            <a:off x="10095930" y="4812980"/>
+            <a:ext cx="477672" cy="307777"/>
+          </a:xfrm>
+          <a:prstGeom prst="rect">
+            <a:avLst/>
+          </a:prstGeom>
+          <a:noFill/>
+        </p:spPr>
+        <p:txBody>
+          <a:bodyPr wrap="square" rtlCol="0">
+            <a:spAutoFit/>
+          </a:bodyPr>
+          <a:lstStyle/>
+          <a:p>
+            <a:r>
+              <a:rPr lang="fr-FR" sz="1400" dirty="0"/>
+              <a:t>LL</a:t>
+            </a:r>
+            <a:endParaRPr lang="en-US" sz="1400" dirty="0"/>
+          </a:p>
+        </p:txBody>
+      </p:sp>
+      <p:sp>
+        <p:nvSpPr>
+          <p:cNvPr id="28" name="TextBox 27">
+            <a:extLst>
+              <a:ext uri="{FF2B5EF4-FFF2-40B4-BE49-F238E27FC236}">
+                <a16:creationId xmlns:a16="http://schemas.microsoft.com/office/drawing/2014/main" id="{96777C2F-D9FA-47E8-A4D1-7683EACB45BA}"/>
+              </a:ext>
+            </a:extLst>
+          </p:cNvPr>
+          <p:cNvSpPr txBox="1"/>
+          <p:nvPr/>
+        </p:nvSpPr>
+        <p:spPr>
+          <a:xfrm>
+            <a:off x="10963135" y="5657661"/>
+            <a:ext cx="477672" cy="307777"/>
+          </a:xfrm>
+          <a:prstGeom prst="rect">
+            <a:avLst/>
+          </a:prstGeom>
+          <a:noFill/>
+        </p:spPr>
+        <p:txBody>
+          <a:bodyPr wrap="square" rtlCol="0">
+            <a:spAutoFit/>
+          </a:bodyPr>
+          <a:lstStyle/>
+          <a:p>
+            <a:r>
+              <a:rPr lang="fr-FR" sz="1400" dirty="0"/>
+              <a:t>LL</a:t>
+            </a:r>
+            <a:endParaRPr lang="en-US" sz="1400" dirty="0"/>
           </a:p>
         </p:txBody>
       </p:sp>
     </p:spTree>
     <p:extLst>
       <p:ext uri="{BB962C8B-B14F-4D97-AF65-F5344CB8AC3E}">
-        <p14:creationId xmlns:p14="http://schemas.microsoft.com/office/powerpoint/2010/main" val="2971414286"/>
+        <p14:creationId xmlns:p14="http://schemas.microsoft.com/office/powerpoint/2010/main" val="1035238467"/>
+      </p:ext>
+    </p:extLst>
+  </p:cSld>
+  <p:clrMapOvr>
+    <a:masterClrMapping/>
+  </p:clrMapOvr>
+</p:sld>
+</file>
+
+<file path=ppt/slides/slide13.xml><?xml version="1.0" encoding="utf-8"?>
+<p:sld xmlns:a="http://schemas.openxmlformats.org/drawingml/2006/main" xmlns:r="http://schemas.openxmlformats.org/officeDocument/2006/relationships" xmlns:p="http://schemas.openxmlformats.org/presentationml/2006/main">
+  <p:cSld>
+    <p:spTree>
+      <p:nvGrpSpPr>
+        <p:cNvPr id="1" name=""/>
+        <p:cNvGrpSpPr/>
+        <p:nvPr/>
+      </p:nvGrpSpPr>
+      <p:grpSpPr>
+        <a:xfrm>
+          <a:off x="0" y="0"/>
+          <a:ext cx="0" cy="0"/>
+          <a:chOff x="0" y="0"/>
+          <a:chExt cx="0" cy="0"/>
+        </a:xfrm>
+      </p:grpSpPr>
+      <p:sp>
+        <p:nvSpPr>
+          <p:cNvPr id="5" name="Title 4">
+            <a:extLst>
+              <a:ext uri="{FF2B5EF4-FFF2-40B4-BE49-F238E27FC236}">
+                <a16:creationId xmlns:a16="http://schemas.microsoft.com/office/drawing/2014/main" id="{6BB23F34-F3DC-4D5B-B7B4-186F0F883B87}"/>
+              </a:ext>
+            </a:extLst>
+          </p:cNvPr>
+          <p:cNvSpPr>
+            <a:spLocks noGrp="1"/>
+          </p:cNvSpPr>
+          <p:nvPr>
+            <p:ph type="title"/>
+          </p:nvPr>
+        </p:nvSpPr>
+        <p:spPr/>
+        <p:txBody>
+          <a:bodyPr/>
+          <a:lstStyle/>
+          <a:p>
+            <a:r>
+              <a:rPr lang="fr-FR" dirty="0"/>
+              <a:t>Gestion Prise de position sur Théorie de DOW</a:t>
+            </a:r>
+            <a:endParaRPr lang="en-US" dirty="0"/>
+          </a:p>
+        </p:txBody>
+      </p:sp>
+      <p:cxnSp>
+        <p:nvCxnSpPr>
+          <p:cNvPr id="9" name="Straight Connector 8">
+            <a:extLst>
+              <a:ext uri="{FF2B5EF4-FFF2-40B4-BE49-F238E27FC236}">
+                <a16:creationId xmlns:a16="http://schemas.microsoft.com/office/drawing/2014/main" id="{53D06230-719E-4F6C-A1A0-194A2FE4889D}"/>
+              </a:ext>
+            </a:extLst>
+          </p:cNvPr>
+          <p:cNvCxnSpPr>
+            <a:cxnSpLocks/>
+          </p:cNvCxnSpPr>
+          <p:nvPr/>
+        </p:nvCxnSpPr>
+        <p:spPr>
+          <a:xfrm>
+            <a:off x="1542197" y="4203510"/>
+            <a:ext cx="2934269" cy="0"/>
+          </a:xfrm>
+          <a:prstGeom prst="line">
+            <a:avLst/>
+          </a:prstGeom>
+        </p:spPr>
+        <p:style>
+          <a:lnRef idx="1">
+            <a:schemeClr val="accent1"/>
+          </a:lnRef>
+          <a:fillRef idx="0">
+            <a:schemeClr val="accent1"/>
+          </a:fillRef>
+          <a:effectRef idx="0">
+            <a:schemeClr val="accent1"/>
+          </a:effectRef>
+          <a:fontRef idx="minor">
+            <a:schemeClr val="tx1"/>
+          </a:fontRef>
+        </p:style>
+      </p:cxnSp>
+      <p:cxnSp>
+        <p:nvCxnSpPr>
+          <p:cNvPr id="12" name="Straight Connector 11">
+            <a:extLst>
+              <a:ext uri="{FF2B5EF4-FFF2-40B4-BE49-F238E27FC236}">
+                <a16:creationId xmlns:a16="http://schemas.microsoft.com/office/drawing/2014/main" id="{C3C2013F-883B-4D0A-BE8E-D45363128498}"/>
+              </a:ext>
+            </a:extLst>
+          </p:cNvPr>
+          <p:cNvCxnSpPr>
+            <a:cxnSpLocks/>
+          </p:cNvCxnSpPr>
+          <p:nvPr/>
+        </p:nvCxnSpPr>
+        <p:spPr>
+          <a:xfrm>
+            <a:off x="1542197" y="4749421"/>
+            <a:ext cx="3862316" cy="0"/>
+          </a:xfrm>
+          <a:prstGeom prst="line">
+            <a:avLst/>
+          </a:prstGeom>
+        </p:spPr>
+        <p:style>
+          <a:lnRef idx="1">
+            <a:schemeClr val="accent1"/>
+          </a:lnRef>
+          <a:fillRef idx="0">
+            <a:schemeClr val="accent1"/>
+          </a:fillRef>
+          <a:effectRef idx="0">
+            <a:schemeClr val="accent1"/>
+          </a:effectRef>
+          <a:fontRef idx="minor">
+            <a:schemeClr val="tx1"/>
+          </a:fontRef>
+        </p:style>
+      </p:cxnSp>
+      <p:sp>
+        <p:nvSpPr>
+          <p:cNvPr id="14" name="Arrow: Down 13">
+            <a:extLst>
+              <a:ext uri="{FF2B5EF4-FFF2-40B4-BE49-F238E27FC236}">
+                <a16:creationId xmlns:a16="http://schemas.microsoft.com/office/drawing/2014/main" id="{A59EFFBE-5E6F-465A-B8B5-B91F3EF988DB}"/>
+              </a:ext>
+            </a:extLst>
+          </p:cNvPr>
+          <p:cNvSpPr/>
+          <p:nvPr/>
+        </p:nvSpPr>
+        <p:spPr>
+          <a:xfrm rot="10800000">
+            <a:off x="3957852" y="4203510"/>
+            <a:ext cx="300250" cy="422223"/>
+          </a:xfrm>
+          <a:prstGeom prst="downArrow">
+            <a:avLst/>
+          </a:prstGeom>
+        </p:spPr>
+        <p:style>
+          <a:lnRef idx="1">
+            <a:schemeClr val="accent6"/>
+          </a:lnRef>
+          <a:fillRef idx="2">
+            <a:schemeClr val="accent6"/>
+          </a:fillRef>
+          <a:effectRef idx="1">
+            <a:schemeClr val="accent6"/>
+          </a:effectRef>
+          <a:fontRef idx="minor">
+            <a:schemeClr val="dk1"/>
+          </a:fontRef>
+        </p:style>
+        <p:txBody>
+          <a:bodyPr rtlCol="0" anchor="ctr"/>
+          <a:lstStyle/>
+          <a:p>
+            <a:pPr algn="ctr"/>
+            <a:endParaRPr lang="en-US"/>
+          </a:p>
+        </p:txBody>
+      </p:sp>
+      <p:sp>
+        <p:nvSpPr>
+          <p:cNvPr id="16" name="Arrow: Down 15">
+            <a:extLst>
+              <a:ext uri="{FF2B5EF4-FFF2-40B4-BE49-F238E27FC236}">
+                <a16:creationId xmlns:a16="http://schemas.microsoft.com/office/drawing/2014/main" id="{7D20F733-66E1-4FB9-A354-BD178DB17B06}"/>
+              </a:ext>
+            </a:extLst>
+          </p:cNvPr>
+          <p:cNvSpPr/>
+          <p:nvPr/>
+        </p:nvSpPr>
+        <p:spPr>
+          <a:xfrm>
+            <a:off x="4936785" y="4325501"/>
+            <a:ext cx="300250" cy="369329"/>
+          </a:xfrm>
+          <a:prstGeom prst="downArrow">
+            <a:avLst/>
+          </a:prstGeom>
+          <a:solidFill>
+            <a:schemeClr val="accent2">
+              <a:lumMod val="75000"/>
+            </a:schemeClr>
+          </a:solidFill>
+        </p:spPr>
+        <p:style>
+          <a:lnRef idx="2">
+            <a:schemeClr val="accent1">
+              <a:shade val="50000"/>
+            </a:schemeClr>
+          </a:lnRef>
+          <a:fillRef idx="1">
+            <a:schemeClr val="accent1"/>
+          </a:fillRef>
+          <a:effectRef idx="0">
+            <a:schemeClr val="accent1"/>
+          </a:effectRef>
+          <a:fontRef idx="minor">
+            <a:schemeClr val="lt1"/>
+          </a:fontRef>
+        </p:style>
+        <p:txBody>
+          <a:bodyPr rtlCol="0" anchor="ctr"/>
+          <a:lstStyle/>
+          <a:p>
+            <a:pPr algn="ctr"/>
+            <a:endParaRPr lang="en-US"/>
+          </a:p>
+        </p:txBody>
+      </p:sp>
+      <p:sp>
+        <p:nvSpPr>
+          <p:cNvPr id="17" name="TextBox 16">
+            <a:extLst>
+              <a:ext uri="{FF2B5EF4-FFF2-40B4-BE49-F238E27FC236}">
+                <a16:creationId xmlns:a16="http://schemas.microsoft.com/office/drawing/2014/main" id="{1FC0AA25-9386-4E15-84E8-03FC6926BB33}"/>
+              </a:ext>
+            </a:extLst>
+          </p:cNvPr>
+          <p:cNvSpPr txBox="1"/>
+          <p:nvPr/>
+        </p:nvSpPr>
+        <p:spPr>
+          <a:xfrm>
+            <a:off x="4323490" y="3867880"/>
+            <a:ext cx="722762" cy="369332"/>
+          </a:xfrm>
+          <a:prstGeom prst="rect">
+            <a:avLst/>
+          </a:prstGeom>
+          <a:noFill/>
+        </p:spPr>
+        <p:txBody>
+          <a:bodyPr wrap="none" rtlCol="0">
+            <a:spAutoFit/>
+          </a:bodyPr>
+          <a:lstStyle/>
+          <a:p>
+            <a:r>
+              <a:rPr lang="fr-FR" dirty="0"/>
+              <a:t>Achat</a:t>
+            </a:r>
+            <a:endParaRPr lang="en-US" dirty="0"/>
+          </a:p>
+        </p:txBody>
+      </p:sp>
+      <p:sp>
+        <p:nvSpPr>
+          <p:cNvPr id="18" name="TextBox 17">
+            <a:extLst>
+              <a:ext uri="{FF2B5EF4-FFF2-40B4-BE49-F238E27FC236}">
+                <a16:creationId xmlns:a16="http://schemas.microsoft.com/office/drawing/2014/main" id="{FF4A166E-0748-42CD-9B9E-043CB1FCA72C}"/>
+              </a:ext>
+            </a:extLst>
+          </p:cNvPr>
+          <p:cNvSpPr txBox="1"/>
+          <p:nvPr/>
+        </p:nvSpPr>
+        <p:spPr>
+          <a:xfrm>
+            <a:off x="4654086" y="4749421"/>
+            <a:ext cx="1165897" cy="646331"/>
+          </a:xfrm>
+          <a:prstGeom prst="rect">
+            <a:avLst/>
+          </a:prstGeom>
+          <a:noFill/>
+        </p:spPr>
+        <p:txBody>
+          <a:bodyPr wrap="none" rtlCol="0">
+            <a:spAutoFit/>
+          </a:bodyPr>
+          <a:lstStyle/>
+          <a:p>
+            <a:r>
+              <a:rPr lang="fr-FR" dirty="0"/>
+              <a:t>Stop de</a:t>
+            </a:r>
+          </a:p>
+          <a:p>
+            <a:r>
+              <a:rPr lang="fr-FR" dirty="0"/>
+              <a:t>protection</a:t>
+            </a:r>
+            <a:endParaRPr lang="en-US" dirty="0"/>
+          </a:p>
+        </p:txBody>
+      </p:sp>
+      <p:sp>
+        <p:nvSpPr>
+          <p:cNvPr id="19" name="Arrow: Down 18">
+            <a:extLst>
+              <a:ext uri="{FF2B5EF4-FFF2-40B4-BE49-F238E27FC236}">
+                <a16:creationId xmlns:a16="http://schemas.microsoft.com/office/drawing/2014/main" id="{ED7F1EDA-AC2A-4BC7-9EA9-FDEAFF3ED5AD}"/>
+              </a:ext>
+            </a:extLst>
+          </p:cNvPr>
+          <p:cNvSpPr/>
+          <p:nvPr/>
+        </p:nvSpPr>
+        <p:spPr>
+          <a:xfrm>
+            <a:off x="8514773" y="2225072"/>
+            <a:ext cx="300250" cy="369329"/>
+          </a:xfrm>
+          <a:prstGeom prst="downArrow">
+            <a:avLst/>
+          </a:prstGeom>
+          <a:solidFill>
+            <a:schemeClr val="accent2">
+              <a:lumMod val="75000"/>
+            </a:schemeClr>
+          </a:solidFill>
+        </p:spPr>
+        <p:style>
+          <a:lnRef idx="2">
+            <a:schemeClr val="accent1">
+              <a:shade val="50000"/>
+            </a:schemeClr>
+          </a:lnRef>
+          <a:fillRef idx="1">
+            <a:schemeClr val="accent1"/>
+          </a:fillRef>
+          <a:effectRef idx="0">
+            <a:schemeClr val="accent1"/>
+          </a:effectRef>
+          <a:fontRef idx="minor">
+            <a:schemeClr val="lt1"/>
+          </a:fontRef>
+        </p:style>
+        <p:txBody>
+          <a:bodyPr rtlCol="0" anchor="ctr"/>
+          <a:lstStyle/>
+          <a:p>
+            <a:pPr algn="ctr"/>
+            <a:endParaRPr lang="en-US"/>
+          </a:p>
+        </p:txBody>
+      </p:sp>
+      <p:cxnSp>
+        <p:nvCxnSpPr>
+          <p:cNvPr id="21" name="Straight Connector 20">
+            <a:extLst>
+              <a:ext uri="{FF2B5EF4-FFF2-40B4-BE49-F238E27FC236}">
+                <a16:creationId xmlns:a16="http://schemas.microsoft.com/office/drawing/2014/main" id="{0E7AD643-3673-4C6A-B20E-3263359F3BA7}"/>
+              </a:ext>
+            </a:extLst>
+          </p:cNvPr>
+          <p:cNvCxnSpPr/>
+          <p:nvPr/>
+        </p:nvCxnSpPr>
+        <p:spPr>
+          <a:xfrm>
+            <a:off x="6096000" y="2961564"/>
+            <a:ext cx="3962400" cy="0"/>
+          </a:xfrm>
+          <a:prstGeom prst="line">
+            <a:avLst/>
+          </a:prstGeom>
+        </p:spPr>
+        <p:style>
+          <a:lnRef idx="1">
+            <a:schemeClr val="accent1"/>
+          </a:lnRef>
+          <a:fillRef idx="0">
+            <a:schemeClr val="accent1"/>
+          </a:fillRef>
+          <a:effectRef idx="0">
+            <a:schemeClr val="accent1"/>
+          </a:effectRef>
+          <a:fontRef idx="minor">
+            <a:schemeClr val="tx1"/>
+          </a:fontRef>
+        </p:style>
+      </p:cxnSp>
+      <p:sp>
+        <p:nvSpPr>
+          <p:cNvPr id="22" name="TextBox 21">
+            <a:extLst>
+              <a:ext uri="{FF2B5EF4-FFF2-40B4-BE49-F238E27FC236}">
+                <a16:creationId xmlns:a16="http://schemas.microsoft.com/office/drawing/2014/main" id="{FF6E4D44-74DC-4CF8-99FF-D7B95EBA6E4E}"/>
+              </a:ext>
+            </a:extLst>
+          </p:cNvPr>
+          <p:cNvSpPr txBox="1"/>
+          <p:nvPr/>
+        </p:nvSpPr>
+        <p:spPr>
+          <a:xfrm>
+            <a:off x="8815023" y="1719408"/>
+            <a:ext cx="1977016" cy="369332"/>
+          </a:xfrm>
+          <a:prstGeom prst="rect">
+            <a:avLst/>
+          </a:prstGeom>
+          <a:noFill/>
+        </p:spPr>
+        <p:txBody>
+          <a:bodyPr wrap="none" rtlCol="0">
+            <a:spAutoFit/>
+          </a:bodyPr>
+          <a:lstStyle/>
+          <a:p>
+            <a:r>
+              <a:rPr lang="fr-FR" dirty="0"/>
+              <a:t>Clôture de position</a:t>
+            </a:r>
+            <a:endParaRPr lang="en-US" dirty="0"/>
+          </a:p>
+        </p:txBody>
+      </p:sp>
+      <p:sp>
+        <p:nvSpPr>
+          <p:cNvPr id="23" name="TextBox 22">
+            <a:extLst>
+              <a:ext uri="{FF2B5EF4-FFF2-40B4-BE49-F238E27FC236}">
+                <a16:creationId xmlns:a16="http://schemas.microsoft.com/office/drawing/2014/main" id="{B9429E62-0747-408A-86EC-93BA9A3C27B0}"/>
+              </a:ext>
+            </a:extLst>
+          </p:cNvPr>
+          <p:cNvSpPr txBox="1"/>
+          <p:nvPr/>
+        </p:nvSpPr>
+        <p:spPr>
+          <a:xfrm>
+            <a:off x="838200" y="4052546"/>
+            <a:ext cx="535724" cy="369332"/>
+          </a:xfrm>
+          <a:prstGeom prst="rect">
+            <a:avLst/>
+          </a:prstGeom>
+          <a:noFill/>
+        </p:spPr>
+        <p:txBody>
+          <a:bodyPr wrap="none" rtlCol="0">
+            <a:spAutoFit/>
+          </a:bodyPr>
+          <a:lstStyle/>
+          <a:p>
+            <a:r>
+              <a:rPr lang="fr-FR" dirty="0"/>
+              <a:t>10€</a:t>
+            </a:r>
+            <a:endParaRPr lang="en-US" dirty="0"/>
+          </a:p>
+        </p:txBody>
+      </p:sp>
+      <p:sp>
+        <p:nvSpPr>
+          <p:cNvPr id="24" name="TextBox 23">
+            <a:extLst>
+              <a:ext uri="{FF2B5EF4-FFF2-40B4-BE49-F238E27FC236}">
+                <a16:creationId xmlns:a16="http://schemas.microsoft.com/office/drawing/2014/main" id="{F06342C0-2F58-4939-A6AB-C7F7EE25EFB0}"/>
+              </a:ext>
+            </a:extLst>
+          </p:cNvPr>
+          <p:cNvSpPr txBox="1"/>
+          <p:nvPr/>
+        </p:nvSpPr>
+        <p:spPr>
+          <a:xfrm>
+            <a:off x="879350" y="4510164"/>
+            <a:ext cx="418704" cy="369332"/>
+          </a:xfrm>
+          <a:prstGeom prst="rect">
+            <a:avLst/>
+          </a:prstGeom>
+          <a:noFill/>
+        </p:spPr>
+        <p:txBody>
+          <a:bodyPr wrap="none" rtlCol="0">
+            <a:spAutoFit/>
+          </a:bodyPr>
+          <a:lstStyle/>
+          <a:p>
+            <a:r>
+              <a:rPr lang="fr-FR" dirty="0"/>
+              <a:t>9€</a:t>
+            </a:r>
+            <a:endParaRPr lang="en-US" dirty="0"/>
+          </a:p>
+        </p:txBody>
+      </p:sp>
+      <p:sp>
+        <p:nvSpPr>
+          <p:cNvPr id="25" name="TextBox 24">
+            <a:extLst>
+              <a:ext uri="{FF2B5EF4-FFF2-40B4-BE49-F238E27FC236}">
+                <a16:creationId xmlns:a16="http://schemas.microsoft.com/office/drawing/2014/main" id="{CED970DC-3856-44A1-AD81-EF9B0923086F}"/>
+              </a:ext>
+            </a:extLst>
+          </p:cNvPr>
+          <p:cNvSpPr txBox="1"/>
+          <p:nvPr/>
+        </p:nvSpPr>
+        <p:spPr>
+          <a:xfrm>
+            <a:off x="5258592" y="2776898"/>
+            <a:ext cx="710451" cy="369332"/>
+          </a:xfrm>
+          <a:prstGeom prst="rect">
+            <a:avLst/>
+          </a:prstGeom>
+          <a:noFill/>
+        </p:spPr>
+        <p:txBody>
+          <a:bodyPr wrap="none" rtlCol="0">
+            <a:spAutoFit/>
+          </a:bodyPr>
+          <a:lstStyle/>
+          <a:p>
+            <a:r>
+              <a:rPr lang="fr-FR" dirty="0"/>
+              <a:t>12,5€</a:t>
+            </a:r>
+          </a:p>
+        </p:txBody>
+      </p:sp>
+      <p:cxnSp>
+        <p:nvCxnSpPr>
+          <p:cNvPr id="27" name="Straight Connector 26">
+            <a:extLst>
+              <a:ext uri="{FF2B5EF4-FFF2-40B4-BE49-F238E27FC236}">
+                <a16:creationId xmlns:a16="http://schemas.microsoft.com/office/drawing/2014/main" id="{006D38D4-1565-44BD-B412-00ADE74429C1}"/>
+              </a:ext>
+            </a:extLst>
+          </p:cNvPr>
+          <p:cNvCxnSpPr/>
+          <p:nvPr/>
+        </p:nvCxnSpPr>
+        <p:spPr>
+          <a:xfrm>
+            <a:off x="1526273" y="3671247"/>
+            <a:ext cx="4553803" cy="0"/>
+          </a:xfrm>
+          <a:prstGeom prst="line">
+            <a:avLst/>
+          </a:prstGeom>
+        </p:spPr>
+        <p:style>
+          <a:lnRef idx="1">
+            <a:schemeClr val="accent1"/>
+          </a:lnRef>
+          <a:fillRef idx="0">
+            <a:schemeClr val="accent1"/>
+          </a:fillRef>
+          <a:effectRef idx="0">
+            <a:schemeClr val="accent1"/>
+          </a:effectRef>
+          <a:fontRef idx="minor">
+            <a:schemeClr val="tx1"/>
+          </a:fontRef>
+        </p:style>
+      </p:cxnSp>
+      <p:sp>
+        <p:nvSpPr>
+          <p:cNvPr id="28" name="TextBox 27">
+            <a:extLst>
+              <a:ext uri="{FF2B5EF4-FFF2-40B4-BE49-F238E27FC236}">
+                <a16:creationId xmlns:a16="http://schemas.microsoft.com/office/drawing/2014/main" id="{B44F9764-09B0-451E-AEF7-37DB41523A7C}"/>
+              </a:ext>
+            </a:extLst>
+          </p:cNvPr>
+          <p:cNvSpPr txBox="1"/>
+          <p:nvPr/>
+        </p:nvSpPr>
+        <p:spPr>
+          <a:xfrm>
+            <a:off x="820841" y="3498548"/>
+            <a:ext cx="535724" cy="369332"/>
+          </a:xfrm>
+          <a:prstGeom prst="rect">
+            <a:avLst/>
+          </a:prstGeom>
+          <a:noFill/>
+        </p:spPr>
+        <p:txBody>
+          <a:bodyPr wrap="none" rtlCol="0">
+            <a:spAutoFit/>
+          </a:bodyPr>
+          <a:lstStyle/>
+          <a:p>
+            <a:r>
+              <a:rPr lang="fr-FR" dirty="0"/>
+              <a:t>11€</a:t>
+            </a:r>
+            <a:endParaRPr lang="en-US" dirty="0"/>
+          </a:p>
+        </p:txBody>
+      </p:sp>
+      <p:sp>
+        <p:nvSpPr>
+          <p:cNvPr id="29" name="Arrow: Down 28">
+            <a:extLst>
+              <a:ext uri="{FF2B5EF4-FFF2-40B4-BE49-F238E27FC236}">
+                <a16:creationId xmlns:a16="http://schemas.microsoft.com/office/drawing/2014/main" id="{5E5254B4-9B45-4DB3-9DAD-330397809D33}"/>
+              </a:ext>
+            </a:extLst>
+          </p:cNvPr>
+          <p:cNvSpPr/>
+          <p:nvPr/>
+        </p:nvSpPr>
+        <p:spPr>
+          <a:xfrm>
+            <a:off x="2439245" y="3209585"/>
+            <a:ext cx="300250" cy="369329"/>
+          </a:xfrm>
+          <a:prstGeom prst="downArrow">
+            <a:avLst/>
+          </a:prstGeom>
+          <a:solidFill>
+            <a:schemeClr val="accent2">
+              <a:lumMod val="75000"/>
+            </a:schemeClr>
+          </a:solidFill>
+        </p:spPr>
+        <p:style>
+          <a:lnRef idx="2">
+            <a:schemeClr val="accent1">
+              <a:shade val="50000"/>
+            </a:schemeClr>
+          </a:lnRef>
+          <a:fillRef idx="1">
+            <a:schemeClr val="accent1"/>
+          </a:fillRef>
+          <a:effectRef idx="0">
+            <a:schemeClr val="accent1"/>
+          </a:effectRef>
+          <a:fontRef idx="minor">
+            <a:schemeClr val="lt1"/>
+          </a:fontRef>
+        </p:style>
+        <p:txBody>
+          <a:bodyPr rtlCol="0" anchor="ctr"/>
+          <a:lstStyle/>
+          <a:p>
+            <a:pPr algn="ctr"/>
+            <a:endParaRPr lang="en-US"/>
+          </a:p>
+        </p:txBody>
+      </p:sp>
+      <p:sp>
+        <p:nvSpPr>
+          <p:cNvPr id="30" name="TextBox 29">
+            <a:extLst>
+              <a:ext uri="{FF2B5EF4-FFF2-40B4-BE49-F238E27FC236}">
+                <a16:creationId xmlns:a16="http://schemas.microsoft.com/office/drawing/2014/main" id="{B6C55C00-16CD-43EC-8C1C-1B427830FFDE}"/>
+              </a:ext>
+            </a:extLst>
+          </p:cNvPr>
+          <p:cNvSpPr txBox="1"/>
+          <p:nvPr/>
+        </p:nvSpPr>
+        <p:spPr>
+          <a:xfrm>
+            <a:off x="2065438" y="2189249"/>
+            <a:ext cx="1197298" cy="923330"/>
+          </a:xfrm>
+          <a:prstGeom prst="rect">
+            <a:avLst/>
+          </a:prstGeom>
+          <a:noFill/>
+        </p:spPr>
+        <p:txBody>
+          <a:bodyPr wrap="square" rtlCol="0">
+            <a:spAutoFit/>
+          </a:bodyPr>
+          <a:lstStyle/>
+          <a:p>
+            <a:r>
+              <a:rPr lang="fr-FR" dirty="0"/>
+              <a:t>Prise de bénéfice partielle</a:t>
+            </a:r>
+            <a:endParaRPr lang="en-US" dirty="0"/>
+          </a:p>
+        </p:txBody>
+      </p:sp>
+      <p:sp>
+        <p:nvSpPr>
+          <p:cNvPr id="31" name="TextBox 30">
+            <a:extLst>
+              <a:ext uri="{FF2B5EF4-FFF2-40B4-BE49-F238E27FC236}">
+                <a16:creationId xmlns:a16="http://schemas.microsoft.com/office/drawing/2014/main" id="{95FC6412-AFD4-412C-B4D1-0674B82B1B60}"/>
+              </a:ext>
+            </a:extLst>
+          </p:cNvPr>
+          <p:cNvSpPr txBox="1"/>
+          <p:nvPr/>
+        </p:nvSpPr>
+        <p:spPr>
+          <a:xfrm>
+            <a:off x="6009071" y="4134434"/>
+            <a:ext cx="4429739" cy="2308324"/>
+          </a:xfrm>
+          <a:prstGeom prst="rect">
+            <a:avLst/>
+          </a:prstGeom>
+        </p:spPr>
+        <p:style>
+          <a:lnRef idx="1">
+            <a:schemeClr val="accent5"/>
+          </a:lnRef>
+          <a:fillRef idx="2">
+            <a:schemeClr val="accent5"/>
+          </a:fillRef>
+          <a:effectRef idx="1">
+            <a:schemeClr val="accent5"/>
+          </a:effectRef>
+          <a:fontRef idx="minor">
+            <a:schemeClr val="dk1"/>
+          </a:fontRef>
+        </p:style>
+        <p:txBody>
+          <a:bodyPr wrap="none" rtlCol="0">
+            <a:spAutoFit/>
+          </a:bodyPr>
+          <a:lstStyle/>
+          <a:p>
+            <a:r>
+              <a:rPr lang="fr-FR" dirty="0"/>
+              <a:t>Achat 10 à 10€</a:t>
+            </a:r>
+          </a:p>
+          <a:p>
+            <a:r>
+              <a:rPr lang="fr-FR" dirty="0"/>
+              <a:t>Vente partielle de 5 à 11€</a:t>
+            </a:r>
+          </a:p>
+          <a:p>
+            <a:r>
+              <a:rPr lang="en-US" dirty="0" err="1"/>
+              <a:t>Monter</a:t>
+            </a:r>
+            <a:r>
+              <a:rPr lang="en-US" dirty="0"/>
+              <a:t> stop à 10€</a:t>
+            </a:r>
+          </a:p>
+          <a:p>
+            <a:r>
+              <a:rPr lang="en-US" dirty="0" err="1"/>
+              <a:t>Puis</a:t>
+            </a:r>
+            <a:r>
+              <a:rPr lang="en-US" dirty="0"/>
+              <a:t> </a:t>
+            </a:r>
+            <a:r>
+              <a:rPr lang="en-US" dirty="0" err="1"/>
+              <a:t>suivre</a:t>
+            </a:r>
+            <a:r>
+              <a:rPr lang="en-US" dirty="0"/>
+              <a:t> </a:t>
+            </a:r>
+            <a:r>
+              <a:rPr lang="en-US" dirty="0" err="1"/>
+              <a:t>théorie</a:t>
+            </a:r>
+            <a:r>
+              <a:rPr lang="en-US" dirty="0"/>
+              <a:t> de DOW avec les 5 </a:t>
+            </a:r>
+            <a:r>
+              <a:rPr lang="en-US" dirty="0" err="1"/>
+              <a:t>restant</a:t>
+            </a:r>
+            <a:endParaRPr lang="en-US" dirty="0"/>
+          </a:p>
+          <a:p>
+            <a:r>
+              <a:rPr lang="en-US" dirty="0" err="1"/>
+              <a:t>Clotûre</a:t>
+            </a:r>
+            <a:r>
+              <a:rPr lang="en-US" dirty="0"/>
+              <a:t> de position à 12.5€</a:t>
+            </a:r>
+          </a:p>
+          <a:p>
+            <a:endParaRPr lang="en-US" dirty="0"/>
+          </a:p>
+          <a:p>
+            <a:r>
+              <a:rPr lang="en-US" dirty="0"/>
+              <a:t>Gain total:</a:t>
+            </a:r>
+          </a:p>
+          <a:p>
+            <a:r>
+              <a:rPr lang="en-US" dirty="0"/>
+              <a:t>5 * (11-10) + 5 * (12.5 - 10) =  17,5 €</a:t>
+            </a:r>
+          </a:p>
+        </p:txBody>
+      </p:sp>
+      <p:sp>
+        <p:nvSpPr>
+          <p:cNvPr id="7" name="Freeform: Shape 6">
+            <a:extLst>
+              <a:ext uri="{FF2B5EF4-FFF2-40B4-BE49-F238E27FC236}">
+                <a16:creationId xmlns:a16="http://schemas.microsoft.com/office/drawing/2014/main" id="{26340CAC-E909-4A2A-B9C1-09AE643C0A1B}"/>
+              </a:ext>
+            </a:extLst>
+          </p:cNvPr>
+          <p:cNvSpPr/>
+          <p:nvPr/>
+        </p:nvSpPr>
+        <p:spPr>
+          <a:xfrm>
+            <a:off x="1310185" y="2409737"/>
+            <a:ext cx="10099343" cy="3622573"/>
+          </a:xfrm>
+          <a:custGeom>
+            <a:avLst/>
+            <a:gdLst>
+              <a:gd name="connsiteX0" fmla="*/ 0 w 10099343"/>
+              <a:gd name="connsiteY0" fmla="*/ 3308675 h 3622573"/>
+              <a:gd name="connsiteX1" fmla="*/ 1241946 w 10099343"/>
+              <a:gd name="connsiteY1" fmla="*/ 1821069 h 3622573"/>
+              <a:gd name="connsiteX2" fmla="*/ 2224585 w 10099343"/>
+              <a:gd name="connsiteY2" fmla="*/ 2271445 h 3622573"/>
+              <a:gd name="connsiteX3" fmla="*/ 3521122 w 10099343"/>
+              <a:gd name="connsiteY3" fmla="*/ 1015851 h 3622573"/>
+              <a:gd name="connsiteX4" fmla="*/ 4380931 w 10099343"/>
+              <a:gd name="connsiteY4" fmla="*/ 1343397 h 3622573"/>
+              <a:gd name="connsiteX5" fmla="*/ 5513696 w 10099343"/>
+              <a:gd name="connsiteY5" fmla="*/ 19564 h 3622573"/>
+              <a:gd name="connsiteX6" fmla="*/ 6168788 w 10099343"/>
+              <a:gd name="connsiteY6" fmla="*/ 538179 h 3622573"/>
+              <a:gd name="connsiteX7" fmla="*/ 7137779 w 10099343"/>
+              <a:gd name="connsiteY7" fmla="*/ 347111 h 3622573"/>
+              <a:gd name="connsiteX8" fmla="*/ 7492621 w 10099343"/>
+              <a:gd name="connsiteY8" fmla="*/ 1152329 h 3622573"/>
+              <a:gd name="connsiteX9" fmla="*/ 8475260 w 10099343"/>
+              <a:gd name="connsiteY9" fmla="*/ 1002203 h 3622573"/>
+              <a:gd name="connsiteX10" fmla="*/ 9430603 w 10099343"/>
+              <a:gd name="connsiteY10" fmla="*/ 2899242 h 3622573"/>
+              <a:gd name="connsiteX11" fmla="*/ 10099343 w 10099343"/>
+              <a:gd name="connsiteY11" fmla="*/ 3622573 h 3622573"/>
+            </a:gdLst>
+            <a:ahLst/>
+            <a:cxnLst>
+              <a:cxn ang="0">
+                <a:pos x="connsiteX0" y="connsiteY0"/>
+              </a:cxn>
+              <a:cxn ang="0">
+                <a:pos x="connsiteX1" y="connsiteY1"/>
+              </a:cxn>
+              <a:cxn ang="0">
+                <a:pos x="connsiteX2" y="connsiteY2"/>
+              </a:cxn>
+              <a:cxn ang="0">
+                <a:pos x="connsiteX3" y="connsiteY3"/>
+              </a:cxn>
+              <a:cxn ang="0">
+                <a:pos x="connsiteX4" y="connsiteY4"/>
+              </a:cxn>
+              <a:cxn ang="0">
+                <a:pos x="connsiteX5" y="connsiteY5"/>
+              </a:cxn>
+              <a:cxn ang="0">
+                <a:pos x="connsiteX6" y="connsiteY6"/>
+              </a:cxn>
+              <a:cxn ang="0">
+                <a:pos x="connsiteX7" y="connsiteY7"/>
+              </a:cxn>
+              <a:cxn ang="0">
+                <a:pos x="connsiteX8" y="connsiteY8"/>
+              </a:cxn>
+              <a:cxn ang="0">
+                <a:pos x="connsiteX9" y="connsiteY9"/>
+              </a:cxn>
+              <a:cxn ang="0">
+                <a:pos x="connsiteX10" y="connsiteY10"/>
+              </a:cxn>
+              <a:cxn ang="0">
+                <a:pos x="connsiteX11" y="connsiteY11"/>
+              </a:cxn>
+            </a:cxnLst>
+            <a:rect l="l" t="t" r="r" b="b"/>
+            <a:pathLst>
+              <a:path w="10099343" h="3622573">
+                <a:moveTo>
+                  <a:pt x="0" y="3308675"/>
+                </a:moveTo>
+                <a:cubicBezTo>
+                  <a:pt x="435591" y="2651308"/>
+                  <a:pt x="871182" y="1993941"/>
+                  <a:pt x="1241946" y="1821069"/>
+                </a:cubicBezTo>
+                <a:cubicBezTo>
+                  <a:pt x="1612710" y="1648197"/>
+                  <a:pt x="1844722" y="2405648"/>
+                  <a:pt x="2224585" y="2271445"/>
+                </a:cubicBezTo>
+                <a:cubicBezTo>
+                  <a:pt x="2604448" y="2137242"/>
+                  <a:pt x="3161731" y="1170526"/>
+                  <a:pt x="3521122" y="1015851"/>
+                </a:cubicBezTo>
+                <a:cubicBezTo>
+                  <a:pt x="3880513" y="861176"/>
+                  <a:pt x="4048835" y="1509445"/>
+                  <a:pt x="4380931" y="1343397"/>
+                </a:cubicBezTo>
+                <a:cubicBezTo>
+                  <a:pt x="4713027" y="1177349"/>
+                  <a:pt x="5215720" y="153767"/>
+                  <a:pt x="5513696" y="19564"/>
+                </a:cubicBezTo>
+                <a:cubicBezTo>
+                  <a:pt x="5811672" y="-114639"/>
+                  <a:pt x="5898108" y="483588"/>
+                  <a:pt x="6168788" y="538179"/>
+                </a:cubicBezTo>
+                <a:cubicBezTo>
+                  <a:pt x="6439468" y="592770"/>
+                  <a:pt x="6917140" y="244753"/>
+                  <a:pt x="7137779" y="347111"/>
+                </a:cubicBezTo>
+                <a:cubicBezTo>
+                  <a:pt x="7358418" y="449469"/>
+                  <a:pt x="7269708" y="1043147"/>
+                  <a:pt x="7492621" y="1152329"/>
+                </a:cubicBezTo>
+                <a:cubicBezTo>
+                  <a:pt x="7715535" y="1261511"/>
+                  <a:pt x="8152263" y="711051"/>
+                  <a:pt x="8475260" y="1002203"/>
+                </a:cubicBezTo>
+                <a:cubicBezTo>
+                  <a:pt x="8798257" y="1293355"/>
+                  <a:pt x="9159923" y="2462514"/>
+                  <a:pt x="9430603" y="2899242"/>
+                </a:cubicBezTo>
+                <a:cubicBezTo>
+                  <a:pt x="9701283" y="3335970"/>
+                  <a:pt x="9900313" y="3479271"/>
+                  <a:pt x="10099343" y="3622573"/>
+                </a:cubicBezTo>
+              </a:path>
+            </a:pathLst>
+          </a:custGeom>
+          <a:noFill/>
+        </p:spPr>
+        <p:style>
+          <a:lnRef idx="2">
+            <a:schemeClr val="accent1">
+              <a:shade val="50000"/>
+            </a:schemeClr>
+          </a:lnRef>
+          <a:fillRef idx="1">
+            <a:schemeClr val="accent1"/>
+          </a:fillRef>
+          <a:effectRef idx="0">
+            <a:schemeClr val="accent1"/>
+          </a:effectRef>
+          <a:fontRef idx="minor">
+            <a:schemeClr val="lt1"/>
+          </a:fontRef>
+        </p:style>
+        <p:txBody>
+          <a:bodyPr rtlCol="0" anchor="ctr"/>
+          <a:lstStyle/>
+          <a:p>
+            <a:pPr algn="ctr"/>
+            <a:endParaRPr lang="en-US"/>
+          </a:p>
+        </p:txBody>
+      </p:sp>
+      <p:sp>
+        <p:nvSpPr>
+          <p:cNvPr id="32" name="TextBox 31">
+            <a:extLst>
+              <a:ext uri="{FF2B5EF4-FFF2-40B4-BE49-F238E27FC236}">
+                <a16:creationId xmlns:a16="http://schemas.microsoft.com/office/drawing/2014/main" id="{ADCF4740-81C0-4CAB-8E91-6A9FE75FEA24}"/>
+              </a:ext>
+            </a:extLst>
+          </p:cNvPr>
+          <p:cNvSpPr txBox="1"/>
+          <p:nvPr/>
+        </p:nvSpPr>
+        <p:spPr>
+          <a:xfrm>
+            <a:off x="4735351" y="3138985"/>
+            <a:ext cx="477672" cy="307777"/>
+          </a:xfrm>
+          <a:prstGeom prst="rect">
+            <a:avLst/>
+          </a:prstGeom>
+          <a:noFill/>
+        </p:spPr>
+        <p:txBody>
+          <a:bodyPr wrap="square" rtlCol="0">
+            <a:spAutoFit/>
+          </a:bodyPr>
+          <a:lstStyle/>
+          <a:p>
+            <a:r>
+              <a:rPr lang="fr-FR" sz="1400" dirty="0"/>
+              <a:t>HH</a:t>
+            </a:r>
+            <a:endParaRPr lang="en-US" sz="1400" dirty="0"/>
+          </a:p>
+        </p:txBody>
+      </p:sp>
+      <p:sp>
+        <p:nvSpPr>
+          <p:cNvPr id="33" name="TextBox 32">
+            <a:extLst>
+              <a:ext uri="{FF2B5EF4-FFF2-40B4-BE49-F238E27FC236}">
+                <a16:creationId xmlns:a16="http://schemas.microsoft.com/office/drawing/2014/main" id="{04D25E21-EBCF-4402-8D45-4C9C5385BF66}"/>
+              </a:ext>
+            </a:extLst>
+          </p:cNvPr>
+          <p:cNvSpPr txBox="1"/>
+          <p:nvPr/>
+        </p:nvSpPr>
+        <p:spPr>
+          <a:xfrm>
+            <a:off x="2500659" y="3922139"/>
+            <a:ext cx="477672" cy="307777"/>
+          </a:xfrm>
+          <a:prstGeom prst="rect">
+            <a:avLst/>
+          </a:prstGeom>
+          <a:noFill/>
+        </p:spPr>
+        <p:txBody>
+          <a:bodyPr wrap="square" rtlCol="0">
+            <a:spAutoFit/>
+          </a:bodyPr>
+          <a:lstStyle/>
+          <a:p>
+            <a:r>
+              <a:rPr lang="fr-FR" sz="1400" dirty="0"/>
+              <a:t>HH</a:t>
+            </a:r>
+            <a:endParaRPr lang="en-US" sz="1400" dirty="0"/>
+          </a:p>
+        </p:txBody>
+      </p:sp>
+      <p:sp>
+        <p:nvSpPr>
+          <p:cNvPr id="34" name="TextBox 33">
+            <a:extLst>
+              <a:ext uri="{FF2B5EF4-FFF2-40B4-BE49-F238E27FC236}">
+                <a16:creationId xmlns:a16="http://schemas.microsoft.com/office/drawing/2014/main" id="{257DC6DB-2E8C-46D8-B9BB-9EB5B8E37BC7}"/>
+              </a:ext>
+            </a:extLst>
+          </p:cNvPr>
+          <p:cNvSpPr txBox="1"/>
+          <p:nvPr/>
+        </p:nvSpPr>
+        <p:spPr>
+          <a:xfrm>
+            <a:off x="6638234" y="2057851"/>
+            <a:ext cx="477672" cy="307777"/>
+          </a:xfrm>
+          <a:prstGeom prst="rect">
+            <a:avLst/>
+          </a:prstGeom>
+          <a:noFill/>
+        </p:spPr>
+        <p:txBody>
+          <a:bodyPr wrap="square" rtlCol="0">
+            <a:spAutoFit/>
+          </a:bodyPr>
+          <a:lstStyle/>
+          <a:p>
+            <a:r>
+              <a:rPr lang="fr-FR" sz="1400" dirty="0"/>
+              <a:t>HH</a:t>
+            </a:r>
+            <a:endParaRPr lang="en-US" sz="1400" dirty="0"/>
+          </a:p>
+        </p:txBody>
+      </p:sp>
+      <p:sp>
+        <p:nvSpPr>
+          <p:cNvPr id="35" name="TextBox 34">
+            <a:extLst>
+              <a:ext uri="{FF2B5EF4-FFF2-40B4-BE49-F238E27FC236}">
+                <a16:creationId xmlns:a16="http://schemas.microsoft.com/office/drawing/2014/main" id="{915CD418-5D6C-4D0C-BA0F-1CF86C51316C}"/>
+              </a:ext>
+            </a:extLst>
+          </p:cNvPr>
+          <p:cNvSpPr txBox="1"/>
+          <p:nvPr/>
+        </p:nvSpPr>
+        <p:spPr>
+          <a:xfrm>
+            <a:off x="8187226" y="2484621"/>
+            <a:ext cx="477672" cy="307777"/>
+          </a:xfrm>
+          <a:prstGeom prst="rect">
+            <a:avLst/>
+          </a:prstGeom>
+          <a:noFill/>
+        </p:spPr>
+        <p:txBody>
+          <a:bodyPr wrap="square" rtlCol="0">
+            <a:spAutoFit/>
+          </a:bodyPr>
+          <a:lstStyle/>
+          <a:p>
+            <a:r>
+              <a:rPr lang="fr-FR" sz="1400" dirty="0"/>
+              <a:t>LH</a:t>
+            </a:r>
+            <a:endParaRPr lang="en-US" sz="1400" dirty="0"/>
+          </a:p>
+        </p:txBody>
+      </p:sp>
+      <p:sp>
+        <p:nvSpPr>
+          <p:cNvPr id="36" name="TextBox 35">
+            <a:extLst>
+              <a:ext uri="{FF2B5EF4-FFF2-40B4-BE49-F238E27FC236}">
+                <a16:creationId xmlns:a16="http://schemas.microsoft.com/office/drawing/2014/main" id="{639C39A4-51ED-4BC9-8D78-758EFFB709BF}"/>
+              </a:ext>
+            </a:extLst>
+          </p:cNvPr>
+          <p:cNvSpPr txBox="1"/>
+          <p:nvPr/>
+        </p:nvSpPr>
+        <p:spPr>
+          <a:xfrm>
+            <a:off x="5404513" y="3783490"/>
+            <a:ext cx="477672" cy="307777"/>
+          </a:xfrm>
+          <a:prstGeom prst="rect">
+            <a:avLst/>
+          </a:prstGeom>
+          <a:noFill/>
+        </p:spPr>
+        <p:txBody>
+          <a:bodyPr wrap="square" rtlCol="0">
+            <a:spAutoFit/>
+          </a:bodyPr>
+          <a:lstStyle/>
+          <a:p>
+            <a:r>
+              <a:rPr lang="fr-FR" sz="1400" dirty="0"/>
+              <a:t>HL</a:t>
+            </a:r>
+            <a:endParaRPr lang="en-US" sz="1400" dirty="0"/>
+          </a:p>
+        </p:txBody>
+      </p:sp>
+      <p:sp>
+        <p:nvSpPr>
+          <p:cNvPr id="37" name="TextBox 36">
+            <a:extLst>
+              <a:ext uri="{FF2B5EF4-FFF2-40B4-BE49-F238E27FC236}">
+                <a16:creationId xmlns:a16="http://schemas.microsoft.com/office/drawing/2014/main" id="{02855073-4AF4-4859-ADCB-EBB2FB9361EA}"/>
+              </a:ext>
+            </a:extLst>
+          </p:cNvPr>
+          <p:cNvSpPr txBox="1"/>
+          <p:nvPr/>
+        </p:nvSpPr>
+        <p:spPr>
+          <a:xfrm>
+            <a:off x="3234519" y="4725607"/>
+            <a:ext cx="477672" cy="307777"/>
+          </a:xfrm>
+          <a:prstGeom prst="rect">
+            <a:avLst/>
+          </a:prstGeom>
+          <a:noFill/>
+        </p:spPr>
+        <p:txBody>
+          <a:bodyPr wrap="square" rtlCol="0">
+            <a:spAutoFit/>
+          </a:bodyPr>
+          <a:lstStyle/>
+          <a:p>
+            <a:r>
+              <a:rPr lang="fr-FR" sz="1400" dirty="0"/>
+              <a:t>HL</a:t>
+            </a:r>
+            <a:endParaRPr lang="en-US" sz="1400" dirty="0"/>
+          </a:p>
+        </p:txBody>
+      </p:sp>
+      <p:sp>
+        <p:nvSpPr>
+          <p:cNvPr id="38" name="TextBox 37">
+            <a:extLst>
+              <a:ext uri="{FF2B5EF4-FFF2-40B4-BE49-F238E27FC236}">
+                <a16:creationId xmlns:a16="http://schemas.microsoft.com/office/drawing/2014/main" id="{57AB654B-7F85-41E7-935B-0EEE8EE7FB6C}"/>
+              </a:ext>
+            </a:extLst>
+          </p:cNvPr>
+          <p:cNvSpPr txBox="1"/>
+          <p:nvPr/>
+        </p:nvSpPr>
+        <p:spPr>
+          <a:xfrm>
+            <a:off x="7358916" y="2958690"/>
+            <a:ext cx="477672" cy="307777"/>
+          </a:xfrm>
+          <a:prstGeom prst="rect">
+            <a:avLst/>
+          </a:prstGeom>
+          <a:noFill/>
+        </p:spPr>
+        <p:txBody>
+          <a:bodyPr wrap="square" rtlCol="0">
+            <a:spAutoFit/>
+          </a:bodyPr>
+          <a:lstStyle/>
+          <a:p>
+            <a:r>
+              <a:rPr lang="fr-FR" sz="1400" dirty="0"/>
+              <a:t>HL</a:t>
+            </a:r>
+            <a:endParaRPr lang="en-US" sz="1400" dirty="0"/>
+          </a:p>
+        </p:txBody>
+      </p:sp>
+      <p:sp>
+        <p:nvSpPr>
+          <p:cNvPr id="39" name="TextBox 38">
+            <a:extLst>
+              <a:ext uri="{FF2B5EF4-FFF2-40B4-BE49-F238E27FC236}">
+                <a16:creationId xmlns:a16="http://schemas.microsoft.com/office/drawing/2014/main" id="{47C211E1-2EB3-48C7-B286-3650A3036EEF}"/>
+              </a:ext>
+            </a:extLst>
+          </p:cNvPr>
+          <p:cNvSpPr txBox="1"/>
+          <p:nvPr/>
+        </p:nvSpPr>
+        <p:spPr>
+          <a:xfrm>
+            <a:off x="8664898" y="3560103"/>
+            <a:ext cx="477672" cy="307777"/>
+          </a:xfrm>
+          <a:prstGeom prst="rect">
+            <a:avLst/>
+          </a:prstGeom>
+          <a:noFill/>
+        </p:spPr>
+        <p:txBody>
+          <a:bodyPr wrap="square" rtlCol="0">
+            <a:spAutoFit/>
+          </a:bodyPr>
+          <a:lstStyle/>
+          <a:p>
+            <a:r>
+              <a:rPr lang="fr-FR" sz="1400" dirty="0"/>
+              <a:t>LL</a:t>
+            </a:r>
+            <a:endParaRPr lang="en-US" sz="1400" dirty="0"/>
+          </a:p>
+        </p:txBody>
+      </p:sp>
+      <p:sp>
+        <p:nvSpPr>
+          <p:cNvPr id="40" name="TextBox 39">
+            <a:extLst>
+              <a:ext uri="{FF2B5EF4-FFF2-40B4-BE49-F238E27FC236}">
+                <a16:creationId xmlns:a16="http://schemas.microsoft.com/office/drawing/2014/main" id="{C72FFC10-5048-4323-AC5D-A4484488950F}"/>
+              </a:ext>
+            </a:extLst>
+          </p:cNvPr>
+          <p:cNvSpPr txBox="1"/>
+          <p:nvPr/>
+        </p:nvSpPr>
+        <p:spPr>
+          <a:xfrm>
+            <a:off x="9439778" y="3055696"/>
+            <a:ext cx="477672" cy="307777"/>
+          </a:xfrm>
+          <a:prstGeom prst="rect">
+            <a:avLst/>
+          </a:prstGeom>
+          <a:noFill/>
+        </p:spPr>
+        <p:txBody>
+          <a:bodyPr wrap="square" rtlCol="0">
+            <a:spAutoFit/>
+          </a:bodyPr>
+          <a:lstStyle/>
+          <a:p>
+            <a:r>
+              <a:rPr lang="fr-FR" sz="1400" dirty="0"/>
+              <a:t>LH</a:t>
+            </a:r>
+            <a:endParaRPr lang="en-US" sz="1400" dirty="0"/>
+          </a:p>
+        </p:txBody>
+      </p:sp>
+    </p:spTree>
+    <p:extLst>
+      <p:ext uri="{BB962C8B-B14F-4D97-AF65-F5344CB8AC3E}">
+        <p14:creationId xmlns:p14="http://schemas.microsoft.com/office/powerpoint/2010/main" val="688944245"/>
+      </p:ext>
+    </p:extLst>
+  </p:cSld>
+  <p:clrMapOvr>
+    <a:masterClrMapping/>
+  </p:clrMapOvr>
+</p:sld>
+</file>
+
+<file path=ppt/slides/slide14.xml><?xml version="1.0" encoding="utf-8"?>
+<p:sld xmlns:a="http://schemas.openxmlformats.org/drawingml/2006/main" xmlns:r="http://schemas.openxmlformats.org/officeDocument/2006/relationships" xmlns:p="http://schemas.openxmlformats.org/presentationml/2006/main">
+  <p:cSld>
+    <p:spTree>
+      <p:nvGrpSpPr>
+        <p:cNvPr id="1" name=""/>
+        <p:cNvGrpSpPr/>
+        <p:nvPr/>
+      </p:nvGrpSpPr>
+      <p:grpSpPr>
+        <a:xfrm>
+          <a:off x="0" y="0"/>
+          <a:ext cx="0" cy="0"/>
+          <a:chOff x="0" y="0"/>
+          <a:chExt cx="0" cy="0"/>
+        </a:xfrm>
+      </p:grpSpPr>
+      <p:sp>
+        <p:nvSpPr>
+          <p:cNvPr id="2" name="Title 1">
+            <a:extLst>
+              <a:ext uri="{FF2B5EF4-FFF2-40B4-BE49-F238E27FC236}">
+                <a16:creationId xmlns:a16="http://schemas.microsoft.com/office/drawing/2014/main" id="{3D7C7FEC-190F-4EF0-ACFE-79BF37A1A615}"/>
+              </a:ext>
+            </a:extLst>
+          </p:cNvPr>
+          <p:cNvSpPr>
+            <a:spLocks noGrp="1"/>
+          </p:cNvSpPr>
+          <p:nvPr>
+            <p:ph type="title"/>
+          </p:nvPr>
+        </p:nvSpPr>
+        <p:spPr/>
+        <p:txBody>
+          <a:bodyPr/>
+          <a:lstStyle/>
+          <a:p>
+            <a:r>
+              <a:rPr lang="fr-FR" dirty="0"/>
+              <a:t>Tasse avec anse</a:t>
+            </a:r>
+            <a:endParaRPr lang="en-US" dirty="0"/>
+          </a:p>
+        </p:txBody>
+      </p:sp>
+      <p:sp>
+        <p:nvSpPr>
+          <p:cNvPr id="9" name="Freeform: Shape 8">
+            <a:extLst>
+              <a:ext uri="{FF2B5EF4-FFF2-40B4-BE49-F238E27FC236}">
+                <a16:creationId xmlns:a16="http://schemas.microsoft.com/office/drawing/2014/main" id="{8BE91EBC-A914-41F9-870D-9281E090D28B}"/>
+              </a:ext>
+            </a:extLst>
+          </p:cNvPr>
+          <p:cNvSpPr/>
+          <p:nvPr/>
+        </p:nvSpPr>
+        <p:spPr>
+          <a:xfrm>
+            <a:off x="805218" y="770972"/>
+            <a:ext cx="10874254" cy="5220395"/>
+          </a:xfrm>
+          <a:custGeom>
+            <a:avLst/>
+            <a:gdLst>
+              <a:gd name="connsiteX0" fmla="*/ 0 w 10874254"/>
+              <a:gd name="connsiteY0" fmla="*/ 5220395 h 5220395"/>
+              <a:gd name="connsiteX1" fmla="*/ 2156346 w 10874254"/>
+              <a:gd name="connsiteY1" fmla="*/ 2204240 h 5220395"/>
+              <a:gd name="connsiteX2" fmla="*/ 3316406 w 10874254"/>
+              <a:gd name="connsiteY2" fmla="*/ 3705494 h 5220395"/>
+              <a:gd name="connsiteX3" fmla="*/ 4572000 w 10874254"/>
+              <a:gd name="connsiteY3" fmla="*/ 2791094 h 5220395"/>
+              <a:gd name="connsiteX4" fmla="*/ 5431809 w 10874254"/>
+              <a:gd name="connsiteY4" fmla="*/ 3364300 h 5220395"/>
+              <a:gd name="connsiteX5" fmla="*/ 6277970 w 10874254"/>
+              <a:gd name="connsiteY5" fmla="*/ 3091344 h 5220395"/>
+              <a:gd name="connsiteX6" fmla="*/ 6837528 w 10874254"/>
+              <a:gd name="connsiteY6" fmla="*/ 3296061 h 5220395"/>
+              <a:gd name="connsiteX7" fmla="*/ 7342495 w 10874254"/>
+              <a:gd name="connsiteY7" fmla="*/ 2859332 h 5220395"/>
+              <a:gd name="connsiteX8" fmla="*/ 7929349 w 10874254"/>
+              <a:gd name="connsiteY8" fmla="*/ 3241470 h 5220395"/>
+              <a:gd name="connsiteX9" fmla="*/ 10467833 w 10874254"/>
+              <a:gd name="connsiteY9" fmla="*/ 457327 h 5220395"/>
+              <a:gd name="connsiteX10" fmla="*/ 10836322 w 10874254"/>
+              <a:gd name="connsiteY10" fmla="*/ 34246 h 5220395"/>
+            </a:gdLst>
+            <a:ahLst/>
+            <a:cxnLst>
+              <a:cxn ang="0">
+                <a:pos x="connsiteX0" y="connsiteY0"/>
+              </a:cxn>
+              <a:cxn ang="0">
+                <a:pos x="connsiteX1" y="connsiteY1"/>
+              </a:cxn>
+              <a:cxn ang="0">
+                <a:pos x="connsiteX2" y="connsiteY2"/>
+              </a:cxn>
+              <a:cxn ang="0">
+                <a:pos x="connsiteX3" y="connsiteY3"/>
+              </a:cxn>
+              <a:cxn ang="0">
+                <a:pos x="connsiteX4" y="connsiteY4"/>
+              </a:cxn>
+              <a:cxn ang="0">
+                <a:pos x="connsiteX5" y="connsiteY5"/>
+              </a:cxn>
+              <a:cxn ang="0">
+                <a:pos x="connsiteX6" y="connsiteY6"/>
+              </a:cxn>
+              <a:cxn ang="0">
+                <a:pos x="connsiteX7" y="connsiteY7"/>
+              </a:cxn>
+              <a:cxn ang="0">
+                <a:pos x="connsiteX8" y="connsiteY8"/>
+              </a:cxn>
+              <a:cxn ang="0">
+                <a:pos x="connsiteX9" y="connsiteY9"/>
+              </a:cxn>
+              <a:cxn ang="0">
+                <a:pos x="connsiteX10" y="connsiteY10"/>
+              </a:cxn>
+            </a:cxnLst>
+            <a:rect l="l" t="t" r="r" b="b"/>
+            <a:pathLst>
+              <a:path w="10874254" h="5220395">
+                <a:moveTo>
+                  <a:pt x="0" y="5220395"/>
+                </a:moveTo>
+                <a:cubicBezTo>
+                  <a:pt x="801806" y="3838559"/>
+                  <a:pt x="1603612" y="2456723"/>
+                  <a:pt x="2156346" y="2204240"/>
+                </a:cubicBezTo>
+                <a:cubicBezTo>
+                  <a:pt x="2709080" y="1951757"/>
+                  <a:pt x="2913797" y="3607685"/>
+                  <a:pt x="3316406" y="3705494"/>
+                </a:cubicBezTo>
+                <a:cubicBezTo>
+                  <a:pt x="3719015" y="3803303"/>
+                  <a:pt x="4219433" y="2847960"/>
+                  <a:pt x="4572000" y="2791094"/>
+                </a:cubicBezTo>
+                <a:cubicBezTo>
+                  <a:pt x="4924567" y="2734228"/>
+                  <a:pt x="5147481" y="3314258"/>
+                  <a:pt x="5431809" y="3364300"/>
+                </a:cubicBezTo>
+                <a:cubicBezTo>
+                  <a:pt x="5716137" y="3414342"/>
+                  <a:pt x="6043684" y="3102717"/>
+                  <a:pt x="6277970" y="3091344"/>
+                </a:cubicBezTo>
+                <a:cubicBezTo>
+                  <a:pt x="6512257" y="3079971"/>
+                  <a:pt x="6660107" y="3334730"/>
+                  <a:pt x="6837528" y="3296061"/>
+                </a:cubicBezTo>
+                <a:cubicBezTo>
+                  <a:pt x="7014949" y="3257392"/>
+                  <a:pt x="7160525" y="2868430"/>
+                  <a:pt x="7342495" y="2859332"/>
+                </a:cubicBezTo>
+                <a:cubicBezTo>
+                  <a:pt x="7524465" y="2850234"/>
+                  <a:pt x="7408459" y="3641804"/>
+                  <a:pt x="7929349" y="3241470"/>
+                </a:cubicBezTo>
+                <a:cubicBezTo>
+                  <a:pt x="8450239" y="2841136"/>
+                  <a:pt x="9983338" y="991864"/>
+                  <a:pt x="10467833" y="457327"/>
+                </a:cubicBezTo>
+                <a:cubicBezTo>
+                  <a:pt x="10952328" y="-77210"/>
+                  <a:pt x="10894325" y="-21482"/>
+                  <a:pt x="10836322" y="34246"/>
+                </a:cubicBezTo>
+              </a:path>
+            </a:pathLst>
+          </a:custGeom>
+          <a:noFill/>
+        </p:spPr>
+        <p:style>
+          <a:lnRef idx="2">
+            <a:schemeClr val="accent1">
+              <a:shade val="50000"/>
+            </a:schemeClr>
+          </a:lnRef>
+          <a:fillRef idx="1">
+            <a:schemeClr val="accent1"/>
+          </a:fillRef>
+          <a:effectRef idx="0">
+            <a:schemeClr val="accent1"/>
+          </a:effectRef>
+          <a:fontRef idx="minor">
+            <a:schemeClr val="lt1"/>
+          </a:fontRef>
+        </p:style>
+        <p:txBody>
+          <a:bodyPr rtlCol="0" anchor="ctr"/>
+          <a:lstStyle/>
+          <a:p>
+            <a:pPr algn="ctr"/>
+            <a:endParaRPr lang="en-US"/>
+          </a:p>
+        </p:txBody>
+      </p:sp>
+      <p:cxnSp>
+        <p:nvCxnSpPr>
+          <p:cNvPr id="11" name="Straight Connector 10">
+            <a:extLst>
+              <a:ext uri="{FF2B5EF4-FFF2-40B4-BE49-F238E27FC236}">
+                <a16:creationId xmlns:a16="http://schemas.microsoft.com/office/drawing/2014/main" id="{FFE80350-C838-4830-BF38-03AF0DAB2A98}"/>
+              </a:ext>
+            </a:extLst>
+          </p:cNvPr>
+          <p:cNvCxnSpPr>
+            <a:cxnSpLocks/>
+          </p:cNvCxnSpPr>
+          <p:nvPr/>
+        </p:nvCxnSpPr>
+        <p:spPr>
+          <a:xfrm>
+            <a:off x="5827594" y="3579125"/>
+            <a:ext cx="5022376" cy="0"/>
+          </a:xfrm>
+          <a:prstGeom prst="line">
+            <a:avLst/>
+          </a:prstGeom>
+        </p:spPr>
+        <p:style>
+          <a:lnRef idx="1">
+            <a:schemeClr val="accent1"/>
+          </a:lnRef>
+          <a:fillRef idx="0">
+            <a:schemeClr val="accent1"/>
+          </a:fillRef>
+          <a:effectRef idx="0">
+            <a:schemeClr val="accent1"/>
+          </a:effectRef>
+          <a:fontRef idx="minor">
+            <a:schemeClr val="tx1"/>
+          </a:fontRef>
+        </p:style>
+      </p:cxnSp>
+      <p:sp>
+        <p:nvSpPr>
+          <p:cNvPr id="13" name="Arrow: Down 12">
+            <a:extLst>
+              <a:ext uri="{FF2B5EF4-FFF2-40B4-BE49-F238E27FC236}">
+                <a16:creationId xmlns:a16="http://schemas.microsoft.com/office/drawing/2014/main" id="{CE2A4CBA-14E7-4D29-952B-A01151FFFD39}"/>
+              </a:ext>
+            </a:extLst>
+          </p:cNvPr>
+          <p:cNvSpPr/>
+          <p:nvPr/>
+        </p:nvSpPr>
+        <p:spPr>
+          <a:xfrm rot="10800000">
+            <a:off x="9034819" y="3684892"/>
+            <a:ext cx="300250" cy="422223"/>
+          </a:xfrm>
+          <a:prstGeom prst="downArrow">
+            <a:avLst/>
+          </a:prstGeom>
+        </p:spPr>
+        <p:style>
+          <a:lnRef idx="1">
+            <a:schemeClr val="accent6"/>
+          </a:lnRef>
+          <a:fillRef idx="2">
+            <a:schemeClr val="accent6"/>
+          </a:fillRef>
+          <a:effectRef idx="1">
+            <a:schemeClr val="accent6"/>
+          </a:effectRef>
+          <a:fontRef idx="minor">
+            <a:schemeClr val="dk1"/>
+          </a:fontRef>
+        </p:style>
+        <p:txBody>
+          <a:bodyPr rtlCol="0" anchor="ctr"/>
+          <a:lstStyle/>
+          <a:p>
+            <a:pPr algn="ctr"/>
+            <a:endParaRPr lang="en-US"/>
+          </a:p>
+        </p:txBody>
+      </p:sp>
+      <p:cxnSp>
+        <p:nvCxnSpPr>
+          <p:cNvPr id="15" name="Straight Connector 14">
+            <a:extLst>
+              <a:ext uri="{FF2B5EF4-FFF2-40B4-BE49-F238E27FC236}">
+                <a16:creationId xmlns:a16="http://schemas.microsoft.com/office/drawing/2014/main" id="{3478B336-61CD-4CD2-9EFD-18BF25FEBFB5}"/>
+              </a:ext>
+            </a:extLst>
+          </p:cNvPr>
+          <p:cNvCxnSpPr>
+            <a:cxnSpLocks/>
+          </p:cNvCxnSpPr>
+          <p:nvPr/>
+        </p:nvCxnSpPr>
+        <p:spPr>
+          <a:xfrm>
+            <a:off x="4626591" y="4476466"/>
+            <a:ext cx="6223379" cy="0"/>
+          </a:xfrm>
+          <a:prstGeom prst="line">
+            <a:avLst/>
+          </a:prstGeom>
+        </p:spPr>
+        <p:style>
+          <a:lnRef idx="1">
+            <a:schemeClr val="accent1"/>
+          </a:lnRef>
+          <a:fillRef idx="0">
+            <a:schemeClr val="accent1"/>
+          </a:fillRef>
+          <a:effectRef idx="0">
+            <a:schemeClr val="accent1"/>
+          </a:effectRef>
+          <a:fontRef idx="minor">
+            <a:schemeClr val="tx1"/>
+          </a:fontRef>
+        </p:style>
+      </p:cxnSp>
+      <p:sp>
+        <p:nvSpPr>
+          <p:cNvPr id="17" name="TextBox 16">
+            <a:extLst>
+              <a:ext uri="{FF2B5EF4-FFF2-40B4-BE49-F238E27FC236}">
+                <a16:creationId xmlns:a16="http://schemas.microsoft.com/office/drawing/2014/main" id="{BD560F8C-3CCE-45ED-A167-DEF5126BA64F}"/>
+              </a:ext>
+            </a:extLst>
+          </p:cNvPr>
+          <p:cNvSpPr txBox="1"/>
+          <p:nvPr/>
+        </p:nvSpPr>
+        <p:spPr>
+          <a:xfrm flipH="1">
+            <a:off x="10800034" y="4177690"/>
+            <a:ext cx="2270078" cy="646331"/>
+          </a:xfrm>
+          <a:prstGeom prst="rect">
+            <a:avLst/>
+          </a:prstGeom>
+          <a:noFill/>
+        </p:spPr>
+        <p:txBody>
+          <a:bodyPr wrap="square" rtlCol="0">
+            <a:spAutoFit/>
+          </a:bodyPr>
+          <a:lstStyle/>
+          <a:p>
+            <a:r>
+              <a:rPr lang="fr-FR" dirty="0"/>
+              <a:t>Stop de</a:t>
+            </a:r>
+          </a:p>
+          <a:p>
+            <a:r>
+              <a:rPr lang="fr-FR" dirty="0"/>
+              <a:t>protection</a:t>
+            </a:r>
+            <a:endParaRPr lang="en-US" dirty="0"/>
+          </a:p>
+        </p:txBody>
+      </p:sp>
+      <p:sp>
+        <p:nvSpPr>
+          <p:cNvPr id="18" name="TextBox 17">
+            <a:extLst>
+              <a:ext uri="{FF2B5EF4-FFF2-40B4-BE49-F238E27FC236}">
+                <a16:creationId xmlns:a16="http://schemas.microsoft.com/office/drawing/2014/main" id="{787DD0CA-06AD-47EC-9E5F-6898445BBF58}"/>
+              </a:ext>
+            </a:extLst>
+          </p:cNvPr>
+          <p:cNvSpPr txBox="1"/>
+          <p:nvPr/>
+        </p:nvSpPr>
+        <p:spPr>
+          <a:xfrm>
+            <a:off x="8229600" y="3172263"/>
+            <a:ext cx="722762" cy="369332"/>
+          </a:xfrm>
+          <a:prstGeom prst="rect">
+            <a:avLst/>
+          </a:prstGeom>
+          <a:noFill/>
+        </p:spPr>
+        <p:txBody>
+          <a:bodyPr wrap="square" rtlCol="0">
+            <a:spAutoFit/>
+          </a:bodyPr>
+          <a:lstStyle/>
+          <a:p>
+            <a:r>
+              <a:rPr lang="fr-FR" dirty="0"/>
+              <a:t>Achat</a:t>
+            </a:r>
+            <a:endParaRPr lang="en-US" dirty="0"/>
+          </a:p>
+        </p:txBody>
+      </p:sp>
+      <p:cxnSp>
+        <p:nvCxnSpPr>
+          <p:cNvPr id="20" name="Straight Connector 19">
+            <a:extLst>
+              <a:ext uri="{FF2B5EF4-FFF2-40B4-BE49-F238E27FC236}">
+                <a16:creationId xmlns:a16="http://schemas.microsoft.com/office/drawing/2014/main" id="{FD3CE637-085F-4AE9-8841-3872AB793785}"/>
+              </a:ext>
+            </a:extLst>
+          </p:cNvPr>
+          <p:cNvCxnSpPr>
+            <a:cxnSpLocks/>
+          </p:cNvCxnSpPr>
+          <p:nvPr/>
+        </p:nvCxnSpPr>
+        <p:spPr>
+          <a:xfrm>
+            <a:off x="6414448" y="2743201"/>
+            <a:ext cx="4435522" cy="0"/>
+          </a:xfrm>
+          <a:prstGeom prst="line">
+            <a:avLst/>
+          </a:prstGeom>
+        </p:spPr>
+        <p:style>
+          <a:lnRef idx="1">
+            <a:schemeClr val="accent1"/>
+          </a:lnRef>
+          <a:fillRef idx="0">
+            <a:schemeClr val="accent1"/>
+          </a:fillRef>
+          <a:effectRef idx="0">
+            <a:schemeClr val="accent1"/>
+          </a:effectRef>
+          <a:fontRef idx="minor">
+            <a:schemeClr val="tx1"/>
+          </a:fontRef>
+        </p:style>
+      </p:cxnSp>
+      <p:sp>
+        <p:nvSpPr>
+          <p:cNvPr id="22" name="TextBox 21">
+            <a:extLst>
+              <a:ext uri="{FF2B5EF4-FFF2-40B4-BE49-F238E27FC236}">
+                <a16:creationId xmlns:a16="http://schemas.microsoft.com/office/drawing/2014/main" id="{E579D1DA-DBEB-4ED3-89AC-08682FC3056C}"/>
+              </a:ext>
+            </a:extLst>
+          </p:cNvPr>
+          <p:cNvSpPr txBox="1"/>
+          <p:nvPr/>
+        </p:nvSpPr>
+        <p:spPr>
+          <a:xfrm>
+            <a:off x="10696064" y="2373869"/>
+            <a:ext cx="690718" cy="369332"/>
+          </a:xfrm>
+          <a:prstGeom prst="rect">
+            <a:avLst/>
+          </a:prstGeom>
+          <a:noFill/>
+        </p:spPr>
+        <p:txBody>
+          <a:bodyPr wrap="square" rtlCol="0">
+            <a:spAutoFit/>
+          </a:bodyPr>
+          <a:lstStyle/>
+          <a:p>
+            <a:r>
+              <a:rPr lang="fr-FR" dirty="0"/>
+              <a:t>R1</a:t>
+            </a:r>
+            <a:endParaRPr lang="en-US" dirty="0"/>
+          </a:p>
+        </p:txBody>
+      </p:sp>
+      <p:sp>
+        <p:nvSpPr>
+          <p:cNvPr id="33" name="Arrow: Down 32">
+            <a:extLst>
+              <a:ext uri="{FF2B5EF4-FFF2-40B4-BE49-F238E27FC236}">
+                <a16:creationId xmlns:a16="http://schemas.microsoft.com/office/drawing/2014/main" id="{18F3761D-94F5-466D-9A83-9EFB3FFEFACA}"/>
+              </a:ext>
+            </a:extLst>
+          </p:cNvPr>
+          <p:cNvSpPr/>
+          <p:nvPr/>
+        </p:nvSpPr>
+        <p:spPr>
+          <a:xfrm>
+            <a:off x="9645262" y="4107137"/>
+            <a:ext cx="300250" cy="369329"/>
+          </a:xfrm>
+          <a:prstGeom prst="downArrow">
+            <a:avLst/>
+          </a:prstGeom>
+          <a:solidFill>
+            <a:schemeClr val="accent2">
+              <a:lumMod val="75000"/>
+            </a:schemeClr>
+          </a:solidFill>
+        </p:spPr>
+        <p:style>
+          <a:lnRef idx="2">
+            <a:schemeClr val="accent1">
+              <a:shade val="50000"/>
+            </a:schemeClr>
+          </a:lnRef>
+          <a:fillRef idx="1">
+            <a:schemeClr val="accent1"/>
+          </a:fillRef>
+          <a:effectRef idx="0">
+            <a:schemeClr val="accent1"/>
+          </a:effectRef>
+          <a:fontRef idx="minor">
+            <a:schemeClr val="lt1"/>
+          </a:fontRef>
+        </p:style>
+        <p:txBody>
+          <a:bodyPr rtlCol="0" anchor="ctr"/>
+          <a:lstStyle/>
+          <a:p>
+            <a:pPr algn="ctr"/>
+            <a:endParaRPr lang="en-US"/>
+          </a:p>
+        </p:txBody>
+      </p:sp>
+      <p:sp>
+        <p:nvSpPr>
+          <p:cNvPr id="34" name="Arrow: Down 33">
+            <a:extLst>
+              <a:ext uri="{FF2B5EF4-FFF2-40B4-BE49-F238E27FC236}">
+                <a16:creationId xmlns:a16="http://schemas.microsoft.com/office/drawing/2014/main" id="{67DC6A99-42FB-44D2-864C-F3E91A1980B7}"/>
+              </a:ext>
+            </a:extLst>
+          </p:cNvPr>
+          <p:cNvSpPr/>
+          <p:nvPr/>
+        </p:nvSpPr>
+        <p:spPr>
+          <a:xfrm>
+            <a:off x="9699853" y="2373872"/>
+            <a:ext cx="300250" cy="369329"/>
+          </a:xfrm>
+          <a:prstGeom prst="downArrow">
+            <a:avLst/>
+          </a:prstGeom>
+        </p:spPr>
+        <p:style>
+          <a:lnRef idx="2">
+            <a:schemeClr val="accent1">
+              <a:shade val="50000"/>
+            </a:schemeClr>
+          </a:lnRef>
+          <a:fillRef idx="1">
+            <a:schemeClr val="accent1"/>
+          </a:fillRef>
+          <a:effectRef idx="0">
+            <a:schemeClr val="accent1"/>
+          </a:effectRef>
+          <a:fontRef idx="minor">
+            <a:schemeClr val="lt1"/>
+          </a:fontRef>
+        </p:style>
+        <p:txBody>
+          <a:bodyPr rtlCol="0" anchor="ctr"/>
+          <a:lstStyle/>
+          <a:p>
+            <a:pPr algn="ctr"/>
+            <a:endParaRPr lang="en-US"/>
+          </a:p>
+        </p:txBody>
+      </p:sp>
+      <p:sp>
+        <p:nvSpPr>
+          <p:cNvPr id="36" name="TextBox 35">
+            <a:extLst>
+              <a:ext uri="{FF2B5EF4-FFF2-40B4-BE49-F238E27FC236}">
+                <a16:creationId xmlns:a16="http://schemas.microsoft.com/office/drawing/2014/main" id="{E0D5C96B-5964-4277-96F8-847A7E17F96E}"/>
+              </a:ext>
+            </a:extLst>
+          </p:cNvPr>
+          <p:cNvSpPr txBox="1"/>
+          <p:nvPr/>
+        </p:nvSpPr>
+        <p:spPr>
+          <a:xfrm flipH="1">
+            <a:off x="6414447" y="2364474"/>
+            <a:ext cx="2455903" cy="369332"/>
+          </a:xfrm>
+          <a:prstGeom prst="rect">
+            <a:avLst/>
+          </a:prstGeom>
+          <a:noFill/>
+        </p:spPr>
+        <p:txBody>
+          <a:bodyPr wrap="square" rtlCol="0">
+            <a:spAutoFit/>
+          </a:bodyPr>
+          <a:lstStyle/>
+          <a:p>
+            <a:r>
+              <a:rPr lang="fr-FR" dirty="0"/>
+              <a:t>Prise de profit partielle</a:t>
+            </a:r>
+            <a:endParaRPr lang="en-US" dirty="0"/>
+          </a:p>
+        </p:txBody>
+      </p:sp>
+      <p:sp>
+        <p:nvSpPr>
+          <p:cNvPr id="38" name="Arrow: Left-Right 37">
+            <a:extLst>
+              <a:ext uri="{FF2B5EF4-FFF2-40B4-BE49-F238E27FC236}">
+                <a16:creationId xmlns:a16="http://schemas.microsoft.com/office/drawing/2014/main" id="{7C0F9030-D569-4F11-A63D-AF092ACA9F5B}"/>
+              </a:ext>
+            </a:extLst>
+          </p:cNvPr>
+          <p:cNvSpPr/>
+          <p:nvPr/>
+        </p:nvSpPr>
+        <p:spPr>
+          <a:xfrm>
+            <a:off x="3370996" y="5665987"/>
+            <a:ext cx="5800300" cy="1062032"/>
+          </a:xfrm>
+          <a:prstGeom prst="leftRightArrow">
+            <a:avLst/>
+          </a:prstGeom>
+        </p:spPr>
+        <p:style>
+          <a:lnRef idx="2">
+            <a:schemeClr val="accent1">
+              <a:shade val="50000"/>
+            </a:schemeClr>
+          </a:lnRef>
+          <a:fillRef idx="1">
+            <a:schemeClr val="accent1"/>
+          </a:fillRef>
+          <a:effectRef idx="0">
+            <a:schemeClr val="accent1"/>
+          </a:effectRef>
+          <a:fontRef idx="minor">
+            <a:schemeClr val="lt1"/>
+          </a:fontRef>
+        </p:style>
+        <p:txBody>
+          <a:bodyPr rtlCol="0" anchor="t"/>
+          <a:lstStyle/>
+          <a:p>
+            <a:pPr algn="ctr"/>
+            <a:r>
+              <a:rPr lang="fr-FR" dirty="0"/>
+              <a:t>Consolidation</a:t>
+            </a:r>
+          </a:p>
+          <a:p>
+            <a:pPr algn="ctr"/>
+            <a:endParaRPr lang="en-US" dirty="0"/>
+          </a:p>
+        </p:txBody>
+      </p:sp>
+      <p:sp>
+        <p:nvSpPr>
+          <p:cNvPr id="39" name="Arrow: Left-Right 38">
+            <a:extLst>
+              <a:ext uri="{FF2B5EF4-FFF2-40B4-BE49-F238E27FC236}">
+                <a16:creationId xmlns:a16="http://schemas.microsoft.com/office/drawing/2014/main" id="{A987D314-D51D-4EBC-A530-8D873A64A61F}"/>
+              </a:ext>
+            </a:extLst>
+          </p:cNvPr>
+          <p:cNvSpPr/>
+          <p:nvPr/>
+        </p:nvSpPr>
+        <p:spPr>
+          <a:xfrm>
+            <a:off x="143647" y="5665987"/>
+            <a:ext cx="3186407" cy="1062032"/>
+          </a:xfrm>
+          <a:prstGeom prst="leftRightArrow">
+            <a:avLst/>
+          </a:prstGeom>
+        </p:spPr>
+        <p:style>
+          <a:lnRef idx="2">
+            <a:schemeClr val="accent1">
+              <a:shade val="50000"/>
+            </a:schemeClr>
+          </a:lnRef>
+          <a:fillRef idx="1">
+            <a:schemeClr val="accent1"/>
+          </a:fillRef>
+          <a:effectRef idx="0">
+            <a:schemeClr val="accent1"/>
+          </a:effectRef>
+          <a:fontRef idx="minor">
+            <a:schemeClr val="lt1"/>
+          </a:fontRef>
+        </p:style>
+        <p:txBody>
+          <a:bodyPr rtlCol="0" anchor="t"/>
+          <a:lstStyle/>
+          <a:p>
+            <a:pPr algn="ctr"/>
+            <a:r>
+              <a:rPr lang="fr-FR" dirty="0"/>
+              <a:t>Tendance haussière</a:t>
+            </a:r>
+          </a:p>
+          <a:p>
+            <a:pPr algn="ctr"/>
+            <a:endParaRPr lang="en-US" dirty="0"/>
+          </a:p>
+        </p:txBody>
+      </p:sp>
+      <p:sp>
+        <p:nvSpPr>
+          <p:cNvPr id="40" name="Arrow: Left-Right 39">
+            <a:extLst>
+              <a:ext uri="{FF2B5EF4-FFF2-40B4-BE49-F238E27FC236}">
+                <a16:creationId xmlns:a16="http://schemas.microsoft.com/office/drawing/2014/main" id="{F4A95C92-7352-4969-9B02-AADD4ABF9891}"/>
+              </a:ext>
+            </a:extLst>
+          </p:cNvPr>
+          <p:cNvSpPr/>
+          <p:nvPr/>
+        </p:nvSpPr>
+        <p:spPr>
+          <a:xfrm>
+            <a:off x="9184944" y="5665987"/>
+            <a:ext cx="2863409" cy="1062032"/>
+          </a:xfrm>
+          <a:prstGeom prst="leftRightArrow">
+            <a:avLst/>
+          </a:prstGeom>
+        </p:spPr>
+        <p:style>
+          <a:lnRef idx="2">
+            <a:schemeClr val="accent1">
+              <a:shade val="50000"/>
+            </a:schemeClr>
+          </a:lnRef>
+          <a:fillRef idx="1">
+            <a:schemeClr val="accent1"/>
+          </a:fillRef>
+          <a:effectRef idx="0">
+            <a:schemeClr val="accent1"/>
+          </a:effectRef>
+          <a:fontRef idx="minor">
+            <a:schemeClr val="lt1"/>
+          </a:fontRef>
+        </p:style>
+        <p:txBody>
+          <a:bodyPr rtlCol="0" anchor="t"/>
+          <a:lstStyle/>
+          <a:p>
+            <a:pPr algn="ctr"/>
+            <a:r>
+              <a:rPr lang="fr-FR" dirty="0"/>
+              <a:t>Reprise haussière</a:t>
+            </a:r>
+          </a:p>
+          <a:p>
+            <a:pPr algn="ctr"/>
+            <a:endParaRPr lang="en-US" dirty="0"/>
+          </a:p>
+        </p:txBody>
+      </p:sp>
+    </p:spTree>
+    <p:extLst>
+      <p:ext uri="{BB962C8B-B14F-4D97-AF65-F5344CB8AC3E}">
+        <p14:creationId xmlns:p14="http://schemas.microsoft.com/office/powerpoint/2010/main" val="85548346"/>
+      </p:ext>
+    </p:extLst>
+  </p:cSld>
+  <p:clrMapOvr>
+    <a:masterClrMapping/>
+  </p:clrMapOvr>
+</p:sld>
+</file>
+
+<file path=ppt/slides/slide15.xml><?xml version="1.0" encoding="utf-8"?>
+<p:sld xmlns:a="http://schemas.openxmlformats.org/drawingml/2006/main" xmlns:r="http://schemas.openxmlformats.org/officeDocument/2006/relationships" xmlns:p="http://schemas.openxmlformats.org/presentationml/2006/main">
+  <p:cSld>
+    <p:spTree>
+      <p:nvGrpSpPr>
+        <p:cNvPr id="1" name=""/>
+        <p:cNvGrpSpPr/>
+        <p:nvPr/>
+      </p:nvGrpSpPr>
+      <p:grpSpPr>
+        <a:xfrm>
+          <a:off x="0" y="0"/>
+          <a:ext cx="0" cy="0"/>
+          <a:chOff x="0" y="0"/>
+          <a:chExt cx="0" cy="0"/>
+        </a:xfrm>
+      </p:grpSpPr>
+      <p:sp>
+        <p:nvSpPr>
+          <p:cNvPr id="2" name="Title 1">
+            <a:extLst>
+              <a:ext uri="{FF2B5EF4-FFF2-40B4-BE49-F238E27FC236}">
+                <a16:creationId xmlns:a16="http://schemas.microsoft.com/office/drawing/2014/main" id="{3EF70886-11AD-489A-9648-518171AD0814}"/>
+              </a:ext>
+            </a:extLst>
+          </p:cNvPr>
+          <p:cNvSpPr>
+            <a:spLocks noGrp="1"/>
+          </p:cNvSpPr>
+          <p:nvPr>
+            <p:ph type="title"/>
+          </p:nvPr>
+        </p:nvSpPr>
+        <p:spPr/>
+        <p:txBody>
+          <a:bodyPr/>
+          <a:lstStyle/>
+          <a:p>
+            <a:r>
+              <a:rPr lang="fr-FR" dirty="0"/>
+              <a:t>Epaule-Tête-Epaule (inversée)</a:t>
+            </a:r>
+            <a:endParaRPr lang="en-US" dirty="0"/>
+          </a:p>
+        </p:txBody>
+      </p:sp>
+      <p:sp>
+        <p:nvSpPr>
+          <p:cNvPr id="5" name="Freeform: Shape 4">
+            <a:extLst>
+              <a:ext uri="{FF2B5EF4-FFF2-40B4-BE49-F238E27FC236}">
+                <a16:creationId xmlns:a16="http://schemas.microsoft.com/office/drawing/2014/main" id="{0F779F00-5BDD-4DFA-96D6-B611074F1A90}"/>
+              </a:ext>
+            </a:extLst>
+          </p:cNvPr>
+          <p:cNvSpPr/>
+          <p:nvPr/>
+        </p:nvSpPr>
+        <p:spPr>
+          <a:xfrm>
+            <a:off x="1206691" y="2579146"/>
+            <a:ext cx="4197824" cy="3357631"/>
+          </a:xfrm>
+          <a:custGeom>
+            <a:avLst/>
+            <a:gdLst>
+              <a:gd name="connsiteX0" fmla="*/ 0 w 3466531"/>
+              <a:gd name="connsiteY0" fmla="*/ 3357631 h 3357631"/>
+              <a:gd name="connsiteX1" fmla="*/ 709684 w 3466531"/>
+              <a:gd name="connsiteY1" fmla="*/ 641727 h 3357631"/>
+              <a:gd name="connsiteX2" fmla="*/ 1160060 w 3466531"/>
+              <a:gd name="connsiteY2" fmla="*/ 1310467 h 3357631"/>
+              <a:gd name="connsiteX3" fmla="*/ 1787857 w 3466531"/>
+              <a:gd name="connsiteY3" fmla="*/ 282 h 3357631"/>
+              <a:gd name="connsiteX4" fmla="*/ 2129051 w 3466531"/>
+              <a:gd name="connsiteY4" fmla="*/ 1187637 h 3357631"/>
+              <a:gd name="connsiteX5" fmla="*/ 2579427 w 3466531"/>
+              <a:gd name="connsiteY5" fmla="*/ 655375 h 3357631"/>
+              <a:gd name="connsiteX6" fmla="*/ 3302758 w 3466531"/>
+              <a:gd name="connsiteY6" fmla="*/ 2811721 h 3357631"/>
+              <a:gd name="connsiteX7" fmla="*/ 3466531 w 3466531"/>
+              <a:gd name="connsiteY7" fmla="*/ 3289393 h 3357631"/>
+            </a:gdLst>
+            <a:ahLst/>
+            <a:cxnLst>
+              <a:cxn ang="0">
+                <a:pos x="connsiteX0" y="connsiteY0"/>
+              </a:cxn>
+              <a:cxn ang="0">
+                <a:pos x="connsiteX1" y="connsiteY1"/>
+              </a:cxn>
+              <a:cxn ang="0">
+                <a:pos x="connsiteX2" y="connsiteY2"/>
+              </a:cxn>
+              <a:cxn ang="0">
+                <a:pos x="connsiteX3" y="connsiteY3"/>
+              </a:cxn>
+              <a:cxn ang="0">
+                <a:pos x="connsiteX4" y="connsiteY4"/>
+              </a:cxn>
+              <a:cxn ang="0">
+                <a:pos x="connsiteX5" y="connsiteY5"/>
+              </a:cxn>
+              <a:cxn ang="0">
+                <a:pos x="connsiteX6" y="connsiteY6"/>
+              </a:cxn>
+              <a:cxn ang="0">
+                <a:pos x="connsiteX7" y="connsiteY7"/>
+              </a:cxn>
+            </a:cxnLst>
+            <a:rect l="l" t="t" r="r" b="b"/>
+            <a:pathLst>
+              <a:path w="3466531" h="3357631">
+                <a:moveTo>
+                  <a:pt x="0" y="3357631"/>
+                </a:moveTo>
+                <a:cubicBezTo>
+                  <a:pt x="258170" y="2170276"/>
+                  <a:pt x="516341" y="982921"/>
+                  <a:pt x="709684" y="641727"/>
+                </a:cubicBezTo>
+                <a:cubicBezTo>
+                  <a:pt x="903027" y="300533"/>
+                  <a:pt x="980365" y="1417374"/>
+                  <a:pt x="1160060" y="1310467"/>
+                </a:cubicBezTo>
+                <a:cubicBezTo>
+                  <a:pt x="1339755" y="1203560"/>
+                  <a:pt x="1626359" y="20754"/>
+                  <a:pt x="1787857" y="282"/>
+                </a:cubicBezTo>
+                <a:cubicBezTo>
+                  <a:pt x="1949355" y="-20190"/>
+                  <a:pt x="1997123" y="1078455"/>
+                  <a:pt x="2129051" y="1187637"/>
+                </a:cubicBezTo>
+                <a:cubicBezTo>
+                  <a:pt x="2260979" y="1296819"/>
+                  <a:pt x="2383809" y="384694"/>
+                  <a:pt x="2579427" y="655375"/>
+                </a:cubicBezTo>
+                <a:cubicBezTo>
+                  <a:pt x="2775045" y="926056"/>
+                  <a:pt x="3154907" y="2372718"/>
+                  <a:pt x="3302758" y="2811721"/>
+                </a:cubicBezTo>
+                <a:cubicBezTo>
+                  <a:pt x="3450609" y="3250724"/>
+                  <a:pt x="3458570" y="3270058"/>
+                  <a:pt x="3466531" y="3289393"/>
+                </a:cubicBezTo>
+              </a:path>
+            </a:pathLst>
+          </a:custGeom>
+          <a:noFill/>
+        </p:spPr>
+        <p:style>
+          <a:lnRef idx="2">
+            <a:schemeClr val="accent1">
+              <a:shade val="50000"/>
+            </a:schemeClr>
+          </a:lnRef>
+          <a:fillRef idx="1">
+            <a:schemeClr val="accent1"/>
+          </a:fillRef>
+          <a:effectRef idx="0">
+            <a:schemeClr val="accent1"/>
+          </a:effectRef>
+          <a:fontRef idx="minor">
+            <a:schemeClr val="lt1"/>
+          </a:fontRef>
+        </p:style>
+        <p:txBody>
+          <a:bodyPr rtlCol="0" anchor="ctr"/>
+          <a:lstStyle/>
+          <a:p>
+            <a:pPr algn="ctr"/>
+            <a:endParaRPr lang="en-US" dirty="0"/>
+          </a:p>
+        </p:txBody>
+      </p:sp>
+      <p:cxnSp>
+        <p:nvCxnSpPr>
+          <p:cNvPr id="8" name="Straight Connector 7">
+            <a:extLst>
+              <a:ext uri="{FF2B5EF4-FFF2-40B4-BE49-F238E27FC236}">
+                <a16:creationId xmlns:a16="http://schemas.microsoft.com/office/drawing/2014/main" id="{D24042EB-1590-44BE-ACB9-B5D02880531B}"/>
+              </a:ext>
+            </a:extLst>
+          </p:cNvPr>
+          <p:cNvCxnSpPr>
+            <a:cxnSpLocks/>
+          </p:cNvCxnSpPr>
+          <p:nvPr/>
+        </p:nvCxnSpPr>
+        <p:spPr>
+          <a:xfrm flipV="1">
+            <a:off x="838200" y="3562066"/>
+            <a:ext cx="5057633" cy="532263"/>
+          </a:xfrm>
+          <a:prstGeom prst="line">
+            <a:avLst/>
+          </a:prstGeom>
+        </p:spPr>
+        <p:style>
+          <a:lnRef idx="1">
+            <a:schemeClr val="accent1"/>
+          </a:lnRef>
+          <a:fillRef idx="0">
+            <a:schemeClr val="accent1"/>
+          </a:fillRef>
+          <a:effectRef idx="0">
+            <a:schemeClr val="accent1"/>
+          </a:effectRef>
+          <a:fontRef idx="minor">
+            <a:schemeClr val="tx1"/>
+          </a:fontRef>
+        </p:style>
+      </p:cxnSp>
+      <p:cxnSp>
+        <p:nvCxnSpPr>
+          <p:cNvPr id="11" name="Straight Connector 10">
+            <a:extLst>
+              <a:ext uri="{FF2B5EF4-FFF2-40B4-BE49-F238E27FC236}">
+                <a16:creationId xmlns:a16="http://schemas.microsoft.com/office/drawing/2014/main" id="{64D8E1D2-FB4B-419D-9FE9-FB00EE878A45}"/>
+              </a:ext>
+            </a:extLst>
+          </p:cNvPr>
+          <p:cNvCxnSpPr>
+            <a:cxnSpLocks/>
+          </p:cNvCxnSpPr>
+          <p:nvPr/>
+        </p:nvCxnSpPr>
+        <p:spPr>
+          <a:xfrm>
+            <a:off x="838200" y="3125337"/>
+            <a:ext cx="5003041" cy="95535"/>
+          </a:xfrm>
+          <a:prstGeom prst="line">
+            <a:avLst/>
+          </a:prstGeom>
+        </p:spPr>
+        <p:style>
+          <a:lnRef idx="1">
+            <a:schemeClr val="accent1"/>
+          </a:lnRef>
+          <a:fillRef idx="0">
+            <a:schemeClr val="accent1"/>
+          </a:fillRef>
+          <a:effectRef idx="0">
+            <a:schemeClr val="accent1"/>
+          </a:effectRef>
+          <a:fontRef idx="minor">
+            <a:schemeClr val="tx1"/>
+          </a:fontRef>
+        </p:style>
+      </p:cxnSp>
+      <p:sp>
+        <p:nvSpPr>
+          <p:cNvPr id="14" name="TextBox 13">
+            <a:extLst>
+              <a:ext uri="{FF2B5EF4-FFF2-40B4-BE49-F238E27FC236}">
+                <a16:creationId xmlns:a16="http://schemas.microsoft.com/office/drawing/2014/main" id="{43E074A6-957D-47BA-8068-E42C78FC7036}"/>
+              </a:ext>
+            </a:extLst>
+          </p:cNvPr>
+          <p:cNvSpPr txBox="1"/>
+          <p:nvPr/>
+        </p:nvSpPr>
+        <p:spPr>
+          <a:xfrm>
+            <a:off x="3066765" y="2121947"/>
+            <a:ext cx="600502" cy="368207"/>
+          </a:xfrm>
+          <a:prstGeom prst="rect">
+            <a:avLst/>
+          </a:prstGeom>
+          <a:noFill/>
+        </p:spPr>
+        <p:txBody>
+          <a:bodyPr wrap="square" rtlCol="0">
+            <a:spAutoFit/>
+          </a:bodyPr>
+          <a:lstStyle/>
+          <a:p>
+            <a:r>
+              <a:rPr lang="fr-FR" dirty="0"/>
+              <a:t>Tête</a:t>
+            </a:r>
+            <a:endParaRPr lang="en-US" dirty="0"/>
+          </a:p>
+        </p:txBody>
+      </p:sp>
+      <p:grpSp>
+        <p:nvGrpSpPr>
+          <p:cNvPr id="24" name="Group 23">
+            <a:extLst>
+              <a:ext uri="{FF2B5EF4-FFF2-40B4-BE49-F238E27FC236}">
+                <a16:creationId xmlns:a16="http://schemas.microsoft.com/office/drawing/2014/main" id="{CC327FFB-B4E0-45A1-8D78-F10116B7BDEA}"/>
+              </a:ext>
+            </a:extLst>
+          </p:cNvPr>
+          <p:cNvGrpSpPr/>
+          <p:nvPr/>
+        </p:nvGrpSpPr>
+        <p:grpSpPr>
+          <a:xfrm rot="10800000">
+            <a:off x="6610068" y="2032955"/>
+            <a:ext cx="5124730" cy="3814830"/>
+            <a:chOff x="6542971" y="2032955"/>
+            <a:chExt cx="5124730" cy="3814830"/>
+          </a:xfrm>
+        </p:grpSpPr>
+        <p:sp>
+          <p:nvSpPr>
+            <p:cNvPr id="17" name="Freeform: Shape 16">
+              <a:extLst>
+                <a:ext uri="{FF2B5EF4-FFF2-40B4-BE49-F238E27FC236}">
+                  <a16:creationId xmlns:a16="http://schemas.microsoft.com/office/drawing/2014/main" id="{AC756C22-7DE8-41D7-9F21-C7C475C6058B}"/>
+                </a:ext>
+              </a:extLst>
+            </p:cNvPr>
+            <p:cNvSpPr/>
+            <p:nvPr/>
+          </p:nvSpPr>
+          <p:spPr>
+            <a:xfrm>
+              <a:off x="6978559" y="2490154"/>
+              <a:ext cx="4197824" cy="3357631"/>
+            </a:xfrm>
+            <a:custGeom>
+              <a:avLst/>
+              <a:gdLst>
+                <a:gd name="connsiteX0" fmla="*/ 0 w 3466531"/>
+                <a:gd name="connsiteY0" fmla="*/ 3357631 h 3357631"/>
+                <a:gd name="connsiteX1" fmla="*/ 709684 w 3466531"/>
+                <a:gd name="connsiteY1" fmla="*/ 641727 h 3357631"/>
+                <a:gd name="connsiteX2" fmla="*/ 1160060 w 3466531"/>
+                <a:gd name="connsiteY2" fmla="*/ 1310467 h 3357631"/>
+                <a:gd name="connsiteX3" fmla="*/ 1787857 w 3466531"/>
+                <a:gd name="connsiteY3" fmla="*/ 282 h 3357631"/>
+                <a:gd name="connsiteX4" fmla="*/ 2129051 w 3466531"/>
+                <a:gd name="connsiteY4" fmla="*/ 1187637 h 3357631"/>
+                <a:gd name="connsiteX5" fmla="*/ 2579427 w 3466531"/>
+                <a:gd name="connsiteY5" fmla="*/ 655375 h 3357631"/>
+                <a:gd name="connsiteX6" fmla="*/ 3302758 w 3466531"/>
+                <a:gd name="connsiteY6" fmla="*/ 2811721 h 3357631"/>
+                <a:gd name="connsiteX7" fmla="*/ 3466531 w 3466531"/>
+                <a:gd name="connsiteY7" fmla="*/ 3289393 h 3357631"/>
+              </a:gdLst>
+              <a:ahLst/>
+              <a:cxnLst>
+                <a:cxn ang="0">
+                  <a:pos x="connsiteX0" y="connsiteY0"/>
+                </a:cxn>
+                <a:cxn ang="0">
+                  <a:pos x="connsiteX1" y="connsiteY1"/>
+                </a:cxn>
+                <a:cxn ang="0">
+                  <a:pos x="connsiteX2" y="connsiteY2"/>
+                </a:cxn>
+                <a:cxn ang="0">
+                  <a:pos x="connsiteX3" y="connsiteY3"/>
+                </a:cxn>
+                <a:cxn ang="0">
+                  <a:pos x="connsiteX4" y="connsiteY4"/>
+                </a:cxn>
+                <a:cxn ang="0">
+                  <a:pos x="connsiteX5" y="connsiteY5"/>
+                </a:cxn>
+                <a:cxn ang="0">
+                  <a:pos x="connsiteX6" y="connsiteY6"/>
+                </a:cxn>
+                <a:cxn ang="0">
+                  <a:pos x="connsiteX7" y="connsiteY7"/>
+                </a:cxn>
+              </a:cxnLst>
+              <a:rect l="l" t="t" r="r" b="b"/>
+              <a:pathLst>
+                <a:path w="3466531" h="3357631">
+                  <a:moveTo>
+                    <a:pt x="0" y="3357631"/>
+                  </a:moveTo>
+                  <a:cubicBezTo>
+                    <a:pt x="258170" y="2170276"/>
+                    <a:pt x="516341" y="982921"/>
+                    <a:pt x="709684" y="641727"/>
+                  </a:cubicBezTo>
+                  <a:cubicBezTo>
+                    <a:pt x="903027" y="300533"/>
+                    <a:pt x="980365" y="1417374"/>
+                    <a:pt x="1160060" y="1310467"/>
+                  </a:cubicBezTo>
+                  <a:cubicBezTo>
+                    <a:pt x="1339755" y="1203560"/>
+                    <a:pt x="1626359" y="20754"/>
+                    <a:pt x="1787857" y="282"/>
+                  </a:cubicBezTo>
+                  <a:cubicBezTo>
+                    <a:pt x="1949355" y="-20190"/>
+                    <a:pt x="1997123" y="1078455"/>
+                    <a:pt x="2129051" y="1187637"/>
+                  </a:cubicBezTo>
+                  <a:cubicBezTo>
+                    <a:pt x="2260979" y="1296819"/>
+                    <a:pt x="2383809" y="384694"/>
+                    <a:pt x="2579427" y="655375"/>
+                  </a:cubicBezTo>
+                  <a:cubicBezTo>
+                    <a:pt x="2775045" y="926056"/>
+                    <a:pt x="3154907" y="2372718"/>
+                    <a:pt x="3302758" y="2811721"/>
+                  </a:cubicBezTo>
+                  <a:cubicBezTo>
+                    <a:pt x="3450609" y="3250724"/>
+                    <a:pt x="3458570" y="3270058"/>
+                    <a:pt x="3466531" y="3289393"/>
+                  </a:cubicBezTo>
+                </a:path>
+              </a:pathLst>
+            </a:custGeom>
+            <a:noFill/>
+          </p:spPr>
+          <p:style>
+            <a:lnRef idx="2">
+              <a:schemeClr val="accent1">
+                <a:shade val="50000"/>
+              </a:schemeClr>
+            </a:lnRef>
+            <a:fillRef idx="1">
+              <a:schemeClr val="accent1"/>
+            </a:fillRef>
+            <a:effectRef idx="0">
+              <a:schemeClr val="accent1"/>
+            </a:effectRef>
+            <a:fontRef idx="minor">
+              <a:schemeClr val="lt1"/>
+            </a:fontRef>
+          </p:style>
+          <p:txBody>
+            <a:bodyPr rtlCol="0" anchor="ctr"/>
+            <a:lstStyle/>
+            <a:p>
+              <a:pPr algn="ctr"/>
+              <a:endParaRPr lang="en-US" dirty="0"/>
+            </a:p>
+          </p:txBody>
+        </p:sp>
+        <p:cxnSp>
+          <p:nvCxnSpPr>
+            <p:cNvPr id="18" name="Straight Connector 17">
+              <a:extLst>
+                <a:ext uri="{FF2B5EF4-FFF2-40B4-BE49-F238E27FC236}">
+                  <a16:creationId xmlns:a16="http://schemas.microsoft.com/office/drawing/2014/main" id="{C9B2AEDE-9CAC-421E-9880-5475554AA3B3}"/>
+                </a:ext>
+              </a:extLst>
+            </p:cNvPr>
+            <p:cNvCxnSpPr>
+              <a:cxnSpLocks/>
+            </p:cNvCxnSpPr>
+            <p:nvPr/>
+          </p:nvCxnSpPr>
+          <p:spPr>
+            <a:xfrm flipV="1">
+              <a:off x="6610068" y="3473074"/>
+              <a:ext cx="5057633" cy="532263"/>
+            </a:xfrm>
+            <a:prstGeom prst="line">
+              <a:avLst/>
+            </a:prstGeom>
+          </p:spPr>
+          <p:style>
+            <a:lnRef idx="1">
+              <a:schemeClr val="accent1"/>
+            </a:lnRef>
+            <a:fillRef idx="0">
+              <a:schemeClr val="accent1"/>
+            </a:fillRef>
+            <a:effectRef idx="0">
+              <a:schemeClr val="accent1"/>
+            </a:effectRef>
+            <a:fontRef idx="minor">
+              <a:schemeClr val="tx1"/>
+            </a:fontRef>
+          </p:style>
+        </p:cxnSp>
+        <p:cxnSp>
+          <p:nvCxnSpPr>
+            <p:cNvPr id="19" name="Straight Connector 18">
+              <a:extLst>
+                <a:ext uri="{FF2B5EF4-FFF2-40B4-BE49-F238E27FC236}">
+                  <a16:creationId xmlns:a16="http://schemas.microsoft.com/office/drawing/2014/main" id="{77D1EB85-0051-4F63-8401-147C3BE59DF2}"/>
+                </a:ext>
+              </a:extLst>
+            </p:cNvPr>
+            <p:cNvCxnSpPr>
+              <a:cxnSpLocks/>
+            </p:cNvCxnSpPr>
+            <p:nvPr/>
+          </p:nvCxnSpPr>
+          <p:spPr>
+            <a:xfrm>
+              <a:off x="6610068" y="3036345"/>
+              <a:ext cx="5003041" cy="95535"/>
+            </a:xfrm>
+            <a:prstGeom prst="line">
+              <a:avLst/>
+            </a:prstGeom>
+          </p:spPr>
+          <p:style>
+            <a:lnRef idx="1">
+              <a:schemeClr val="accent1"/>
+            </a:lnRef>
+            <a:fillRef idx="0">
+              <a:schemeClr val="accent1"/>
+            </a:fillRef>
+            <a:effectRef idx="0">
+              <a:schemeClr val="accent1"/>
+            </a:effectRef>
+            <a:fontRef idx="minor">
+              <a:schemeClr val="tx1"/>
+            </a:fontRef>
+          </p:style>
+        </p:cxnSp>
+        <p:sp>
+          <p:nvSpPr>
+            <p:cNvPr id="20" name="TextBox 19">
+              <a:extLst>
+                <a:ext uri="{FF2B5EF4-FFF2-40B4-BE49-F238E27FC236}">
+                  <a16:creationId xmlns:a16="http://schemas.microsoft.com/office/drawing/2014/main" id="{8A1763A3-A18D-4999-BB9D-69AA4D7F3AFD}"/>
+                </a:ext>
+              </a:extLst>
+            </p:cNvPr>
+            <p:cNvSpPr txBox="1"/>
+            <p:nvPr/>
+          </p:nvSpPr>
+          <p:spPr>
+            <a:xfrm rot="10800000">
+              <a:off x="8838633" y="2032955"/>
+              <a:ext cx="600502" cy="368207"/>
+            </a:xfrm>
+            <a:prstGeom prst="rect">
+              <a:avLst/>
+            </a:prstGeom>
+            <a:noFill/>
+          </p:spPr>
+          <p:txBody>
+            <a:bodyPr wrap="square" rtlCol="0">
+              <a:spAutoFit/>
+            </a:bodyPr>
+            <a:lstStyle/>
+            <a:p>
+              <a:r>
+                <a:rPr lang="fr-FR" dirty="0"/>
+                <a:t>Tête</a:t>
+              </a:r>
+              <a:endParaRPr lang="en-US" dirty="0"/>
+            </a:p>
+          </p:txBody>
+        </p:sp>
+        <p:sp>
+          <p:nvSpPr>
+            <p:cNvPr id="21" name="TextBox 20">
+              <a:extLst>
+                <a:ext uri="{FF2B5EF4-FFF2-40B4-BE49-F238E27FC236}">
+                  <a16:creationId xmlns:a16="http://schemas.microsoft.com/office/drawing/2014/main" id="{024077D7-263D-450A-848F-4348B59815FB}"/>
+                </a:ext>
+              </a:extLst>
+            </p:cNvPr>
+            <p:cNvSpPr txBox="1"/>
+            <p:nvPr/>
+          </p:nvSpPr>
+          <p:spPr>
+            <a:xfrm rot="10800000">
+              <a:off x="6542971" y="2699069"/>
+              <a:ext cx="608821" cy="369332"/>
+            </a:xfrm>
+            <a:prstGeom prst="rect">
+              <a:avLst/>
+            </a:prstGeom>
+            <a:noFill/>
+          </p:spPr>
+          <p:txBody>
+            <a:bodyPr wrap="none" rtlCol="0">
+              <a:spAutoFit/>
+            </a:bodyPr>
+            <a:lstStyle/>
+            <a:p>
+              <a:r>
+                <a:rPr lang="fr-FR" dirty="0"/>
+                <a:t>Stop</a:t>
+              </a:r>
+              <a:endParaRPr lang="en-US" dirty="0"/>
+            </a:p>
+          </p:txBody>
+        </p:sp>
+      </p:grpSp>
+      <p:sp>
+        <p:nvSpPr>
+          <p:cNvPr id="25" name="Arrow: Down 24">
+            <a:extLst>
+              <a:ext uri="{FF2B5EF4-FFF2-40B4-BE49-F238E27FC236}">
+                <a16:creationId xmlns:a16="http://schemas.microsoft.com/office/drawing/2014/main" id="{75F89FF9-C7BB-4D08-A525-D202A322C60F}"/>
+              </a:ext>
+            </a:extLst>
+          </p:cNvPr>
+          <p:cNvSpPr/>
+          <p:nvPr/>
+        </p:nvSpPr>
+        <p:spPr>
+          <a:xfrm>
+            <a:off x="4495441" y="3244335"/>
+            <a:ext cx="300250" cy="369329"/>
+          </a:xfrm>
+          <a:prstGeom prst="downArrow">
+            <a:avLst/>
+          </a:prstGeom>
+          <a:solidFill>
+            <a:schemeClr val="accent2">
+              <a:lumMod val="75000"/>
+            </a:schemeClr>
+          </a:solidFill>
+        </p:spPr>
+        <p:style>
+          <a:lnRef idx="2">
+            <a:schemeClr val="accent1">
+              <a:shade val="50000"/>
+            </a:schemeClr>
+          </a:lnRef>
+          <a:fillRef idx="1">
+            <a:schemeClr val="accent1"/>
+          </a:fillRef>
+          <a:effectRef idx="0">
+            <a:schemeClr val="accent1"/>
+          </a:effectRef>
+          <a:fontRef idx="minor">
+            <a:schemeClr val="lt1"/>
+          </a:fontRef>
+        </p:style>
+        <p:txBody>
+          <a:bodyPr rtlCol="0" anchor="ctr"/>
+          <a:lstStyle/>
+          <a:p>
+            <a:pPr algn="ctr"/>
+            <a:endParaRPr lang="en-US"/>
+          </a:p>
+        </p:txBody>
+      </p:sp>
+      <p:sp>
+        <p:nvSpPr>
+          <p:cNvPr id="26" name="Arrow: Down 25">
+            <a:extLst>
+              <a:ext uri="{FF2B5EF4-FFF2-40B4-BE49-F238E27FC236}">
+                <a16:creationId xmlns:a16="http://schemas.microsoft.com/office/drawing/2014/main" id="{EA926A86-299D-4E09-A76A-8401E3948363}"/>
+              </a:ext>
+            </a:extLst>
+          </p:cNvPr>
+          <p:cNvSpPr/>
+          <p:nvPr/>
+        </p:nvSpPr>
+        <p:spPr>
+          <a:xfrm rot="10800000">
+            <a:off x="10685059" y="4128357"/>
+            <a:ext cx="300250" cy="422223"/>
+          </a:xfrm>
+          <a:prstGeom prst="downArrow">
+            <a:avLst/>
+          </a:prstGeom>
+        </p:spPr>
+        <p:style>
+          <a:lnRef idx="1">
+            <a:schemeClr val="accent6"/>
+          </a:lnRef>
+          <a:fillRef idx="2">
+            <a:schemeClr val="accent6"/>
+          </a:fillRef>
+          <a:effectRef idx="1">
+            <a:schemeClr val="accent6"/>
+          </a:effectRef>
+          <a:fontRef idx="minor">
+            <a:schemeClr val="dk1"/>
+          </a:fontRef>
+        </p:style>
+        <p:txBody>
+          <a:bodyPr rtlCol="0" anchor="ctr"/>
+          <a:lstStyle/>
+          <a:p>
+            <a:pPr algn="ctr"/>
+            <a:endParaRPr lang="en-US"/>
+          </a:p>
+        </p:txBody>
+      </p:sp>
+      <p:sp>
+        <p:nvSpPr>
+          <p:cNvPr id="27" name="TextBox 26">
+            <a:extLst>
+              <a:ext uri="{FF2B5EF4-FFF2-40B4-BE49-F238E27FC236}">
+                <a16:creationId xmlns:a16="http://schemas.microsoft.com/office/drawing/2014/main" id="{54407351-584F-4415-9FC0-F8A05C22C0F6}"/>
+              </a:ext>
+            </a:extLst>
+          </p:cNvPr>
+          <p:cNvSpPr txBox="1"/>
+          <p:nvPr/>
+        </p:nvSpPr>
+        <p:spPr>
+          <a:xfrm>
+            <a:off x="8627054" y="6123543"/>
+            <a:ext cx="1624163" cy="369332"/>
+          </a:xfrm>
+          <a:prstGeom prst="rect">
+            <a:avLst/>
+          </a:prstGeom>
+          <a:noFill/>
+        </p:spPr>
+        <p:txBody>
+          <a:bodyPr wrap="none" rtlCol="0">
+            <a:spAutoFit/>
+          </a:bodyPr>
+          <a:lstStyle/>
+          <a:p>
+            <a:r>
+              <a:rPr lang="fr-FR" dirty="0"/>
+              <a:t>FAURECIA 2013</a:t>
+            </a:r>
+          </a:p>
+        </p:txBody>
+      </p:sp>
+      <p:sp>
+        <p:nvSpPr>
+          <p:cNvPr id="28" name="TextBox 27">
+            <a:extLst>
+              <a:ext uri="{FF2B5EF4-FFF2-40B4-BE49-F238E27FC236}">
+                <a16:creationId xmlns:a16="http://schemas.microsoft.com/office/drawing/2014/main" id="{43CF7F08-763F-4424-9D54-D4B024E8D536}"/>
+              </a:ext>
+            </a:extLst>
+          </p:cNvPr>
+          <p:cNvSpPr txBox="1"/>
+          <p:nvPr/>
+        </p:nvSpPr>
+        <p:spPr>
+          <a:xfrm>
+            <a:off x="7624838" y="4841542"/>
+            <a:ext cx="1070779" cy="369332"/>
+          </a:xfrm>
+          <a:prstGeom prst="rect">
+            <a:avLst/>
+          </a:prstGeom>
+          <a:noFill/>
+        </p:spPr>
+        <p:txBody>
+          <a:bodyPr wrap="square" rtlCol="0">
+            <a:spAutoFit/>
+          </a:bodyPr>
+          <a:lstStyle/>
+          <a:p>
+            <a:r>
+              <a:rPr lang="fr-FR" dirty="0"/>
+              <a:t>Epaule 1</a:t>
+            </a:r>
+            <a:endParaRPr lang="en-US" dirty="0"/>
+          </a:p>
+        </p:txBody>
+      </p:sp>
+      <p:sp>
+        <p:nvSpPr>
+          <p:cNvPr id="29" name="TextBox 28">
+            <a:extLst>
+              <a:ext uri="{FF2B5EF4-FFF2-40B4-BE49-F238E27FC236}">
+                <a16:creationId xmlns:a16="http://schemas.microsoft.com/office/drawing/2014/main" id="{3AC09390-59E9-405F-B485-CC214A30F570}"/>
+              </a:ext>
+            </a:extLst>
+          </p:cNvPr>
+          <p:cNvSpPr txBox="1"/>
+          <p:nvPr/>
+        </p:nvSpPr>
+        <p:spPr>
+          <a:xfrm>
+            <a:off x="3960051" y="2704406"/>
+            <a:ext cx="1070779" cy="369332"/>
+          </a:xfrm>
+          <a:prstGeom prst="rect">
+            <a:avLst/>
+          </a:prstGeom>
+          <a:noFill/>
+        </p:spPr>
+        <p:txBody>
+          <a:bodyPr wrap="square" rtlCol="0">
+            <a:spAutoFit/>
+          </a:bodyPr>
+          <a:lstStyle/>
+          <a:p>
+            <a:r>
+              <a:rPr lang="fr-FR" dirty="0"/>
+              <a:t>Epaule 2</a:t>
+            </a:r>
+            <a:endParaRPr lang="en-US" dirty="0"/>
+          </a:p>
+        </p:txBody>
+      </p:sp>
+      <p:sp>
+        <p:nvSpPr>
+          <p:cNvPr id="30" name="TextBox 29">
+            <a:extLst>
+              <a:ext uri="{FF2B5EF4-FFF2-40B4-BE49-F238E27FC236}">
+                <a16:creationId xmlns:a16="http://schemas.microsoft.com/office/drawing/2014/main" id="{E31552C6-D9C6-4B21-A236-1BF833D5E199}"/>
+              </a:ext>
+            </a:extLst>
+          </p:cNvPr>
+          <p:cNvSpPr txBox="1"/>
+          <p:nvPr/>
+        </p:nvSpPr>
+        <p:spPr>
+          <a:xfrm>
+            <a:off x="9877287" y="4844396"/>
+            <a:ext cx="1070779" cy="369332"/>
+          </a:xfrm>
+          <a:prstGeom prst="rect">
+            <a:avLst/>
+          </a:prstGeom>
+          <a:noFill/>
+        </p:spPr>
+        <p:txBody>
+          <a:bodyPr wrap="square" rtlCol="0">
+            <a:spAutoFit/>
+          </a:bodyPr>
+          <a:lstStyle/>
+          <a:p>
+            <a:r>
+              <a:rPr lang="fr-FR" dirty="0"/>
+              <a:t>Epaule 2</a:t>
+            </a:r>
+            <a:endParaRPr lang="en-US" dirty="0"/>
+          </a:p>
+        </p:txBody>
+      </p:sp>
+    </p:spTree>
+    <p:extLst>
+      <p:ext uri="{BB962C8B-B14F-4D97-AF65-F5344CB8AC3E}">
+        <p14:creationId xmlns:p14="http://schemas.microsoft.com/office/powerpoint/2010/main" val="1652020358"/>
+      </p:ext>
+    </p:extLst>
+  </p:cSld>
+  <p:clrMapOvr>
+    <a:masterClrMapping/>
+  </p:clrMapOvr>
+</p:sld>
+</file>
+
+<file path=ppt/slides/slide16.xml><?xml version="1.0" encoding="utf-8"?>
+<p:sld xmlns:a="http://schemas.openxmlformats.org/drawingml/2006/main" xmlns:r="http://schemas.openxmlformats.org/officeDocument/2006/relationships" xmlns:p="http://schemas.openxmlformats.org/presentationml/2006/main">
+  <p:cSld>
+    <p:spTree>
+      <p:nvGrpSpPr>
+        <p:cNvPr id="1" name=""/>
+        <p:cNvGrpSpPr/>
+        <p:nvPr/>
+      </p:nvGrpSpPr>
+      <p:grpSpPr>
+        <a:xfrm>
+          <a:off x="0" y="0"/>
+          <a:ext cx="0" cy="0"/>
+          <a:chOff x="0" y="0"/>
+          <a:chExt cx="0" cy="0"/>
+        </a:xfrm>
+      </p:grpSpPr>
+      <p:sp>
+        <p:nvSpPr>
+          <p:cNvPr id="2" name="Title 1">
+            <a:extLst>
+              <a:ext uri="{FF2B5EF4-FFF2-40B4-BE49-F238E27FC236}">
+                <a16:creationId xmlns:a16="http://schemas.microsoft.com/office/drawing/2014/main" id="{EE9548DA-95BD-46EF-AEF6-47C78D647ADD}"/>
+              </a:ext>
+            </a:extLst>
+          </p:cNvPr>
+          <p:cNvSpPr>
+            <a:spLocks noGrp="1"/>
+          </p:cNvSpPr>
+          <p:nvPr>
+            <p:ph type="title"/>
+          </p:nvPr>
+        </p:nvSpPr>
+        <p:spPr/>
+        <p:txBody>
+          <a:bodyPr/>
+          <a:lstStyle/>
+          <a:p>
+            <a:r>
+              <a:rPr lang="fr-FR" dirty="0"/>
+              <a:t>Double Top/Sommet</a:t>
+            </a:r>
+            <a:endParaRPr lang="en-US" dirty="0"/>
+          </a:p>
+        </p:txBody>
+      </p:sp>
+      <p:sp>
+        <p:nvSpPr>
+          <p:cNvPr id="4" name="Freeform: Shape 3">
+            <a:extLst>
+              <a:ext uri="{FF2B5EF4-FFF2-40B4-BE49-F238E27FC236}">
+                <a16:creationId xmlns:a16="http://schemas.microsoft.com/office/drawing/2014/main" id="{C05A1B74-88B8-4495-8EAA-7FD0C6483058}"/>
+              </a:ext>
+            </a:extLst>
+          </p:cNvPr>
+          <p:cNvSpPr/>
+          <p:nvPr/>
+        </p:nvSpPr>
+        <p:spPr>
+          <a:xfrm>
+            <a:off x="641445" y="2252735"/>
+            <a:ext cx="5036024" cy="3711337"/>
+          </a:xfrm>
+          <a:custGeom>
+            <a:avLst/>
+            <a:gdLst>
+              <a:gd name="connsiteX0" fmla="*/ 0 w 5036024"/>
+              <a:gd name="connsiteY0" fmla="*/ 3465677 h 3711337"/>
+              <a:gd name="connsiteX1" fmla="*/ 586854 w 5036024"/>
+              <a:gd name="connsiteY1" fmla="*/ 2346561 h 3711337"/>
+              <a:gd name="connsiteX2" fmla="*/ 791570 w 5036024"/>
+              <a:gd name="connsiteY2" fmla="*/ 2483038 h 3711337"/>
+              <a:gd name="connsiteX3" fmla="*/ 1992573 w 5036024"/>
+              <a:gd name="connsiteY3" fmla="*/ 26441 h 3711337"/>
+              <a:gd name="connsiteX4" fmla="*/ 2524836 w 5036024"/>
+              <a:gd name="connsiteY4" fmla="*/ 1118262 h 3711337"/>
+              <a:gd name="connsiteX5" fmla="*/ 3193576 w 5036024"/>
+              <a:gd name="connsiteY5" fmla="*/ 53737 h 3711337"/>
+              <a:gd name="connsiteX6" fmla="*/ 3671248 w 5036024"/>
+              <a:gd name="connsiteY6" fmla="*/ 1022728 h 3711337"/>
+              <a:gd name="connsiteX7" fmla="*/ 3998794 w 5036024"/>
+              <a:gd name="connsiteY7" fmla="*/ 1022728 h 3711337"/>
+              <a:gd name="connsiteX8" fmla="*/ 4517409 w 5036024"/>
+              <a:gd name="connsiteY8" fmla="*/ 2019014 h 3711337"/>
+              <a:gd name="connsiteX9" fmla="*/ 4817659 w 5036024"/>
+              <a:gd name="connsiteY9" fmla="*/ 3179074 h 3711337"/>
+              <a:gd name="connsiteX10" fmla="*/ 5036024 w 5036024"/>
+              <a:gd name="connsiteY10" fmla="*/ 3711337 h 3711337"/>
+              <a:gd name="connsiteX11" fmla="*/ 5036024 w 5036024"/>
+              <a:gd name="connsiteY11" fmla="*/ 3711337 h 3711337"/>
+            </a:gdLst>
+            <a:ahLst/>
+            <a:cxnLst>
+              <a:cxn ang="0">
+                <a:pos x="connsiteX0" y="connsiteY0"/>
+              </a:cxn>
+              <a:cxn ang="0">
+                <a:pos x="connsiteX1" y="connsiteY1"/>
+              </a:cxn>
+              <a:cxn ang="0">
+                <a:pos x="connsiteX2" y="connsiteY2"/>
+              </a:cxn>
+              <a:cxn ang="0">
+                <a:pos x="connsiteX3" y="connsiteY3"/>
+              </a:cxn>
+              <a:cxn ang="0">
+                <a:pos x="connsiteX4" y="connsiteY4"/>
+              </a:cxn>
+              <a:cxn ang="0">
+                <a:pos x="connsiteX5" y="connsiteY5"/>
+              </a:cxn>
+              <a:cxn ang="0">
+                <a:pos x="connsiteX6" y="connsiteY6"/>
+              </a:cxn>
+              <a:cxn ang="0">
+                <a:pos x="connsiteX7" y="connsiteY7"/>
+              </a:cxn>
+              <a:cxn ang="0">
+                <a:pos x="connsiteX8" y="connsiteY8"/>
+              </a:cxn>
+              <a:cxn ang="0">
+                <a:pos x="connsiteX9" y="connsiteY9"/>
+              </a:cxn>
+              <a:cxn ang="0">
+                <a:pos x="connsiteX10" y="connsiteY10"/>
+              </a:cxn>
+              <a:cxn ang="0">
+                <a:pos x="connsiteX11" y="connsiteY11"/>
+              </a:cxn>
+            </a:cxnLst>
+            <a:rect l="l" t="t" r="r" b="b"/>
+            <a:pathLst>
+              <a:path w="5036024" h="3711337">
+                <a:moveTo>
+                  <a:pt x="0" y="3465677"/>
+                </a:moveTo>
+                <a:cubicBezTo>
+                  <a:pt x="227463" y="2988005"/>
+                  <a:pt x="454926" y="2510334"/>
+                  <a:pt x="586854" y="2346561"/>
+                </a:cubicBezTo>
+                <a:cubicBezTo>
+                  <a:pt x="718782" y="2182788"/>
+                  <a:pt x="557283" y="2869725"/>
+                  <a:pt x="791570" y="2483038"/>
+                </a:cubicBezTo>
+                <a:cubicBezTo>
+                  <a:pt x="1025857" y="2096351"/>
+                  <a:pt x="1703695" y="253904"/>
+                  <a:pt x="1992573" y="26441"/>
+                </a:cubicBezTo>
+                <a:cubicBezTo>
+                  <a:pt x="2281451" y="-201022"/>
+                  <a:pt x="2324669" y="1113713"/>
+                  <a:pt x="2524836" y="1118262"/>
+                </a:cubicBezTo>
+                <a:cubicBezTo>
+                  <a:pt x="2725003" y="1122811"/>
+                  <a:pt x="3002507" y="69659"/>
+                  <a:pt x="3193576" y="53737"/>
+                </a:cubicBezTo>
+                <a:cubicBezTo>
+                  <a:pt x="3384645" y="37815"/>
+                  <a:pt x="3537045" y="861229"/>
+                  <a:pt x="3671248" y="1022728"/>
+                </a:cubicBezTo>
+                <a:cubicBezTo>
+                  <a:pt x="3805451" y="1184227"/>
+                  <a:pt x="3857767" y="856680"/>
+                  <a:pt x="3998794" y="1022728"/>
+                </a:cubicBezTo>
+                <a:cubicBezTo>
+                  <a:pt x="4139821" y="1188776"/>
+                  <a:pt x="4380931" y="1659623"/>
+                  <a:pt x="4517409" y="2019014"/>
+                </a:cubicBezTo>
+                <a:cubicBezTo>
+                  <a:pt x="4653887" y="2378405"/>
+                  <a:pt x="4731223" y="2897020"/>
+                  <a:pt x="4817659" y="3179074"/>
+                </a:cubicBezTo>
+                <a:cubicBezTo>
+                  <a:pt x="4904095" y="3461128"/>
+                  <a:pt x="5036024" y="3711337"/>
+                  <a:pt x="5036024" y="3711337"/>
+                </a:cubicBezTo>
+                <a:lnTo>
+                  <a:pt x="5036024" y="3711337"/>
+                </a:lnTo>
+              </a:path>
+            </a:pathLst>
+          </a:custGeom>
+          <a:noFill/>
+        </p:spPr>
+        <p:style>
+          <a:lnRef idx="2">
+            <a:schemeClr val="accent1">
+              <a:shade val="50000"/>
+            </a:schemeClr>
+          </a:lnRef>
+          <a:fillRef idx="1">
+            <a:schemeClr val="accent1"/>
+          </a:fillRef>
+          <a:effectRef idx="0">
+            <a:schemeClr val="accent1"/>
+          </a:effectRef>
+          <a:fontRef idx="minor">
+            <a:schemeClr val="lt1"/>
+          </a:fontRef>
+        </p:style>
+        <p:txBody>
+          <a:bodyPr rtlCol="0" anchor="ctr"/>
+          <a:lstStyle/>
+          <a:p>
+            <a:pPr algn="ctr"/>
+            <a:endParaRPr lang="en-US"/>
+          </a:p>
+        </p:txBody>
+      </p:sp>
+      <p:cxnSp>
+        <p:nvCxnSpPr>
+          <p:cNvPr id="6" name="Straight Connector 5">
+            <a:extLst>
+              <a:ext uri="{FF2B5EF4-FFF2-40B4-BE49-F238E27FC236}">
+                <a16:creationId xmlns:a16="http://schemas.microsoft.com/office/drawing/2014/main" id="{973C1053-23AD-4875-8FAC-575475924143}"/>
+              </a:ext>
+            </a:extLst>
+          </p:cNvPr>
+          <p:cNvCxnSpPr>
+            <a:cxnSpLocks/>
+          </p:cNvCxnSpPr>
+          <p:nvPr/>
+        </p:nvCxnSpPr>
+        <p:spPr>
+          <a:xfrm flipV="1">
+            <a:off x="838200" y="3302758"/>
+            <a:ext cx="5098576" cy="126242"/>
+          </a:xfrm>
+          <a:prstGeom prst="line">
+            <a:avLst/>
+          </a:prstGeom>
+        </p:spPr>
+        <p:style>
+          <a:lnRef idx="1">
+            <a:schemeClr val="accent1"/>
+          </a:lnRef>
+          <a:fillRef idx="0">
+            <a:schemeClr val="accent1"/>
+          </a:fillRef>
+          <a:effectRef idx="0">
+            <a:schemeClr val="accent1"/>
+          </a:effectRef>
+          <a:fontRef idx="minor">
+            <a:schemeClr val="tx1"/>
+          </a:fontRef>
+        </p:style>
+      </p:cxnSp>
+      <p:cxnSp>
+        <p:nvCxnSpPr>
+          <p:cNvPr id="8" name="Straight Connector 7">
+            <a:extLst>
+              <a:ext uri="{FF2B5EF4-FFF2-40B4-BE49-F238E27FC236}">
+                <a16:creationId xmlns:a16="http://schemas.microsoft.com/office/drawing/2014/main" id="{CBE465ED-B960-49C8-ACF1-E76CEA1DB2B8}"/>
+              </a:ext>
+            </a:extLst>
+          </p:cNvPr>
+          <p:cNvCxnSpPr>
+            <a:cxnSpLocks/>
+          </p:cNvCxnSpPr>
+          <p:nvPr/>
+        </p:nvCxnSpPr>
+        <p:spPr>
+          <a:xfrm>
+            <a:off x="1392072" y="2252735"/>
+            <a:ext cx="4408227" cy="108328"/>
+          </a:xfrm>
+          <a:prstGeom prst="line">
+            <a:avLst/>
+          </a:prstGeom>
+        </p:spPr>
+        <p:style>
+          <a:lnRef idx="1">
+            <a:schemeClr val="accent1"/>
+          </a:lnRef>
+          <a:fillRef idx="0">
+            <a:schemeClr val="accent1"/>
+          </a:fillRef>
+          <a:effectRef idx="0">
+            <a:schemeClr val="accent1"/>
+          </a:effectRef>
+          <a:fontRef idx="minor">
+            <a:schemeClr val="tx1"/>
+          </a:fontRef>
+        </p:style>
+      </p:cxnSp>
+      <p:sp>
+        <p:nvSpPr>
+          <p:cNvPr id="13" name="TextBox 12">
+            <a:extLst>
+              <a:ext uri="{FF2B5EF4-FFF2-40B4-BE49-F238E27FC236}">
+                <a16:creationId xmlns:a16="http://schemas.microsoft.com/office/drawing/2014/main" id="{092F6B31-922C-4024-98DA-C9EB778D425D}"/>
+              </a:ext>
+            </a:extLst>
+          </p:cNvPr>
+          <p:cNvSpPr txBox="1"/>
+          <p:nvPr/>
+        </p:nvSpPr>
+        <p:spPr>
+          <a:xfrm>
+            <a:off x="354842" y="6308209"/>
+            <a:ext cx="1624163" cy="369332"/>
+          </a:xfrm>
+          <a:prstGeom prst="rect">
+            <a:avLst/>
+          </a:prstGeom>
+          <a:noFill/>
+        </p:spPr>
+        <p:txBody>
+          <a:bodyPr wrap="none" rtlCol="0">
+            <a:spAutoFit/>
+          </a:bodyPr>
+          <a:lstStyle/>
+          <a:p>
+            <a:r>
+              <a:rPr lang="fr-FR" dirty="0"/>
+              <a:t>FAURECIA 2018</a:t>
+            </a:r>
+            <a:endParaRPr lang="en-US" dirty="0"/>
+          </a:p>
+        </p:txBody>
+      </p:sp>
+      <p:sp>
+        <p:nvSpPr>
+          <p:cNvPr id="14" name="Arrow: Down 13">
+            <a:extLst>
+              <a:ext uri="{FF2B5EF4-FFF2-40B4-BE49-F238E27FC236}">
+                <a16:creationId xmlns:a16="http://schemas.microsoft.com/office/drawing/2014/main" id="{2A967507-C0DE-4FA0-AF70-F129006D6B79}"/>
+              </a:ext>
+            </a:extLst>
+          </p:cNvPr>
+          <p:cNvSpPr/>
+          <p:nvPr/>
+        </p:nvSpPr>
+        <p:spPr>
+          <a:xfrm>
+            <a:off x="4563680" y="2817914"/>
+            <a:ext cx="300250" cy="369329"/>
+          </a:xfrm>
+          <a:prstGeom prst="downArrow">
+            <a:avLst/>
+          </a:prstGeom>
+          <a:solidFill>
+            <a:schemeClr val="accent2">
+              <a:lumMod val="75000"/>
+            </a:schemeClr>
+          </a:solidFill>
+        </p:spPr>
+        <p:style>
+          <a:lnRef idx="2">
+            <a:schemeClr val="accent1">
+              <a:shade val="50000"/>
+            </a:schemeClr>
+          </a:lnRef>
+          <a:fillRef idx="1">
+            <a:schemeClr val="accent1"/>
+          </a:fillRef>
+          <a:effectRef idx="0">
+            <a:schemeClr val="accent1"/>
+          </a:effectRef>
+          <a:fontRef idx="minor">
+            <a:schemeClr val="lt1"/>
+          </a:fontRef>
+        </p:style>
+        <p:txBody>
+          <a:bodyPr rtlCol="0" anchor="ctr"/>
+          <a:lstStyle/>
+          <a:p>
+            <a:pPr algn="ctr"/>
+            <a:endParaRPr lang="en-US"/>
+          </a:p>
+        </p:txBody>
+      </p:sp>
+      <p:sp>
+        <p:nvSpPr>
+          <p:cNvPr id="15" name="Freeform: Shape 14">
+            <a:extLst>
+              <a:ext uri="{FF2B5EF4-FFF2-40B4-BE49-F238E27FC236}">
+                <a16:creationId xmlns:a16="http://schemas.microsoft.com/office/drawing/2014/main" id="{BCE623C4-0A3F-4F6E-992F-B657EB63E910}"/>
+              </a:ext>
+            </a:extLst>
+          </p:cNvPr>
+          <p:cNvSpPr/>
+          <p:nvPr/>
+        </p:nvSpPr>
+        <p:spPr>
+          <a:xfrm rot="10800000">
+            <a:off x="6855726" y="2252735"/>
+            <a:ext cx="5036024" cy="3711337"/>
+          </a:xfrm>
+          <a:custGeom>
+            <a:avLst/>
+            <a:gdLst>
+              <a:gd name="connsiteX0" fmla="*/ 0 w 5036024"/>
+              <a:gd name="connsiteY0" fmla="*/ 3465677 h 3711337"/>
+              <a:gd name="connsiteX1" fmla="*/ 586854 w 5036024"/>
+              <a:gd name="connsiteY1" fmla="*/ 2346561 h 3711337"/>
+              <a:gd name="connsiteX2" fmla="*/ 791570 w 5036024"/>
+              <a:gd name="connsiteY2" fmla="*/ 2483038 h 3711337"/>
+              <a:gd name="connsiteX3" fmla="*/ 1992573 w 5036024"/>
+              <a:gd name="connsiteY3" fmla="*/ 26441 h 3711337"/>
+              <a:gd name="connsiteX4" fmla="*/ 2524836 w 5036024"/>
+              <a:gd name="connsiteY4" fmla="*/ 1118262 h 3711337"/>
+              <a:gd name="connsiteX5" fmla="*/ 3193576 w 5036024"/>
+              <a:gd name="connsiteY5" fmla="*/ 53737 h 3711337"/>
+              <a:gd name="connsiteX6" fmla="*/ 3671248 w 5036024"/>
+              <a:gd name="connsiteY6" fmla="*/ 1022728 h 3711337"/>
+              <a:gd name="connsiteX7" fmla="*/ 3998794 w 5036024"/>
+              <a:gd name="connsiteY7" fmla="*/ 1022728 h 3711337"/>
+              <a:gd name="connsiteX8" fmla="*/ 4517409 w 5036024"/>
+              <a:gd name="connsiteY8" fmla="*/ 2019014 h 3711337"/>
+              <a:gd name="connsiteX9" fmla="*/ 4817659 w 5036024"/>
+              <a:gd name="connsiteY9" fmla="*/ 3179074 h 3711337"/>
+              <a:gd name="connsiteX10" fmla="*/ 5036024 w 5036024"/>
+              <a:gd name="connsiteY10" fmla="*/ 3711337 h 3711337"/>
+              <a:gd name="connsiteX11" fmla="*/ 5036024 w 5036024"/>
+              <a:gd name="connsiteY11" fmla="*/ 3711337 h 3711337"/>
+            </a:gdLst>
+            <a:ahLst/>
+            <a:cxnLst>
+              <a:cxn ang="0">
+                <a:pos x="connsiteX0" y="connsiteY0"/>
+              </a:cxn>
+              <a:cxn ang="0">
+                <a:pos x="connsiteX1" y="connsiteY1"/>
+              </a:cxn>
+              <a:cxn ang="0">
+                <a:pos x="connsiteX2" y="connsiteY2"/>
+              </a:cxn>
+              <a:cxn ang="0">
+                <a:pos x="connsiteX3" y="connsiteY3"/>
+              </a:cxn>
+              <a:cxn ang="0">
+                <a:pos x="connsiteX4" y="connsiteY4"/>
+              </a:cxn>
+              <a:cxn ang="0">
+                <a:pos x="connsiteX5" y="connsiteY5"/>
+              </a:cxn>
+              <a:cxn ang="0">
+                <a:pos x="connsiteX6" y="connsiteY6"/>
+              </a:cxn>
+              <a:cxn ang="0">
+                <a:pos x="connsiteX7" y="connsiteY7"/>
+              </a:cxn>
+              <a:cxn ang="0">
+                <a:pos x="connsiteX8" y="connsiteY8"/>
+              </a:cxn>
+              <a:cxn ang="0">
+                <a:pos x="connsiteX9" y="connsiteY9"/>
+              </a:cxn>
+              <a:cxn ang="0">
+                <a:pos x="connsiteX10" y="connsiteY10"/>
+              </a:cxn>
+              <a:cxn ang="0">
+                <a:pos x="connsiteX11" y="connsiteY11"/>
+              </a:cxn>
+            </a:cxnLst>
+            <a:rect l="l" t="t" r="r" b="b"/>
+            <a:pathLst>
+              <a:path w="5036024" h="3711337">
+                <a:moveTo>
+                  <a:pt x="0" y="3465677"/>
+                </a:moveTo>
+                <a:cubicBezTo>
+                  <a:pt x="227463" y="2988005"/>
+                  <a:pt x="454926" y="2510334"/>
+                  <a:pt x="586854" y="2346561"/>
+                </a:cubicBezTo>
+                <a:cubicBezTo>
+                  <a:pt x="718782" y="2182788"/>
+                  <a:pt x="557283" y="2869725"/>
+                  <a:pt x="791570" y="2483038"/>
+                </a:cubicBezTo>
+                <a:cubicBezTo>
+                  <a:pt x="1025857" y="2096351"/>
+                  <a:pt x="1703695" y="253904"/>
+                  <a:pt x="1992573" y="26441"/>
+                </a:cubicBezTo>
+                <a:cubicBezTo>
+                  <a:pt x="2281451" y="-201022"/>
+                  <a:pt x="2324669" y="1113713"/>
+                  <a:pt x="2524836" y="1118262"/>
+                </a:cubicBezTo>
+                <a:cubicBezTo>
+                  <a:pt x="2725003" y="1122811"/>
+                  <a:pt x="3002507" y="69659"/>
+                  <a:pt x="3193576" y="53737"/>
+                </a:cubicBezTo>
+                <a:cubicBezTo>
+                  <a:pt x="3384645" y="37815"/>
+                  <a:pt x="3537045" y="861229"/>
+                  <a:pt x="3671248" y="1022728"/>
+                </a:cubicBezTo>
+                <a:cubicBezTo>
+                  <a:pt x="3805451" y="1184227"/>
+                  <a:pt x="3857767" y="856680"/>
+                  <a:pt x="3998794" y="1022728"/>
+                </a:cubicBezTo>
+                <a:cubicBezTo>
+                  <a:pt x="4139821" y="1188776"/>
+                  <a:pt x="4380931" y="1659623"/>
+                  <a:pt x="4517409" y="2019014"/>
+                </a:cubicBezTo>
+                <a:cubicBezTo>
+                  <a:pt x="4653887" y="2378405"/>
+                  <a:pt x="4731223" y="2897020"/>
+                  <a:pt x="4817659" y="3179074"/>
+                </a:cubicBezTo>
+                <a:cubicBezTo>
+                  <a:pt x="4904095" y="3461128"/>
+                  <a:pt x="5036024" y="3711337"/>
+                  <a:pt x="5036024" y="3711337"/>
+                </a:cubicBezTo>
+                <a:lnTo>
+                  <a:pt x="5036024" y="3711337"/>
+                </a:lnTo>
+              </a:path>
+            </a:pathLst>
+          </a:custGeom>
+          <a:noFill/>
+        </p:spPr>
+        <p:style>
+          <a:lnRef idx="2">
+            <a:schemeClr val="accent1">
+              <a:shade val="50000"/>
+            </a:schemeClr>
+          </a:lnRef>
+          <a:fillRef idx="1">
+            <a:schemeClr val="accent1"/>
+          </a:fillRef>
+          <a:effectRef idx="0">
+            <a:schemeClr val="accent1"/>
+          </a:effectRef>
+          <a:fontRef idx="minor">
+            <a:schemeClr val="lt1"/>
+          </a:fontRef>
+        </p:style>
+        <p:txBody>
+          <a:bodyPr rtlCol="0" anchor="ctr"/>
+          <a:lstStyle/>
+          <a:p>
+            <a:pPr algn="ctr"/>
+            <a:endParaRPr lang="en-US"/>
+          </a:p>
+        </p:txBody>
+      </p:sp>
+      <p:cxnSp>
+        <p:nvCxnSpPr>
+          <p:cNvPr id="21" name="Straight Connector 20">
+            <a:extLst>
+              <a:ext uri="{FF2B5EF4-FFF2-40B4-BE49-F238E27FC236}">
+                <a16:creationId xmlns:a16="http://schemas.microsoft.com/office/drawing/2014/main" id="{323614BF-420A-47B3-ADA1-AE66F33F97AB}"/>
+              </a:ext>
+            </a:extLst>
+          </p:cNvPr>
+          <p:cNvCxnSpPr>
+            <a:cxnSpLocks/>
+          </p:cNvCxnSpPr>
+          <p:nvPr/>
+        </p:nvCxnSpPr>
+        <p:spPr>
+          <a:xfrm flipV="1">
+            <a:off x="6451979" y="4790364"/>
+            <a:ext cx="5098576" cy="126242"/>
+          </a:xfrm>
+          <a:prstGeom prst="line">
+            <a:avLst/>
+          </a:prstGeom>
+        </p:spPr>
+        <p:style>
+          <a:lnRef idx="1">
+            <a:schemeClr val="accent1"/>
+          </a:lnRef>
+          <a:fillRef idx="0">
+            <a:schemeClr val="accent1"/>
+          </a:fillRef>
+          <a:effectRef idx="0">
+            <a:schemeClr val="accent1"/>
+          </a:effectRef>
+          <a:fontRef idx="minor">
+            <a:schemeClr val="tx1"/>
+          </a:fontRef>
+        </p:style>
+      </p:cxnSp>
+      <p:cxnSp>
+        <p:nvCxnSpPr>
+          <p:cNvPr id="22" name="Straight Connector 21">
+            <a:extLst>
+              <a:ext uri="{FF2B5EF4-FFF2-40B4-BE49-F238E27FC236}">
+                <a16:creationId xmlns:a16="http://schemas.microsoft.com/office/drawing/2014/main" id="{CBE1F981-AEE9-44DA-994D-A6A3112ADA2E}"/>
+              </a:ext>
+            </a:extLst>
+          </p:cNvPr>
+          <p:cNvCxnSpPr>
+            <a:cxnSpLocks/>
+          </p:cNvCxnSpPr>
+          <p:nvPr/>
+        </p:nvCxnSpPr>
+        <p:spPr>
+          <a:xfrm>
+            <a:off x="6945573" y="5909908"/>
+            <a:ext cx="4408227" cy="108328"/>
+          </a:xfrm>
+          <a:prstGeom prst="line">
+            <a:avLst/>
+          </a:prstGeom>
+        </p:spPr>
+        <p:style>
+          <a:lnRef idx="1">
+            <a:schemeClr val="accent1"/>
+          </a:lnRef>
+          <a:fillRef idx="0">
+            <a:schemeClr val="accent1"/>
+          </a:fillRef>
+          <a:effectRef idx="0">
+            <a:schemeClr val="accent1"/>
+          </a:effectRef>
+          <a:fontRef idx="minor">
+            <a:schemeClr val="tx1"/>
+          </a:fontRef>
+        </p:style>
+      </p:cxnSp>
+      <p:sp>
+        <p:nvSpPr>
+          <p:cNvPr id="23" name="Arrow: Down 22">
+            <a:extLst>
+              <a:ext uri="{FF2B5EF4-FFF2-40B4-BE49-F238E27FC236}">
+                <a16:creationId xmlns:a16="http://schemas.microsoft.com/office/drawing/2014/main" id="{756AEFBA-7EC1-4CC8-8A73-F9476C2F9452}"/>
+              </a:ext>
+            </a:extLst>
+          </p:cNvPr>
+          <p:cNvSpPr/>
+          <p:nvPr/>
+        </p:nvSpPr>
+        <p:spPr>
+          <a:xfrm rot="10800000">
+            <a:off x="10439399" y="4916606"/>
+            <a:ext cx="300250" cy="422223"/>
+          </a:xfrm>
+          <a:prstGeom prst="downArrow">
+            <a:avLst/>
+          </a:prstGeom>
+        </p:spPr>
+        <p:style>
+          <a:lnRef idx="1">
+            <a:schemeClr val="accent6"/>
+          </a:lnRef>
+          <a:fillRef idx="2">
+            <a:schemeClr val="accent6"/>
+          </a:fillRef>
+          <a:effectRef idx="1">
+            <a:schemeClr val="accent6"/>
+          </a:effectRef>
+          <a:fontRef idx="minor">
+            <a:schemeClr val="dk1"/>
+          </a:fontRef>
+        </p:style>
+        <p:txBody>
+          <a:bodyPr rtlCol="0" anchor="ctr"/>
+          <a:lstStyle/>
+          <a:p>
+            <a:pPr algn="ctr"/>
+            <a:endParaRPr lang="en-US"/>
+          </a:p>
+        </p:txBody>
+      </p:sp>
+    </p:spTree>
+    <p:extLst>
+      <p:ext uri="{BB962C8B-B14F-4D97-AF65-F5344CB8AC3E}">
+        <p14:creationId xmlns:p14="http://schemas.microsoft.com/office/powerpoint/2010/main" val="1799711329"/>
+      </p:ext>
+    </p:extLst>
+  </p:cSld>
+  <p:clrMapOvr>
+    <a:masterClrMapping/>
+  </p:clrMapOvr>
+</p:sld>
+</file>
+
+<file path=ppt/slides/slide17.xml><?xml version="1.0" encoding="utf-8"?>
+<p:sld xmlns:a="http://schemas.openxmlformats.org/drawingml/2006/main" xmlns:r="http://schemas.openxmlformats.org/officeDocument/2006/relationships" xmlns:p="http://schemas.openxmlformats.org/presentationml/2006/main">
+  <p:cSld>
+    <p:spTree>
+      <p:nvGrpSpPr>
+        <p:cNvPr id="1" name=""/>
+        <p:cNvGrpSpPr/>
+        <p:nvPr/>
+      </p:nvGrpSpPr>
+      <p:grpSpPr>
+        <a:xfrm>
+          <a:off x="0" y="0"/>
+          <a:ext cx="0" cy="0"/>
+          <a:chOff x="0" y="0"/>
+          <a:chExt cx="0" cy="0"/>
+        </a:xfrm>
+      </p:grpSpPr>
+      <p:sp>
+        <p:nvSpPr>
+          <p:cNvPr id="2" name="Title 1">
+            <a:extLst>
+              <a:ext uri="{FF2B5EF4-FFF2-40B4-BE49-F238E27FC236}">
+                <a16:creationId xmlns:a16="http://schemas.microsoft.com/office/drawing/2014/main" id="{BCD27A8D-74E0-4E88-81BD-2722472DC484}"/>
+              </a:ext>
+            </a:extLst>
+          </p:cNvPr>
+          <p:cNvSpPr>
+            <a:spLocks noGrp="1"/>
+          </p:cNvSpPr>
+          <p:nvPr>
+            <p:ph type="title"/>
+          </p:nvPr>
+        </p:nvSpPr>
+        <p:spPr/>
+        <p:txBody>
+          <a:bodyPr/>
+          <a:lstStyle/>
+          <a:p>
+            <a:r>
+              <a:rPr lang="fr-FR" dirty="0"/>
+              <a:t>Les indicateurs</a:t>
+            </a:r>
+            <a:endParaRPr lang="en-US" dirty="0"/>
+          </a:p>
+        </p:txBody>
+      </p:sp>
+      <p:sp>
+        <p:nvSpPr>
+          <p:cNvPr id="3" name="Content Placeholder 2">
+            <a:extLst>
+              <a:ext uri="{FF2B5EF4-FFF2-40B4-BE49-F238E27FC236}">
+                <a16:creationId xmlns:a16="http://schemas.microsoft.com/office/drawing/2014/main" id="{F0CAEC1F-53B1-40A6-9E30-E257D4AA4881}"/>
+              </a:ext>
+            </a:extLst>
+          </p:cNvPr>
+          <p:cNvSpPr>
+            <a:spLocks noGrp="1"/>
+          </p:cNvSpPr>
+          <p:nvPr>
+            <p:ph idx="1"/>
+          </p:nvPr>
+        </p:nvSpPr>
+        <p:spPr/>
+        <p:txBody>
+          <a:bodyPr/>
+          <a:lstStyle/>
+          <a:p>
+            <a:r>
+              <a:rPr lang="fr-FR" dirty="0"/>
+              <a:t>Moyennes Mobiles</a:t>
+            </a:r>
+          </a:p>
+          <a:p>
+            <a:r>
+              <a:rPr lang="fr-FR" dirty="0"/>
+              <a:t>Oscillateurs</a:t>
+            </a:r>
+          </a:p>
+          <a:p>
+            <a:r>
+              <a:rPr lang="fr-FR" dirty="0"/>
+              <a:t>Indicateurs de volatilité</a:t>
+            </a:r>
+          </a:p>
+          <a:p>
+            <a:r>
+              <a:rPr lang="fr-FR" dirty="0"/>
+              <a:t>Volumes</a:t>
+            </a:r>
+          </a:p>
+          <a:p>
+            <a:r>
+              <a:rPr lang="fr-FR" dirty="0"/>
+              <a:t>Analyse technique</a:t>
+            </a:r>
+          </a:p>
+          <a:p>
+            <a:r>
+              <a:rPr lang="fr-FR" dirty="0"/>
+              <a:t>Cycles et tendances</a:t>
+            </a:r>
+          </a:p>
+          <a:p>
+            <a:endParaRPr lang="fr-FR" dirty="0"/>
+          </a:p>
+          <a:p>
+            <a:pPr lvl="1"/>
+            <a:endParaRPr lang="en-US" dirty="0"/>
+          </a:p>
+        </p:txBody>
+      </p:sp>
+      <p:pic>
+        <p:nvPicPr>
+          <p:cNvPr id="5" name="Picture 4">
+            <a:extLst>
+              <a:ext uri="{FF2B5EF4-FFF2-40B4-BE49-F238E27FC236}">
+                <a16:creationId xmlns:a16="http://schemas.microsoft.com/office/drawing/2014/main" id="{53E968B8-6DA1-4446-9680-C1E608EB374C}"/>
+              </a:ext>
+            </a:extLst>
+          </p:cNvPr>
+          <p:cNvPicPr>
+            <a:picLocks noChangeAspect="1"/>
+          </p:cNvPicPr>
+          <p:nvPr/>
+        </p:nvPicPr>
+        <p:blipFill>
+          <a:blip r:embed="rId2"/>
+          <a:stretch>
+            <a:fillRect/>
+          </a:stretch>
+        </p:blipFill>
+        <p:spPr>
+          <a:xfrm>
+            <a:off x="4986221" y="2341601"/>
+            <a:ext cx="6724650" cy="3524250"/>
+          </a:xfrm>
+          <a:prstGeom prst="rect">
+            <a:avLst/>
+          </a:prstGeom>
+        </p:spPr>
+      </p:pic>
+    </p:spTree>
+    <p:extLst>
+      <p:ext uri="{BB962C8B-B14F-4D97-AF65-F5344CB8AC3E}">
+        <p14:creationId xmlns:p14="http://schemas.microsoft.com/office/powerpoint/2010/main" val="2166134969"/>
+      </p:ext>
+    </p:extLst>
+  </p:cSld>
+  <p:clrMapOvr>
+    <a:masterClrMapping/>
+  </p:clrMapOvr>
+</p:sld>
+</file>
+
+<file path=ppt/slides/slide18.xml><?xml version="1.0" encoding="utf-8"?>
+<p:sld xmlns:a="http://schemas.openxmlformats.org/drawingml/2006/main" xmlns:r="http://schemas.openxmlformats.org/officeDocument/2006/relationships" xmlns:p="http://schemas.openxmlformats.org/presentationml/2006/main">
+  <p:cSld>
+    <p:spTree>
+      <p:nvGrpSpPr>
+        <p:cNvPr id="1" name=""/>
+        <p:cNvGrpSpPr/>
+        <p:nvPr/>
+      </p:nvGrpSpPr>
+      <p:grpSpPr>
+        <a:xfrm>
+          <a:off x="0" y="0"/>
+          <a:ext cx="0" cy="0"/>
+          <a:chOff x="0" y="0"/>
+          <a:chExt cx="0" cy="0"/>
+        </a:xfrm>
+      </p:grpSpPr>
+      <p:sp>
+        <p:nvSpPr>
+          <p:cNvPr id="2" name="Title 1">
+            <a:extLst>
+              <a:ext uri="{FF2B5EF4-FFF2-40B4-BE49-F238E27FC236}">
+                <a16:creationId xmlns:a16="http://schemas.microsoft.com/office/drawing/2014/main" id="{40ACD992-07FD-4F22-964A-AB0A6B7A4E5A}"/>
+              </a:ext>
+            </a:extLst>
+          </p:cNvPr>
+          <p:cNvSpPr>
+            <a:spLocks noGrp="1"/>
+          </p:cNvSpPr>
+          <p:nvPr>
+            <p:ph type="title"/>
+          </p:nvPr>
+        </p:nvSpPr>
+        <p:spPr/>
+        <p:txBody>
+          <a:bodyPr/>
+          <a:lstStyle/>
+          <a:p>
+            <a:r>
+              <a:rPr lang="fr-FR" dirty="0"/>
+              <a:t>Moyennes Mobiles</a:t>
+            </a:r>
+            <a:endParaRPr lang="en-US" dirty="0"/>
+          </a:p>
+        </p:txBody>
+      </p:sp>
+      <p:sp>
+        <p:nvSpPr>
+          <p:cNvPr id="3" name="Content Placeholder 2">
+            <a:extLst>
+              <a:ext uri="{FF2B5EF4-FFF2-40B4-BE49-F238E27FC236}">
+                <a16:creationId xmlns:a16="http://schemas.microsoft.com/office/drawing/2014/main" id="{AB5AB4A3-B31E-4B55-97B4-56465F5ACD7B}"/>
+              </a:ext>
+            </a:extLst>
+          </p:cNvPr>
+          <p:cNvSpPr>
+            <a:spLocks noGrp="1"/>
+          </p:cNvSpPr>
+          <p:nvPr>
+            <p:ph idx="1"/>
+          </p:nvPr>
+        </p:nvSpPr>
+        <p:spPr/>
+        <p:txBody>
+          <a:bodyPr/>
+          <a:lstStyle/>
+          <a:p>
+            <a:r>
+              <a:rPr lang="fr-FR" dirty="0"/>
+              <a:t>Moyenne des n dernières valeurs</a:t>
+            </a:r>
+          </a:p>
+          <a:p>
+            <a:pPr lvl="1"/>
+            <a:r>
+              <a:rPr lang="fr-FR" dirty="0"/>
+              <a:t>Moving </a:t>
+            </a:r>
+            <a:r>
+              <a:rPr lang="fr-FR" dirty="0" err="1"/>
+              <a:t>Average</a:t>
+            </a:r>
+            <a:r>
+              <a:rPr lang="fr-FR" dirty="0"/>
+              <a:t> (MM)</a:t>
+            </a:r>
+          </a:p>
+          <a:p>
+            <a:pPr lvl="1"/>
+            <a:r>
+              <a:rPr lang="fr-FR" dirty="0" err="1"/>
+              <a:t>Exponential</a:t>
+            </a:r>
+            <a:r>
+              <a:rPr lang="fr-FR" dirty="0"/>
+              <a:t> Moving </a:t>
+            </a:r>
+            <a:r>
+              <a:rPr lang="fr-FR" dirty="0" err="1"/>
+              <a:t>Average</a:t>
+            </a:r>
+            <a:r>
+              <a:rPr lang="fr-FR" dirty="0"/>
+              <a:t> (EMA) </a:t>
+            </a:r>
+            <a:r>
+              <a:rPr lang="fr-FR" dirty="0">
+                <a:sym typeface="Wingdings" panose="05000000000000000000" pitchFamily="2" charset="2"/>
+              </a:rPr>
+              <a:t> plus de poids aux valeurs récentes</a:t>
+            </a:r>
+            <a:endParaRPr lang="en-US" dirty="0"/>
+          </a:p>
+        </p:txBody>
+      </p:sp>
+    </p:spTree>
+    <p:extLst>
+      <p:ext uri="{BB962C8B-B14F-4D97-AF65-F5344CB8AC3E}">
+        <p14:creationId xmlns:p14="http://schemas.microsoft.com/office/powerpoint/2010/main" val="3732752483"/>
+      </p:ext>
+    </p:extLst>
+  </p:cSld>
+  <p:clrMapOvr>
+    <a:masterClrMapping/>
+  </p:clrMapOvr>
+</p:sld>
+</file>
+
+<file path=ppt/slides/slide19.xml><?xml version="1.0" encoding="utf-8"?>
+<p:sld xmlns:a="http://schemas.openxmlformats.org/drawingml/2006/main" xmlns:r="http://schemas.openxmlformats.org/officeDocument/2006/relationships" xmlns:p="http://schemas.openxmlformats.org/presentationml/2006/main">
+  <p:cSld>
+    <p:spTree>
+      <p:nvGrpSpPr>
+        <p:cNvPr id="1" name=""/>
+        <p:cNvGrpSpPr/>
+        <p:nvPr/>
+      </p:nvGrpSpPr>
+      <p:grpSpPr>
+        <a:xfrm>
+          <a:off x="0" y="0"/>
+          <a:ext cx="0" cy="0"/>
+          <a:chOff x="0" y="0"/>
+          <a:chExt cx="0" cy="0"/>
+        </a:xfrm>
+      </p:grpSpPr>
+      <p:sp>
+        <p:nvSpPr>
+          <p:cNvPr id="2" name="Title 1">
+            <a:extLst>
+              <a:ext uri="{FF2B5EF4-FFF2-40B4-BE49-F238E27FC236}">
+                <a16:creationId xmlns:a16="http://schemas.microsoft.com/office/drawing/2014/main" id="{C70C02F3-7908-4947-A1C6-EDF2C0CF9BDA}"/>
+              </a:ext>
+            </a:extLst>
+          </p:cNvPr>
+          <p:cNvSpPr>
+            <a:spLocks noGrp="1"/>
+          </p:cNvSpPr>
+          <p:nvPr>
+            <p:ph type="title"/>
+          </p:nvPr>
+        </p:nvSpPr>
+        <p:spPr/>
+        <p:txBody>
+          <a:bodyPr/>
+          <a:lstStyle/>
+          <a:p>
+            <a:r>
+              <a:rPr lang="fr-FR" dirty="0" err="1"/>
+              <a:t>Donchian</a:t>
+            </a:r>
+            <a:r>
+              <a:rPr lang="fr-FR" dirty="0"/>
+              <a:t> Channel</a:t>
+            </a:r>
+            <a:endParaRPr lang="en-US" dirty="0"/>
+          </a:p>
+        </p:txBody>
+      </p:sp>
+      <p:sp>
+        <p:nvSpPr>
+          <p:cNvPr id="3" name="Content Placeholder 2">
+            <a:extLst>
+              <a:ext uri="{FF2B5EF4-FFF2-40B4-BE49-F238E27FC236}">
+                <a16:creationId xmlns:a16="http://schemas.microsoft.com/office/drawing/2014/main" id="{A8945965-B0F5-434E-9725-3316DC9FCAA0}"/>
+              </a:ext>
+            </a:extLst>
+          </p:cNvPr>
+          <p:cNvSpPr>
+            <a:spLocks noGrp="1"/>
+          </p:cNvSpPr>
+          <p:nvPr>
+            <p:ph idx="1"/>
+          </p:nvPr>
+        </p:nvSpPr>
+        <p:spPr/>
+        <p:txBody>
+          <a:bodyPr/>
+          <a:lstStyle/>
+          <a:p>
+            <a:r>
+              <a:rPr lang="fr-FR" dirty="0"/>
+              <a:t>Dessine un canal basé sur les plus hauts et plus bas des n dernières barres</a:t>
+            </a:r>
+            <a:endParaRPr lang="en-US" dirty="0"/>
+          </a:p>
+        </p:txBody>
+      </p:sp>
+      <p:pic>
+        <p:nvPicPr>
+          <p:cNvPr id="4" name="Picture 3">
+            <a:extLst>
+              <a:ext uri="{FF2B5EF4-FFF2-40B4-BE49-F238E27FC236}">
+                <a16:creationId xmlns:a16="http://schemas.microsoft.com/office/drawing/2014/main" id="{E4D0D3E4-9DDA-4FCD-848B-E3975C09154B}"/>
+              </a:ext>
+            </a:extLst>
+          </p:cNvPr>
+          <p:cNvPicPr>
+            <a:picLocks noChangeAspect="1"/>
+          </p:cNvPicPr>
+          <p:nvPr/>
+        </p:nvPicPr>
+        <p:blipFill>
+          <a:blip r:embed="rId2"/>
+          <a:stretch>
+            <a:fillRect/>
+          </a:stretch>
+        </p:blipFill>
+        <p:spPr>
+          <a:xfrm>
+            <a:off x="2347414" y="2369999"/>
+            <a:ext cx="9574041" cy="4122876"/>
+          </a:xfrm>
+          <a:prstGeom prst="rect">
+            <a:avLst/>
+          </a:prstGeom>
+        </p:spPr>
+      </p:pic>
+    </p:spTree>
+    <p:extLst>
+      <p:ext uri="{BB962C8B-B14F-4D97-AF65-F5344CB8AC3E}">
+        <p14:creationId xmlns:p14="http://schemas.microsoft.com/office/powerpoint/2010/main" val="3443141974"/>
       </p:ext>
     </p:extLst>
   </p:cSld>
@@ -3869,6 +9014,519 @@
     <p:extLst>
       <p:ext uri="{BB962C8B-B14F-4D97-AF65-F5344CB8AC3E}">
         <p14:creationId xmlns:p14="http://schemas.microsoft.com/office/powerpoint/2010/main" val="356406532"/>
+      </p:ext>
+    </p:extLst>
+  </p:cSld>
+  <p:clrMapOvr>
+    <a:masterClrMapping/>
+  </p:clrMapOvr>
+</p:sld>
+</file>
+
+<file path=ppt/slides/slide20.xml><?xml version="1.0" encoding="utf-8"?>
+<p:sld xmlns:a="http://schemas.openxmlformats.org/drawingml/2006/main" xmlns:r="http://schemas.openxmlformats.org/officeDocument/2006/relationships" xmlns:p="http://schemas.openxmlformats.org/presentationml/2006/main">
+  <p:cSld>
+    <p:spTree>
+      <p:nvGrpSpPr>
+        <p:cNvPr id="1" name=""/>
+        <p:cNvGrpSpPr/>
+        <p:nvPr/>
+      </p:nvGrpSpPr>
+      <p:grpSpPr>
+        <a:xfrm>
+          <a:off x="0" y="0"/>
+          <a:ext cx="0" cy="0"/>
+          <a:chOff x="0" y="0"/>
+          <a:chExt cx="0" cy="0"/>
+        </a:xfrm>
+      </p:grpSpPr>
+      <p:sp>
+        <p:nvSpPr>
+          <p:cNvPr id="2" name="Title 1">
+            <a:extLst>
+              <a:ext uri="{FF2B5EF4-FFF2-40B4-BE49-F238E27FC236}">
+                <a16:creationId xmlns:a16="http://schemas.microsoft.com/office/drawing/2014/main" id="{0ABDA52D-1056-4DB9-9B30-FCCEA3009EA9}"/>
+              </a:ext>
+            </a:extLst>
+          </p:cNvPr>
+          <p:cNvSpPr>
+            <a:spLocks noGrp="1"/>
+          </p:cNvSpPr>
+          <p:nvPr>
+            <p:ph type="title"/>
+          </p:nvPr>
+        </p:nvSpPr>
+        <p:spPr/>
+        <p:txBody>
+          <a:bodyPr/>
+          <a:lstStyle/>
+          <a:p>
+            <a:r>
+              <a:rPr lang="fr-FR" dirty="0"/>
+              <a:t>Stratégies</a:t>
+            </a:r>
+            <a:endParaRPr lang="en-US" dirty="0"/>
+          </a:p>
+        </p:txBody>
+      </p:sp>
+      <p:sp>
+        <p:nvSpPr>
+          <p:cNvPr id="3" name="Content Placeholder 2">
+            <a:extLst>
+              <a:ext uri="{FF2B5EF4-FFF2-40B4-BE49-F238E27FC236}">
+                <a16:creationId xmlns:a16="http://schemas.microsoft.com/office/drawing/2014/main" id="{B9D697F1-7132-4218-9A02-891537714431}"/>
+              </a:ext>
+            </a:extLst>
+          </p:cNvPr>
+          <p:cNvSpPr>
+            <a:spLocks noGrp="1"/>
+          </p:cNvSpPr>
+          <p:nvPr>
+            <p:ph idx="1"/>
+          </p:nvPr>
+        </p:nvSpPr>
+        <p:spPr/>
+        <p:txBody>
+          <a:bodyPr/>
+          <a:lstStyle/>
+          <a:p>
+            <a:r>
+              <a:rPr lang="fr-FR" dirty="0"/>
+              <a:t>Analyse technique</a:t>
+            </a:r>
+          </a:p>
+          <a:p>
+            <a:r>
+              <a:rPr lang="fr-FR" dirty="0"/>
+              <a:t>Indicateurs</a:t>
+            </a:r>
+          </a:p>
+          <a:p>
+            <a:r>
+              <a:rPr lang="fr-FR" dirty="0"/>
+              <a:t>Analyse fondamentale</a:t>
+            </a:r>
+          </a:p>
+          <a:p>
+            <a:r>
+              <a:rPr lang="fr-FR" dirty="0"/>
+              <a:t>News</a:t>
+            </a:r>
+          </a:p>
+          <a:p>
+            <a:r>
+              <a:rPr lang="fr-FR" dirty="0" err="1"/>
+              <a:t>Contrarian</a:t>
+            </a:r>
+            <a:endParaRPr lang="en-US" dirty="0"/>
+          </a:p>
+        </p:txBody>
+      </p:sp>
+    </p:spTree>
+    <p:extLst>
+      <p:ext uri="{BB962C8B-B14F-4D97-AF65-F5344CB8AC3E}">
+        <p14:creationId xmlns:p14="http://schemas.microsoft.com/office/powerpoint/2010/main" val="4045546859"/>
+      </p:ext>
+    </p:extLst>
+  </p:cSld>
+  <p:clrMapOvr>
+    <a:masterClrMapping/>
+  </p:clrMapOvr>
+</p:sld>
+</file>
+
+<file path=ppt/slides/slide21.xml><?xml version="1.0" encoding="utf-8"?>
+<p:sld xmlns:a="http://schemas.openxmlformats.org/drawingml/2006/main" xmlns:r="http://schemas.openxmlformats.org/officeDocument/2006/relationships" xmlns:p="http://schemas.openxmlformats.org/presentationml/2006/main">
+  <p:cSld>
+    <p:spTree>
+      <p:nvGrpSpPr>
+        <p:cNvPr id="1" name=""/>
+        <p:cNvGrpSpPr/>
+        <p:nvPr/>
+      </p:nvGrpSpPr>
+      <p:grpSpPr>
+        <a:xfrm>
+          <a:off x="0" y="0"/>
+          <a:ext cx="0" cy="0"/>
+          <a:chOff x="0" y="0"/>
+          <a:chExt cx="0" cy="0"/>
+        </a:xfrm>
+      </p:grpSpPr>
+      <p:sp>
+        <p:nvSpPr>
+          <p:cNvPr id="2" name="Title 1">
+            <a:extLst>
+              <a:ext uri="{FF2B5EF4-FFF2-40B4-BE49-F238E27FC236}">
+                <a16:creationId xmlns:a16="http://schemas.microsoft.com/office/drawing/2014/main" id="{E04E3372-C95E-44C7-90FA-D8A631A63FED}"/>
+              </a:ext>
+            </a:extLst>
+          </p:cNvPr>
+          <p:cNvSpPr>
+            <a:spLocks noGrp="1"/>
+          </p:cNvSpPr>
+          <p:nvPr>
+            <p:ph type="title"/>
+          </p:nvPr>
+        </p:nvSpPr>
+        <p:spPr/>
+        <p:txBody>
+          <a:bodyPr/>
+          <a:lstStyle/>
+          <a:p>
+            <a:r>
+              <a:rPr lang="fr-FR" dirty="0"/>
+              <a:t>Construction d’un portefeuille</a:t>
+            </a:r>
+            <a:endParaRPr lang="en-US" dirty="0"/>
+          </a:p>
+        </p:txBody>
+      </p:sp>
+      <p:sp>
+        <p:nvSpPr>
+          <p:cNvPr id="3" name="Content Placeholder 2">
+            <a:extLst>
+              <a:ext uri="{FF2B5EF4-FFF2-40B4-BE49-F238E27FC236}">
+                <a16:creationId xmlns:a16="http://schemas.microsoft.com/office/drawing/2014/main" id="{ED9DB76D-9365-425E-A39F-5026367D4CBE}"/>
+              </a:ext>
+            </a:extLst>
+          </p:cNvPr>
+          <p:cNvSpPr>
+            <a:spLocks noGrp="1"/>
+          </p:cNvSpPr>
+          <p:nvPr>
+            <p:ph idx="1"/>
+          </p:nvPr>
+        </p:nvSpPr>
+        <p:spPr/>
+        <p:txBody>
+          <a:bodyPr/>
+          <a:lstStyle/>
+          <a:p>
+            <a:r>
+              <a:rPr lang="fr-FR" dirty="0"/>
+              <a:t>Diversification != All In</a:t>
+            </a:r>
+          </a:p>
+          <a:p>
+            <a:r>
+              <a:rPr lang="fr-FR" dirty="0"/>
+              <a:t>Gestion du risque</a:t>
+            </a:r>
+          </a:p>
+          <a:p>
+            <a:r>
+              <a:rPr lang="en-US" dirty="0" err="1"/>
+              <a:t>Nombre</a:t>
+            </a:r>
+            <a:r>
+              <a:rPr lang="en-US" dirty="0"/>
+              <a:t> de positions</a:t>
+            </a:r>
+          </a:p>
+        </p:txBody>
+      </p:sp>
+    </p:spTree>
+    <p:extLst>
+      <p:ext uri="{BB962C8B-B14F-4D97-AF65-F5344CB8AC3E}">
+        <p14:creationId xmlns:p14="http://schemas.microsoft.com/office/powerpoint/2010/main" val="2373413576"/>
+      </p:ext>
+    </p:extLst>
+  </p:cSld>
+  <p:clrMapOvr>
+    <a:masterClrMapping/>
+  </p:clrMapOvr>
+</p:sld>
+</file>
+
+<file path=ppt/slides/slide22.xml><?xml version="1.0" encoding="utf-8"?>
+<p:sld xmlns:a="http://schemas.openxmlformats.org/drawingml/2006/main" xmlns:r="http://schemas.openxmlformats.org/officeDocument/2006/relationships" xmlns:p="http://schemas.openxmlformats.org/presentationml/2006/main">
+  <p:cSld>
+    <p:spTree>
+      <p:nvGrpSpPr>
+        <p:cNvPr id="1" name=""/>
+        <p:cNvGrpSpPr/>
+        <p:nvPr/>
+      </p:nvGrpSpPr>
+      <p:grpSpPr>
+        <a:xfrm>
+          <a:off x="0" y="0"/>
+          <a:ext cx="0" cy="0"/>
+          <a:chOff x="0" y="0"/>
+          <a:chExt cx="0" cy="0"/>
+        </a:xfrm>
+      </p:grpSpPr>
+      <p:pic>
+        <p:nvPicPr>
+          <p:cNvPr id="1026" name="Picture 2" descr="Psychology Charts &amp; Sentiment Cycles (Updated) | Cheat sheets ...">
+            <a:extLst>
+              <a:ext uri="{FF2B5EF4-FFF2-40B4-BE49-F238E27FC236}">
+                <a16:creationId xmlns:a16="http://schemas.microsoft.com/office/drawing/2014/main" id="{BE62A6C7-3A4B-47F0-93D0-55B174085862}"/>
+              </a:ext>
+            </a:extLst>
+          </p:cNvPr>
+          <p:cNvPicPr>
+            <a:picLocks noGrp="1" noChangeAspect="1" noChangeArrowheads="1"/>
+          </p:cNvPicPr>
+          <p:nvPr>
+            <p:ph idx="1"/>
+          </p:nvPr>
+        </p:nvPicPr>
+        <p:blipFill>
+          <a:blip r:embed="rId2">
+            <a:extLst>
+              <a:ext uri="{28A0092B-C50C-407E-A947-70E740481C1C}">
+                <a14:useLocalDpi xmlns:a14="http://schemas.microsoft.com/office/drawing/2010/main" val="0"/>
+              </a:ext>
+            </a:extLst>
+          </a:blip>
+          <a:srcRect/>
+          <a:stretch>
+            <a:fillRect/>
+          </a:stretch>
+        </p:blipFill>
+        <p:spPr bwMode="auto">
+          <a:xfrm>
+            <a:off x="2821259" y="1361706"/>
+            <a:ext cx="6523463" cy="5300315"/>
+          </a:xfrm>
+          <a:prstGeom prst="rect">
+            <a:avLst/>
+          </a:prstGeom>
+          <a:noFill/>
+          <a:extLst>
+            <a:ext uri="{909E8E84-426E-40DD-AFC4-6F175D3DCCD1}">
+              <a14:hiddenFill xmlns:a14="http://schemas.microsoft.com/office/drawing/2010/main">
+                <a:solidFill>
+                  <a:srgbClr val="FFFFFF"/>
+                </a:solidFill>
+              </a14:hiddenFill>
+            </a:ext>
+          </a:extLst>
+        </p:spPr>
+      </p:pic>
+    </p:spTree>
+    <p:extLst>
+      <p:ext uri="{BB962C8B-B14F-4D97-AF65-F5344CB8AC3E}">
+        <p14:creationId xmlns:p14="http://schemas.microsoft.com/office/powerpoint/2010/main" val="725611940"/>
+      </p:ext>
+    </p:extLst>
+  </p:cSld>
+  <p:clrMapOvr>
+    <a:masterClrMapping/>
+  </p:clrMapOvr>
+</p:sld>
+</file>
+
+<file path=ppt/slides/slide23.xml><?xml version="1.0" encoding="utf-8"?>
+<p:sld xmlns:a="http://schemas.openxmlformats.org/drawingml/2006/main" xmlns:r="http://schemas.openxmlformats.org/officeDocument/2006/relationships" xmlns:p="http://schemas.openxmlformats.org/presentationml/2006/main">
+  <p:cSld>
+    <p:spTree>
+      <p:nvGrpSpPr>
+        <p:cNvPr id="1" name=""/>
+        <p:cNvGrpSpPr/>
+        <p:nvPr/>
+      </p:nvGrpSpPr>
+      <p:grpSpPr>
+        <a:xfrm>
+          <a:off x="0" y="0"/>
+          <a:ext cx="0" cy="0"/>
+          <a:chOff x="0" y="0"/>
+          <a:chExt cx="0" cy="0"/>
+        </a:xfrm>
+      </p:grpSpPr>
+      <p:sp>
+        <p:nvSpPr>
+          <p:cNvPr id="2" name="Title 1">
+            <a:extLst>
+              <a:ext uri="{FF2B5EF4-FFF2-40B4-BE49-F238E27FC236}">
+                <a16:creationId xmlns:a16="http://schemas.microsoft.com/office/drawing/2014/main" id="{8799B785-EEBE-49C4-AB80-AC77F7A85E20}"/>
+              </a:ext>
+            </a:extLst>
+          </p:cNvPr>
+          <p:cNvSpPr>
+            <a:spLocks noGrp="1"/>
+          </p:cNvSpPr>
+          <p:nvPr>
+            <p:ph type="title"/>
+          </p:nvPr>
+        </p:nvSpPr>
+        <p:spPr/>
+        <p:txBody>
+          <a:bodyPr/>
+          <a:lstStyle/>
+          <a:p>
+            <a:r>
+              <a:rPr lang="fr-FR" dirty="0"/>
+              <a:t>Psychologie</a:t>
+            </a:r>
+            <a:endParaRPr lang="en-US" dirty="0"/>
+          </a:p>
+        </p:txBody>
+      </p:sp>
+      <p:sp>
+        <p:nvSpPr>
+          <p:cNvPr id="3" name="Content Placeholder 2">
+            <a:extLst>
+              <a:ext uri="{FF2B5EF4-FFF2-40B4-BE49-F238E27FC236}">
+                <a16:creationId xmlns:a16="http://schemas.microsoft.com/office/drawing/2014/main" id="{EDA62261-4CE3-4393-9DEA-A5C83C80C12E}"/>
+              </a:ext>
+            </a:extLst>
+          </p:cNvPr>
+          <p:cNvSpPr>
+            <a:spLocks noGrp="1"/>
+          </p:cNvSpPr>
+          <p:nvPr>
+            <p:ph idx="1"/>
+          </p:nvPr>
+        </p:nvSpPr>
+        <p:spPr/>
+        <p:txBody>
+          <a:bodyPr/>
+          <a:lstStyle/>
+          <a:p>
+            <a:r>
+              <a:rPr lang="fr-FR" dirty="0"/>
+              <a:t>Couper les pertes et laisser courir les gains</a:t>
+            </a:r>
+          </a:p>
+          <a:p>
+            <a:pPr lvl="1">
+              <a:buFont typeface="Wingdings" panose="05000000000000000000" pitchFamily="2" charset="2"/>
+              <a:buChar char="è"/>
+            </a:pPr>
+            <a:r>
+              <a:rPr lang="fr-FR" dirty="0">
+                <a:sym typeface="Wingdings" panose="05000000000000000000" pitchFamily="2" charset="2"/>
+              </a:rPr>
+              <a:t>Contre la nature humaine</a:t>
+            </a:r>
+          </a:p>
+          <a:p>
+            <a:r>
+              <a:rPr lang="en-US" dirty="0"/>
+              <a:t>Ne pas </a:t>
+            </a:r>
+            <a:r>
+              <a:rPr lang="en-US" dirty="0" err="1"/>
+              <a:t>vouloir</a:t>
+            </a:r>
+            <a:r>
+              <a:rPr lang="en-US" dirty="0"/>
+              <a:t> </a:t>
+            </a:r>
+            <a:r>
+              <a:rPr lang="en-US" dirty="0" err="1"/>
+              <a:t>avoir</a:t>
+            </a:r>
+            <a:r>
+              <a:rPr lang="en-US" dirty="0"/>
+              <a:t> raison</a:t>
+            </a:r>
+          </a:p>
+          <a:p>
+            <a:pPr marL="457200" lvl="1" indent="0">
+              <a:buNone/>
+            </a:pPr>
+            <a:r>
+              <a:rPr lang="en-US" dirty="0">
+                <a:sym typeface="Wingdings" panose="05000000000000000000" pitchFamily="2" charset="2"/>
+              </a:rPr>
+              <a:t>Ranger son </a:t>
+            </a:r>
+            <a:r>
+              <a:rPr lang="en-US" dirty="0" err="1">
+                <a:sym typeface="Wingdings" panose="05000000000000000000" pitchFamily="2" charset="2"/>
+              </a:rPr>
+              <a:t>égo</a:t>
+            </a:r>
+            <a:endParaRPr lang="en-US" dirty="0"/>
+          </a:p>
+        </p:txBody>
+      </p:sp>
+    </p:spTree>
+    <p:extLst>
+      <p:ext uri="{BB962C8B-B14F-4D97-AF65-F5344CB8AC3E}">
+        <p14:creationId xmlns:p14="http://schemas.microsoft.com/office/powerpoint/2010/main" val="2971414286"/>
+      </p:ext>
+    </p:extLst>
+  </p:cSld>
+  <p:clrMapOvr>
+    <a:masterClrMapping/>
+  </p:clrMapOvr>
+</p:sld>
+</file>
+
+<file path=ppt/slides/slide24.xml><?xml version="1.0" encoding="utf-8"?>
+<p:sld xmlns:a="http://schemas.openxmlformats.org/drawingml/2006/main" xmlns:r="http://schemas.openxmlformats.org/officeDocument/2006/relationships" xmlns:p="http://schemas.openxmlformats.org/presentationml/2006/main">
+  <p:cSld>
+    <p:spTree>
+      <p:nvGrpSpPr>
+        <p:cNvPr id="1" name=""/>
+        <p:cNvGrpSpPr/>
+        <p:nvPr/>
+      </p:nvGrpSpPr>
+      <p:grpSpPr>
+        <a:xfrm>
+          <a:off x="0" y="0"/>
+          <a:ext cx="0" cy="0"/>
+          <a:chOff x="0" y="0"/>
+          <a:chExt cx="0" cy="0"/>
+        </a:xfrm>
+      </p:grpSpPr>
+      <p:sp>
+        <p:nvSpPr>
+          <p:cNvPr id="2" name="Title 1">
+            <a:extLst>
+              <a:ext uri="{FF2B5EF4-FFF2-40B4-BE49-F238E27FC236}">
+                <a16:creationId xmlns:a16="http://schemas.microsoft.com/office/drawing/2014/main" id="{EC53ED72-C1F6-49B9-957F-15DF7FF9418A}"/>
+              </a:ext>
+            </a:extLst>
+          </p:cNvPr>
+          <p:cNvSpPr>
+            <a:spLocks noGrp="1"/>
+          </p:cNvSpPr>
+          <p:nvPr>
+            <p:ph type="title"/>
+          </p:nvPr>
+        </p:nvSpPr>
+        <p:spPr/>
+        <p:txBody>
+          <a:bodyPr/>
+          <a:lstStyle/>
+          <a:p>
+            <a:endParaRPr lang="en-US"/>
+          </a:p>
+        </p:txBody>
+      </p:sp>
+      <p:sp>
+        <p:nvSpPr>
+          <p:cNvPr id="3" name="Text Placeholder 2">
+            <a:extLst>
+              <a:ext uri="{FF2B5EF4-FFF2-40B4-BE49-F238E27FC236}">
+                <a16:creationId xmlns:a16="http://schemas.microsoft.com/office/drawing/2014/main" id="{029F10EF-AE60-4F82-8E4A-AC826CB386D0}"/>
+              </a:ext>
+            </a:extLst>
+          </p:cNvPr>
+          <p:cNvSpPr>
+            <a:spLocks noGrp="1"/>
+          </p:cNvSpPr>
+          <p:nvPr>
+            <p:ph type="body" idx="1"/>
+          </p:nvPr>
+        </p:nvSpPr>
+        <p:spPr/>
+        <p:txBody>
+          <a:bodyPr/>
+          <a:lstStyle/>
+          <a:p>
+            <a:endParaRPr lang="en-US"/>
+          </a:p>
+        </p:txBody>
+      </p:sp>
+    </p:spTree>
+    <p:extLst>
+      <p:ext uri="{BB962C8B-B14F-4D97-AF65-F5344CB8AC3E}">
+        <p14:creationId xmlns:p14="http://schemas.microsoft.com/office/powerpoint/2010/main" val="1707557745"/>
       </p:ext>
     </p:extLst>
   </p:cSld>
@@ -4315,7 +9973,7 @@
           <p:cNvPr id="2" name="Title 1">
             <a:extLst>
               <a:ext uri="{FF2B5EF4-FFF2-40B4-BE49-F238E27FC236}">
-                <a16:creationId xmlns:a16="http://schemas.microsoft.com/office/drawing/2014/main" id="{95CE8B56-0435-468D-930C-1FC0A11A36C9}"/>
+                <a16:creationId xmlns:a16="http://schemas.microsoft.com/office/drawing/2014/main" id="{7D0D5E0A-FE26-4E42-99B6-4122CEE77267}"/>
               </a:ext>
             </a:extLst>
           </p:cNvPr>
@@ -4332,61 +9990,220 @@
           <a:lstStyle/>
           <a:p>
             <a:r>
-              <a:rPr lang="fr-FR" dirty="0" err="1"/>
-              <a:t>Oil</a:t>
-            </a:r>
-            <a:r>
               <a:rPr lang="fr-FR" dirty="0"/>
-              <a:t> </a:t>
-            </a:r>
-            <a:r>
-              <a:rPr lang="fr-FR" dirty="0" err="1"/>
-              <a:t>Status</a:t>
-            </a:r>
-            <a:r>
-              <a:rPr lang="fr-FR" dirty="0"/>
-              <a:t> 20/04/2020 – Roll over</a:t>
+              <a:t>Vocabulaire</a:t>
             </a:r>
             <a:endParaRPr lang="en-US" dirty="0"/>
           </a:p>
         </p:txBody>
       </p:sp>
-      <p:pic>
-        <p:nvPicPr>
-          <p:cNvPr id="4" name="Content Placeholder 3">
-            <a:extLst>
-              <a:ext uri="{FF2B5EF4-FFF2-40B4-BE49-F238E27FC236}">
-                <a16:creationId xmlns:a16="http://schemas.microsoft.com/office/drawing/2014/main" id="{80B42E31-F4C5-42A8-BD31-CDBDF5AD32D0}"/>
-              </a:ext>
-            </a:extLst>
-          </p:cNvPr>
-          <p:cNvPicPr>
-            <a:picLocks noGrp="1" noChangeAspect="1"/>
-          </p:cNvPicPr>
+      <p:sp>
+        <p:nvSpPr>
+          <p:cNvPr id="3" name="Content Placeholder 2">
+            <a:extLst>
+              <a:ext uri="{FF2B5EF4-FFF2-40B4-BE49-F238E27FC236}">
+                <a16:creationId xmlns:a16="http://schemas.microsoft.com/office/drawing/2014/main" id="{A3D03CFB-6A05-429D-A0E6-F779B3E297D5}"/>
+              </a:ext>
+            </a:extLst>
+          </p:cNvPr>
+          <p:cNvSpPr>
+            <a:spLocks noGrp="1"/>
+          </p:cNvSpPr>
           <p:nvPr>
             <p:ph idx="1"/>
           </p:nvPr>
+        </p:nvSpPr>
+        <p:spPr>
+          <a:xfrm>
+            <a:off x="268675" y="2141537"/>
+            <a:ext cx="10515600" cy="4351338"/>
+          </a:xfrm>
+        </p:spPr>
+        <p:txBody>
+          <a:bodyPr/>
+          <a:lstStyle/>
+          <a:p>
+            <a:r>
+              <a:rPr lang="fr-FR" dirty="0"/>
+              <a:t>Haussier</a:t>
+            </a:r>
+          </a:p>
+          <a:p>
+            <a:pPr lvl="1"/>
+            <a:r>
+              <a:rPr lang="fr-FR" dirty="0"/>
+              <a:t>Bull </a:t>
+            </a:r>
+            <a:r>
+              <a:rPr lang="fr-FR" dirty="0">
+                <a:sym typeface="Wingdings" panose="05000000000000000000" pitchFamily="2" charset="2"/>
+              </a:rPr>
+              <a:t> Bull </a:t>
+            </a:r>
+            <a:r>
+              <a:rPr lang="fr-FR" dirty="0" err="1">
+                <a:sym typeface="Wingdings" panose="05000000000000000000" pitchFamily="2" charset="2"/>
+              </a:rPr>
+              <a:t>Market</a:t>
+            </a:r>
+            <a:r>
+              <a:rPr lang="fr-FR" dirty="0">
+                <a:sym typeface="Wingdings" panose="05000000000000000000" pitchFamily="2" charset="2"/>
+              </a:rPr>
+              <a:t> marché haussier</a:t>
+            </a:r>
+            <a:endParaRPr lang="fr-FR" dirty="0"/>
+          </a:p>
+          <a:p>
+            <a:pPr lvl="1"/>
+            <a:r>
+              <a:rPr lang="fr-FR" dirty="0"/>
+              <a:t>Long </a:t>
+            </a:r>
+            <a:r>
+              <a:rPr lang="fr-FR" dirty="0">
+                <a:sym typeface="Wingdings" panose="05000000000000000000" pitchFamily="2" charset="2"/>
+              </a:rPr>
+              <a:t> Avoir des positions acheteuses, pari à la hausse</a:t>
+            </a:r>
+            <a:endParaRPr lang="fr-FR" dirty="0"/>
+          </a:p>
+          <a:p>
+            <a:pPr lvl="1"/>
+            <a:r>
+              <a:rPr lang="fr-FR" dirty="0"/>
+              <a:t>Call </a:t>
+            </a:r>
+            <a:r>
+              <a:rPr lang="fr-FR" dirty="0">
+                <a:sym typeface="Wingdings" panose="05000000000000000000" pitchFamily="2" charset="2"/>
+              </a:rPr>
+              <a:t> Instrument pour parier à la hausse</a:t>
+            </a:r>
+          </a:p>
+          <a:p>
+            <a:pPr lvl="1"/>
+            <a:endParaRPr lang="fr-FR" dirty="0">
+              <a:sym typeface="Wingdings" panose="05000000000000000000" pitchFamily="2" charset="2"/>
+            </a:endParaRPr>
+          </a:p>
+          <a:p>
+            <a:r>
+              <a:rPr lang="fr-FR" dirty="0"/>
+              <a:t>Baissier</a:t>
+            </a:r>
+          </a:p>
+          <a:p>
+            <a:pPr lvl="1"/>
+            <a:r>
+              <a:rPr lang="fr-FR" dirty="0"/>
+              <a:t>Bear </a:t>
+            </a:r>
+            <a:r>
+              <a:rPr lang="fr-FR" dirty="0">
+                <a:sym typeface="Wingdings" panose="05000000000000000000" pitchFamily="2" charset="2"/>
+              </a:rPr>
+              <a:t> Bear </a:t>
+            </a:r>
+            <a:r>
+              <a:rPr lang="fr-FR" dirty="0" err="1">
+                <a:sym typeface="Wingdings" panose="05000000000000000000" pitchFamily="2" charset="2"/>
+              </a:rPr>
+              <a:t>Market</a:t>
+            </a:r>
+            <a:r>
+              <a:rPr lang="fr-FR" dirty="0">
+                <a:sym typeface="Wingdings" panose="05000000000000000000" pitchFamily="2" charset="2"/>
+              </a:rPr>
+              <a:t> marché baissier</a:t>
+            </a:r>
+            <a:endParaRPr lang="fr-FR" dirty="0"/>
+          </a:p>
+          <a:p>
+            <a:pPr lvl="1"/>
+            <a:r>
+              <a:rPr lang="fr-FR" dirty="0"/>
+              <a:t>Short </a:t>
+            </a:r>
+            <a:r>
+              <a:rPr lang="fr-FR" dirty="0">
+                <a:sym typeface="Wingdings" panose="05000000000000000000" pitchFamily="2" charset="2"/>
+              </a:rPr>
+              <a:t> Avoir des positions vendeuses, pari à la baisse</a:t>
+            </a:r>
+            <a:endParaRPr lang="fr-FR" dirty="0"/>
+          </a:p>
+          <a:p>
+            <a:pPr lvl="1"/>
+            <a:r>
+              <a:rPr lang="fr-FR" dirty="0"/>
+              <a:t>Put </a:t>
+            </a:r>
+            <a:r>
+              <a:rPr lang="fr-FR" dirty="0">
+                <a:sym typeface="Wingdings" panose="05000000000000000000" pitchFamily="2" charset="2"/>
+              </a:rPr>
+              <a:t> Instrument pour parier à la baisse</a:t>
+            </a:r>
+            <a:endParaRPr lang="en-US" dirty="0"/>
+          </a:p>
+          <a:p>
+            <a:pPr lvl="1"/>
+            <a:endParaRPr lang="en-US" dirty="0"/>
+          </a:p>
+        </p:txBody>
+      </p:sp>
+      <p:pic>
+        <p:nvPicPr>
+          <p:cNvPr id="1026" name="Picture 2" descr="BBC Learning English - The English We Speak / Bull and bear market">
+            <a:extLst>
+              <a:ext uri="{FF2B5EF4-FFF2-40B4-BE49-F238E27FC236}">
+                <a16:creationId xmlns:a16="http://schemas.microsoft.com/office/drawing/2014/main" id="{D236CE63-B5C2-425F-8D59-229CC4A6DDBA}"/>
+              </a:ext>
+            </a:extLst>
+          </p:cNvPr>
+          <p:cNvPicPr>
+            <a:picLocks noChangeAspect="1" noChangeArrowheads="1"/>
+          </p:cNvPicPr>
+          <p:nvPr/>
         </p:nvPicPr>
         <p:blipFill>
-          <a:blip r:embed="rId2"/>
+          <a:blip r:embed="rId2">
+            <a:extLst>
+              <a:ext uri="{28A0092B-C50C-407E-A947-70E740481C1C}">
+                <a14:useLocalDpi xmlns:a14="http://schemas.microsoft.com/office/drawing/2010/main" val="0"/>
+              </a:ext>
+            </a:extLst>
+          </a:blip>
+          <a:srcRect/>
           <a:stretch>
             <a:fillRect/>
           </a:stretch>
         </p:blipFill>
-        <p:spPr>
+        <p:spPr bwMode="auto">
           <a:xfrm>
-            <a:off x="1886643" y="1825621"/>
-            <a:ext cx="9601200" cy="4962525"/>
+            <a:off x="7238082" y="365124"/>
+            <a:ext cx="4685243" cy="2623735"/>
           </a:xfrm>
           <a:prstGeom prst="rect">
             <a:avLst/>
           </a:prstGeom>
+          <a:noFill/>
+          <a:extLst>
+            <a:ext uri="{909E8E84-426E-40DD-AFC4-6F175D3DCCD1}">
+              <a14:hiddenFill xmlns:a14="http://schemas.microsoft.com/office/drawing/2010/main">
+                <a:solidFill>
+                  <a:srgbClr val="FFFFFF"/>
+                </a:solidFill>
+              </a14:hiddenFill>
+            </a:ext>
+          </a:extLst>
         </p:spPr>
       </p:pic>
     </p:spTree>
     <p:extLst>
       <p:ext uri="{BB962C8B-B14F-4D97-AF65-F5344CB8AC3E}">
-        <p14:creationId xmlns:p14="http://schemas.microsoft.com/office/powerpoint/2010/main" val="2932741455"/>
+        <p14:creationId xmlns:p14="http://schemas.microsoft.com/office/powerpoint/2010/main" val="430455329"/>
       </p:ext>
     </p:extLst>
   </p:cSld>
@@ -4418,7 +10235,7 @@
           <p:cNvPr id="2" name="Title 1">
             <a:extLst>
               <a:ext uri="{FF2B5EF4-FFF2-40B4-BE49-F238E27FC236}">
-                <a16:creationId xmlns:a16="http://schemas.microsoft.com/office/drawing/2014/main" id="{0174C7E8-0AD8-46BF-AE72-3EC502D53944}"/>
+                <a16:creationId xmlns:a16="http://schemas.microsoft.com/office/drawing/2014/main" id="{95CE8B56-0435-468D-930C-1FC0A11A36C9}"/>
               </a:ext>
             </a:extLst>
           </p:cNvPr>
@@ -4436,41 +10253,60 @@
           <a:p>
             <a:r>
               <a:rPr lang="fr-FR" dirty="0" err="1"/>
-              <a:t>Decision</a:t>
+              <a:t>Oil</a:t>
+            </a:r>
+            <a:r>
+              <a:rPr lang="fr-FR" dirty="0"/>
+              <a:t> </a:t>
+            </a:r>
+            <a:r>
+              <a:rPr lang="fr-FR" dirty="0" err="1"/>
+              <a:t>Status</a:t>
+            </a:r>
+            <a:r>
+              <a:rPr lang="fr-FR" dirty="0"/>
+              <a:t> 20/04/2020 – Roll over</a:t>
             </a:r>
             <a:endParaRPr lang="en-US" dirty="0"/>
           </a:p>
         </p:txBody>
       </p:sp>
-      <p:sp>
-        <p:nvSpPr>
-          <p:cNvPr id="4" name="Text Placeholder 3">
-            <a:extLst>
-              <a:ext uri="{FF2B5EF4-FFF2-40B4-BE49-F238E27FC236}">
-                <a16:creationId xmlns:a16="http://schemas.microsoft.com/office/drawing/2014/main" id="{08AADF6F-A497-4FF7-B627-216B7F641585}"/>
-              </a:ext>
-            </a:extLst>
-          </p:cNvPr>
-          <p:cNvSpPr>
-            <a:spLocks noGrp="1"/>
-          </p:cNvSpPr>
+      <p:pic>
+        <p:nvPicPr>
+          <p:cNvPr id="4" name="Content Placeholder 3">
+            <a:extLst>
+              <a:ext uri="{FF2B5EF4-FFF2-40B4-BE49-F238E27FC236}">
+                <a16:creationId xmlns:a16="http://schemas.microsoft.com/office/drawing/2014/main" id="{80B42E31-F4C5-42A8-BD31-CDBDF5AD32D0}"/>
+              </a:ext>
+            </a:extLst>
+          </p:cNvPr>
+          <p:cNvPicPr>
+            <a:picLocks noGrp="1" noChangeAspect="1"/>
+          </p:cNvPicPr>
           <p:nvPr>
-            <p:ph type="body" idx="1"/>
+            <p:ph idx="1"/>
           </p:nvPr>
-        </p:nvSpPr>
-        <p:spPr/>
-        <p:txBody>
-          <a:bodyPr/>
-          <a:lstStyle/>
-          <a:p>
-            <a:endParaRPr lang="en-US"/>
-          </a:p>
-        </p:txBody>
-      </p:sp>
+        </p:nvPicPr>
+        <p:blipFill>
+          <a:blip r:embed="rId2"/>
+          <a:stretch>
+            <a:fillRect/>
+          </a:stretch>
+        </p:blipFill>
+        <p:spPr>
+          <a:xfrm>
+            <a:off x="1886643" y="1825621"/>
+            <a:ext cx="9601200" cy="4962525"/>
+          </a:xfrm>
+          <a:prstGeom prst="rect">
+            <a:avLst/>
+          </a:prstGeom>
+        </p:spPr>
+      </p:pic>
     </p:spTree>
     <p:extLst>
       <p:ext uri="{BB962C8B-B14F-4D97-AF65-F5344CB8AC3E}">
-        <p14:creationId xmlns:p14="http://schemas.microsoft.com/office/powerpoint/2010/main" val="580380791"/>
+        <p14:creationId xmlns:p14="http://schemas.microsoft.com/office/powerpoint/2010/main" val="2932741455"/>
       </p:ext>
     </p:extLst>
   </p:cSld>
@@ -4499,10 +10335,10 @@
       </p:grpSpPr>
       <p:sp>
         <p:nvSpPr>
-          <p:cNvPr id="2" name="Title 1">
-            <a:extLst>
-              <a:ext uri="{FF2B5EF4-FFF2-40B4-BE49-F238E27FC236}">
-                <a16:creationId xmlns:a16="http://schemas.microsoft.com/office/drawing/2014/main" id="{A5696142-A667-4045-9643-77E913D1303C}"/>
+          <p:cNvPr id="4" name="Title 3">
+            <a:extLst>
+              <a:ext uri="{FF2B5EF4-FFF2-40B4-BE49-F238E27FC236}">
+                <a16:creationId xmlns:a16="http://schemas.microsoft.com/office/drawing/2014/main" id="{E3E07F6F-CAFB-4469-BE34-AE2E0EE11B20}"/>
               </a:ext>
             </a:extLst>
           </p:cNvPr>
@@ -4520,7 +10356,7 @@
           <a:p>
             <a:r>
               <a:rPr lang="fr-FR" dirty="0"/>
-              <a:t>Le graphique de prix</a:t>
+              <a:t>Position au feeling (débutant impulsif)</a:t>
             </a:r>
             <a:endParaRPr lang="en-US" dirty="0"/>
           </a:p>
@@ -4528,10 +10364,10 @@
       </p:sp>
       <p:sp>
         <p:nvSpPr>
-          <p:cNvPr id="3" name="Content Placeholder 2">
-            <a:extLst>
-              <a:ext uri="{FF2B5EF4-FFF2-40B4-BE49-F238E27FC236}">
-                <a16:creationId xmlns:a16="http://schemas.microsoft.com/office/drawing/2014/main" id="{0A512346-E576-4C8F-810B-A629AD743BF3}"/>
+          <p:cNvPr id="5" name="Content Placeholder 4">
+            <a:extLst>
+              <a:ext uri="{FF2B5EF4-FFF2-40B4-BE49-F238E27FC236}">
+                <a16:creationId xmlns:a16="http://schemas.microsoft.com/office/drawing/2014/main" id="{D1F6805F-3C45-4C8D-A916-4D782819AFD7}"/>
               </a:ext>
             </a:extLst>
           </p:cNvPr>
@@ -4542,19 +10378,14 @@
             <p:ph sz="half" idx="1"/>
           </p:nvPr>
         </p:nvSpPr>
-        <p:spPr>
-          <a:xfrm>
-            <a:off x="838200" y="2598233"/>
-            <a:ext cx="5181600" cy="2747963"/>
-          </a:xfrm>
-        </p:spPr>
+        <p:spPr/>
         <p:txBody>
           <a:bodyPr/>
           <a:lstStyle/>
           <a:p>
             <a:r>
               <a:rPr lang="fr-FR" dirty="0"/>
-              <a:t>Barres  </a:t>
+              <a:t>Position gagnante par chance</a:t>
             </a:r>
             <a:endParaRPr lang="en-US" dirty="0"/>
           </a:p>
@@ -4562,10 +10393,10 @@
       </p:sp>
       <p:sp>
         <p:nvSpPr>
-          <p:cNvPr id="5" name="Content Placeholder 4">
-            <a:extLst>
-              <a:ext uri="{FF2B5EF4-FFF2-40B4-BE49-F238E27FC236}">
-                <a16:creationId xmlns:a16="http://schemas.microsoft.com/office/drawing/2014/main" id="{F4EC5147-3E45-4B27-BF2F-801501201F0C}"/>
+          <p:cNvPr id="6" name="Content Placeholder 5">
+            <a:extLst>
+              <a:ext uri="{FF2B5EF4-FFF2-40B4-BE49-F238E27FC236}">
+                <a16:creationId xmlns:a16="http://schemas.microsoft.com/office/drawing/2014/main" id="{A611F740-F6B5-4872-8D26-21CA3225CCA6}"/>
               </a:ext>
             </a:extLst>
           </p:cNvPr>
@@ -4576,129 +10407,263 @@
             <p:ph sz="half" idx="2"/>
           </p:nvPr>
         </p:nvSpPr>
+        <p:spPr/>
+        <p:txBody>
+          <a:bodyPr/>
+          <a:lstStyle/>
+          <a:p>
+            <a:r>
+              <a:rPr lang="fr-FR" dirty="0"/>
+              <a:t>Position perdante non gérée</a:t>
+            </a:r>
+            <a:endParaRPr lang="en-US" dirty="0"/>
+          </a:p>
+        </p:txBody>
+      </p:sp>
+      <p:sp>
+        <p:nvSpPr>
+          <p:cNvPr id="8" name="Freeform: Shape 7">
+            <a:extLst>
+              <a:ext uri="{FF2B5EF4-FFF2-40B4-BE49-F238E27FC236}">
+                <a16:creationId xmlns:a16="http://schemas.microsoft.com/office/drawing/2014/main" id="{D5B50C54-176C-45F0-B9C0-E51B01DF4BD0}"/>
+              </a:ext>
+            </a:extLst>
+          </p:cNvPr>
+          <p:cNvSpPr/>
+          <p:nvPr/>
+        </p:nvSpPr>
         <p:spPr>
           <a:xfrm>
-            <a:off x="6328317" y="2598233"/>
-            <a:ext cx="5181600" cy="3578729"/>
-          </a:xfrm>
-        </p:spPr>
-        <p:txBody>
-          <a:bodyPr/>
-          <a:lstStyle/>
-          <a:p>
-            <a:r>
-              <a:rPr lang="fr-FR" dirty="0"/>
-              <a:t>Les chandeliers japonais</a:t>
-            </a:r>
-          </a:p>
-          <a:p>
-            <a:pPr marL="0" indent="0">
-              <a:buNone/>
-            </a:pPr>
-            <a:endParaRPr lang="en-US" dirty="0"/>
-          </a:p>
-        </p:txBody>
-      </p:sp>
-      <p:pic>
-        <p:nvPicPr>
-          <p:cNvPr id="1026" name="Picture 2" descr="Candlestick chart - Wikiwand">
-            <a:extLst>
-              <a:ext uri="{FF2B5EF4-FFF2-40B4-BE49-F238E27FC236}">
-                <a16:creationId xmlns:a16="http://schemas.microsoft.com/office/drawing/2014/main" id="{4C93B5AF-7740-4477-955C-FCCD7B091D67}"/>
-              </a:ext>
-            </a:extLst>
-          </p:cNvPr>
-          <p:cNvPicPr>
-            <a:picLocks noChangeAspect="1" noChangeArrowheads="1"/>
-          </p:cNvPicPr>
+            <a:off x="6578221" y="2628467"/>
+            <a:ext cx="2867553" cy="3144537"/>
+          </a:xfrm>
+          <a:custGeom>
+            <a:avLst/>
+            <a:gdLst>
+              <a:gd name="connsiteX0" fmla="*/ 0 w 2867553"/>
+              <a:gd name="connsiteY0" fmla="*/ 606053 h 3144537"/>
+              <a:gd name="connsiteX1" fmla="*/ 518615 w 2867553"/>
+              <a:gd name="connsiteY1" fmla="*/ 5552 h 3144537"/>
+              <a:gd name="connsiteX2" fmla="*/ 914400 w 2867553"/>
+              <a:gd name="connsiteY2" fmla="*/ 919952 h 3144537"/>
+              <a:gd name="connsiteX3" fmla="*/ 1228298 w 2867553"/>
+              <a:gd name="connsiteY3" fmla="*/ 387689 h 3144537"/>
+              <a:gd name="connsiteX4" fmla="*/ 1815152 w 2867553"/>
+              <a:gd name="connsiteY4" fmla="*/ 2489444 h 3144537"/>
+              <a:gd name="connsiteX5" fmla="*/ 2169994 w 2867553"/>
+              <a:gd name="connsiteY5" fmla="*/ 1697874 h 3144537"/>
+              <a:gd name="connsiteX6" fmla="*/ 2606722 w 2867553"/>
+              <a:gd name="connsiteY6" fmla="*/ 3144537 h 3144537"/>
+              <a:gd name="connsiteX7" fmla="*/ 2606722 w 2867553"/>
+              <a:gd name="connsiteY7" fmla="*/ 3144537 h 3144537"/>
+              <a:gd name="connsiteX8" fmla="*/ 2866030 w 2867553"/>
+              <a:gd name="connsiteY8" fmla="*/ 2325671 h 3144537"/>
+            </a:gdLst>
+            <a:ahLst/>
+            <a:cxnLst>
+              <a:cxn ang="0">
+                <a:pos x="connsiteX0" y="connsiteY0"/>
+              </a:cxn>
+              <a:cxn ang="0">
+                <a:pos x="connsiteX1" y="connsiteY1"/>
+              </a:cxn>
+              <a:cxn ang="0">
+                <a:pos x="connsiteX2" y="connsiteY2"/>
+              </a:cxn>
+              <a:cxn ang="0">
+                <a:pos x="connsiteX3" y="connsiteY3"/>
+              </a:cxn>
+              <a:cxn ang="0">
+                <a:pos x="connsiteX4" y="connsiteY4"/>
+              </a:cxn>
+              <a:cxn ang="0">
+                <a:pos x="connsiteX5" y="connsiteY5"/>
+              </a:cxn>
+              <a:cxn ang="0">
+                <a:pos x="connsiteX6" y="connsiteY6"/>
+              </a:cxn>
+              <a:cxn ang="0">
+                <a:pos x="connsiteX7" y="connsiteY7"/>
+              </a:cxn>
+              <a:cxn ang="0">
+                <a:pos x="connsiteX8" y="connsiteY8"/>
+              </a:cxn>
+            </a:cxnLst>
+            <a:rect l="l" t="t" r="r" b="b"/>
+            <a:pathLst>
+              <a:path w="2867553" h="3144537">
+                <a:moveTo>
+                  <a:pt x="0" y="606053"/>
+                </a:moveTo>
+                <a:cubicBezTo>
+                  <a:pt x="183107" y="279644"/>
+                  <a:pt x="366215" y="-46765"/>
+                  <a:pt x="518615" y="5552"/>
+                </a:cubicBezTo>
+                <a:cubicBezTo>
+                  <a:pt x="671015" y="57868"/>
+                  <a:pt x="796120" y="856263"/>
+                  <a:pt x="914400" y="919952"/>
+                </a:cubicBezTo>
+                <a:cubicBezTo>
+                  <a:pt x="1032680" y="983641"/>
+                  <a:pt x="1078173" y="126107"/>
+                  <a:pt x="1228298" y="387689"/>
+                </a:cubicBezTo>
+                <a:cubicBezTo>
+                  <a:pt x="1378423" y="649271"/>
+                  <a:pt x="1658203" y="2271080"/>
+                  <a:pt x="1815152" y="2489444"/>
+                </a:cubicBezTo>
+                <a:cubicBezTo>
+                  <a:pt x="1972101" y="2707808"/>
+                  <a:pt x="2038066" y="1588692"/>
+                  <a:pt x="2169994" y="1697874"/>
+                </a:cubicBezTo>
+                <a:cubicBezTo>
+                  <a:pt x="2301922" y="1807056"/>
+                  <a:pt x="2606722" y="3144537"/>
+                  <a:pt x="2606722" y="3144537"/>
+                </a:cubicBezTo>
+                <a:lnTo>
+                  <a:pt x="2606722" y="3144537"/>
+                </a:lnTo>
+                <a:cubicBezTo>
+                  <a:pt x="2649940" y="3008059"/>
+                  <a:pt x="2888776" y="2509916"/>
+                  <a:pt x="2866030" y="2325671"/>
+                </a:cubicBezTo>
+              </a:path>
+            </a:pathLst>
+          </a:custGeom>
+          <a:noFill/>
+        </p:spPr>
+        <p:style>
+          <a:lnRef idx="2">
+            <a:schemeClr val="accent1">
+              <a:shade val="50000"/>
+            </a:schemeClr>
+          </a:lnRef>
+          <a:fillRef idx="1">
+            <a:schemeClr val="accent1"/>
+          </a:fillRef>
+          <a:effectRef idx="0">
+            <a:schemeClr val="accent1"/>
+          </a:effectRef>
+          <a:fontRef idx="minor">
+            <a:schemeClr val="lt1"/>
+          </a:fontRef>
+        </p:style>
+        <p:txBody>
+          <a:bodyPr rtlCol="0" anchor="ctr"/>
+          <a:lstStyle/>
+          <a:p>
+            <a:pPr algn="ctr"/>
+            <a:endParaRPr lang="en-US"/>
+          </a:p>
+        </p:txBody>
+      </p:sp>
+      <p:sp>
+        <p:nvSpPr>
+          <p:cNvPr id="9" name="Arrow: Down 8">
+            <a:extLst>
+              <a:ext uri="{FF2B5EF4-FFF2-40B4-BE49-F238E27FC236}">
+                <a16:creationId xmlns:a16="http://schemas.microsoft.com/office/drawing/2014/main" id="{C5D6790A-108A-43AD-A16B-441BAE14C505}"/>
+              </a:ext>
+            </a:extLst>
+          </p:cNvPr>
+          <p:cNvSpPr/>
           <p:nvPr/>
-        </p:nvPicPr>
-        <p:blipFill>
-          <a:blip r:embed="rId2">
-            <a:extLst>
-              <a:ext uri="{28A0092B-C50C-407E-A947-70E740481C1C}">
-                <a14:useLocalDpi xmlns:a14="http://schemas.microsoft.com/office/drawing/2010/main" val="0"/>
-              </a:ext>
-            </a:extLst>
-          </a:blip>
-          <a:srcRect/>
-          <a:stretch>
-            <a:fillRect/>
-          </a:stretch>
-        </p:blipFill>
-        <p:spPr bwMode="auto">
-          <a:xfrm>
-            <a:off x="7124251" y="3388895"/>
-            <a:ext cx="3589731" cy="2388270"/>
-          </a:xfrm>
-          <a:prstGeom prst="rect">
+        </p:nvSpPr>
+        <p:spPr>
+          <a:xfrm rot="10800000">
+            <a:off x="7548350" y="3429000"/>
+            <a:ext cx="300250" cy="422223"/>
+          </a:xfrm>
+          <a:prstGeom prst="downArrow">
             <a:avLst/>
           </a:prstGeom>
-          <a:noFill/>
-          <a:extLst>
-            <a:ext uri="{909E8E84-426E-40DD-AFC4-6F175D3DCCD1}">
-              <a14:hiddenFill xmlns:a14="http://schemas.microsoft.com/office/drawing/2010/main">
-                <a:solidFill>
-                  <a:srgbClr val="FFFFFF"/>
-                </a:solidFill>
-              </a14:hiddenFill>
-            </a:ext>
-          </a:extLst>
-        </p:spPr>
-      </p:pic>
-      <p:pic>
-        <p:nvPicPr>
-          <p:cNvPr id="1028" name="Picture 4" descr="Bar Definition">
-            <a:extLst>
-              <a:ext uri="{FF2B5EF4-FFF2-40B4-BE49-F238E27FC236}">
-                <a16:creationId xmlns:a16="http://schemas.microsoft.com/office/drawing/2014/main" id="{FC8E5857-68F5-4BC5-B843-D46F47566CA0}"/>
-              </a:ext>
-            </a:extLst>
-          </p:cNvPr>
-          <p:cNvPicPr>
-            <a:picLocks noChangeAspect="1" noChangeArrowheads="1"/>
-          </p:cNvPicPr>
+        </p:spPr>
+        <p:style>
+          <a:lnRef idx="1">
+            <a:schemeClr val="accent6"/>
+          </a:lnRef>
+          <a:fillRef idx="2">
+            <a:schemeClr val="accent6"/>
+          </a:fillRef>
+          <a:effectRef idx="1">
+            <a:schemeClr val="accent6"/>
+          </a:effectRef>
+          <a:fontRef idx="minor">
+            <a:schemeClr val="dk1"/>
+          </a:fontRef>
+        </p:style>
+        <p:txBody>
+          <a:bodyPr rtlCol="0" anchor="ctr"/>
+          <a:lstStyle/>
+          <a:p>
+            <a:pPr algn="ctr"/>
+            <a:endParaRPr lang="en-US"/>
+          </a:p>
+        </p:txBody>
+      </p:sp>
+      <p:sp>
+        <p:nvSpPr>
+          <p:cNvPr id="10" name="Arrow: Down 9">
+            <a:extLst>
+              <a:ext uri="{FF2B5EF4-FFF2-40B4-BE49-F238E27FC236}">
+                <a16:creationId xmlns:a16="http://schemas.microsoft.com/office/drawing/2014/main" id="{9D90E61D-2C0D-46A9-BAC2-1D1C2F7FF712}"/>
+              </a:ext>
+            </a:extLst>
+          </p:cNvPr>
+          <p:cNvSpPr/>
           <p:nvPr/>
-        </p:nvPicPr>
-        <p:blipFill>
-          <a:blip r:embed="rId3">
-            <a:extLst>
-              <a:ext uri="{28A0092B-C50C-407E-A947-70E740481C1C}">
-                <a14:useLocalDpi xmlns:a14="http://schemas.microsoft.com/office/drawing/2010/main" val="0"/>
-              </a:ext>
-            </a:extLst>
-          </a:blip>
-          <a:srcRect/>
-          <a:stretch>
-            <a:fillRect/>
-          </a:stretch>
-        </p:blipFill>
-        <p:spPr bwMode="auto">
+        </p:nvSpPr>
+        <p:spPr>
           <a:xfrm>
-            <a:off x="1762822" y="3876933"/>
-            <a:ext cx="3332356" cy="1765914"/>
-          </a:xfrm>
-          <a:prstGeom prst="rect">
+            <a:off x="8964011" y="5097257"/>
+            <a:ext cx="300250" cy="369329"/>
+          </a:xfrm>
+          <a:prstGeom prst="downArrow">
             <a:avLst/>
           </a:prstGeom>
-          <a:noFill/>
-          <a:extLst>
-            <a:ext uri="{909E8E84-426E-40DD-AFC4-6F175D3DCCD1}">
-              <a14:hiddenFill xmlns:a14="http://schemas.microsoft.com/office/drawing/2010/main">
-                <a:solidFill>
-                  <a:srgbClr val="FFFFFF"/>
-                </a:solidFill>
-              </a14:hiddenFill>
-            </a:ext>
-          </a:extLst>
-        </p:spPr>
-      </p:pic>
-      <p:sp>
-        <p:nvSpPr>
-          <p:cNvPr id="7" name="Rectangle 6">
-            <a:extLst>
-              <a:ext uri="{FF2B5EF4-FFF2-40B4-BE49-F238E27FC236}">
-                <a16:creationId xmlns:a16="http://schemas.microsoft.com/office/drawing/2014/main" id="{2FFEA829-29CA-48B6-9EC5-F0E346BDF1F2}"/>
+          <a:solidFill>
+            <a:schemeClr val="accent2">
+              <a:lumMod val="75000"/>
+            </a:schemeClr>
+          </a:solidFill>
+        </p:spPr>
+        <p:style>
+          <a:lnRef idx="2">
+            <a:schemeClr val="accent1">
+              <a:shade val="50000"/>
+            </a:schemeClr>
+          </a:lnRef>
+          <a:fillRef idx="1">
+            <a:schemeClr val="accent1"/>
+          </a:fillRef>
+          <a:effectRef idx="0">
+            <a:schemeClr val="accent1"/>
+          </a:effectRef>
+          <a:fontRef idx="minor">
+            <a:schemeClr val="lt1"/>
+          </a:fontRef>
+        </p:style>
+        <p:txBody>
+          <a:bodyPr rtlCol="0" anchor="ctr"/>
+          <a:lstStyle/>
+          <a:p>
+            <a:pPr algn="ctr"/>
+            <a:endParaRPr lang="en-US"/>
+          </a:p>
+        </p:txBody>
+      </p:sp>
+      <p:sp>
+        <p:nvSpPr>
+          <p:cNvPr id="11" name="Arrow: Down 10">
+            <a:extLst>
+              <a:ext uri="{FF2B5EF4-FFF2-40B4-BE49-F238E27FC236}">
+                <a16:creationId xmlns:a16="http://schemas.microsoft.com/office/drawing/2014/main" id="{CC08F94C-7F06-441D-87B7-EE878AC387C1}"/>
               </a:ext>
             </a:extLst>
           </p:cNvPr>
@@ -4707,71 +10672,256 @@
         </p:nvSpPr>
         <p:spPr>
           <a:xfrm>
-            <a:off x="709513" y="1501363"/>
-            <a:ext cx="9956630" cy="800219"/>
-          </a:xfrm>
-          <a:prstGeom prst="rect">
+            <a:off x="3592773" y="4727928"/>
+            <a:ext cx="300250" cy="369329"/>
+          </a:xfrm>
+          <a:prstGeom prst="downArrow">
             <a:avLst/>
           </a:prstGeom>
-        </p:spPr>
-        <p:txBody>
-          <a:bodyPr wrap="square">
-            <a:spAutoFit/>
-          </a:bodyPr>
-          <a:lstStyle/>
-          <a:p>
-            <a:pPr marL="457200" indent="-457200">
-              <a:buFont typeface="Arial" panose="020B0604020202020204" pitchFamily="34" charset="0"/>
-              <a:buChar char="•"/>
-            </a:pPr>
-            <a:r>
-              <a:rPr lang="fr-FR" sz="2800" dirty="0"/>
-              <a:t>Echelle de temps</a:t>
-            </a:r>
-          </a:p>
-          <a:p>
-            <a:pPr lvl="1"/>
-            <a:r>
-              <a:rPr lang="fr-FR" dirty="0"/>
-              <a:t>X Minutes, jour, semaine, mois en fonction du profil</a:t>
-            </a:r>
-          </a:p>
-        </p:txBody>
-      </p:sp>
-      <p:pic>
-        <p:nvPicPr>
-          <p:cNvPr id="9" name="Picture 8">
-            <a:extLst>
-              <a:ext uri="{FF2B5EF4-FFF2-40B4-BE49-F238E27FC236}">
-                <a16:creationId xmlns:a16="http://schemas.microsoft.com/office/drawing/2014/main" id="{C9F3E477-F153-4C2F-B0CB-7F0913BC746D}"/>
-              </a:ext>
-            </a:extLst>
-          </p:cNvPr>
-          <p:cNvPicPr>
-            <a:picLocks noChangeAspect="1"/>
-          </p:cNvPicPr>
+          <a:solidFill>
+            <a:schemeClr val="accent2">
+              <a:lumMod val="75000"/>
+            </a:schemeClr>
+          </a:solidFill>
+        </p:spPr>
+        <p:style>
+          <a:lnRef idx="2">
+            <a:schemeClr val="accent1">
+              <a:shade val="50000"/>
+            </a:schemeClr>
+          </a:lnRef>
+          <a:fillRef idx="1">
+            <a:schemeClr val="accent1"/>
+          </a:fillRef>
+          <a:effectRef idx="0">
+            <a:schemeClr val="accent1"/>
+          </a:effectRef>
+          <a:fontRef idx="minor">
+            <a:schemeClr val="lt1"/>
+          </a:fontRef>
+        </p:style>
+        <p:txBody>
+          <a:bodyPr rtlCol="0" anchor="ctr"/>
+          <a:lstStyle/>
+          <a:p>
+            <a:pPr algn="ctr"/>
+            <a:endParaRPr lang="en-US"/>
+          </a:p>
+        </p:txBody>
+      </p:sp>
+      <p:sp>
+        <p:nvSpPr>
+          <p:cNvPr id="13" name="Arrow: Down 12">
+            <a:extLst>
+              <a:ext uri="{FF2B5EF4-FFF2-40B4-BE49-F238E27FC236}">
+                <a16:creationId xmlns:a16="http://schemas.microsoft.com/office/drawing/2014/main" id="{1C3EF37C-D596-471A-9454-16D6242739B7}"/>
+              </a:ext>
+            </a:extLst>
+          </p:cNvPr>
+          <p:cNvSpPr/>
           <p:nvPr/>
-        </p:nvPicPr>
-        <p:blipFill>
-          <a:blip r:embed="rId4"/>
-          <a:stretch>
-            <a:fillRect/>
-          </a:stretch>
-        </p:blipFill>
-        <p:spPr>
-          <a:xfrm>
-            <a:off x="7327730" y="234657"/>
-            <a:ext cx="4352925" cy="2066925"/>
-          </a:xfrm>
-          <a:prstGeom prst="rect">
+        </p:nvSpPr>
+        <p:spPr>
+          <a:xfrm rot="10800000">
+            <a:off x="1961365" y="5281922"/>
+            <a:ext cx="300250" cy="422223"/>
+          </a:xfrm>
+          <a:prstGeom prst="downArrow">
             <a:avLst/>
           </a:prstGeom>
         </p:spPr>
-      </p:pic>
+        <p:style>
+          <a:lnRef idx="1">
+            <a:schemeClr val="accent6"/>
+          </a:lnRef>
+          <a:fillRef idx="2">
+            <a:schemeClr val="accent6"/>
+          </a:fillRef>
+          <a:effectRef idx="1">
+            <a:schemeClr val="accent6"/>
+          </a:effectRef>
+          <a:fontRef idx="minor">
+            <a:schemeClr val="dk1"/>
+          </a:fontRef>
+        </p:style>
+        <p:txBody>
+          <a:bodyPr rtlCol="0" anchor="ctr"/>
+          <a:lstStyle/>
+          <a:p>
+            <a:pPr algn="ctr"/>
+            <a:endParaRPr lang="en-US"/>
+          </a:p>
+        </p:txBody>
+      </p:sp>
+      <p:sp>
+        <p:nvSpPr>
+          <p:cNvPr id="16" name="Freeform: Shape 15">
+            <a:extLst>
+              <a:ext uri="{FF2B5EF4-FFF2-40B4-BE49-F238E27FC236}">
+                <a16:creationId xmlns:a16="http://schemas.microsoft.com/office/drawing/2014/main" id="{B304B7E7-BEEF-4C9D-B2C1-33EF32AC8DDF}"/>
+              </a:ext>
+            </a:extLst>
+          </p:cNvPr>
+          <p:cNvSpPr/>
+          <p:nvPr/>
+        </p:nvSpPr>
+        <p:spPr>
+          <a:xfrm>
+            <a:off x="504967" y="3057099"/>
+            <a:ext cx="4121624" cy="2795712"/>
+          </a:xfrm>
+          <a:custGeom>
+            <a:avLst/>
+            <a:gdLst>
+              <a:gd name="connsiteX0" fmla="*/ 0 w 4121624"/>
+              <a:gd name="connsiteY0" fmla="*/ 0 h 2795712"/>
+              <a:gd name="connsiteX1" fmla="*/ 191069 w 4121624"/>
+              <a:gd name="connsiteY1" fmla="*/ 750626 h 2795712"/>
+              <a:gd name="connsiteX2" fmla="*/ 627797 w 4121624"/>
+              <a:gd name="connsiteY2" fmla="*/ 368489 h 2795712"/>
+              <a:gd name="connsiteX3" fmla="*/ 1078173 w 4121624"/>
+              <a:gd name="connsiteY3" fmla="*/ 1815152 h 2795712"/>
+              <a:gd name="connsiteX4" fmla="*/ 1501254 w 4121624"/>
+              <a:gd name="connsiteY4" fmla="*/ 1555844 h 2795712"/>
+              <a:gd name="connsiteX5" fmla="*/ 1787857 w 4121624"/>
+              <a:gd name="connsiteY5" fmla="*/ 2770495 h 2795712"/>
+              <a:gd name="connsiteX6" fmla="*/ 2388358 w 4121624"/>
+              <a:gd name="connsiteY6" fmla="*/ 2402005 h 2795712"/>
+              <a:gd name="connsiteX7" fmla="*/ 2784143 w 4121624"/>
+              <a:gd name="connsiteY7" fmla="*/ 2688608 h 2795712"/>
+              <a:gd name="connsiteX8" fmla="*/ 3057099 w 4121624"/>
+              <a:gd name="connsiteY8" fmla="*/ 1869743 h 2795712"/>
+              <a:gd name="connsiteX9" fmla="*/ 3507475 w 4121624"/>
+              <a:gd name="connsiteY9" fmla="*/ 2251880 h 2795712"/>
+              <a:gd name="connsiteX10" fmla="*/ 4121624 w 4121624"/>
+              <a:gd name="connsiteY10" fmla="*/ 354841 h 2795712"/>
+            </a:gdLst>
+            <a:ahLst/>
+            <a:cxnLst>
+              <a:cxn ang="0">
+                <a:pos x="connsiteX0" y="connsiteY0"/>
+              </a:cxn>
+              <a:cxn ang="0">
+                <a:pos x="connsiteX1" y="connsiteY1"/>
+              </a:cxn>
+              <a:cxn ang="0">
+                <a:pos x="connsiteX2" y="connsiteY2"/>
+              </a:cxn>
+              <a:cxn ang="0">
+                <a:pos x="connsiteX3" y="connsiteY3"/>
+              </a:cxn>
+              <a:cxn ang="0">
+                <a:pos x="connsiteX4" y="connsiteY4"/>
+              </a:cxn>
+              <a:cxn ang="0">
+                <a:pos x="connsiteX5" y="connsiteY5"/>
+              </a:cxn>
+              <a:cxn ang="0">
+                <a:pos x="connsiteX6" y="connsiteY6"/>
+              </a:cxn>
+              <a:cxn ang="0">
+                <a:pos x="connsiteX7" y="connsiteY7"/>
+              </a:cxn>
+              <a:cxn ang="0">
+                <a:pos x="connsiteX8" y="connsiteY8"/>
+              </a:cxn>
+              <a:cxn ang="0">
+                <a:pos x="connsiteX9" y="connsiteY9"/>
+              </a:cxn>
+              <a:cxn ang="0">
+                <a:pos x="connsiteX10" y="connsiteY10"/>
+              </a:cxn>
+            </a:cxnLst>
+            <a:rect l="l" t="t" r="r" b="b"/>
+            <a:pathLst>
+              <a:path w="4121624" h="2795712">
+                <a:moveTo>
+                  <a:pt x="0" y="0"/>
+                </a:moveTo>
+                <a:cubicBezTo>
+                  <a:pt x="43218" y="344605"/>
+                  <a:pt x="86436" y="689211"/>
+                  <a:pt x="191069" y="750626"/>
+                </a:cubicBezTo>
+                <a:cubicBezTo>
+                  <a:pt x="295702" y="812041"/>
+                  <a:pt x="479946" y="191068"/>
+                  <a:pt x="627797" y="368489"/>
+                </a:cubicBezTo>
+                <a:cubicBezTo>
+                  <a:pt x="775648" y="545910"/>
+                  <a:pt x="932597" y="1617260"/>
+                  <a:pt x="1078173" y="1815152"/>
+                </a:cubicBezTo>
+                <a:cubicBezTo>
+                  <a:pt x="1223749" y="2013044"/>
+                  <a:pt x="1382973" y="1396620"/>
+                  <a:pt x="1501254" y="1555844"/>
+                </a:cubicBezTo>
+                <a:cubicBezTo>
+                  <a:pt x="1619535" y="1715068"/>
+                  <a:pt x="1640006" y="2629468"/>
+                  <a:pt x="1787857" y="2770495"/>
+                </a:cubicBezTo>
+                <a:cubicBezTo>
+                  <a:pt x="1935708" y="2911522"/>
+                  <a:pt x="2222310" y="2415653"/>
+                  <a:pt x="2388358" y="2402005"/>
+                </a:cubicBezTo>
+                <a:cubicBezTo>
+                  <a:pt x="2554406" y="2388357"/>
+                  <a:pt x="2672686" y="2777318"/>
+                  <a:pt x="2784143" y="2688608"/>
+                </a:cubicBezTo>
+                <a:cubicBezTo>
+                  <a:pt x="2895600" y="2599898"/>
+                  <a:pt x="2936544" y="1942531"/>
+                  <a:pt x="3057099" y="1869743"/>
+                </a:cubicBezTo>
+                <a:cubicBezTo>
+                  <a:pt x="3177654" y="1796955"/>
+                  <a:pt x="3330054" y="2504364"/>
+                  <a:pt x="3507475" y="2251880"/>
+                </a:cubicBezTo>
+                <a:cubicBezTo>
+                  <a:pt x="3684896" y="1999396"/>
+                  <a:pt x="4001069" y="723331"/>
+                  <a:pt x="4121624" y="354841"/>
+                </a:cubicBezTo>
+              </a:path>
+            </a:pathLst>
+          </a:custGeom>
+          <a:noFill/>
+        </p:spPr>
+        <p:style>
+          <a:lnRef idx="2">
+            <a:schemeClr val="accent1">
+              <a:shade val="50000"/>
+            </a:schemeClr>
+          </a:lnRef>
+          <a:fillRef idx="1">
+            <a:schemeClr val="accent1"/>
+          </a:fillRef>
+          <a:effectRef idx="0">
+            <a:schemeClr val="accent1"/>
+          </a:effectRef>
+          <a:fontRef idx="minor">
+            <a:schemeClr val="lt1"/>
+          </a:fontRef>
+        </p:style>
+        <p:txBody>
+          <a:bodyPr rtlCol="0" anchor="ctr"/>
+          <a:lstStyle/>
+          <a:p>
+            <a:pPr algn="ctr"/>
+            <a:endParaRPr lang="en-US"/>
+          </a:p>
+        </p:txBody>
+      </p:sp>
     </p:spTree>
     <p:extLst>
       <p:ext uri="{BB962C8B-B14F-4D97-AF65-F5344CB8AC3E}">
-        <p14:creationId xmlns:p14="http://schemas.microsoft.com/office/powerpoint/2010/main" val="3647544170"/>
+        <p14:creationId xmlns:p14="http://schemas.microsoft.com/office/powerpoint/2010/main" val="1128980717"/>
       </p:ext>
     </p:extLst>
   </p:cSld>
@@ -4803,7 +10953,7 @@
           <p:cNvPr id="2" name="Title 1">
             <a:extLst>
               <a:ext uri="{FF2B5EF4-FFF2-40B4-BE49-F238E27FC236}">
-                <a16:creationId xmlns:a16="http://schemas.microsoft.com/office/drawing/2014/main" id="{BCD27A8D-74E0-4E88-81BD-2722472DC484}"/>
+                <a16:creationId xmlns:a16="http://schemas.microsoft.com/office/drawing/2014/main" id="{A8D570DD-3F42-4386-A8D0-8EA4C62E44E9}"/>
               </a:ext>
             </a:extLst>
           </p:cNvPr>
@@ -4821,7 +10971,7 @@
           <a:p>
             <a:r>
               <a:rPr lang="fr-FR" dirty="0"/>
-              <a:t>Les indicateurs</a:t>
+              <a:t>Position avec risque maîtrisé</a:t>
             </a:r>
             <a:endParaRPr lang="en-US" dirty="0"/>
           </a:p>
@@ -4832,7 +10982,7 @@
           <p:cNvPr id="3" name="Content Placeholder 2">
             <a:extLst>
               <a:ext uri="{FF2B5EF4-FFF2-40B4-BE49-F238E27FC236}">
-                <a16:creationId xmlns:a16="http://schemas.microsoft.com/office/drawing/2014/main" id="{F0CAEC1F-53B1-40A6-9E30-E257D4AA4881}"/>
+                <a16:creationId xmlns:a16="http://schemas.microsoft.com/office/drawing/2014/main" id="{7BB969CF-7B03-49A5-B40C-C726F1A8B9E3}"/>
               </a:ext>
             </a:extLst>
           </p:cNvPr>
@@ -4840,7 +10990,7 @@
             <a:spLocks noGrp="1"/>
           </p:cNvSpPr>
           <p:nvPr>
-            <p:ph idx="1"/>
+            <p:ph sz="half" idx="1"/>
           </p:nvPr>
         </p:nvSpPr>
         <p:spPr/>
@@ -4850,82 +11000,827 @@
           <a:p>
             <a:r>
               <a:rPr lang="fr-FR" dirty="0"/>
-              <a:t>Moyennes Mobiles</a:t>
-            </a:r>
-          </a:p>
+              <a:t>Position gagnante</a:t>
+            </a:r>
+            <a:endParaRPr lang="en-US" dirty="0"/>
+          </a:p>
+        </p:txBody>
+      </p:sp>
+      <p:sp>
+        <p:nvSpPr>
+          <p:cNvPr id="4" name="Content Placeholder 3">
+            <a:extLst>
+              <a:ext uri="{FF2B5EF4-FFF2-40B4-BE49-F238E27FC236}">
+                <a16:creationId xmlns:a16="http://schemas.microsoft.com/office/drawing/2014/main" id="{105C5B75-E7A7-4344-A155-708EBEF51DF0}"/>
+              </a:ext>
+            </a:extLst>
+          </p:cNvPr>
+          <p:cNvSpPr>
+            <a:spLocks noGrp="1"/>
+          </p:cNvSpPr>
+          <p:nvPr>
+            <p:ph sz="half" idx="2"/>
+          </p:nvPr>
+        </p:nvSpPr>
+        <p:spPr/>
+        <p:txBody>
+          <a:bodyPr/>
+          <a:lstStyle/>
           <a:p>
             <a:r>
               <a:rPr lang="fr-FR" dirty="0"/>
-              <a:t>Oscillateurs</a:t>
-            </a:r>
-          </a:p>
-          <a:p>
-            <a:r>
-              <a:rPr lang="fr-FR" dirty="0"/>
-              <a:t>Indicateurs de volatilité</a:t>
-            </a:r>
-          </a:p>
-          <a:p>
-            <a:r>
-              <a:rPr lang="fr-FR" dirty="0"/>
-              <a:t>Volumes</a:t>
-            </a:r>
-          </a:p>
-          <a:p>
-            <a:r>
-              <a:rPr lang="fr-FR" dirty="0"/>
-              <a:t>Analyse technique</a:t>
-            </a:r>
-          </a:p>
-          <a:p>
-            <a:r>
-              <a:rPr lang="fr-FR" dirty="0"/>
-              <a:t>Cycles et tendances</a:t>
-            </a:r>
-          </a:p>
-          <a:p>
-            <a:endParaRPr lang="fr-FR" dirty="0"/>
-          </a:p>
-          <a:p>
-            <a:pPr lvl="1"/>
+              <a:t>Position perdante</a:t>
+            </a:r>
             <a:endParaRPr lang="en-US" dirty="0"/>
           </a:p>
         </p:txBody>
       </p:sp>
-      <p:pic>
-        <p:nvPicPr>
-          <p:cNvPr id="5" name="Picture 4">
-            <a:extLst>
-              <a:ext uri="{FF2B5EF4-FFF2-40B4-BE49-F238E27FC236}">
-                <a16:creationId xmlns:a16="http://schemas.microsoft.com/office/drawing/2014/main" id="{53E968B8-6DA1-4446-9680-C1E608EB374C}"/>
-              </a:ext>
-            </a:extLst>
-          </p:cNvPr>
-          <p:cNvPicPr>
-            <a:picLocks noChangeAspect="1"/>
-          </p:cNvPicPr>
+      <p:sp>
+        <p:nvSpPr>
+          <p:cNvPr id="5" name="Freeform: Shape 4">
+            <a:extLst>
+              <a:ext uri="{FF2B5EF4-FFF2-40B4-BE49-F238E27FC236}">
+                <a16:creationId xmlns:a16="http://schemas.microsoft.com/office/drawing/2014/main" id="{10F77577-E9D7-4FA6-80EE-BC6617188607}"/>
+              </a:ext>
+            </a:extLst>
+          </p:cNvPr>
+          <p:cNvSpPr/>
           <p:nvPr/>
-        </p:nvPicPr>
-        <p:blipFill>
-          <a:blip r:embed="rId2"/>
-          <a:stretch>
-            <a:fillRect/>
-          </a:stretch>
-        </p:blipFill>
+        </p:nvSpPr>
         <p:spPr>
           <a:xfrm>
-            <a:off x="4986221" y="2341601"/>
-            <a:ext cx="6724650" cy="3524250"/>
+            <a:off x="504967" y="2483893"/>
+            <a:ext cx="5008729" cy="3304378"/>
+          </a:xfrm>
+          <a:custGeom>
+            <a:avLst/>
+            <a:gdLst>
+              <a:gd name="connsiteX0" fmla="*/ 0 w 5008729"/>
+              <a:gd name="connsiteY0" fmla="*/ 163773 h 3304378"/>
+              <a:gd name="connsiteX1" fmla="*/ 559558 w 5008729"/>
+              <a:gd name="connsiteY1" fmla="*/ 2647665 h 3304378"/>
+              <a:gd name="connsiteX2" fmla="*/ 982639 w 5008729"/>
+              <a:gd name="connsiteY2" fmla="*/ 2402006 h 3304378"/>
+              <a:gd name="connsiteX3" fmla="*/ 1433015 w 5008729"/>
+              <a:gd name="connsiteY3" fmla="*/ 3302758 h 3304378"/>
+              <a:gd name="connsiteX4" fmla="*/ 1760561 w 5008729"/>
+              <a:gd name="connsiteY4" fmla="*/ 2142698 h 3304378"/>
+              <a:gd name="connsiteX5" fmla="*/ 2006221 w 5008729"/>
+              <a:gd name="connsiteY5" fmla="*/ 2906973 h 3304378"/>
+              <a:gd name="connsiteX6" fmla="*/ 2715905 w 5008729"/>
+              <a:gd name="connsiteY6" fmla="*/ 1446662 h 3304378"/>
+              <a:gd name="connsiteX7" fmla="*/ 3275463 w 5008729"/>
+              <a:gd name="connsiteY7" fmla="*/ 2238232 h 3304378"/>
+              <a:gd name="connsiteX8" fmla="*/ 3957851 w 5008729"/>
+              <a:gd name="connsiteY8" fmla="*/ 450376 h 3304378"/>
+              <a:gd name="connsiteX9" fmla="*/ 4421875 w 5008729"/>
+              <a:gd name="connsiteY9" fmla="*/ 1214650 h 3304378"/>
+              <a:gd name="connsiteX10" fmla="*/ 5008729 w 5008729"/>
+              <a:gd name="connsiteY10" fmla="*/ 0 h 3304378"/>
+            </a:gdLst>
+            <a:ahLst/>
+            <a:cxnLst>
+              <a:cxn ang="0">
+                <a:pos x="connsiteX0" y="connsiteY0"/>
+              </a:cxn>
+              <a:cxn ang="0">
+                <a:pos x="connsiteX1" y="connsiteY1"/>
+              </a:cxn>
+              <a:cxn ang="0">
+                <a:pos x="connsiteX2" y="connsiteY2"/>
+              </a:cxn>
+              <a:cxn ang="0">
+                <a:pos x="connsiteX3" y="connsiteY3"/>
+              </a:cxn>
+              <a:cxn ang="0">
+                <a:pos x="connsiteX4" y="connsiteY4"/>
+              </a:cxn>
+              <a:cxn ang="0">
+                <a:pos x="connsiteX5" y="connsiteY5"/>
+              </a:cxn>
+              <a:cxn ang="0">
+                <a:pos x="connsiteX6" y="connsiteY6"/>
+              </a:cxn>
+              <a:cxn ang="0">
+                <a:pos x="connsiteX7" y="connsiteY7"/>
+              </a:cxn>
+              <a:cxn ang="0">
+                <a:pos x="connsiteX8" y="connsiteY8"/>
+              </a:cxn>
+              <a:cxn ang="0">
+                <a:pos x="connsiteX9" y="connsiteY9"/>
+              </a:cxn>
+              <a:cxn ang="0">
+                <a:pos x="connsiteX10" y="connsiteY10"/>
+              </a:cxn>
+            </a:cxnLst>
+            <a:rect l="l" t="t" r="r" b="b"/>
+            <a:pathLst>
+              <a:path w="5008729" h="3304378">
+                <a:moveTo>
+                  <a:pt x="0" y="163773"/>
+                </a:moveTo>
+                <a:cubicBezTo>
+                  <a:pt x="197892" y="1219199"/>
+                  <a:pt x="395785" y="2274626"/>
+                  <a:pt x="559558" y="2647665"/>
+                </a:cubicBezTo>
+                <a:cubicBezTo>
+                  <a:pt x="723331" y="3020704"/>
+                  <a:pt x="837063" y="2292824"/>
+                  <a:pt x="982639" y="2402006"/>
+                </a:cubicBezTo>
+                <a:cubicBezTo>
+                  <a:pt x="1128215" y="2511188"/>
+                  <a:pt x="1303361" y="3345976"/>
+                  <a:pt x="1433015" y="3302758"/>
+                </a:cubicBezTo>
+                <a:cubicBezTo>
+                  <a:pt x="1562669" y="3259540"/>
+                  <a:pt x="1665027" y="2208662"/>
+                  <a:pt x="1760561" y="2142698"/>
+                </a:cubicBezTo>
+                <a:cubicBezTo>
+                  <a:pt x="1856095" y="2076734"/>
+                  <a:pt x="1846997" y="3022979"/>
+                  <a:pt x="2006221" y="2906973"/>
+                </a:cubicBezTo>
+                <a:cubicBezTo>
+                  <a:pt x="2165445" y="2790967"/>
+                  <a:pt x="2504365" y="1558119"/>
+                  <a:pt x="2715905" y="1446662"/>
+                </a:cubicBezTo>
+                <a:cubicBezTo>
+                  <a:pt x="2927445" y="1335205"/>
+                  <a:pt x="3068472" y="2404280"/>
+                  <a:pt x="3275463" y="2238232"/>
+                </a:cubicBezTo>
+                <a:cubicBezTo>
+                  <a:pt x="3482454" y="2072184"/>
+                  <a:pt x="3766782" y="620973"/>
+                  <a:pt x="3957851" y="450376"/>
+                </a:cubicBezTo>
+                <a:cubicBezTo>
+                  <a:pt x="4148920" y="279779"/>
+                  <a:pt x="4246729" y="1289713"/>
+                  <a:pt x="4421875" y="1214650"/>
+                </a:cubicBezTo>
+                <a:cubicBezTo>
+                  <a:pt x="4597021" y="1139587"/>
+                  <a:pt x="4802875" y="569793"/>
+                  <a:pt x="5008729" y="0"/>
+                </a:cubicBezTo>
+              </a:path>
+            </a:pathLst>
+          </a:custGeom>
+          <a:noFill/>
+        </p:spPr>
+        <p:style>
+          <a:lnRef idx="2">
+            <a:schemeClr val="accent1">
+              <a:shade val="50000"/>
+            </a:schemeClr>
+          </a:lnRef>
+          <a:fillRef idx="1">
+            <a:schemeClr val="accent1"/>
+          </a:fillRef>
+          <a:effectRef idx="0">
+            <a:schemeClr val="accent1"/>
+          </a:effectRef>
+          <a:fontRef idx="minor">
+            <a:schemeClr val="lt1"/>
+          </a:fontRef>
+        </p:style>
+        <p:txBody>
+          <a:bodyPr rtlCol="0" anchor="ctr"/>
+          <a:lstStyle/>
+          <a:p>
+            <a:pPr algn="ctr"/>
+            <a:endParaRPr lang="en-US"/>
+          </a:p>
+        </p:txBody>
+      </p:sp>
+      <p:sp>
+        <p:nvSpPr>
+          <p:cNvPr id="6" name="Arrow: Down 5">
+            <a:extLst>
+              <a:ext uri="{FF2B5EF4-FFF2-40B4-BE49-F238E27FC236}">
+                <a16:creationId xmlns:a16="http://schemas.microsoft.com/office/drawing/2014/main" id="{10F9F45C-09AE-45CB-BC81-390EE08B6F46}"/>
+              </a:ext>
+            </a:extLst>
+          </p:cNvPr>
+          <p:cNvSpPr/>
+          <p:nvPr/>
+        </p:nvSpPr>
+        <p:spPr>
+          <a:xfrm>
+            <a:off x="4185315" y="2760805"/>
+            <a:ext cx="300250" cy="369329"/>
+          </a:xfrm>
+          <a:prstGeom prst="downArrow">
+            <a:avLst/>
+          </a:prstGeom>
+          <a:solidFill>
+            <a:schemeClr val="accent2">
+              <a:lumMod val="75000"/>
+            </a:schemeClr>
+          </a:solidFill>
+        </p:spPr>
+        <p:style>
+          <a:lnRef idx="2">
+            <a:schemeClr val="accent1">
+              <a:shade val="50000"/>
+            </a:schemeClr>
+          </a:lnRef>
+          <a:fillRef idx="1">
+            <a:schemeClr val="accent1"/>
+          </a:fillRef>
+          <a:effectRef idx="0">
+            <a:schemeClr val="accent1"/>
+          </a:effectRef>
+          <a:fontRef idx="minor">
+            <a:schemeClr val="lt1"/>
+          </a:fontRef>
+        </p:style>
+        <p:txBody>
+          <a:bodyPr rtlCol="0" anchor="ctr"/>
+          <a:lstStyle/>
+          <a:p>
+            <a:pPr algn="ctr"/>
+            <a:endParaRPr lang="en-US"/>
+          </a:p>
+        </p:txBody>
+      </p:sp>
+      <p:sp>
+        <p:nvSpPr>
+          <p:cNvPr id="7" name="Arrow: Down 6">
+            <a:extLst>
+              <a:ext uri="{FF2B5EF4-FFF2-40B4-BE49-F238E27FC236}">
+                <a16:creationId xmlns:a16="http://schemas.microsoft.com/office/drawing/2014/main" id="{D32E06B8-55FC-464E-BA8F-F53DB011A01D}"/>
+              </a:ext>
+            </a:extLst>
+          </p:cNvPr>
+          <p:cNvSpPr/>
+          <p:nvPr/>
+        </p:nvSpPr>
+        <p:spPr>
+          <a:xfrm rot="10800000">
+            <a:off x="2695431" y="4718799"/>
+            <a:ext cx="300250" cy="369331"/>
+          </a:xfrm>
+          <a:prstGeom prst="downArrow">
+            <a:avLst/>
+          </a:prstGeom>
+        </p:spPr>
+        <p:style>
+          <a:lnRef idx="1">
+            <a:schemeClr val="accent6"/>
+          </a:lnRef>
+          <a:fillRef idx="2">
+            <a:schemeClr val="accent6"/>
+          </a:fillRef>
+          <a:effectRef idx="1">
+            <a:schemeClr val="accent6"/>
+          </a:effectRef>
+          <a:fontRef idx="minor">
+            <a:schemeClr val="dk1"/>
+          </a:fontRef>
+        </p:style>
+        <p:txBody>
+          <a:bodyPr rtlCol="0" anchor="ctr"/>
+          <a:lstStyle/>
+          <a:p>
+            <a:pPr algn="ctr"/>
+            <a:endParaRPr lang="en-US"/>
+          </a:p>
+        </p:txBody>
+      </p:sp>
+      <p:cxnSp>
+        <p:nvCxnSpPr>
+          <p:cNvPr id="9" name="Straight Connector 8">
+            <a:extLst>
+              <a:ext uri="{FF2B5EF4-FFF2-40B4-BE49-F238E27FC236}">
+                <a16:creationId xmlns:a16="http://schemas.microsoft.com/office/drawing/2014/main" id="{76591FDF-028F-4F66-ABDD-4CE8445AA95D}"/>
+              </a:ext>
+            </a:extLst>
+          </p:cNvPr>
+          <p:cNvCxnSpPr/>
+          <p:nvPr/>
+        </p:nvCxnSpPr>
+        <p:spPr>
+          <a:xfrm>
+            <a:off x="1883391" y="5431809"/>
+            <a:ext cx="3166281" cy="0"/>
+          </a:xfrm>
+          <a:prstGeom prst="line">
+            <a:avLst/>
+          </a:prstGeom>
+        </p:spPr>
+        <p:style>
+          <a:lnRef idx="1">
+            <a:schemeClr val="accent1"/>
+          </a:lnRef>
+          <a:fillRef idx="0">
+            <a:schemeClr val="accent1"/>
+          </a:fillRef>
+          <a:effectRef idx="0">
+            <a:schemeClr val="accent1"/>
+          </a:effectRef>
+          <a:fontRef idx="minor">
+            <a:schemeClr val="tx1"/>
+          </a:fontRef>
+        </p:style>
+      </p:cxnSp>
+      <p:sp>
+        <p:nvSpPr>
+          <p:cNvPr id="10" name="TextBox 9">
+            <a:extLst>
+              <a:ext uri="{FF2B5EF4-FFF2-40B4-BE49-F238E27FC236}">
+                <a16:creationId xmlns:a16="http://schemas.microsoft.com/office/drawing/2014/main" id="{D6A60710-12C9-4C39-B20D-B3B35770BBC9}"/>
+              </a:ext>
+            </a:extLst>
+          </p:cNvPr>
+          <p:cNvSpPr txBox="1"/>
+          <p:nvPr/>
+        </p:nvSpPr>
+        <p:spPr>
+          <a:xfrm>
+            <a:off x="9369037" y="4713326"/>
+            <a:ext cx="1165897" cy="646331"/>
           </a:xfrm>
           <a:prstGeom prst="rect">
             <a:avLst/>
           </a:prstGeom>
-        </p:spPr>
-      </p:pic>
+          <a:noFill/>
+        </p:spPr>
+        <p:txBody>
+          <a:bodyPr wrap="none" rtlCol="0">
+            <a:spAutoFit/>
+          </a:bodyPr>
+          <a:lstStyle/>
+          <a:p>
+            <a:r>
+              <a:rPr lang="fr-FR" dirty="0"/>
+              <a:t>Stop de</a:t>
+            </a:r>
+          </a:p>
+          <a:p>
+            <a:r>
+              <a:rPr lang="fr-FR" dirty="0"/>
+              <a:t>protection</a:t>
+            </a:r>
+            <a:endParaRPr lang="en-US" dirty="0"/>
+          </a:p>
+        </p:txBody>
+      </p:sp>
+      <p:sp>
+        <p:nvSpPr>
+          <p:cNvPr id="11" name="Arrow: Down 10">
+            <a:extLst>
+              <a:ext uri="{FF2B5EF4-FFF2-40B4-BE49-F238E27FC236}">
+                <a16:creationId xmlns:a16="http://schemas.microsoft.com/office/drawing/2014/main" id="{B97446C8-3153-4BB4-A0E8-E59FC289858F}"/>
+              </a:ext>
+            </a:extLst>
+          </p:cNvPr>
+          <p:cNvSpPr/>
+          <p:nvPr/>
+        </p:nvSpPr>
+        <p:spPr>
+          <a:xfrm>
+            <a:off x="10234684" y="4355614"/>
+            <a:ext cx="300250" cy="369329"/>
+          </a:xfrm>
+          <a:prstGeom prst="downArrow">
+            <a:avLst/>
+          </a:prstGeom>
+          <a:solidFill>
+            <a:schemeClr val="accent2">
+              <a:lumMod val="75000"/>
+            </a:schemeClr>
+          </a:solidFill>
+        </p:spPr>
+        <p:style>
+          <a:lnRef idx="2">
+            <a:schemeClr val="accent1">
+              <a:shade val="50000"/>
+            </a:schemeClr>
+          </a:lnRef>
+          <a:fillRef idx="1">
+            <a:schemeClr val="accent1"/>
+          </a:fillRef>
+          <a:effectRef idx="0">
+            <a:schemeClr val="accent1"/>
+          </a:effectRef>
+          <a:fontRef idx="minor">
+            <a:schemeClr val="lt1"/>
+          </a:fontRef>
+        </p:style>
+        <p:txBody>
+          <a:bodyPr rtlCol="0" anchor="ctr"/>
+          <a:lstStyle/>
+          <a:p>
+            <a:pPr algn="ctr"/>
+            <a:endParaRPr lang="en-US"/>
+          </a:p>
+        </p:txBody>
+      </p:sp>
+      <p:sp>
+        <p:nvSpPr>
+          <p:cNvPr id="12" name="Arrow: Down 11">
+            <a:extLst>
+              <a:ext uri="{FF2B5EF4-FFF2-40B4-BE49-F238E27FC236}">
+                <a16:creationId xmlns:a16="http://schemas.microsoft.com/office/drawing/2014/main" id="{EE6134FA-F2C3-4EC4-B732-321982D36C67}"/>
+              </a:ext>
+            </a:extLst>
+          </p:cNvPr>
+          <p:cNvSpPr/>
+          <p:nvPr/>
+        </p:nvSpPr>
+        <p:spPr>
+          <a:xfrm rot="10800000">
+            <a:off x="7458500" y="3735996"/>
+            <a:ext cx="300250" cy="369331"/>
+          </a:xfrm>
+          <a:prstGeom prst="downArrow">
+            <a:avLst/>
+          </a:prstGeom>
+        </p:spPr>
+        <p:style>
+          <a:lnRef idx="1">
+            <a:schemeClr val="accent6"/>
+          </a:lnRef>
+          <a:fillRef idx="2">
+            <a:schemeClr val="accent6"/>
+          </a:fillRef>
+          <a:effectRef idx="1">
+            <a:schemeClr val="accent6"/>
+          </a:effectRef>
+          <a:fontRef idx="minor">
+            <a:schemeClr val="dk1"/>
+          </a:fontRef>
+        </p:style>
+        <p:txBody>
+          <a:bodyPr rtlCol="0" anchor="ctr"/>
+          <a:lstStyle/>
+          <a:p>
+            <a:pPr algn="ctr"/>
+            <a:endParaRPr lang="en-US"/>
+          </a:p>
+        </p:txBody>
+      </p:sp>
+      <p:sp>
+        <p:nvSpPr>
+          <p:cNvPr id="16" name="Freeform: Shape 15">
+            <a:extLst>
+              <a:ext uri="{FF2B5EF4-FFF2-40B4-BE49-F238E27FC236}">
+                <a16:creationId xmlns:a16="http://schemas.microsoft.com/office/drawing/2014/main" id="{FD90D593-98AF-489F-A81F-8BEB41D63DEF}"/>
+              </a:ext>
+            </a:extLst>
+          </p:cNvPr>
+          <p:cNvSpPr/>
+          <p:nvPr/>
+        </p:nvSpPr>
+        <p:spPr>
+          <a:xfrm>
+            <a:off x="6332561" y="2760805"/>
+            <a:ext cx="4626591" cy="3189619"/>
+          </a:xfrm>
+          <a:custGeom>
+            <a:avLst/>
+            <a:gdLst>
+              <a:gd name="connsiteX0" fmla="*/ 0 w 4626591"/>
+              <a:gd name="connsiteY0" fmla="*/ 1940688 h 2391064"/>
+              <a:gd name="connsiteX1" fmla="*/ 423081 w 4626591"/>
+              <a:gd name="connsiteY1" fmla="*/ 698741 h 2391064"/>
+              <a:gd name="connsiteX2" fmla="*/ 955343 w 4626591"/>
+              <a:gd name="connsiteY2" fmla="*/ 1435721 h 2391064"/>
+              <a:gd name="connsiteX3" fmla="*/ 1624084 w 4626591"/>
+              <a:gd name="connsiteY3" fmla="*/ 2706 h 2391064"/>
+              <a:gd name="connsiteX4" fmla="*/ 2497540 w 4626591"/>
+              <a:gd name="connsiteY4" fmla="*/ 1067231 h 2391064"/>
+              <a:gd name="connsiteX5" fmla="*/ 3343702 w 4626591"/>
+              <a:gd name="connsiteY5" fmla="*/ 739685 h 2391064"/>
+              <a:gd name="connsiteX6" fmla="*/ 4626591 w 4626591"/>
+              <a:gd name="connsiteY6" fmla="*/ 2391064 h 2391064"/>
+            </a:gdLst>
+            <a:ahLst/>
+            <a:cxnLst>
+              <a:cxn ang="0">
+                <a:pos x="connsiteX0" y="connsiteY0"/>
+              </a:cxn>
+              <a:cxn ang="0">
+                <a:pos x="connsiteX1" y="connsiteY1"/>
+              </a:cxn>
+              <a:cxn ang="0">
+                <a:pos x="connsiteX2" y="connsiteY2"/>
+              </a:cxn>
+              <a:cxn ang="0">
+                <a:pos x="connsiteX3" y="connsiteY3"/>
+              </a:cxn>
+              <a:cxn ang="0">
+                <a:pos x="connsiteX4" y="connsiteY4"/>
+              </a:cxn>
+              <a:cxn ang="0">
+                <a:pos x="connsiteX5" y="connsiteY5"/>
+              </a:cxn>
+              <a:cxn ang="0">
+                <a:pos x="connsiteX6" y="connsiteY6"/>
+              </a:cxn>
+            </a:cxnLst>
+            <a:rect l="l" t="t" r="r" b="b"/>
+            <a:pathLst>
+              <a:path w="4626591" h="2391064">
+                <a:moveTo>
+                  <a:pt x="0" y="1940688"/>
+                </a:moveTo>
+                <a:cubicBezTo>
+                  <a:pt x="131928" y="1361795"/>
+                  <a:pt x="263857" y="782902"/>
+                  <a:pt x="423081" y="698741"/>
+                </a:cubicBezTo>
+                <a:cubicBezTo>
+                  <a:pt x="582305" y="614580"/>
+                  <a:pt x="755176" y="1551727"/>
+                  <a:pt x="955343" y="1435721"/>
+                </a:cubicBezTo>
+                <a:cubicBezTo>
+                  <a:pt x="1155510" y="1319715"/>
+                  <a:pt x="1367051" y="64121"/>
+                  <a:pt x="1624084" y="2706"/>
+                </a:cubicBezTo>
+                <a:cubicBezTo>
+                  <a:pt x="1881117" y="-58709"/>
+                  <a:pt x="2210937" y="944401"/>
+                  <a:pt x="2497540" y="1067231"/>
+                </a:cubicBezTo>
+                <a:cubicBezTo>
+                  <a:pt x="2784143" y="1190061"/>
+                  <a:pt x="2988860" y="519046"/>
+                  <a:pt x="3343702" y="739685"/>
+                </a:cubicBezTo>
+                <a:cubicBezTo>
+                  <a:pt x="3698544" y="960324"/>
+                  <a:pt x="4162567" y="1675694"/>
+                  <a:pt x="4626591" y="2391064"/>
+                </a:cubicBezTo>
+              </a:path>
+            </a:pathLst>
+          </a:custGeom>
+          <a:noFill/>
+        </p:spPr>
+        <p:style>
+          <a:lnRef idx="2">
+            <a:schemeClr val="accent1">
+              <a:shade val="50000"/>
+            </a:schemeClr>
+          </a:lnRef>
+          <a:fillRef idx="1">
+            <a:schemeClr val="accent1"/>
+          </a:fillRef>
+          <a:effectRef idx="0">
+            <a:schemeClr val="accent1"/>
+          </a:effectRef>
+          <a:fontRef idx="minor">
+            <a:schemeClr val="lt1"/>
+          </a:fontRef>
+        </p:style>
+        <p:txBody>
+          <a:bodyPr rtlCol="0" anchor="ctr"/>
+          <a:lstStyle/>
+          <a:p>
+            <a:pPr algn="ctr"/>
+            <a:endParaRPr lang="en-US"/>
+          </a:p>
+        </p:txBody>
+      </p:sp>
+      <p:cxnSp>
+        <p:nvCxnSpPr>
+          <p:cNvPr id="18" name="Straight Connector 17">
+            <a:extLst>
+              <a:ext uri="{FF2B5EF4-FFF2-40B4-BE49-F238E27FC236}">
+                <a16:creationId xmlns:a16="http://schemas.microsoft.com/office/drawing/2014/main" id="{4E78035B-E64E-431C-911D-E278794E54A0}"/>
+              </a:ext>
+            </a:extLst>
+          </p:cNvPr>
+          <p:cNvCxnSpPr/>
+          <p:nvPr/>
+        </p:nvCxnSpPr>
+        <p:spPr>
+          <a:xfrm>
+            <a:off x="443552" y="3130134"/>
+            <a:ext cx="5576248" cy="0"/>
+          </a:xfrm>
+          <a:prstGeom prst="line">
+            <a:avLst/>
+          </a:prstGeom>
+        </p:spPr>
+        <p:style>
+          <a:lnRef idx="1">
+            <a:schemeClr val="accent1"/>
+          </a:lnRef>
+          <a:fillRef idx="0">
+            <a:schemeClr val="accent1"/>
+          </a:fillRef>
+          <a:effectRef idx="0">
+            <a:schemeClr val="accent1"/>
+          </a:effectRef>
+          <a:fontRef idx="minor">
+            <a:schemeClr val="tx1"/>
+          </a:fontRef>
+        </p:style>
+      </p:cxnSp>
+      <p:cxnSp>
+        <p:nvCxnSpPr>
+          <p:cNvPr id="19" name="Straight Connector 18">
+            <a:extLst>
+              <a:ext uri="{FF2B5EF4-FFF2-40B4-BE49-F238E27FC236}">
+                <a16:creationId xmlns:a16="http://schemas.microsoft.com/office/drawing/2014/main" id="{4729643A-8984-40C7-B2BE-37ACD30D2FE4}"/>
+              </a:ext>
+            </a:extLst>
+          </p:cNvPr>
+          <p:cNvCxnSpPr>
+            <a:cxnSpLocks/>
+          </p:cNvCxnSpPr>
+          <p:nvPr/>
+        </p:nvCxnSpPr>
+        <p:spPr>
+          <a:xfrm>
+            <a:off x="7179859" y="4724943"/>
+            <a:ext cx="4529920" cy="0"/>
+          </a:xfrm>
+          <a:prstGeom prst="line">
+            <a:avLst/>
+          </a:prstGeom>
+        </p:spPr>
+        <p:style>
+          <a:lnRef idx="1">
+            <a:schemeClr val="accent1"/>
+          </a:lnRef>
+          <a:fillRef idx="0">
+            <a:schemeClr val="accent1"/>
+          </a:fillRef>
+          <a:effectRef idx="0">
+            <a:schemeClr val="accent1"/>
+          </a:effectRef>
+          <a:fontRef idx="minor">
+            <a:schemeClr val="tx1"/>
+          </a:fontRef>
+        </p:style>
+      </p:cxnSp>
+      <p:sp>
+        <p:nvSpPr>
+          <p:cNvPr id="21" name="TextBox 20">
+            <a:extLst>
+              <a:ext uri="{FF2B5EF4-FFF2-40B4-BE49-F238E27FC236}">
+                <a16:creationId xmlns:a16="http://schemas.microsoft.com/office/drawing/2014/main" id="{B7768D23-F644-4AAF-9CE3-AECD46475373}"/>
+              </a:ext>
+            </a:extLst>
+          </p:cNvPr>
+          <p:cNvSpPr txBox="1"/>
+          <p:nvPr/>
+        </p:nvSpPr>
+        <p:spPr>
+          <a:xfrm>
+            <a:off x="3913988" y="5465105"/>
+            <a:ext cx="1165897" cy="646331"/>
+          </a:xfrm>
+          <a:prstGeom prst="rect">
+            <a:avLst/>
+          </a:prstGeom>
+          <a:noFill/>
+        </p:spPr>
+        <p:txBody>
+          <a:bodyPr wrap="none" rtlCol="0">
+            <a:spAutoFit/>
+          </a:bodyPr>
+          <a:lstStyle/>
+          <a:p>
+            <a:r>
+              <a:rPr lang="fr-FR" dirty="0"/>
+              <a:t>Stop de</a:t>
+            </a:r>
+          </a:p>
+          <a:p>
+            <a:r>
+              <a:rPr lang="fr-FR" dirty="0"/>
+              <a:t>protection</a:t>
+            </a:r>
+            <a:endParaRPr lang="en-US" dirty="0"/>
+          </a:p>
+        </p:txBody>
+      </p:sp>
+      <p:sp>
+        <p:nvSpPr>
+          <p:cNvPr id="22" name="TextBox 21">
+            <a:extLst>
+              <a:ext uri="{FF2B5EF4-FFF2-40B4-BE49-F238E27FC236}">
+                <a16:creationId xmlns:a16="http://schemas.microsoft.com/office/drawing/2014/main" id="{08718E1F-5B25-4924-942B-D6A3929E57F2}"/>
+              </a:ext>
+            </a:extLst>
+          </p:cNvPr>
+          <p:cNvSpPr txBox="1"/>
+          <p:nvPr/>
+        </p:nvSpPr>
+        <p:spPr>
+          <a:xfrm>
+            <a:off x="934871" y="2760805"/>
+            <a:ext cx="1023582" cy="369332"/>
+          </a:xfrm>
+          <a:prstGeom prst="rect">
+            <a:avLst/>
+          </a:prstGeom>
+          <a:noFill/>
+        </p:spPr>
+        <p:txBody>
+          <a:bodyPr wrap="square" rtlCol="0">
+            <a:spAutoFit/>
+          </a:bodyPr>
+          <a:lstStyle/>
+          <a:p>
+            <a:r>
+              <a:rPr lang="fr-FR" dirty="0"/>
+              <a:t>Objectif</a:t>
+            </a:r>
+            <a:endParaRPr lang="en-US" dirty="0"/>
+          </a:p>
+        </p:txBody>
+      </p:sp>
+      <p:sp>
+        <p:nvSpPr>
+          <p:cNvPr id="23" name="TextBox 22">
+            <a:extLst>
+              <a:ext uri="{FF2B5EF4-FFF2-40B4-BE49-F238E27FC236}">
+                <a16:creationId xmlns:a16="http://schemas.microsoft.com/office/drawing/2014/main" id="{200F4152-0B3A-4354-BFE5-60738C3AFEEB}"/>
+              </a:ext>
+            </a:extLst>
+          </p:cNvPr>
+          <p:cNvSpPr txBox="1"/>
+          <p:nvPr/>
+        </p:nvSpPr>
+        <p:spPr>
+          <a:xfrm>
+            <a:off x="9873018" y="2314273"/>
+            <a:ext cx="1023582" cy="369332"/>
+          </a:xfrm>
+          <a:prstGeom prst="rect">
+            <a:avLst/>
+          </a:prstGeom>
+          <a:noFill/>
+        </p:spPr>
+        <p:txBody>
+          <a:bodyPr wrap="square" rtlCol="0">
+            <a:spAutoFit/>
+          </a:bodyPr>
+          <a:lstStyle/>
+          <a:p>
+            <a:r>
+              <a:rPr lang="fr-FR" dirty="0"/>
+              <a:t>Objectif</a:t>
+            </a:r>
+            <a:endParaRPr lang="en-US" dirty="0"/>
+          </a:p>
+        </p:txBody>
+      </p:sp>
+      <p:cxnSp>
+        <p:nvCxnSpPr>
+          <p:cNvPr id="25" name="Straight Connector 24">
+            <a:extLst>
+              <a:ext uri="{FF2B5EF4-FFF2-40B4-BE49-F238E27FC236}">
+                <a16:creationId xmlns:a16="http://schemas.microsoft.com/office/drawing/2014/main" id="{27AC5926-F2E2-4976-987D-F97EDF8E4A34}"/>
+              </a:ext>
+            </a:extLst>
+          </p:cNvPr>
+          <p:cNvCxnSpPr/>
+          <p:nvPr/>
+        </p:nvCxnSpPr>
+        <p:spPr>
+          <a:xfrm>
+            <a:off x="6782937" y="2508671"/>
+            <a:ext cx="2661882" cy="25595"/>
+          </a:xfrm>
+          <a:prstGeom prst="line">
+            <a:avLst/>
+          </a:prstGeom>
+        </p:spPr>
+        <p:style>
+          <a:lnRef idx="1">
+            <a:schemeClr val="accent1"/>
+          </a:lnRef>
+          <a:fillRef idx="0">
+            <a:schemeClr val="accent1"/>
+          </a:fillRef>
+          <a:effectRef idx="0">
+            <a:schemeClr val="accent1"/>
+          </a:effectRef>
+          <a:fontRef idx="minor">
+            <a:schemeClr val="tx1"/>
+          </a:fontRef>
+        </p:style>
+      </p:cxnSp>
     </p:spTree>
     <p:extLst>
       <p:ext uri="{BB962C8B-B14F-4D97-AF65-F5344CB8AC3E}">
-        <p14:creationId xmlns:p14="http://schemas.microsoft.com/office/powerpoint/2010/main" val="2166134969"/>
+        <p14:creationId xmlns:p14="http://schemas.microsoft.com/office/powerpoint/2010/main" val="3839176620"/>
       </p:ext>
     </p:extLst>
   </p:cSld>
@@ -4957,7 +11852,7 @@
           <p:cNvPr id="2" name="Title 1">
             <a:extLst>
               <a:ext uri="{FF2B5EF4-FFF2-40B4-BE49-F238E27FC236}">
-                <a16:creationId xmlns:a16="http://schemas.microsoft.com/office/drawing/2014/main" id="{0ABDA52D-1056-4DB9-9B30-FCCEA3009EA9}"/>
+                <a16:creationId xmlns:a16="http://schemas.microsoft.com/office/drawing/2014/main" id="{0D63C207-1163-43D4-BAFC-348BC1E06A37}"/>
               </a:ext>
             </a:extLst>
           </p:cNvPr>
@@ -4975,7 +11870,7 @@
           <a:p>
             <a:r>
               <a:rPr lang="fr-FR" dirty="0"/>
-              <a:t>Stratégies</a:t>
+              <a:t>Quantifier le risque</a:t>
             </a:r>
             <a:endParaRPr lang="en-US" dirty="0"/>
           </a:p>
@@ -4986,7 +11881,7 @@
           <p:cNvPr id="3" name="Content Placeholder 2">
             <a:extLst>
               <a:ext uri="{FF2B5EF4-FFF2-40B4-BE49-F238E27FC236}">
-                <a16:creationId xmlns:a16="http://schemas.microsoft.com/office/drawing/2014/main" id="{B9D697F1-7132-4218-9A02-891537714431}"/>
+                <a16:creationId xmlns:a16="http://schemas.microsoft.com/office/drawing/2014/main" id="{51C5D597-2517-4964-AC77-8CEDC7A0EAD9}"/>
               </a:ext>
             </a:extLst>
           </p:cNvPr>
@@ -4994,7 +11889,7 @@
             <a:spLocks noGrp="1"/>
           </p:cNvSpPr>
           <p:nvPr>
-            <p:ph idx="1"/>
+            <p:ph sz="half" idx="1"/>
           </p:nvPr>
         </p:nvSpPr>
         <p:spPr/>
@@ -5004,31 +11899,103 @@
           <a:p>
             <a:r>
               <a:rPr lang="fr-FR" dirty="0"/>
-              <a:t>Analyse technique</a:t>
-            </a:r>
-          </a:p>
-          <a:p>
+              <a:t>Déterminer le Risk/</a:t>
+            </a:r>
+            <a:r>
+              <a:rPr lang="fr-FR" dirty="0" err="1"/>
+              <a:t>Reward</a:t>
+            </a:r>
             <a:r>
               <a:rPr lang="fr-FR" dirty="0"/>
-              <a:t>Indicateurs</a:t>
-            </a:r>
-          </a:p>
+              <a:t> ratio</a:t>
+            </a:r>
+          </a:p>
+          <a:p>
+            <a:pPr lvl="1">
+              <a:buFont typeface="Wingdings" panose="05000000000000000000" pitchFamily="2" charset="2"/>
+              <a:buChar char="è"/>
+            </a:pPr>
+            <a:r>
+              <a:rPr lang="fr-FR" dirty="0">
+                <a:sym typeface="Wingdings" panose="05000000000000000000" pitchFamily="2" charset="2"/>
+              </a:rPr>
+              <a:t>Au niveau de la position</a:t>
+            </a:r>
+          </a:p>
+          <a:p>
+            <a:pPr lvl="1">
+              <a:buFont typeface="Wingdings" panose="05000000000000000000" pitchFamily="2" charset="2"/>
+              <a:buChar char="è"/>
+            </a:pPr>
+            <a:r>
+              <a:rPr lang="fr-FR" dirty="0">
+                <a:sym typeface="Wingdings" panose="05000000000000000000" pitchFamily="2" charset="2"/>
+              </a:rPr>
+              <a:t>Au niveau du portefeuille</a:t>
+            </a:r>
+          </a:p>
+          <a:p>
+            <a:r>
+              <a:rPr lang="en-US" dirty="0" err="1"/>
+              <a:t>Déterminer</a:t>
+            </a:r>
+            <a:r>
+              <a:rPr lang="en-US" dirty="0"/>
+              <a:t> la </a:t>
+            </a:r>
+            <a:r>
+              <a:rPr lang="en-US" dirty="0" err="1"/>
+              <a:t>taille</a:t>
+            </a:r>
+            <a:r>
+              <a:rPr lang="en-US" dirty="0"/>
+              <a:t> de position</a:t>
+            </a:r>
+          </a:p>
+          <a:p>
+            <a:pPr marL="457200" lvl="1" indent="0">
+              <a:buNone/>
+            </a:pPr>
+            <a:r>
+              <a:rPr lang="en-US" dirty="0">
+                <a:sym typeface="Wingdings" panose="05000000000000000000" pitchFamily="2" charset="2"/>
+              </a:rPr>
+              <a:t> Limiter le risqué sur le </a:t>
+            </a:r>
+            <a:r>
+              <a:rPr lang="en-US" dirty="0" err="1">
+                <a:sym typeface="Wingdings" panose="05000000000000000000" pitchFamily="2" charset="2"/>
+              </a:rPr>
+              <a:t>portfeuille</a:t>
+            </a:r>
+            <a:endParaRPr lang="en-US" dirty="0"/>
+          </a:p>
+        </p:txBody>
+      </p:sp>
+      <p:sp>
+        <p:nvSpPr>
+          <p:cNvPr id="4" name="Content Placeholder 3">
+            <a:extLst>
+              <a:ext uri="{FF2B5EF4-FFF2-40B4-BE49-F238E27FC236}">
+                <a16:creationId xmlns:a16="http://schemas.microsoft.com/office/drawing/2014/main" id="{EC845F97-96EF-4A66-9CE7-8FBDD09ECC8F}"/>
+              </a:ext>
+            </a:extLst>
+          </p:cNvPr>
+          <p:cNvSpPr>
+            <a:spLocks noGrp="1"/>
+          </p:cNvSpPr>
+          <p:nvPr>
+            <p:ph sz="half" idx="2"/>
+          </p:nvPr>
+        </p:nvSpPr>
+        <p:spPr/>
+        <p:txBody>
+          <a:bodyPr/>
+          <a:lstStyle/>
           <a:p>
             <a:r>
               <a:rPr lang="fr-FR" dirty="0"/>
-              <a:t>Analyse fondamentale</a:t>
-            </a:r>
-          </a:p>
-          <a:p>
-            <a:r>
-              <a:rPr lang="fr-FR" dirty="0"/>
-              <a:t>News</a:t>
-            </a:r>
-          </a:p>
-          <a:p>
-            <a:r>
-              <a:rPr lang="fr-FR" dirty="0" err="1"/>
-              <a:t>Contrarian</a:t>
+              <a:t>Choisir un point d’entrée avec une bonne probabilité de gain et une gestion de risque appropriée</a:t>
             </a:r>
             <a:endParaRPr lang="en-US" dirty="0"/>
           </a:p>
@@ -5037,7 +12004,7 @@
     </p:spTree>
     <p:extLst>
       <p:ext uri="{BB962C8B-B14F-4D97-AF65-F5344CB8AC3E}">
-        <p14:creationId xmlns:p14="http://schemas.microsoft.com/office/powerpoint/2010/main" val="4045546859"/>
+        <p14:creationId xmlns:p14="http://schemas.microsoft.com/office/powerpoint/2010/main" val="999948810"/>
       </p:ext>
     </p:extLst>
   </p:cSld>

--- a/Formation/Formation Bourse.pptx
+++ b/Formation/Formation Bourse.pptx
@@ -12,23 +12,25 @@
     <p:sldId id="268" r:id="rId6"/>
     <p:sldId id="267" r:id="rId7"/>
     <p:sldId id="277" r:id="rId8"/>
-    <p:sldId id="278" r:id="rId9"/>
-    <p:sldId id="280" r:id="rId10"/>
-    <p:sldId id="260" r:id="rId11"/>
-    <p:sldId id="264" r:id="rId12"/>
-    <p:sldId id="279" r:id="rId13"/>
-    <p:sldId id="275" r:id="rId14"/>
-    <p:sldId id="281" r:id="rId15"/>
-    <p:sldId id="271" r:id="rId16"/>
-    <p:sldId id="272" r:id="rId17"/>
-    <p:sldId id="259" r:id="rId18"/>
-    <p:sldId id="273" r:id="rId19"/>
-    <p:sldId id="274" r:id="rId20"/>
-    <p:sldId id="263" r:id="rId21"/>
-    <p:sldId id="265" r:id="rId22"/>
-    <p:sldId id="266" r:id="rId23"/>
-    <p:sldId id="262" r:id="rId24"/>
-    <p:sldId id="276" r:id="rId25"/>
+    <p:sldId id="282" r:id="rId9"/>
+    <p:sldId id="278" r:id="rId10"/>
+    <p:sldId id="283" r:id="rId11"/>
+    <p:sldId id="280" r:id="rId12"/>
+    <p:sldId id="260" r:id="rId13"/>
+    <p:sldId id="264" r:id="rId14"/>
+    <p:sldId id="279" r:id="rId15"/>
+    <p:sldId id="275" r:id="rId16"/>
+    <p:sldId id="281" r:id="rId17"/>
+    <p:sldId id="271" r:id="rId18"/>
+    <p:sldId id="272" r:id="rId19"/>
+    <p:sldId id="259" r:id="rId20"/>
+    <p:sldId id="273" r:id="rId21"/>
+    <p:sldId id="274" r:id="rId22"/>
+    <p:sldId id="263" r:id="rId23"/>
+    <p:sldId id="265" r:id="rId24"/>
+    <p:sldId id="266" r:id="rId25"/>
+    <p:sldId id="262" r:id="rId26"/>
+    <p:sldId id="276" r:id="rId27"/>
   </p:sldIdLst>
   <p:sldSz cx="12192000" cy="6858000"/>
   <p:notesSz cx="6858000" cy="9144000"/>
@@ -143,7 +145,9 @@
         <p14:section name="Gestion de positions" id="{95E13692-23CB-4B0F-9E5E-173512BBD440}">
           <p14:sldIdLst>
             <p14:sldId id="277"/>
+            <p14:sldId id="282"/>
             <p14:sldId id="278"/>
+            <p14:sldId id="283"/>
             <p14:sldId id="280"/>
             <p14:sldId id="260"/>
             <p14:sldId id="264"/>
@@ -318,7 +322,7 @@
           <a:p>
             <a:fld id="{17B49B2E-EC6C-4037-9ACB-43BC4863C7EA}" type="datetimeFigureOut">
               <a:rPr lang="en-US" smtClean="0"/>
-              <a:t>4/21/2020</a:t>
+              <a:t>4/24/2020</a:t>
             </a:fld>
             <a:endParaRPr lang="en-US"/>
           </a:p>
@@ -516,7 +520,7 @@
           <a:p>
             <a:fld id="{17B49B2E-EC6C-4037-9ACB-43BC4863C7EA}" type="datetimeFigureOut">
               <a:rPr lang="en-US" smtClean="0"/>
-              <a:t>4/21/2020</a:t>
+              <a:t>4/24/2020</a:t>
             </a:fld>
             <a:endParaRPr lang="en-US"/>
           </a:p>
@@ -724,7 +728,7 @@
           <a:p>
             <a:fld id="{17B49B2E-EC6C-4037-9ACB-43BC4863C7EA}" type="datetimeFigureOut">
               <a:rPr lang="en-US" smtClean="0"/>
-              <a:t>4/21/2020</a:t>
+              <a:t>4/24/2020</a:t>
             </a:fld>
             <a:endParaRPr lang="en-US"/>
           </a:p>
@@ -922,7 +926,7 @@
           <a:p>
             <a:fld id="{17B49B2E-EC6C-4037-9ACB-43BC4863C7EA}" type="datetimeFigureOut">
               <a:rPr lang="en-US" smtClean="0"/>
-              <a:t>4/21/2020</a:t>
+              <a:t>4/24/2020</a:t>
             </a:fld>
             <a:endParaRPr lang="en-US"/>
           </a:p>
@@ -1197,7 +1201,7 @@
           <a:p>
             <a:fld id="{17B49B2E-EC6C-4037-9ACB-43BC4863C7EA}" type="datetimeFigureOut">
               <a:rPr lang="en-US" smtClean="0"/>
-              <a:t>4/21/2020</a:t>
+              <a:t>4/24/2020</a:t>
             </a:fld>
             <a:endParaRPr lang="en-US"/>
           </a:p>
@@ -1462,7 +1466,7 @@
           <a:p>
             <a:fld id="{17B49B2E-EC6C-4037-9ACB-43BC4863C7EA}" type="datetimeFigureOut">
               <a:rPr lang="en-US" smtClean="0"/>
-              <a:t>4/21/2020</a:t>
+              <a:t>4/24/2020</a:t>
             </a:fld>
             <a:endParaRPr lang="en-US"/>
           </a:p>
@@ -1874,7 +1878,7 @@
           <a:p>
             <a:fld id="{17B49B2E-EC6C-4037-9ACB-43BC4863C7EA}" type="datetimeFigureOut">
               <a:rPr lang="en-US" smtClean="0"/>
-              <a:t>4/21/2020</a:t>
+              <a:t>4/24/2020</a:t>
             </a:fld>
             <a:endParaRPr lang="en-US"/>
           </a:p>
@@ -2015,7 +2019,7 @@
           <a:p>
             <a:fld id="{17B49B2E-EC6C-4037-9ACB-43BC4863C7EA}" type="datetimeFigureOut">
               <a:rPr lang="en-US" smtClean="0"/>
-              <a:t>4/21/2020</a:t>
+              <a:t>4/24/2020</a:t>
             </a:fld>
             <a:endParaRPr lang="en-US"/>
           </a:p>
@@ -2128,7 +2132,7 @@
           <a:p>
             <a:fld id="{17B49B2E-EC6C-4037-9ACB-43BC4863C7EA}" type="datetimeFigureOut">
               <a:rPr lang="en-US" smtClean="0"/>
-              <a:t>4/21/2020</a:t>
+              <a:t>4/24/2020</a:t>
             </a:fld>
             <a:endParaRPr lang="en-US"/>
           </a:p>
@@ -2439,7 +2443,7 @@
           <a:p>
             <a:fld id="{17B49B2E-EC6C-4037-9ACB-43BC4863C7EA}" type="datetimeFigureOut">
               <a:rPr lang="en-US" smtClean="0"/>
-              <a:t>4/21/2020</a:t>
+              <a:t>4/24/2020</a:t>
             </a:fld>
             <a:endParaRPr lang="en-US"/>
           </a:p>
@@ -2727,7 +2731,7 @@
           <a:p>
             <a:fld id="{17B49B2E-EC6C-4037-9ACB-43BC4863C7EA}" type="datetimeFigureOut">
               <a:rPr lang="en-US" smtClean="0"/>
-              <a:t>4/21/2020</a:t>
+              <a:t>4/24/2020</a:t>
             </a:fld>
             <a:endParaRPr lang="en-US"/>
           </a:p>
@@ -2968,7 +2972,7 @@
           <a:p>
             <a:fld id="{17B49B2E-EC6C-4037-9ACB-43BC4863C7EA}" type="datetimeFigureOut">
               <a:rPr lang="en-US" smtClean="0"/>
-              <a:t>4/21/2020</a:t>
+              <a:t>4/24/2020</a:t>
             </a:fld>
             <a:endParaRPr lang="en-US"/>
           </a:p>
@@ -3474,7 +3478,7 @@
           <p:cNvPr id="2" name="Title 1">
             <a:extLst>
               <a:ext uri="{FF2B5EF4-FFF2-40B4-BE49-F238E27FC236}">
-                <a16:creationId xmlns:a16="http://schemas.microsoft.com/office/drawing/2014/main" id="{A5696142-A667-4045-9643-77E913D1303C}"/>
+                <a16:creationId xmlns:a16="http://schemas.microsoft.com/office/drawing/2014/main" id="{CC096866-4BE2-4A17-8E12-56182CA38F0D}"/>
               </a:ext>
             </a:extLst>
           </p:cNvPr>
@@ -3492,7 +3496,7 @@
           <a:p>
             <a:r>
               <a:rPr lang="fr-FR" dirty="0"/>
-              <a:t>Le graphique de prix</a:t>
+              <a:t>Evaluer une position</a:t>
             </a:r>
             <a:endParaRPr lang="en-US" dirty="0"/>
           </a:p>
@@ -3503,7 +3507,7 @@
           <p:cNvPr id="3" name="Content Placeholder 2">
             <a:extLst>
               <a:ext uri="{FF2B5EF4-FFF2-40B4-BE49-F238E27FC236}">
-                <a16:creationId xmlns:a16="http://schemas.microsoft.com/office/drawing/2014/main" id="{0A512346-E576-4C8F-810B-A629AD743BF3}"/>
+                <a16:creationId xmlns:a16="http://schemas.microsoft.com/office/drawing/2014/main" id="{2C7A9DF3-EE09-49C7-B22F-BFA062332568}"/>
               </a:ext>
             </a:extLst>
           </p:cNvPr>
@@ -3514,19 +3518,27 @@
             <p:ph sz="half" idx="1"/>
           </p:nvPr>
         </p:nvSpPr>
-        <p:spPr>
-          <a:xfrm>
-            <a:off x="838200" y="2598233"/>
-            <a:ext cx="5181600" cy="2747963"/>
-          </a:xfrm>
-        </p:spPr>
+        <p:spPr/>
         <p:txBody>
           <a:bodyPr/>
           <a:lstStyle/>
           <a:p>
             <a:r>
               <a:rPr lang="fr-FR" dirty="0"/>
-              <a:t>Barres  </a:t>
+              <a:t>Gain</a:t>
+            </a:r>
+          </a:p>
+          <a:p>
+            <a:r>
+              <a:rPr lang="fr-FR" dirty="0" err="1"/>
+              <a:t>Drawdown</a:t>
+            </a:r>
+            <a:endParaRPr lang="fr-FR" dirty="0"/>
+          </a:p>
+          <a:p>
+            <a:r>
+              <a:rPr lang="fr-FR" dirty="0"/>
+              <a:t>…</a:t>
             </a:r>
             <a:endParaRPr lang="en-US" dirty="0"/>
           </a:p>
@@ -3534,10 +3546,10 @@
       </p:sp>
       <p:sp>
         <p:nvSpPr>
-          <p:cNvPr id="5" name="Content Placeholder 4">
-            <a:extLst>
-              <a:ext uri="{FF2B5EF4-FFF2-40B4-BE49-F238E27FC236}">
-                <a16:creationId xmlns:a16="http://schemas.microsoft.com/office/drawing/2014/main" id="{F4EC5147-3E45-4B27-BF2F-801501201F0C}"/>
+          <p:cNvPr id="4" name="Content Placeholder 3">
+            <a:extLst>
+              <a:ext uri="{FF2B5EF4-FFF2-40B4-BE49-F238E27FC236}">
+                <a16:creationId xmlns:a16="http://schemas.microsoft.com/office/drawing/2014/main" id="{A0DBD9F8-6789-43CD-B143-F50250FAF2EB}"/>
               </a:ext>
             </a:extLst>
           </p:cNvPr>
@@ -3548,202 +3560,19 @@
             <p:ph sz="half" idx="2"/>
           </p:nvPr>
         </p:nvSpPr>
-        <p:spPr>
-          <a:xfrm>
-            <a:off x="6328317" y="2598233"/>
-            <a:ext cx="5181600" cy="3578729"/>
-          </a:xfrm>
-        </p:spPr>
+        <p:spPr/>
         <p:txBody>
           <a:bodyPr/>
           <a:lstStyle/>
           <a:p>
-            <a:r>
-              <a:rPr lang="fr-FR" dirty="0"/>
-              <a:t>Les chandeliers japonais</a:t>
-            </a:r>
-          </a:p>
-          <a:p>
-            <a:pPr marL="0" indent="0">
-              <a:buNone/>
-            </a:pPr>
-            <a:endParaRPr lang="en-US" dirty="0"/>
-          </a:p>
-        </p:txBody>
-      </p:sp>
-      <p:pic>
-        <p:nvPicPr>
-          <p:cNvPr id="1026" name="Picture 2" descr="Candlestick chart - Wikiwand">
-            <a:extLst>
-              <a:ext uri="{FF2B5EF4-FFF2-40B4-BE49-F238E27FC236}">
-                <a16:creationId xmlns:a16="http://schemas.microsoft.com/office/drawing/2014/main" id="{4C93B5AF-7740-4477-955C-FCCD7B091D67}"/>
-              </a:ext>
-            </a:extLst>
-          </p:cNvPr>
-          <p:cNvPicPr>
-            <a:picLocks noChangeAspect="1" noChangeArrowheads="1"/>
-          </p:cNvPicPr>
-          <p:nvPr/>
-        </p:nvPicPr>
-        <p:blipFill>
-          <a:blip r:embed="rId2">
-            <a:extLst>
-              <a:ext uri="{28A0092B-C50C-407E-A947-70E740481C1C}">
-                <a14:useLocalDpi xmlns:a14="http://schemas.microsoft.com/office/drawing/2010/main" val="0"/>
-              </a:ext>
-            </a:extLst>
-          </a:blip>
-          <a:srcRect/>
-          <a:stretch>
-            <a:fillRect/>
-          </a:stretch>
-        </p:blipFill>
-        <p:spPr bwMode="auto">
-          <a:xfrm>
-            <a:off x="7124251" y="3388895"/>
-            <a:ext cx="3589731" cy="2388270"/>
-          </a:xfrm>
-          <a:prstGeom prst="rect">
-            <a:avLst/>
-          </a:prstGeom>
-          <a:noFill/>
-          <a:extLst>
-            <a:ext uri="{909E8E84-426E-40DD-AFC4-6F175D3DCCD1}">
-              <a14:hiddenFill xmlns:a14="http://schemas.microsoft.com/office/drawing/2010/main">
-                <a:solidFill>
-                  <a:srgbClr val="FFFFFF"/>
-                </a:solidFill>
-              </a14:hiddenFill>
-            </a:ext>
-          </a:extLst>
-        </p:spPr>
-      </p:pic>
-      <p:pic>
-        <p:nvPicPr>
-          <p:cNvPr id="1028" name="Picture 4" descr="Bar Definition">
-            <a:extLst>
-              <a:ext uri="{FF2B5EF4-FFF2-40B4-BE49-F238E27FC236}">
-                <a16:creationId xmlns:a16="http://schemas.microsoft.com/office/drawing/2014/main" id="{FC8E5857-68F5-4BC5-B843-D46F47566CA0}"/>
-              </a:ext>
-            </a:extLst>
-          </p:cNvPr>
-          <p:cNvPicPr>
-            <a:picLocks noChangeAspect="1" noChangeArrowheads="1"/>
-          </p:cNvPicPr>
-          <p:nvPr/>
-        </p:nvPicPr>
-        <p:blipFill>
-          <a:blip r:embed="rId3">
-            <a:extLst>
-              <a:ext uri="{28A0092B-C50C-407E-A947-70E740481C1C}">
-                <a14:useLocalDpi xmlns:a14="http://schemas.microsoft.com/office/drawing/2010/main" val="0"/>
-              </a:ext>
-            </a:extLst>
-          </a:blip>
-          <a:srcRect/>
-          <a:stretch>
-            <a:fillRect/>
-          </a:stretch>
-        </p:blipFill>
-        <p:spPr bwMode="auto">
-          <a:xfrm>
-            <a:off x="1762822" y="3876933"/>
-            <a:ext cx="3332356" cy="1765914"/>
-          </a:xfrm>
-          <a:prstGeom prst="rect">
-            <a:avLst/>
-          </a:prstGeom>
-          <a:noFill/>
-          <a:extLst>
-            <a:ext uri="{909E8E84-426E-40DD-AFC4-6F175D3DCCD1}">
-              <a14:hiddenFill xmlns:a14="http://schemas.microsoft.com/office/drawing/2010/main">
-                <a:solidFill>
-                  <a:srgbClr val="FFFFFF"/>
-                </a:solidFill>
-              </a14:hiddenFill>
-            </a:ext>
-          </a:extLst>
-        </p:spPr>
-      </p:pic>
-      <p:sp>
-        <p:nvSpPr>
-          <p:cNvPr id="7" name="Rectangle 6">
-            <a:extLst>
-              <a:ext uri="{FF2B5EF4-FFF2-40B4-BE49-F238E27FC236}">
-                <a16:creationId xmlns:a16="http://schemas.microsoft.com/office/drawing/2014/main" id="{2FFEA829-29CA-48B6-9EC5-F0E346BDF1F2}"/>
-              </a:ext>
-            </a:extLst>
-          </p:cNvPr>
-          <p:cNvSpPr/>
-          <p:nvPr/>
-        </p:nvSpPr>
-        <p:spPr>
-          <a:xfrm>
-            <a:off x="709513" y="1501363"/>
-            <a:ext cx="9956630" cy="800219"/>
-          </a:xfrm>
-          <a:prstGeom prst="rect">
-            <a:avLst/>
-          </a:prstGeom>
-        </p:spPr>
-        <p:txBody>
-          <a:bodyPr wrap="square">
-            <a:spAutoFit/>
-          </a:bodyPr>
-          <a:lstStyle/>
-          <a:p>
-            <a:pPr marL="457200" indent="-457200">
-              <a:buFont typeface="Arial" panose="020B0604020202020204" pitchFamily="34" charset="0"/>
-              <a:buChar char="•"/>
-            </a:pPr>
-            <a:r>
-              <a:rPr lang="fr-FR" sz="2800" dirty="0"/>
-              <a:t>Echelle de temps</a:t>
-            </a:r>
-          </a:p>
-          <a:p>
-            <a:pPr lvl="1"/>
-            <a:r>
-              <a:rPr lang="fr-FR" dirty="0"/>
-              <a:t>X Minutes, jour, semaine, mois en fonction du profil</a:t>
-            </a:r>
-          </a:p>
-        </p:txBody>
-      </p:sp>
-      <p:pic>
-        <p:nvPicPr>
-          <p:cNvPr id="9" name="Picture 8">
-            <a:extLst>
-              <a:ext uri="{FF2B5EF4-FFF2-40B4-BE49-F238E27FC236}">
-                <a16:creationId xmlns:a16="http://schemas.microsoft.com/office/drawing/2014/main" id="{C9F3E477-F153-4C2F-B0CB-7F0913BC746D}"/>
-              </a:ext>
-            </a:extLst>
-          </p:cNvPr>
-          <p:cNvPicPr>
-            <a:picLocks noChangeAspect="1"/>
-          </p:cNvPicPr>
-          <p:nvPr/>
-        </p:nvPicPr>
-        <p:blipFill>
-          <a:blip r:embed="rId4"/>
-          <a:stretch>
-            <a:fillRect/>
-          </a:stretch>
-        </p:blipFill>
-        <p:spPr>
-          <a:xfrm>
-            <a:off x="7327730" y="234657"/>
-            <a:ext cx="4352925" cy="2066925"/>
-          </a:xfrm>
-          <a:prstGeom prst="rect">
-            <a:avLst/>
-          </a:prstGeom>
-        </p:spPr>
-      </p:pic>
+            <a:endParaRPr lang="en-US"/>
+          </a:p>
+        </p:txBody>
+      </p:sp>
     </p:spTree>
     <p:extLst>
       <p:ext uri="{BB962C8B-B14F-4D97-AF65-F5344CB8AC3E}">
-        <p14:creationId xmlns:p14="http://schemas.microsoft.com/office/powerpoint/2010/main" val="3647544170"/>
+        <p14:creationId xmlns:p14="http://schemas.microsoft.com/office/powerpoint/2010/main" val="4278062602"/>
       </p:ext>
     </p:extLst>
   </p:cSld>
@@ -3775,6 +3604,491 @@
           <p:cNvPr id="2" name="Title 1">
             <a:extLst>
               <a:ext uri="{FF2B5EF4-FFF2-40B4-BE49-F238E27FC236}">
+                <a16:creationId xmlns:a16="http://schemas.microsoft.com/office/drawing/2014/main" id="{0D63C207-1163-43D4-BAFC-348BC1E06A37}"/>
+              </a:ext>
+            </a:extLst>
+          </p:cNvPr>
+          <p:cNvSpPr>
+            <a:spLocks noGrp="1"/>
+          </p:cNvSpPr>
+          <p:nvPr>
+            <p:ph type="title"/>
+          </p:nvPr>
+        </p:nvSpPr>
+        <p:spPr/>
+        <p:txBody>
+          <a:bodyPr/>
+          <a:lstStyle/>
+          <a:p>
+            <a:r>
+              <a:rPr lang="fr-FR" dirty="0"/>
+              <a:t>Quantifier le risque</a:t>
+            </a:r>
+            <a:endParaRPr lang="en-US" dirty="0"/>
+          </a:p>
+        </p:txBody>
+      </p:sp>
+      <p:sp>
+        <p:nvSpPr>
+          <p:cNvPr id="3" name="Content Placeholder 2">
+            <a:extLst>
+              <a:ext uri="{FF2B5EF4-FFF2-40B4-BE49-F238E27FC236}">
+                <a16:creationId xmlns:a16="http://schemas.microsoft.com/office/drawing/2014/main" id="{51C5D597-2517-4964-AC77-8CEDC7A0EAD9}"/>
+              </a:ext>
+            </a:extLst>
+          </p:cNvPr>
+          <p:cNvSpPr>
+            <a:spLocks noGrp="1"/>
+          </p:cNvSpPr>
+          <p:nvPr>
+            <p:ph sz="half" idx="1"/>
+          </p:nvPr>
+        </p:nvSpPr>
+        <p:spPr/>
+        <p:txBody>
+          <a:bodyPr/>
+          <a:lstStyle/>
+          <a:p>
+            <a:r>
+              <a:rPr lang="fr-FR" dirty="0"/>
+              <a:t>Déterminer le Risk/</a:t>
+            </a:r>
+            <a:r>
+              <a:rPr lang="fr-FR" dirty="0" err="1"/>
+              <a:t>Reward</a:t>
+            </a:r>
+            <a:r>
+              <a:rPr lang="fr-FR" dirty="0"/>
+              <a:t> ratio</a:t>
+            </a:r>
+          </a:p>
+          <a:p>
+            <a:pPr lvl="1">
+              <a:buFont typeface="Wingdings" panose="05000000000000000000" pitchFamily="2" charset="2"/>
+              <a:buChar char="è"/>
+            </a:pPr>
+            <a:r>
+              <a:rPr lang="fr-FR" dirty="0">
+                <a:sym typeface="Wingdings" panose="05000000000000000000" pitchFamily="2" charset="2"/>
+              </a:rPr>
+              <a:t>Au niveau de la position</a:t>
+            </a:r>
+          </a:p>
+          <a:p>
+            <a:pPr lvl="1">
+              <a:buFont typeface="Wingdings" panose="05000000000000000000" pitchFamily="2" charset="2"/>
+              <a:buChar char="è"/>
+            </a:pPr>
+            <a:r>
+              <a:rPr lang="fr-FR" dirty="0">
+                <a:sym typeface="Wingdings" panose="05000000000000000000" pitchFamily="2" charset="2"/>
+              </a:rPr>
+              <a:t>Au niveau du portefeuille</a:t>
+            </a:r>
+          </a:p>
+          <a:p>
+            <a:r>
+              <a:rPr lang="en-US" dirty="0" err="1"/>
+              <a:t>Déterminer</a:t>
+            </a:r>
+            <a:r>
+              <a:rPr lang="en-US" dirty="0"/>
+              <a:t> la </a:t>
+            </a:r>
+            <a:r>
+              <a:rPr lang="en-US" dirty="0" err="1"/>
+              <a:t>taille</a:t>
+            </a:r>
+            <a:r>
+              <a:rPr lang="en-US" dirty="0"/>
+              <a:t> de position</a:t>
+            </a:r>
+          </a:p>
+          <a:p>
+            <a:pPr marL="457200" lvl="1" indent="0">
+              <a:buNone/>
+            </a:pPr>
+            <a:r>
+              <a:rPr lang="en-US" dirty="0">
+                <a:sym typeface="Wingdings" panose="05000000000000000000" pitchFamily="2" charset="2"/>
+              </a:rPr>
+              <a:t> Limiter le risqué sur le </a:t>
+            </a:r>
+            <a:r>
+              <a:rPr lang="en-US" dirty="0" err="1">
+                <a:sym typeface="Wingdings" panose="05000000000000000000" pitchFamily="2" charset="2"/>
+              </a:rPr>
+              <a:t>portfeuille</a:t>
+            </a:r>
+            <a:endParaRPr lang="en-US" dirty="0"/>
+          </a:p>
+        </p:txBody>
+      </p:sp>
+      <p:sp>
+        <p:nvSpPr>
+          <p:cNvPr id="4" name="Content Placeholder 3">
+            <a:extLst>
+              <a:ext uri="{FF2B5EF4-FFF2-40B4-BE49-F238E27FC236}">
+                <a16:creationId xmlns:a16="http://schemas.microsoft.com/office/drawing/2014/main" id="{EC845F97-96EF-4A66-9CE7-8FBDD09ECC8F}"/>
+              </a:ext>
+            </a:extLst>
+          </p:cNvPr>
+          <p:cNvSpPr>
+            <a:spLocks noGrp="1"/>
+          </p:cNvSpPr>
+          <p:nvPr>
+            <p:ph sz="half" idx="2"/>
+          </p:nvPr>
+        </p:nvSpPr>
+        <p:spPr/>
+        <p:txBody>
+          <a:bodyPr/>
+          <a:lstStyle/>
+          <a:p>
+            <a:r>
+              <a:rPr lang="fr-FR" dirty="0"/>
+              <a:t>Choisir un point d’entrée avec une bonne probabilité de gain et une gestion de risque appropriée</a:t>
+            </a:r>
+            <a:endParaRPr lang="en-US" dirty="0"/>
+          </a:p>
+        </p:txBody>
+      </p:sp>
+    </p:spTree>
+    <p:extLst>
+      <p:ext uri="{BB962C8B-B14F-4D97-AF65-F5344CB8AC3E}">
+        <p14:creationId xmlns:p14="http://schemas.microsoft.com/office/powerpoint/2010/main" val="999948810"/>
+      </p:ext>
+    </p:extLst>
+  </p:cSld>
+  <p:clrMapOvr>
+    <a:masterClrMapping/>
+  </p:clrMapOvr>
+</p:sld>
+</file>
+
+<file path=ppt/slides/slide12.xml><?xml version="1.0" encoding="utf-8"?>
+<p:sld xmlns:a="http://schemas.openxmlformats.org/drawingml/2006/main" xmlns:r="http://schemas.openxmlformats.org/officeDocument/2006/relationships" xmlns:p="http://schemas.openxmlformats.org/presentationml/2006/main">
+  <p:cSld>
+    <p:spTree>
+      <p:nvGrpSpPr>
+        <p:cNvPr id="1" name=""/>
+        <p:cNvGrpSpPr/>
+        <p:nvPr/>
+      </p:nvGrpSpPr>
+      <p:grpSpPr>
+        <a:xfrm>
+          <a:off x="0" y="0"/>
+          <a:ext cx="0" cy="0"/>
+          <a:chOff x="0" y="0"/>
+          <a:chExt cx="0" cy="0"/>
+        </a:xfrm>
+      </p:grpSpPr>
+      <p:sp>
+        <p:nvSpPr>
+          <p:cNvPr id="2" name="Title 1">
+            <a:extLst>
+              <a:ext uri="{FF2B5EF4-FFF2-40B4-BE49-F238E27FC236}">
+                <a16:creationId xmlns:a16="http://schemas.microsoft.com/office/drawing/2014/main" id="{A5696142-A667-4045-9643-77E913D1303C}"/>
+              </a:ext>
+            </a:extLst>
+          </p:cNvPr>
+          <p:cNvSpPr>
+            <a:spLocks noGrp="1"/>
+          </p:cNvSpPr>
+          <p:nvPr>
+            <p:ph type="title"/>
+          </p:nvPr>
+        </p:nvSpPr>
+        <p:spPr/>
+        <p:txBody>
+          <a:bodyPr/>
+          <a:lstStyle/>
+          <a:p>
+            <a:r>
+              <a:rPr lang="fr-FR" dirty="0"/>
+              <a:t>Le graphique de prix</a:t>
+            </a:r>
+            <a:endParaRPr lang="en-US" dirty="0"/>
+          </a:p>
+        </p:txBody>
+      </p:sp>
+      <p:sp>
+        <p:nvSpPr>
+          <p:cNvPr id="3" name="Content Placeholder 2">
+            <a:extLst>
+              <a:ext uri="{FF2B5EF4-FFF2-40B4-BE49-F238E27FC236}">
+                <a16:creationId xmlns:a16="http://schemas.microsoft.com/office/drawing/2014/main" id="{0A512346-E576-4C8F-810B-A629AD743BF3}"/>
+              </a:ext>
+            </a:extLst>
+          </p:cNvPr>
+          <p:cNvSpPr>
+            <a:spLocks noGrp="1"/>
+          </p:cNvSpPr>
+          <p:nvPr>
+            <p:ph sz="half" idx="1"/>
+          </p:nvPr>
+        </p:nvSpPr>
+        <p:spPr>
+          <a:xfrm>
+            <a:off x="838200" y="2598233"/>
+            <a:ext cx="5181600" cy="2747963"/>
+          </a:xfrm>
+        </p:spPr>
+        <p:txBody>
+          <a:bodyPr/>
+          <a:lstStyle/>
+          <a:p>
+            <a:r>
+              <a:rPr lang="fr-FR" dirty="0"/>
+              <a:t>Barres  </a:t>
+            </a:r>
+            <a:endParaRPr lang="en-US" dirty="0"/>
+          </a:p>
+        </p:txBody>
+      </p:sp>
+      <p:sp>
+        <p:nvSpPr>
+          <p:cNvPr id="5" name="Content Placeholder 4">
+            <a:extLst>
+              <a:ext uri="{FF2B5EF4-FFF2-40B4-BE49-F238E27FC236}">
+                <a16:creationId xmlns:a16="http://schemas.microsoft.com/office/drawing/2014/main" id="{F4EC5147-3E45-4B27-BF2F-801501201F0C}"/>
+              </a:ext>
+            </a:extLst>
+          </p:cNvPr>
+          <p:cNvSpPr>
+            <a:spLocks noGrp="1"/>
+          </p:cNvSpPr>
+          <p:nvPr>
+            <p:ph sz="half" idx="2"/>
+          </p:nvPr>
+        </p:nvSpPr>
+        <p:spPr>
+          <a:xfrm>
+            <a:off x="6328317" y="2598233"/>
+            <a:ext cx="5181600" cy="3578729"/>
+          </a:xfrm>
+        </p:spPr>
+        <p:txBody>
+          <a:bodyPr/>
+          <a:lstStyle/>
+          <a:p>
+            <a:r>
+              <a:rPr lang="fr-FR" dirty="0"/>
+              <a:t>Les chandeliers japonais</a:t>
+            </a:r>
+          </a:p>
+          <a:p>
+            <a:pPr marL="0" indent="0">
+              <a:buNone/>
+            </a:pPr>
+            <a:endParaRPr lang="en-US" dirty="0"/>
+          </a:p>
+        </p:txBody>
+      </p:sp>
+      <p:pic>
+        <p:nvPicPr>
+          <p:cNvPr id="1026" name="Picture 2" descr="Candlestick chart - Wikiwand">
+            <a:extLst>
+              <a:ext uri="{FF2B5EF4-FFF2-40B4-BE49-F238E27FC236}">
+                <a16:creationId xmlns:a16="http://schemas.microsoft.com/office/drawing/2014/main" id="{4C93B5AF-7740-4477-955C-FCCD7B091D67}"/>
+              </a:ext>
+            </a:extLst>
+          </p:cNvPr>
+          <p:cNvPicPr>
+            <a:picLocks noChangeAspect="1" noChangeArrowheads="1"/>
+          </p:cNvPicPr>
+          <p:nvPr/>
+        </p:nvPicPr>
+        <p:blipFill>
+          <a:blip r:embed="rId2">
+            <a:extLst>
+              <a:ext uri="{28A0092B-C50C-407E-A947-70E740481C1C}">
+                <a14:useLocalDpi xmlns:a14="http://schemas.microsoft.com/office/drawing/2010/main" val="0"/>
+              </a:ext>
+            </a:extLst>
+          </a:blip>
+          <a:srcRect/>
+          <a:stretch>
+            <a:fillRect/>
+          </a:stretch>
+        </p:blipFill>
+        <p:spPr bwMode="auto">
+          <a:xfrm>
+            <a:off x="7124251" y="3388895"/>
+            <a:ext cx="3589731" cy="2388270"/>
+          </a:xfrm>
+          <a:prstGeom prst="rect">
+            <a:avLst/>
+          </a:prstGeom>
+          <a:noFill/>
+          <a:extLst>
+            <a:ext uri="{909E8E84-426E-40DD-AFC4-6F175D3DCCD1}">
+              <a14:hiddenFill xmlns:a14="http://schemas.microsoft.com/office/drawing/2010/main">
+                <a:solidFill>
+                  <a:srgbClr val="FFFFFF"/>
+                </a:solidFill>
+              </a14:hiddenFill>
+            </a:ext>
+          </a:extLst>
+        </p:spPr>
+      </p:pic>
+      <p:pic>
+        <p:nvPicPr>
+          <p:cNvPr id="1028" name="Picture 4" descr="Bar Definition">
+            <a:extLst>
+              <a:ext uri="{FF2B5EF4-FFF2-40B4-BE49-F238E27FC236}">
+                <a16:creationId xmlns:a16="http://schemas.microsoft.com/office/drawing/2014/main" id="{FC8E5857-68F5-4BC5-B843-D46F47566CA0}"/>
+              </a:ext>
+            </a:extLst>
+          </p:cNvPr>
+          <p:cNvPicPr>
+            <a:picLocks noChangeAspect="1" noChangeArrowheads="1"/>
+          </p:cNvPicPr>
+          <p:nvPr/>
+        </p:nvPicPr>
+        <p:blipFill>
+          <a:blip r:embed="rId3">
+            <a:extLst>
+              <a:ext uri="{28A0092B-C50C-407E-A947-70E740481C1C}">
+                <a14:useLocalDpi xmlns:a14="http://schemas.microsoft.com/office/drawing/2010/main" val="0"/>
+              </a:ext>
+            </a:extLst>
+          </a:blip>
+          <a:srcRect/>
+          <a:stretch>
+            <a:fillRect/>
+          </a:stretch>
+        </p:blipFill>
+        <p:spPr bwMode="auto">
+          <a:xfrm>
+            <a:off x="1762822" y="3876933"/>
+            <a:ext cx="3332356" cy="1765914"/>
+          </a:xfrm>
+          <a:prstGeom prst="rect">
+            <a:avLst/>
+          </a:prstGeom>
+          <a:noFill/>
+          <a:extLst>
+            <a:ext uri="{909E8E84-426E-40DD-AFC4-6F175D3DCCD1}">
+              <a14:hiddenFill xmlns:a14="http://schemas.microsoft.com/office/drawing/2010/main">
+                <a:solidFill>
+                  <a:srgbClr val="FFFFFF"/>
+                </a:solidFill>
+              </a14:hiddenFill>
+            </a:ext>
+          </a:extLst>
+        </p:spPr>
+      </p:pic>
+      <p:sp>
+        <p:nvSpPr>
+          <p:cNvPr id="7" name="Rectangle 6">
+            <a:extLst>
+              <a:ext uri="{FF2B5EF4-FFF2-40B4-BE49-F238E27FC236}">
+                <a16:creationId xmlns:a16="http://schemas.microsoft.com/office/drawing/2014/main" id="{2FFEA829-29CA-48B6-9EC5-F0E346BDF1F2}"/>
+              </a:ext>
+            </a:extLst>
+          </p:cNvPr>
+          <p:cNvSpPr/>
+          <p:nvPr/>
+        </p:nvSpPr>
+        <p:spPr>
+          <a:xfrm>
+            <a:off x="709513" y="1501363"/>
+            <a:ext cx="9956630" cy="800219"/>
+          </a:xfrm>
+          <a:prstGeom prst="rect">
+            <a:avLst/>
+          </a:prstGeom>
+        </p:spPr>
+        <p:txBody>
+          <a:bodyPr wrap="square">
+            <a:spAutoFit/>
+          </a:bodyPr>
+          <a:lstStyle/>
+          <a:p>
+            <a:pPr marL="457200" indent="-457200">
+              <a:buFont typeface="Arial" panose="020B0604020202020204" pitchFamily="34" charset="0"/>
+              <a:buChar char="•"/>
+            </a:pPr>
+            <a:r>
+              <a:rPr lang="fr-FR" sz="2800" dirty="0"/>
+              <a:t>Echelle de temps</a:t>
+            </a:r>
+          </a:p>
+          <a:p>
+            <a:pPr lvl="1"/>
+            <a:r>
+              <a:rPr lang="fr-FR" dirty="0"/>
+              <a:t>X Minutes, jour, semaine, mois en fonction du profil</a:t>
+            </a:r>
+          </a:p>
+        </p:txBody>
+      </p:sp>
+      <p:pic>
+        <p:nvPicPr>
+          <p:cNvPr id="9" name="Picture 8">
+            <a:extLst>
+              <a:ext uri="{FF2B5EF4-FFF2-40B4-BE49-F238E27FC236}">
+                <a16:creationId xmlns:a16="http://schemas.microsoft.com/office/drawing/2014/main" id="{C9F3E477-F153-4C2F-B0CB-7F0913BC746D}"/>
+              </a:ext>
+            </a:extLst>
+          </p:cNvPr>
+          <p:cNvPicPr>
+            <a:picLocks noChangeAspect="1"/>
+          </p:cNvPicPr>
+          <p:nvPr/>
+        </p:nvPicPr>
+        <p:blipFill>
+          <a:blip r:embed="rId4"/>
+          <a:stretch>
+            <a:fillRect/>
+          </a:stretch>
+        </p:blipFill>
+        <p:spPr>
+          <a:xfrm>
+            <a:off x="7327730" y="234657"/>
+            <a:ext cx="4352925" cy="2066925"/>
+          </a:xfrm>
+          <a:prstGeom prst="rect">
+            <a:avLst/>
+          </a:prstGeom>
+        </p:spPr>
+      </p:pic>
+    </p:spTree>
+    <p:extLst>
+      <p:ext uri="{BB962C8B-B14F-4D97-AF65-F5344CB8AC3E}">
+        <p14:creationId xmlns:p14="http://schemas.microsoft.com/office/powerpoint/2010/main" val="3647544170"/>
+      </p:ext>
+    </p:extLst>
+  </p:cSld>
+  <p:clrMapOvr>
+    <a:masterClrMapping/>
+  </p:clrMapOvr>
+</p:sld>
+</file>
+
+<file path=ppt/slides/slide13.xml><?xml version="1.0" encoding="utf-8"?>
+<p:sld xmlns:a="http://schemas.openxmlformats.org/drawingml/2006/main" xmlns:r="http://schemas.openxmlformats.org/officeDocument/2006/relationships" xmlns:p="http://schemas.openxmlformats.org/presentationml/2006/main">
+  <p:cSld>
+    <p:spTree>
+      <p:nvGrpSpPr>
+        <p:cNvPr id="1" name=""/>
+        <p:cNvGrpSpPr/>
+        <p:nvPr/>
+      </p:nvGrpSpPr>
+      <p:grpSpPr>
+        <a:xfrm>
+          <a:off x="0" y="0"/>
+          <a:ext cx="0" cy="0"/>
+          <a:chOff x="0" y="0"/>
+          <a:chExt cx="0" cy="0"/>
+        </a:xfrm>
+      </p:grpSpPr>
+      <p:sp>
+        <p:nvSpPr>
+          <p:cNvPr id="2" name="Title 1">
+            <a:extLst>
+              <a:ext uri="{FF2B5EF4-FFF2-40B4-BE49-F238E27FC236}">
                 <a16:creationId xmlns:a16="http://schemas.microsoft.com/office/drawing/2014/main" id="{0174C7E8-0AD8-46BF-AE72-3EC502D53944}"/>
               </a:ext>
             </a:extLst>
@@ -3841,7 +4155,7 @@
 </p:sld>
 </file>
 
-<file path=ppt/slides/slide12.xml><?xml version="1.0" encoding="utf-8"?>
+<file path=ppt/slides/slide14.xml><?xml version="1.0" encoding="utf-8"?>
 <p:sld xmlns:a="http://schemas.openxmlformats.org/drawingml/2006/main" xmlns:r="http://schemas.openxmlformats.org/officeDocument/2006/relationships" xmlns:p="http://schemas.openxmlformats.org/presentationml/2006/main">
   <p:cSld>
     <p:spTree>
@@ -4846,7 +5160,7 @@
 </p:sld>
 </file>
 
-<file path=ppt/slides/slide13.xml><?xml version="1.0" encoding="utf-8"?>
+<file path=ppt/slides/slide15.xml><?xml version="1.0" encoding="utf-8"?>
 <p:sld xmlns:a="http://schemas.openxmlformats.org/drawingml/2006/main" xmlns:r="http://schemas.openxmlformats.org/officeDocument/2006/relationships" xmlns:p="http://schemas.openxmlformats.org/presentationml/2006/main">
   <p:cSld>
     <p:spTree>
@@ -6162,7 +6476,7 @@
 </p:sld>
 </file>
 
-<file path=ppt/slides/slide14.xml><?xml version="1.0" encoding="utf-8"?>
+<file path=ppt/slides/slide16.xml><?xml version="1.0" encoding="utf-8"?>
 <p:sld xmlns:a="http://schemas.openxmlformats.org/drawingml/2006/main" xmlns:r="http://schemas.openxmlformats.org/officeDocument/2006/relationships" xmlns:p="http://schemas.openxmlformats.org/presentationml/2006/main">
   <p:cSld>
     <p:spTree>
@@ -6950,7 +7264,7 @@
 </p:sld>
 </file>
 
-<file path=ppt/slides/slide15.xml><?xml version="1.0" encoding="utf-8"?>
+<file path=ppt/slides/slide17.xml><?xml version="1.0" encoding="utf-8"?>
 <p:sld xmlns:a="http://schemas.openxmlformats.org/drawingml/2006/main" xmlns:r="http://schemas.openxmlformats.org/officeDocument/2006/relationships" xmlns:p="http://schemas.openxmlformats.org/presentationml/2006/main">
   <p:cSld>
     <p:spTree>
@@ -7798,7 +8112,7 @@
 </p:sld>
 </file>
 
-<file path=ppt/slides/slide16.xml><?xml version="1.0" encoding="utf-8"?>
+<file path=ppt/slides/slide18.xml><?xml version="1.0" encoding="utf-8"?>
 <p:sld xmlns:a="http://schemas.openxmlformats.org/drawingml/2006/main" xmlns:r="http://schemas.openxmlformats.org/officeDocument/2006/relationships" xmlns:p="http://schemas.openxmlformats.org/presentationml/2006/main">
   <p:cSld>
     <p:spTree>
@@ -8486,288 +8800,6 @@
 </p:sld>
 </file>
 
-<file path=ppt/slides/slide17.xml><?xml version="1.0" encoding="utf-8"?>
-<p:sld xmlns:a="http://schemas.openxmlformats.org/drawingml/2006/main" xmlns:r="http://schemas.openxmlformats.org/officeDocument/2006/relationships" xmlns:p="http://schemas.openxmlformats.org/presentationml/2006/main">
-  <p:cSld>
-    <p:spTree>
-      <p:nvGrpSpPr>
-        <p:cNvPr id="1" name=""/>
-        <p:cNvGrpSpPr/>
-        <p:nvPr/>
-      </p:nvGrpSpPr>
-      <p:grpSpPr>
-        <a:xfrm>
-          <a:off x="0" y="0"/>
-          <a:ext cx="0" cy="0"/>
-          <a:chOff x="0" y="0"/>
-          <a:chExt cx="0" cy="0"/>
-        </a:xfrm>
-      </p:grpSpPr>
-      <p:sp>
-        <p:nvSpPr>
-          <p:cNvPr id="2" name="Title 1">
-            <a:extLst>
-              <a:ext uri="{FF2B5EF4-FFF2-40B4-BE49-F238E27FC236}">
-                <a16:creationId xmlns:a16="http://schemas.microsoft.com/office/drawing/2014/main" id="{BCD27A8D-74E0-4E88-81BD-2722472DC484}"/>
-              </a:ext>
-            </a:extLst>
-          </p:cNvPr>
-          <p:cNvSpPr>
-            <a:spLocks noGrp="1"/>
-          </p:cNvSpPr>
-          <p:nvPr>
-            <p:ph type="title"/>
-          </p:nvPr>
-        </p:nvSpPr>
-        <p:spPr/>
-        <p:txBody>
-          <a:bodyPr/>
-          <a:lstStyle/>
-          <a:p>
-            <a:r>
-              <a:rPr lang="fr-FR" dirty="0"/>
-              <a:t>Les indicateurs</a:t>
-            </a:r>
-            <a:endParaRPr lang="en-US" dirty="0"/>
-          </a:p>
-        </p:txBody>
-      </p:sp>
-      <p:sp>
-        <p:nvSpPr>
-          <p:cNvPr id="3" name="Content Placeholder 2">
-            <a:extLst>
-              <a:ext uri="{FF2B5EF4-FFF2-40B4-BE49-F238E27FC236}">
-                <a16:creationId xmlns:a16="http://schemas.microsoft.com/office/drawing/2014/main" id="{F0CAEC1F-53B1-40A6-9E30-E257D4AA4881}"/>
-              </a:ext>
-            </a:extLst>
-          </p:cNvPr>
-          <p:cNvSpPr>
-            <a:spLocks noGrp="1"/>
-          </p:cNvSpPr>
-          <p:nvPr>
-            <p:ph idx="1"/>
-          </p:nvPr>
-        </p:nvSpPr>
-        <p:spPr/>
-        <p:txBody>
-          <a:bodyPr/>
-          <a:lstStyle/>
-          <a:p>
-            <a:r>
-              <a:rPr lang="fr-FR" dirty="0"/>
-              <a:t>Moyennes Mobiles</a:t>
-            </a:r>
-          </a:p>
-          <a:p>
-            <a:r>
-              <a:rPr lang="fr-FR" dirty="0"/>
-              <a:t>Oscillateurs</a:t>
-            </a:r>
-          </a:p>
-          <a:p>
-            <a:r>
-              <a:rPr lang="fr-FR" dirty="0"/>
-              <a:t>Indicateurs de volatilité</a:t>
-            </a:r>
-          </a:p>
-          <a:p>
-            <a:r>
-              <a:rPr lang="fr-FR" dirty="0"/>
-              <a:t>Volumes</a:t>
-            </a:r>
-          </a:p>
-          <a:p>
-            <a:r>
-              <a:rPr lang="fr-FR" dirty="0"/>
-              <a:t>Analyse technique</a:t>
-            </a:r>
-          </a:p>
-          <a:p>
-            <a:r>
-              <a:rPr lang="fr-FR" dirty="0"/>
-              <a:t>Cycles et tendances</a:t>
-            </a:r>
-          </a:p>
-          <a:p>
-            <a:endParaRPr lang="fr-FR" dirty="0"/>
-          </a:p>
-          <a:p>
-            <a:pPr lvl="1"/>
-            <a:endParaRPr lang="en-US" dirty="0"/>
-          </a:p>
-        </p:txBody>
-      </p:sp>
-      <p:pic>
-        <p:nvPicPr>
-          <p:cNvPr id="5" name="Picture 4">
-            <a:extLst>
-              <a:ext uri="{FF2B5EF4-FFF2-40B4-BE49-F238E27FC236}">
-                <a16:creationId xmlns:a16="http://schemas.microsoft.com/office/drawing/2014/main" id="{53E968B8-6DA1-4446-9680-C1E608EB374C}"/>
-              </a:ext>
-            </a:extLst>
-          </p:cNvPr>
-          <p:cNvPicPr>
-            <a:picLocks noChangeAspect="1"/>
-          </p:cNvPicPr>
-          <p:nvPr/>
-        </p:nvPicPr>
-        <p:blipFill>
-          <a:blip r:embed="rId2"/>
-          <a:stretch>
-            <a:fillRect/>
-          </a:stretch>
-        </p:blipFill>
-        <p:spPr>
-          <a:xfrm>
-            <a:off x="4986221" y="2341601"/>
-            <a:ext cx="6724650" cy="3524250"/>
-          </a:xfrm>
-          <a:prstGeom prst="rect">
-            <a:avLst/>
-          </a:prstGeom>
-        </p:spPr>
-      </p:pic>
-    </p:spTree>
-    <p:extLst>
-      <p:ext uri="{BB962C8B-B14F-4D97-AF65-F5344CB8AC3E}">
-        <p14:creationId xmlns:p14="http://schemas.microsoft.com/office/powerpoint/2010/main" val="2166134969"/>
-      </p:ext>
-    </p:extLst>
-  </p:cSld>
-  <p:clrMapOvr>
-    <a:masterClrMapping/>
-  </p:clrMapOvr>
-</p:sld>
-</file>
-
-<file path=ppt/slides/slide18.xml><?xml version="1.0" encoding="utf-8"?>
-<p:sld xmlns:a="http://schemas.openxmlformats.org/drawingml/2006/main" xmlns:r="http://schemas.openxmlformats.org/officeDocument/2006/relationships" xmlns:p="http://schemas.openxmlformats.org/presentationml/2006/main">
-  <p:cSld>
-    <p:spTree>
-      <p:nvGrpSpPr>
-        <p:cNvPr id="1" name=""/>
-        <p:cNvGrpSpPr/>
-        <p:nvPr/>
-      </p:nvGrpSpPr>
-      <p:grpSpPr>
-        <a:xfrm>
-          <a:off x="0" y="0"/>
-          <a:ext cx="0" cy="0"/>
-          <a:chOff x="0" y="0"/>
-          <a:chExt cx="0" cy="0"/>
-        </a:xfrm>
-      </p:grpSpPr>
-      <p:sp>
-        <p:nvSpPr>
-          <p:cNvPr id="2" name="Title 1">
-            <a:extLst>
-              <a:ext uri="{FF2B5EF4-FFF2-40B4-BE49-F238E27FC236}">
-                <a16:creationId xmlns:a16="http://schemas.microsoft.com/office/drawing/2014/main" id="{40ACD992-07FD-4F22-964A-AB0A6B7A4E5A}"/>
-              </a:ext>
-            </a:extLst>
-          </p:cNvPr>
-          <p:cNvSpPr>
-            <a:spLocks noGrp="1"/>
-          </p:cNvSpPr>
-          <p:nvPr>
-            <p:ph type="title"/>
-          </p:nvPr>
-        </p:nvSpPr>
-        <p:spPr/>
-        <p:txBody>
-          <a:bodyPr/>
-          <a:lstStyle/>
-          <a:p>
-            <a:r>
-              <a:rPr lang="fr-FR" dirty="0"/>
-              <a:t>Moyennes Mobiles</a:t>
-            </a:r>
-            <a:endParaRPr lang="en-US" dirty="0"/>
-          </a:p>
-        </p:txBody>
-      </p:sp>
-      <p:sp>
-        <p:nvSpPr>
-          <p:cNvPr id="3" name="Content Placeholder 2">
-            <a:extLst>
-              <a:ext uri="{FF2B5EF4-FFF2-40B4-BE49-F238E27FC236}">
-                <a16:creationId xmlns:a16="http://schemas.microsoft.com/office/drawing/2014/main" id="{AB5AB4A3-B31E-4B55-97B4-56465F5ACD7B}"/>
-              </a:ext>
-            </a:extLst>
-          </p:cNvPr>
-          <p:cNvSpPr>
-            <a:spLocks noGrp="1"/>
-          </p:cNvSpPr>
-          <p:nvPr>
-            <p:ph idx="1"/>
-          </p:nvPr>
-        </p:nvSpPr>
-        <p:spPr/>
-        <p:txBody>
-          <a:bodyPr/>
-          <a:lstStyle/>
-          <a:p>
-            <a:r>
-              <a:rPr lang="fr-FR" dirty="0"/>
-              <a:t>Moyenne des n dernières valeurs</a:t>
-            </a:r>
-          </a:p>
-          <a:p>
-            <a:pPr lvl="1"/>
-            <a:r>
-              <a:rPr lang="fr-FR" dirty="0"/>
-              <a:t>Moving </a:t>
-            </a:r>
-            <a:r>
-              <a:rPr lang="fr-FR" dirty="0" err="1"/>
-              <a:t>Average</a:t>
-            </a:r>
-            <a:r>
-              <a:rPr lang="fr-FR" dirty="0"/>
-              <a:t> (MM)</a:t>
-            </a:r>
-          </a:p>
-          <a:p>
-            <a:pPr lvl="1"/>
-            <a:r>
-              <a:rPr lang="fr-FR" dirty="0" err="1"/>
-              <a:t>Exponential</a:t>
-            </a:r>
-            <a:r>
-              <a:rPr lang="fr-FR" dirty="0"/>
-              <a:t> Moving </a:t>
-            </a:r>
-            <a:r>
-              <a:rPr lang="fr-FR" dirty="0" err="1"/>
-              <a:t>Average</a:t>
-            </a:r>
-            <a:r>
-              <a:rPr lang="fr-FR" dirty="0"/>
-              <a:t> (EMA) </a:t>
-            </a:r>
-            <a:r>
-              <a:rPr lang="fr-FR" dirty="0">
-                <a:sym typeface="Wingdings" panose="05000000000000000000" pitchFamily="2" charset="2"/>
-              </a:rPr>
-              <a:t> plus de poids aux valeurs récentes</a:t>
-            </a:r>
-            <a:endParaRPr lang="en-US" dirty="0"/>
-          </a:p>
-        </p:txBody>
-      </p:sp>
-    </p:spTree>
-    <p:extLst>
-      <p:ext uri="{BB962C8B-B14F-4D97-AF65-F5344CB8AC3E}">
-        <p14:creationId xmlns:p14="http://schemas.microsoft.com/office/powerpoint/2010/main" val="3732752483"/>
-      </p:ext>
-    </p:extLst>
-  </p:cSld>
-  <p:clrMapOvr>
-    <a:masterClrMapping/>
-  </p:clrMapOvr>
-</p:sld>
-</file>
-
 <file path=ppt/slides/slide19.xml><?xml version="1.0" encoding="utf-8"?>
 <p:sld xmlns:a="http://schemas.openxmlformats.org/drawingml/2006/main" xmlns:r="http://schemas.openxmlformats.org/officeDocument/2006/relationships" xmlns:p="http://schemas.openxmlformats.org/presentationml/2006/main">
   <p:cSld>
@@ -8790,7 +8822,7 @@
           <p:cNvPr id="2" name="Title 1">
             <a:extLst>
               <a:ext uri="{FF2B5EF4-FFF2-40B4-BE49-F238E27FC236}">
-                <a16:creationId xmlns:a16="http://schemas.microsoft.com/office/drawing/2014/main" id="{C70C02F3-7908-4947-A1C6-EDF2C0CF9BDA}"/>
+                <a16:creationId xmlns:a16="http://schemas.microsoft.com/office/drawing/2014/main" id="{BCD27A8D-74E0-4E88-81BD-2722472DC484}"/>
               </a:ext>
             </a:extLst>
           </p:cNvPr>
@@ -8807,12 +8839,8 @@
           <a:lstStyle/>
           <a:p>
             <a:r>
-              <a:rPr lang="fr-FR" dirty="0" err="1"/>
-              <a:t>Donchian</a:t>
-            </a:r>
-            <a:r>
               <a:rPr lang="fr-FR" dirty="0"/>
-              <a:t> Channel</a:t>
+              <a:t>Les indicateurs</a:t>
             </a:r>
             <a:endParaRPr lang="en-US" dirty="0"/>
           </a:p>
@@ -8823,7 +8851,7 @@
           <p:cNvPr id="3" name="Content Placeholder 2">
             <a:extLst>
               <a:ext uri="{FF2B5EF4-FFF2-40B4-BE49-F238E27FC236}">
-                <a16:creationId xmlns:a16="http://schemas.microsoft.com/office/drawing/2014/main" id="{A8945965-B0F5-434E-9725-3316DC9FCAA0}"/>
+                <a16:creationId xmlns:a16="http://schemas.microsoft.com/office/drawing/2014/main" id="{F0CAEC1F-53B1-40A6-9E30-E257D4AA4881}"/>
               </a:ext>
             </a:extLst>
           </p:cNvPr>
@@ -8841,18 +8869,54 @@
           <a:p>
             <a:r>
               <a:rPr lang="fr-FR" dirty="0"/>
-              <a:t>Dessine un canal basé sur les plus hauts et plus bas des n dernières barres</a:t>
-            </a:r>
+              <a:t>Moyennes Mobiles</a:t>
+            </a:r>
+          </a:p>
+          <a:p>
+            <a:r>
+              <a:rPr lang="fr-FR" dirty="0"/>
+              <a:t>Oscillateurs</a:t>
+            </a:r>
+          </a:p>
+          <a:p>
+            <a:r>
+              <a:rPr lang="fr-FR" dirty="0"/>
+              <a:t>Indicateurs de volatilité</a:t>
+            </a:r>
+          </a:p>
+          <a:p>
+            <a:r>
+              <a:rPr lang="fr-FR" dirty="0"/>
+              <a:t>Volumes</a:t>
+            </a:r>
+          </a:p>
+          <a:p>
+            <a:r>
+              <a:rPr lang="fr-FR" dirty="0"/>
+              <a:t>Analyse technique</a:t>
+            </a:r>
+          </a:p>
+          <a:p>
+            <a:r>
+              <a:rPr lang="fr-FR" dirty="0"/>
+              <a:t>Cycles et tendances</a:t>
+            </a:r>
+          </a:p>
+          <a:p>
+            <a:endParaRPr lang="fr-FR" dirty="0"/>
+          </a:p>
+          <a:p>
+            <a:pPr lvl="1"/>
             <a:endParaRPr lang="en-US" dirty="0"/>
           </a:p>
         </p:txBody>
       </p:sp>
       <p:pic>
         <p:nvPicPr>
-          <p:cNvPr id="4" name="Picture 3">
-            <a:extLst>
-              <a:ext uri="{FF2B5EF4-FFF2-40B4-BE49-F238E27FC236}">
-                <a16:creationId xmlns:a16="http://schemas.microsoft.com/office/drawing/2014/main" id="{E4D0D3E4-9DDA-4FCD-848B-E3975C09154B}"/>
+          <p:cNvPr id="5" name="Picture 4">
+            <a:extLst>
+              <a:ext uri="{FF2B5EF4-FFF2-40B4-BE49-F238E27FC236}">
+                <a16:creationId xmlns:a16="http://schemas.microsoft.com/office/drawing/2014/main" id="{53E968B8-6DA1-4446-9680-C1E608EB374C}"/>
               </a:ext>
             </a:extLst>
           </p:cNvPr>
@@ -8869,8 +8933,8 @@
         </p:blipFill>
         <p:spPr>
           <a:xfrm>
-            <a:off x="2347414" y="2369999"/>
-            <a:ext cx="9574041" cy="4122876"/>
+            <a:off x="4986221" y="2341601"/>
+            <a:ext cx="6724650" cy="3524250"/>
           </a:xfrm>
           <a:prstGeom prst="rect">
             <a:avLst/>
@@ -8880,7 +8944,7 @@
     </p:spTree>
     <p:extLst>
       <p:ext uri="{BB962C8B-B14F-4D97-AF65-F5344CB8AC3E}">
-        <p14:creationId xmlns:p14="http://schemas.microsoft.com/office/powerpoint/2010/main" val="3443141974"/>
+        <p14:creationId xmlns:p14="http://schemas.microsoft.com/office/powerpoint/2010/main" val="2166134969"/>
       </p:ext>
     </p:extLst>
   </p:cSld>
@@ -9045,7 +9109,7 @@
           <p:cNvPr id="2" name="Title 1">
             <a:extLst>
               <a:ext uri="{FF2B5EF4-FFF2-40B4-BE49-F238E27FC236}">
-                <a16:creationId xmlns:a16="http://schemas.microsoft.com/office/drawing/2014/main" id="{0ABDA52D-1056-4DB9-9B30-FCCEA3009EA9}"/>
+                <a16:creationId xmlns:a16="http://schemas.microsoft.com/office/drawing/2014/main" id="{40ACD992-07FD-4F22-964A-AB0A6B7A4E5A}"/>
               </a:ext>
             </a:extLst>
           </p:cNvPr>
@@ -9063,7 +9127,7 @@
           <a:p>
             <a:r>
               <a:rPr lang="fr-FR" dirty="0"/>
-              <a:t>Stratégies</a:t>
+              <a:t>Moyennes Mobiles</a:t>
             </a:r>
             <a:endParaRPr lang="en-US" dirty="0"/>
           </a:p>
@@ -9074,7 +9138,7 @@
           <p:cNvPr id="3" name="Content Placeholder 2">
             <a:extLst>
               <a:ext uri="{FF2B5EF4-FFF2-40B4-BE49-F238E27FC236}">
-                <a16:creationId xmlns:a16="http://schemas.microsoft.com/office/drawing/2014/main" id="{B9D697F1-7132-4218-9A02-891537714431}"/>
+                <a16:creationId xmlns:a16="http://schemas.microsoft.com/office/drawing/2014/main" id="{AB5AB4A3-B31E-4B55-97B4-56465F5ACD7B}"/>
               </a:ext>
             </a:extLst>
           </p:cNvPr>
@@ -9092,31 +9156,47 @@
           <a:p>
             <a:r>
               <a:rPr lang="fr-FR" dirty="0"/>
-              <a:t>Analyse technique</a:t>
-            </a:r>
-          </a:p>
-          <a:p>
+              <a:t>Moyenne des n dernières valeurs</a:t>
+            </a:r>
+          </a:p>
+          <a:p>
+            <a:pPr lvl="1"/>
             <a:r>
               <a:rPr lang="fr-FR" dirty="0"/>
-              <a:t>Indicateurs</a:t>
-            </a:r>
-          </a:p>
-          <a:p>
+              <a:t>Moving </a:t>
+            </a:r>
+            <a:r>
+              <a:rPr lang="fr-FR" dirty="0" err="1"/>
+              <a:t>Average</a:t>
+            </a:r>
             <a:r>
               <a:rPr lang="fr-FR" dirty="0"/>
-              <a:t>Analyse fondamentale</a:t>
-            </a:r>
-          </a:p>
-          <a:p>
+              <a:t> (MM)</a:t>
+            </a:r>
+          </a:p>
+          <a:p>
+            <a:pPr lvl="1"/>
+            <a:r>
+              <a:rPr lang="fr-FR" dirty="0" err="1"/>
+              <a:t>Exponential</a:t>
+            </a:r>
             <a:r>
               <a:rPr lang="fr-FR" dirty="0"/>
-              <a:t>News</a:t>
-            </a:r>
-          </a:p>
-          <a:p>
+              <a:t> Moving </a:t>
+            </a:r>
             <a:r>
               <a:rPr lang="fr-FR" dirty="0" err="1"/>
-              <a:t>Contrarian</a:t>
+              <a:t>Average</a:t>
+            </a:r>
+            <a:r>
+              <a:rPr lang="fr-FR" dirty="0"/>
+              <a:t> (EMA) </a:t>
+            </a:r>
+            <a:r>
+              <a:rPr lang="fr-FR" dirty="0">
+                <a:sym typeface="Wingdings" panose="05000000000000000000" pitchFamily="2" charset="2"/>
+              </a:rPr>
+              <a:t> plus de poids aux valeurs récentes</a:t>
             </a:r>
             <a:endParaRPr lang="en-US" dirty="0"/>
           </a:p>
@@ -9125,7 +9205,7 @@
     </p:spTree>
     <p:extLst>
       <p:ext uri="{BB962C8B-B14F-4D97-AF65-F5344CB8AC3E}">
-        <p14:creationId xmlns:p14="http://schemas.microsoft.com/office/powerpoint/2010/main" val="4045546859"/>
+        <p14:creationId xmlns:p14="http://schemas.microsoft.com/office/powerpoint/2010/main" val="3732752483"/>
       </p:ext>
     </p:extLst>
   </p:cSld>
@@ -9157,7 +9237,7 @@
           <p:cNvPr id="2" name="Title 1">
             <a:extLst>
               <a:ext uri="{FF2B5EF4-FFF2-40B4-BE49-F238E27FC236}">
-                <a16:creationId xmlns:a16="http://schemas.microsoft.com/office/drawing/2014/main" id="{E04E3372-C95E-44C7-90FA-D8A631A63FED}"/>
+                <a16:creationId xmlns:a16="http://schemas.microsoft.com/office/drawing/2014/main" id="{C70C02F3-7908-4947-A1C6-EDF2C0CF9BDA}"/>
               </a:ext>
             </a:extLst>
           </p:cNvPr>
@@ -9174,8 +9254,12 @@
           <a:lstStyle/>
           <a:p>
             <a:r>
+              <a:rPr lang="fr-FR" dirty="0" err="1"/>
+              <a:t>Donchian</a:t>
+            </a:r>
+            <a:r>
               <a:rPr lang="fr-FR" dirty="0"/>
-              <a:t>Construction d’un portefeuille</a:t>
+              <a:t> Channel</a:t>
             </a:r>
             <a:endParaRPr lang="en-US" dirty="0"/>
           </a:p>
@@ -9186,7 +9270,7 @@
           <p:cNvPr id="3" name="Content Placeholder 2">
             <a:extLst>
               <a:ext uri="{FF2B5EF4-FFF2-40B4-BE49-F238E27FC236}">
-                <a16:creationId xmlns:a16="http://schemas.microsoft.com/office/drawing/2014/main" id="{ED9DB76D-9365-425E-A39F-5026367D4CBE}"/>
+                <a16:creationId xmlns:a16="http://schemas.microsoft.com/office/drawing/2014/main" id="{A8945965-B0F5-434E-9725-3316DC9FCAA0}"/>
               </a:ext>
             </a:extLst>
           </p:cNvPr>
@@ -9204,31 +9288,46 @@
           <a:p>
             <a:r>
               <a:rPr lang="fr-FR" dirty="0"/>
-              <a:t>Diversification != All In</a:t>
-            </a:r>
-          </a:p>
-          <a:p>
-            <a:r>
-              <a:rPr lang="fr-FR" dirty="0"/>
-              <a:t>Gestion du risque</a:t>
-            </a:r>
-          </a:p>
-          <a:p>
-            <a:r>
-              <a:rPr lang="en-US" dirty="0" err="1"/>
-              <a:t>Nombre</a:t>
-            </a:r>
-            <a:r>
-              <a:rPr lang="en-US" dirty="0"/>
-              <a:t> de positions</a:t>
-            </a:r>
-          </a:p>
-        </p:txBody>
-      </p:sp>
+              <a:t>Dessine un canal basé sur les plus hauts et plus bas des n dernières barres</a:t>
+            </a:r>
+            <a:endParaRPr lang="en-US" dirty="0"/>
+          </a:p>
+        </p:txBody>
+      </p:sp>
+      <p:pic>
+        <p:nvPicPr>
+          <p:cNvPr id="4" name="Picture 3">
+            <a:extLst>
+              <a:ext uri="{FF2B5EF4-FFF2-40B4-BE49-F238E27FC236}">
+                <a16:creationId xmlns:a16="http://schemas.microsoft.com/office/drawing/2014/main" id="{E4D0D3E4-9DDA-4FCD-848B-E3975C09154B}"/>
+              </a:ext>
+            </a:extLst>
+          </p:cNvPr>
+          <p:cNvPicPr>
+            <a:picLocks noChangeAspect="1"/>
+          </p:cNvPicPr>
+          <p:nvPr/>
+        </p:nvPicPr>
+        <p:blipFill>
+          <a:blip r:embed="rId2"/>
+          <a:stretch>
+            <a:fillRect/>
+          </a:stretch>
+        </p:blipFill>
+        <p:spPr>
+          <a:xfrm>
+            <a:off x="2347414" y="2369999"/>
+            <a:ext cx="9574041" cy="4122876"/>
+          </a:xfrm>
+          <a:prstGeom prst="rect">
+            <a:avLst/>
+          </a:prstGeom>
+        </p:spPr>
+      </p:pic>
     </p:spTree>
     <p:extLst>
       <p:ext uri="{BB962C8B-B14F-4D97-AF65-F5344CB8AC3E}">
-        <p14:creationId xmlns:p14="http://schemas.microsoft.com/office/powerpoint/2010/main" val="2373413576"/>
+        <p14:creationId xmlns:p14="http://schemas.microsoft.com/office/powerpoint/2010/main" val="3443141974"/>
       </p:ext>
     </p:extLst>
   </p:cSld>
@@ -9255,59 +9354,92 @@
           <a:chExt cx="0" cy="0"/>
         </a:xfrm>
       </p:grpSpPr>
-      <p:pic>
-        <p:nvPicPr>
-          <p:cNvPr id="1026" name="Picture 2" descr="Psychology Charts &amp; Sentiment Cycles (Updated) | Cheat sheets ...">
-            <a:extLst>
-              <a:ext uri="{FF2B5EF4-FFF2-40B4-BE49-F238E27FC236}">
-                <a16:creationId xmlns:a16="http://schemas.microsoft.com/office/drawing/2014/main" id="{BE62A6C7-3A4B-47F0-93D0-55B174085862}"/>
-              </a:ext>
-            </a:extLst>
-          </p:cNvPr>
-          <p:cNvPicPr>
-            <a:picLocks noGrp="1" noChangeAspect="1" noChangeArrowheads="1"/>
-          </p:cNvPicPr>
+      <p:sp>
+        <p:nvSpPr>
+          <p:cNvPr id="2" name="Title 1">
+            <a:extLst>
+              <a:ext uri="{FF2B5EF4-FFF2-40B4-BE49-F238E27FC236}">
+                <a16:creationId xmlns:a16="http://schemas.microsoft.com/office/drawing/2014/main" id="{0ABDA52D-1056-4DB9-9B30-FCCEA3009EA9}"/>
+              </a:ext>
+            </a:extLst>
+          </p:cNvPr>
+          <p:cNvSpPr>
+            <a:spLocks noGrp="1"/>
+          </p:cNvSpPr>
+          <p:nvPr>
+            <p:ph type="title"/>
+          </p:nvPr>
+        </p:nvSpPr>
+        <p:spPr/>
+        <p:txBody>
+          <a:bodyPr/>
+          <a:lstStyle/>
+          <a:p>
+            <a:r>
+              <a:rPr lang="fr-FR" dirty="0"/>
+              <a:t>Stratégies</a:t>
+            </a:r>
+            <a:endParaRPr lang="en-US" dirty="0"/>
+          </a:p>
+        </p:txBody>
+      </p:sp>
+      <p:sp>
+        <p:nvSpPr>
+          <p:cNvPr id="3" name="Content Placeholder 2">
+            <a:extLst>
+              <a:ext uri="{FF2B5EF4-FFF2-40B4-BE49-F238E27FC236}">
+                <a16:creationId xmlns:a16="http://schemas.microsoft.com/office/drawing/2014/main" id="{B9D697F1-7132-4218-9A02-891537714431}"/>
+              </a:ext>
+            </a:extLst>
+          </p:cNvPr>
+          <p:cNvSpPr>
+            <a:spLocks noGrp="1"/>
+          </p:cNvSpPr>
           <p:nvPr>
             <p:ph idx="1"/>
           </p:nvPr>
-        </p:nvPicPr>
-        <p:blipFill>
-          <a:blip r:embed="rId2">
-            <a:extLst>
-              <a:ext uri="{28A0092B-C50C-407E-A947-70E740481C1C}">
-                <a14:useLocalDpi xmlns:a14="http://schemas.microsoft.com/office/drawing/2010/main" val="0"/>
-              </a:ext>
-            </a:extLst>
-          </a:blip>
-          <a:srcRect/>
-          <a:stretch>
-            <a:fillRect/>
-          </a:stretch>
-        </p:blipFill>
-        <p:spPr bwMode="auto">
-          <a:xfrm>
-            <a:off x="2821259" y="1361706"/>
-            <a:ext cx="6523463" cy="5300315"/>
-          </a:xfrm>
-          <a:prstGeom prst="rect">
-            <a:avLst/>
-          </a:prstGeom>
-          <a:noFill/>
-          <a:extLst>
-            <a:ext uri="{909E8E84-426E-40DD-AFC4-6F175D3DCCD1}">
-              <a14:hiddenFill xmlns:a14="http://schemas.microsoft.com/office/drawing/2010/main">
-                <a:solidFill>
-                  <a:srgbClr val="FFFFFF"/>
-                </a:solidFill>
-              </a14:hiddenFill>
-            </a:ext>
-          </a:extLst>
-        </p:spPr>
-      </p:pic>
+        </p:nvSpPr>
+        <p:spPr/>
+        <p:txBody>
+          <a:bodyPr/>
+          <a:lstStyle/>
+          <a:p>
+            <a:r>
+              <a:rPr lang="fr-FR" dirty="0"/>
+              <a:t>Analyse technique</a:t>
+            </a:r>
+          </a:p>
+          <a:p>
+            <a:r>
+              <a:rPr lang="fr-FR" dirty="0"/>
+              <a:t>Indicateurs</a:t>
+            </a:r>
+          </a:p>
+          <a:p>
+            <a:r>
+              <a:rPr lang="fr-FR" dirty="0"/>
+              <a:t>Analyse fondamentale</a:t>
+            </a:r>
+          </a:p>
+          <a:p>
+            <a:r>
+              <a:rPr lang="fr-FR" dirty="0"/>
+              <a:t>News</a:t>
+            </a:r>
+          </a:p>
+          <a:p>
+            <a:r>
+              <a:rPr lang="fr-FR" dirty="0" err="1"/>
+              <a:t>Contrarian</a:t>
+            </a:r>
+            <a:endParaRPr lang="en-US" dirty="0"/>
+          </a:p>
+        </p:txBody>
+      </p:sp>
     </p:spTree>
     <p:extLst>
       <p:ext uri="{BB962C8B-B14F-4D97-AF65-F5344CB8AC3E}">
-        <p14:creationId xmlns:p14="http://schemas.microsoft.com/office/powerpoint/2010/main" val="725611940"/>
+        <p14:creationId xmlns:p14="http://schemas.microsoft.com/office/powerpoint/2010/main" val="4045546859"/>
       </p:ext>
     </p:extLst>
   </p:cSld>
@@ -9339,6 +9471,188 @@
           <p:cNvPr id="2" name="Title 1">
             <a:extLst>
               <a:ext uri="{FF2B5EF4-FFF2-40B4-BE49-F238E27FC236}">
+                <a16:creationId xmlns:a16="http://schemas.microsoft.com/office/drawing/2014/main" id="{E04E3372-C95E-44C7-90FA-D8A631A63FED}"/>
+              </a:ext>
+            </a:extLst>
+          </p:cNvPr>
+          <p:cNvSpPr>
+            <a:spLocks noGrp="1"/>
+          </p:cNvSpPr>
+          <p:nvPr>
+            <p:ph type="title"/>
+          </p:nvPr>
+        </p:nvSpPr>
+        <p:spPr/>
+        <p:txBody>
+          <a:bodyPr/>
+          <a:lstStyle/>
+          <a:p>
+            <a:r>
+              <a:rPr lang="fr-FR" dirty="0"/>
+              <a:t>Construction d’un portefeuille</a:t>
+            </a:r>
+            <a:endParaRPr lang="en-US" dirty="0"/>
+          </a:p>
+        </p:txBody>
+      </p:sp>
+      <p:sp>
+        <p:nvSpPr>
+          <p:cNvPr id="3" name="Content Placeholder 2">
+            <a:extLst>
+              <a:ext uri="{FF2B5EF4-FFF2-40B4-BE49-F238E27FC236}">
+                <a16:creationId xmlns:a16="http://schemas.microsoft.com/office/drawing/2014/main" id="{ED9DB76D-9365-425E-A39F-5026367D4CBE}"/>
+              </a:ext>
+            </a:extLst>
+          </p:cNvPr>
+          <p:cNvSpPr>
+            <a:spLocks noGrp="1"/>
+          </p:cNvSpPr>
+          <p:nvPr>
+            <p:ph idx="1"/>
+          </p:nvPr>
+        </p:nvSpPr>
+        <p:spPr/>
+        <p:txBody>
+          <a:bodyPr/>
+          <a:lstStyle/>
+          <a:p>
+            <a:r>
+              <a:rPr lang="fr-FR" dirty="0"/>
+              <a:t>Diversification != All In</a:t>
+            </a:r>
+          </a:p>
+          <a:p>
+            <a:r>
+              <a:rPr lang="fr-FR" dirty="0"/>
+              <a:t>Gestion du risque</a:t>
+            </a:r>
+          </a:p>
+          <a:p>
+            <a:r>
+              <a:rPr lang="en-US" dirty="0" err="1"/>
+              <a:t>Nombre</a:t>
+            </a:r>
+            <a:r>
+              <a:rPr lang="en-US" dirty="0"/>
+              <a:t> de positions</a:t>
+            </a:r>
+          </a:p>
+        </p:txBody>
+      </p:sp>
+    </p:spTree>
+    <p:extLst>
+      <p:ext uri="{BB962C8B-B14F-4D97-AF65-F5344CB8AC3E}">
+        <p14:creationId xmlns:p14="http://schemas.microsoft.com/office/powerpoint/2010/main" val="2373413576"/>
+      </p:ext>
+    </p:extLst>
+  </p:cSld>
+  <p:clrMapOvr>
+    <a:masterClrMapping/>
+  </p:clrMapOvr>
+</p:sld>
+</file>
+
+<file path=ppt/slides/slide24.xml><?xml version="1.0" encoding="utf-8"?>
+<p:sld xmlns:a="http://schemas.openxmlformats.org/drawingml/2006/main" xmlns:r="http://schemas.openxmlformats.org/officeDocument/2006/relationships" xmlns:p="http://schemas.openxmlformats.org/presentationml/2006/main">
+  <p:cSld>
+    <p:spTree>
+      <p:nvGrpSpPr>
+        <p:cNvPr id="1" name=""/>
+        <p:cNvGrpSpPr/>
+        <p:nvPr/>
+      </p:nvGrpSpPr>
+      <p:grpSpPr>
+        <a:xfrm>
+          <a:off x="0" y="0"/>
+          <a:ext cx="0" cy="0"/>
+          <a:chOff x="0" y="0"/>
+          <a:chExt cx="0" cy="0"/>
+        </a:xfrm>
+      </p:grpSpPr>
+      <p:pic>
+        <p:nvPicPr>
+          <p:cNvPr id="1026" name="Picture 2" descr="Psychology Charts &amp; Sentiment Cycles (Updated) | Cheat sheets ...">
+            <a:extLst>
+              <a:ext uri="{FF2B5EF4-FFF2-40B4-BE49-F238E27FC236}">
+                <a16:creationId xmlns:a16="http://schemas.microsoft.com/office/drawing/2014/main" id="{BE62A6C7-3A4B-47F0-93D0-55B174085862}"/>
+              </a:ext>
+            </a:extLst>
+          </p:cNvPr>
+          <p:cNvPicPr>
+            <a:picLocks noGrp="1" noChangeAspect="1" noChangeArrowheads="1"/>
+          </p:cNvPicPr>
+          <p:nvPr>
+            <p:ph idx="1"/>
+          </p:nvPr>
+        </p:nvPicPr>
+        <p:blipFill>
+          <a:blip r:embed="rId2">
+            <a:extLst>
+              <a:ext uri="{28A0092B-C50C-407E-A947-70E740481C1C}">
+                <a14:useLocalDpi xmlns:a14="http://schemas.microsoft.com/office/drawing/2010/main" val="0"/>
+              </a:ext>
+            </a:extLst>
+          </a:blip>
+          <a:srcRect/>
+          <a:stretch>
+            <a:fillRect/>
+          </a:stretch>
+        </p:blipFill>
+        <p:spPr bwMode="auto">
+          <a:xfrm>
+            <a:off x="2821259" y="1361706"/>
+            <a:ext cx="6523463" cy="5300315"/>
+          </a:xfrm>
+          <a:prstGeom prst="rect">
+            <a:avLst/>
+          </a:prstGeom>
+          <a:noFill/>
+          <a:extLst>
+            <a:ext uri="{909E8E84-426E-40DD-AFC4-6F175D3DCCD1}">
+              <a14:hiddenFill xmlns:a14="http://schemas.microsoft.com/office/drawing/2010/main">
+                <a:solidFill>
+                  <a:srgbClr val="FFFFFF"/>
+                </a:solidFill>
+              </a14:hiddenFill>
+            </a:ext>
+          </a:extLst>
+        </p:spPr>
+      </p:pic>
+    </p:spTree>
+    <p:extLst>
+      <p:ext uri="{BB962C8B-B14F-4D97-AF65-F5344CB8AC3E}">
+        <p14:creationId xmlns:p14="http://schemas.microsoft.com/office/powerpoint/2010/main" val="725611940"/>
+      </p:ext>
+    </p:extLst>
+  </p:cSld>
+  <p:clrMapOvr>
+    <a:masterClrMapping/>
+  </p:clrMapOvr>
+</p:sld>
+</file>
+
+<file path=ppt/slides/slide25.xml><?xml version="1.0" encoding="utf-8"?>
+<p:sld xmlns:a="http://schemas.openxmlformats.org/drawingml/2006/main" xmlns:r="http://schemas.openxmlformats.org/officeDocument/2006/relationships" xmlns:p="http://schemas.openxmlformats.org/presentationml/2006/main">
+  <p:cSld>
+    <p:spTree>
+      <p:nvGrpSpPr>
+        <p:cNvPr id="1" name=""/>
+        <p:cNvGrpSpPr/>
+        <p:nvPr/>
+      </p:nvGrpSpPr>
+      <p:grpSpPr>
+        <a:xfrm>
+          <a:off x="0" y="0"/>
+          <a:ext cx="0" cy="0"/>
+          <a:chOff x="0" y="0"/>
+          <a:chExt cx="0" cy="0"/>
+        </a:xfrm>
+      </p:grpSpPr>
+      <p:sp>
+        <p:nvSpPr>
+          <p:cNvPr id="2" name="Title 1">
+            <a:extLst>
+              <a:ext uri="{FF2B5EF4-FFF2-40B4-BE49-F238E27FC236}">
                 <a16:creationId xmlns:a16="http://schemas.microsoft.com/office/drawing/2014/main" id="{8799B785-EEBE-49C4-AB80-AC77F7A85E20}"/>
               </a:ext>
             </a:extLst>
@@ -9456,7 +9770,7 @@
 </p:sld>
 </file>
 
-<file path=ppt/slides/slide24.xml><?xml version="1.0" encoding="utf-8"?>
+<file path=ppt/slides/slide26.xml><?xml version="1.0" encoding="utf-8"?>
 <p:sld xmlns:a="http://schemas.openxmlformats.org/drawingml/2006/main" xmlns:r="http://schemas.openxmlformats.org/officeDocument/2006/relationships" xmlns:p="http://schemas.openxmlformats.org/presentationml/2006/main">
   <p:cSld>
     <p:spTree>
@@ -10950,6 +11264,118 @@
       </p:grpSpPr>
       <p:sp>
         <p:nvSpPr>
+          <p:cNvPr id="5" name="Title 4">
+            <a:extLst>
+              <a:ext uri="{FF2B5EF4-FFF2-40B4-BE49-F238E27FC236}">
+                <a16:creationId xmlns:a16="http://schemas.microsoft.com/office/drawing/2014/main" id="{86709078-0064-477F-979A-1806C23C3248}"/>
+              </a:ext>
+            </a:extLst>
+          </p:cNvPr>
+          <p:cNvSpPr>
+            <a:spLocks noGrp="1"/>
+          </p:cNvSpPr>
+          <p:nvPr>
+            <p:ph type="title"/>
+          </p:nvPr>
+        </p:nvSpPr>
+        <p:spPr/>
+        <p:txBody>
+          <a:bodyPr/>
+          <a:lstStyle/>
+          <a:p>
+            <a:r>
+              <a:rPr lang="fr-FR" dirty="0"/>
+              <a:t>Le Stop </a:t>
+            </a:r>
+            <a:r>
+              <a:rPr lang="fr-FR" dirty="0" err="1"/>
+              <a:t>Loss</a:t>
+            </a:r>
+            <a:endParaRPr lang="en-US" dirty="0"/>
+          </a:p>
+        </p:txBody>
+      </p:sp>
+      <p:pic>
+        <p:nvPicPr>
+          <p:cNvPr id="1026" name="Picture 2" descr="Image">
+            <a:extLst>
+              <a:ext uri="{FF2B5EF4-FFF2-40B4-BE49-F238E27FC236}">
+                <a16:creationId xmlns:a16="http://schemas.microsoft.com/office/drawing/2014/main" id="{683FF4E7-0409-48A7-B042-6E4626BFB8C9}"/>
+              </a:ext>
+            </a:extLst>
+          </p:cNvPr>
+          <p:cNvPicPr>
+            <a:picLocks noGrp="1" noChangeAspect="1" noChangeArrowheads="1"/>
+          </p:cNvPicPr>
+          <p:nvPr>
+            <p:ph idx="1"/>
+          </p:nvPr>
+        </p:nvPicPr>
+        <p:blipFill>
+          <a:blip r:embed="rId2">
+            <a:extLst>
+              <a:ext uri="{28A0092B-C50C-407E-A947-70E740481C1C}">
+                <a14:useLocalDpi xmlns:a14="http://schemas.microsoft.com/office/drawing/2010/main" val="0"/>
+              </a:ext>
+            </a:extLst>
+          </a:blip>
+          <a:srcRect/>
+          <a:stretch>
+            <a:fillRect/>
+          </a:stretch>
+        </p:blipFill>
+        <p:spPr bwMode="auto">
+          <a:xfrm>
+            <a:off x="1471962" y="1446796"/>
+            <a:ext cx="9757316" cy="5174151"/>
+          </a:xfrm>
+          <a:prstGeom prst="rect">
+            <a:avLst/>
+          </a:prstGeom>
+          <a:noFill/>
+          <a:extLst>
+            <a:ext uri="{909E8E84-426E-40DD-AFC4-6F175D3DCCD1}">
+              <a14:hiddenFill xmlns:a14="http://schemas.microsoft.com/office/drawing/2010/main">
+                <a:solidFill>
+                  <a:srgbClr val="FFFFFF"/>
+                </a:solidFill>
+              </a14:hiddenFill>
+            </a:ext>
+          </a:extLst>
+        </p:spPr>
+      </p:pic>
+    </p:spTree>
+    <p:extLst>
+      <p:ext uri="{BB962C8B-B14F-4D97-AF65-F5344CB8AC3E}">
+        <p14:creationId xmlns:p14="http://schemas.microsoft.com/office/powerpoint/2010/main" val="3850525840"/>
+      </p:ext>
+    </p:extLst>
+  </p:cSld>
+  <p:clrMapOvr>
+    <a:masterClrMapping/>
+  </p:clrMapOvr>
+</p:sld>
+</file>
+
+<file path=ppt/slides/slide9.xml><?xml version="1.0" encoding="utf-8"?>
+<p:sld xmlns:a="http://schemas.openxmlformats.org/drawingml/2006/main" xmlns:r="http://schemas.openxmlformats.org/officeDocument/2006/relationships" xmlns:p="http://schemas.openxmlformats.org/presentationml/2006/main">
+  <p:cSld>
+    <p:spTree>
+      <p:nvGrpSpPr>
+        <p:cNvPr id="1" name=""/>
+        <p:cNvGrpSpPr/>
+        <p:nvPr/>
+      </p:nvGrpSpPr>
+      <p:grpSpPr>
+        <a:xfrm>
+          <a:off x="0" y="0"/>
+          <a:ext cx="0" cy="0"/>
+          <a:chOff x="0" y="0"/>
+          <a:chExt cx="0" cy="0"/>
+        </a:xfrm>
+      </p:grpSpPr>
+      <p:sp>
+        <p:nvSpPr>
           <p:cNvPr id="2" name="Title 1">
             <a:extLst>
               <a:ext uri="{FF2B5EF4-FFF2-40B4-BE49-F238E27FC236}">
@@ -11821,190 +12247,6 @@
     <p:extLst>
       <p:ext uri="{BB962C8B-B14F-4D97-AF65-F5344CB8AC3E}">
         <p14:creationId xmlns:p14="http://schemas.microsoft.com/office/powerpoint/2010/main" val="3839176620"/>
-      </p:ext>
-    </p:extLst>
-  </p:cSld>
-  <p:clrMapOvr>
-    <a:masterClrMapping/>
-  </p:clrMapOvr>
-</p:sld>
-</file>
-
-<file path=ppt/slides/slide9.xml><?xml version="1.0" encoding="utf-8"?>
-<p:sld xmlns:a="http://schemas.openxmlformats.org/drawingml/2006/main" xmlns:r="http://schemas.openxmlformats.org/officeDocument/2006/relationships" xmlns:p="http://schemas.openxmlformats.org/presentationml/2006/main">
-  <p:cSld>
-    <p:spTree>
-      <p:nvGrpSpPr>
-        <p:cNvPr id="1" name=""/>
-        <p:cNvGrpSpPr/>
-        <p:nvPr/>
-      </p:nvGrpSpPr>
-      <p:grpSpPr>
-        <a:xfrm>
-          <a:off x="0" y="0"/>
-          <a:ext cx="0" cy="0"/>
-          <a:chOff x="0" y="0"/>
-          <a:chExt cx="0" cy="0"/>
-        </a:xfrm>
-      </p:grpSpPr>
-      <p:sp>
-        <p:nvSpPr>
-          <p:cNvPr id="2" name="Title 1">
-            <a:extLst>
-              <a:ext uri="{FF2B5EF4-FFF2-40B4-BE49-F238E27FC236}">
-                <a16:creationId xmlns:a16="http://schemas.microsoft.com/office/drawing/2014/main" id="{0D63C207-1163-43D4-BAFC-348BC1E06A37}"/>
-              </a:ext>
-            </a:extLst>
-          </p:cNvPr>
-          <p:cNvSpPr>
-            <a:spLocks noGrp="1"/>
-          </p:cNvSpPr>
-          <p:nvPr>
-            <p:ph type="title"/>
-          </p:nvPr>
-        </p:nvSpPr>
-        <p:spPr/>
-        <p:txBody>
-          <a:bodyPr/>
-          <a:lstStyle/>
-          <a:p>
-            <a:r>
-              <a:rPr lang="fr-FR" dirty="0"/>
-              <a:t>Quantifier le risque</a:t>
-            </a:r>
-            <a:endParaRPr lang="en-US" dirty="0"/>
-          </a:p>
-        </p:txBody>
-      </p:sp>
-      <p:sp>
-        <p:nvSpPr>
-          <p:cNvPr id="3" name="Content Placeholder 2">
-            <a:extLst>
-              <a:ext uri="{FF2B5EF4-FFF2-40B4-BE49-F238E27FC236}">
-                <a16:creationId xmlns:a16="http://schemas.microsoft.com/office/drawing/2014/main" id="{51C5D597-2517-4964-AC77-8CEDC7A0EAD9}"/>
-              </a:ext>
-            </a:extLst>
-          </p:cNvPr>
-          <p:cNvSpPr>
-            <a:spLocks noGrp="1"/>
-          </p:cNvSpPr>
-          <p:nvPr>
-            <p:ph sz="half" idx="1"/>
-          </p:nvPr>
-        </p:nvSpPr>
-        <p:spPr/>
-        <p:txBody>
-          <a:bodyPr/>
-          <a:lstStyle/>
-          <a:p>
-            <a:r>
-              <a:rPr lang="fr-FR" dirty="0"/>
-              <a:t>Déterminer le Risk/</a:t>
-            </a:r>
-            <a:r>
-              <a:rPr lang="fr-FR" dirty="0" err="1"/>
-              <a:t>Reward</a:t>
-            </a:r>
-            <a:r>
-              <a:rPr lang="fr-FR" dirty="0"/>
-              <a:t> ratio</a:t>
-            </a:r>
-          </a:p>
-          <a:p>
-            <a:pPr lvl="1">
-              <a:buFont typeface="Wingdings" panose="05000000000000000000" pitchFamily="2" charset="2"/>
-              <a:buChar char="è"/>
-            </a:pPr>
-            <a:r>
-              <a:rPr lang="fr-FR" dirty="0">
-                <a:sym typeface="Wingdings" panose="05000000000000000000" pitchFamily="2" charset="2"/>
-              </a:rPr>
-              <a:t>Au niveau de la position</a:t>
-            </a:r>
-          </a:p>
-          <a:p>
-            <a:pPr lvl="1">
-              <a:buFont typeface="Wingdings" panose="05000000000000000000" pitchFamily="2" charset="2"/>
-              <a:buChar char="è"/>
-            </a:pPr>
-            <a:r>
-              <a:rPr lang="fr-FR" dirty="0">
-                <a:sym typeface="Wingdings" panose="05000000000000000000" pitchFamily="2" charset="2"/>
-              </a:rPr>
-              <a:t>Au niveau du portefeuille</a:t>
-            </a:r>
-          </a:p>
-          <a:p>
-            <a:r>
-              <a:rPr lang="en-US" dirty="0" err="1"/>
-              <a:t>Déterminer</a:t>
-            </a:r>
-            <a:r>
-              <a:rPr lang="en-US" dirty="0"/>
-              <a:t> la </a:t>
-            </a:r>
-            <a:r>
-              <a:rPr lang="en-US" dirty="0" err="1"/>
-              <a:t>taille</a:t>
-            </a:r>
-            <a:r>
-              <a:rPr lang="en-US" dirty="0"/>
-              <a:t> de position</a:t>
-            </a:r>
-          </a:p>
-          <a:p>
-            <a:pPr marL="457200" lvl="1" indent="0">
-              <a:buNone/>
-            </a:pPr>
-            <a:r>
-              <a:rPr lang="en-US" dirty="0">
-                <a:sym typeface="Wingdings" panose="05000000000000000000" pitchFamily="2" charset="2"/>
-              </a:rPr>
-              <a:t> Limiter le risqué sur le </a:t>
-            </a:r>
-            <a:r>
-              <a:rPr lang="en-US" dirty="0" err="1">
-                <a:sym typeface="Wingdings" panose="05000000000000000000" pitchFamily="2" charset="2"/>
-              </a:rPr>
-              <a:t>portfeuille</a:t>
-            </a:r>
-            <a:endParaRPr lang="en-US" dirty="0"/>
-          </a:p>
-        </p:txBody>
-      </p:sp>
-      <p:sp>
-        <p:nvSpPr>
-          <p:cNvPr id="4" name="Content Placeholder 3">
-            <a:extLst>
-              <a:ext uri="{FF2B5EF4-FFF2-40B4-BE49-F238E27FC236}">
-                <a16:creationId xmlns:a16="http://schemas.microsoft.com/office/drawing/2014/main" id="{EC845F97-96EF-4A66-9CE7-8FBDD09ECC8F}"/>
-              </a:ext>
-            </a:extLst>
-          </p:cNvPr>
-          <p:cNvSpPr>
-            <a:spLocks noGrp="1"/>
-          </p:cNvSpPr>
-          <p:nvPr>
-            <p:ph sz="half" idx="2"/>
-          </p:nvPr>
-        </p:nvSpPr>
-        <p:spPr/>
-        <p:txBody>
-          <a:bodyPr/>
-          <a:lstStyle/>
-          <a:p>
-            <a:r>
-              <a:rPr lang="fr-FR" dirty="0"/>
-              <a:t>Choisir un point d’entrée avec une bonne probabilité de gain et une gestion de risque appropriée</a:t>
-            </a:r>
-            <a:endParaRPr lang="en-US" dirty="0"/>
-          </a:p>
-        </p:txBody>
-      </p:sp>
-    </p:spTree>
-    <p:extLst>
-      <p:ext uri="{BB962C8B-B14F-4D97-AF65-F5344CB8AC3E}">
-        <p14:creationId xmlns:p14="http://schemas.microsoft.com/office/powerpoint/2010/main" val="999948810"/>
       </p:ext>
     </p:extLst>
   </p:cSld>

--- a/Formation/Formation Bourse.pptx
+++ b/Formation/Formation Bourse.pptx
@@ -27,10 +27,11 @@
     <p:sldId id="273" r:id="rId21"/>
     <p:sldId id="274" r:id="rId22"/>
     <p:sldId id="263" r:id="rId23"/>
-    <p:sldId id="265" r:id="rId24"/>
-    <p:sldId id="266" r:id="rId25"/>
-    <p:sldId id="262" r:id="rId26"/>
-    <p:sldId id="276" r:id="rId27"/>
+    <p:sldId id="284" r:id="rId24"/>
+    <p:sldId id="265" r:id="rId25"/>
+    <p:sldId id="266" r:id="rId26"/>
+    <p:sldId id="262" r:id="rId27"/>
+    <p:sldId id="276" r:id="rId28"/>
   </p:sldIdLst>
   <p:sldSz cx="12192000" cy="6858000"/>
   <p:notesSz cx="6858000" cy="9144000"/>
@@ -160,6 +161,7 @@
             <p14:sldId id="273"/>
             <p14:sldId id="274"/>
             <p14:sldId id="263"/>
+            <p14:sldId id="284"/>
             <p14:sldId id="265"/>
             <p14:sldId id="266"/>
             <p14:sldId id="262"/>
@@ -322,7 +324,7 @@
           <a:p>
             <a:fld id="{17B49B2E-EC6C-4037-9ACB-43BC4863C7EA}" type="datetimeFigureOut">
               <a:rPr lang="en-US" smtClean="0"/>
-              <a:t>4/24/2020</a:t>
+              <a:t>4/25/2020</a:t>
             </a:fld>
             <a:endParaRPr lang="en-US"/>
           </a:p>
@@ -520,7 +522,7 @@
           <a:p>
             <a:fld id="{17B49B2E-EC6C-4037-9ACB-43BC4863C7EA}" type="datetimeFigureOut">
               <a:rPr lang="en-US" smtClean="0"/>
-              <a:t>4/24/2020</a:t>
+              <a:t>4/25/2020</a:t>
             </a:fld>
             <a:endParaRPr lang="en-US"/>
           </a:p>
@@ -728,7 +730,7 @@
           <a:p>
             <a:fld id="{17B49B2E-EC6C-4037-9ACB-43BC4863C7EA}" type="datetimeFigureOut">
               <a:rPr lang="en-US" smtClean="0"/>
-              <a:t>4/24/2020</a:t>
+              <a:t>4/25/2020</a:t>
             </a:fld>
             <a:endParaRPr lang="en-US"/>
           </a:p>
@@ -926,7 +928,7 @@
           <a:p>
             <a:fld id="{17B49B2E-EC6C-4037-9ACB-43BC4863C7EA}" type="datetimeFigureOut">
               <a:rPr lang="en-US" smtClean="0"/>
-              <a:t>4/24/2020</a:t>
+              <a:t>4/25/2020</a:t>
             </a:fld>
             <a:endParaRPr lang="en-US"/>
           </a:p>
@@ -1201,7 +1203,7 @@
           <a:p>
             <a:fld id="{17B49B2E-EC6C-4037-9ACB-43BC4863C7EA}" type="datetimeFigureOut">
               <a:rPr lang="en-US" smtClean="0"/>
-              <a:t>4/24/2020</a:t>
+              <a:t>4/25/2020</a:t>
             </a:fld>
             <a:endParaRPr lang="en-US"/>
           </a:p>
@@ -1466,7 +1468,7 @@
           <a:p>
             <a:fld id="{17B49B2E-EC6C-4037-9ACB-43BC4863C7EA}" type="datetimeFigureOut">
               <a:rPr lang="en-US" smtClean="0"/>
-              <a:t>4/24/2020</a:t>
+              <a:t>4/25/2020</a:t>
             </a:fld>
             <a:endParaRPr lang="en-US"/>
           </a:p>
@@ -1878,7 +1880,7 @@
           <a:p>
             <a:fld id="{17B49B2E-EC6C-4037-9ACB-43BC4863C7EA}" type="datetimeFigureOut">
               <a:rPr lang="en-US" smtClean="0"/>
-              <a:t>4/24/2020</a:t>
+              <a:t>4/25/2020</a:t>
             </a:fld>
             <a:endParaRPr lang="en-US"/>
           </a:p>
@@ -2019,7 +2021,7 @@
           <a:p>
             <a:fld id="{17B49B2E-EC6C-4037-9ACB-43BC4863C7EA}" type="datetimeFigureOut">
               <a:rPr lang="en-US" smtClean="0"/>
-              <a:t>4/24/2020</a:t>
+              <a:t>4/25/2020</a:t>
             </a:fld>
             <a:endParaRPr lang="en-US"/>
           </a:p>
@@ -2132,7 +2134,7 @@
           <a:p>
             <a:fld id="{17B49B2E-EC6C-4037-9ACB-43BC4863C7EA}" type="datetimeFigureOut">
               <a:rPr lang="en-US" smtClean="0"/>
-              <a:t>4/24/2020</a:t>
+              <a:t>4/25/2020</a:t>
             </a:fld>
             <a:endParaRPr lang="en-US"/>
           </a:p>
@@ -2443,7 +2445,7 @@
           <a:p>
             <a:fld id="{17B49B2E-EC6C-4037-9ACB-43BC4863C7EA}" type="datetimeFigureOut">
               <a:rPr lang="en-US" smtClean="0"/>
-              <a:t>4/24/2020</a:t>
+              <a:t>4/25/2020</a:t>
             </a:fld>
             <a:endParaRPr lang="en-US"/>
           </a:p>
@@ -2731,7 +2733,7 @@
           <a:p>
             <a:fld id="{17B49B2E-EC6C-4037-9ACB-43BC4863C7EA}" type="datetimeFigureOut">
               <a:rPr lang="en-US" smtClean="0"/>
-              <a:t>4/24/2020</a:t>
+              <a:t>4/25/2020</a:t>
             </a:fld>
             <a:endParaRPr lang="en-US"/>
           </a:p>
@@ -2972,7 +2974,7 @@
           <a:p>
             <a:fld id="{17B49B2E-EC6C-4037-9ACB-43BC4863C7EA}" type="datetimeFigureOut">
               <a:rPr lang="en-US" smtClean="0"/>
-              <a:t>4/24/2020</a:t>
+              <a:t>4/25/2020</a:t>
             </a:fld>
             <a:endParaRPr lang="en-US"/>
           </a:p>
@@ -9432,6 +9434,13 @@
               <a:rPr lang="fr-FR" dirty="0" err="1"/>
               <a:t>Contrarian</a:t>
             </a:r>
+            <a:endParaRPr lang="fr-FR" dirty="0"/>
+          </a:p>
+          <a:p>
+            <a:r>
+              <a:rPr lang="fr-FR" dirty="0"/>
+              <a:t>Long terme</a:t>
+            </a:r>
             <a:endParaRPr lang="en-US" dirty="0"/>
           </a:p>
         </p:txBody>
@@ -9471,7 +9480,7 @@
           <p:cNvPr id="2" name="Title 1">
             <a:extLst>
               <a:ext uri="{FF2B5EF4-FFF2-40B4-BE49-F238E27FC236}">
-                <a16:creationId xmlns:a16="http://schemas.microsoft.com/office/drawing/2014/main" id="{E04E3372-C95E-44C7-90FA-D8A631A63FED}"/>
+                <a16:creationId xmlns:a16="http://schemas.microsoft.com/office/drawing/2014/main" id="{4C3C6B9C-57EB-4663-A58C-B680D8DD6006}"/>
               </a:ext>
             </a:extLst>
           </p:cNvPr>
@@ -9489,7 +9498,7 @@
           <a:p>
             <a:r>
               <a:rPr lang="fr-FR" dirty="0"/>
-              <a:t>Construction d’un portefeuille</a:t>
+              <a:t>Gestion long terme</a:t>
             </a:r>
             <a:endParaRPr lang="en-US" dirty="0"/>
           </a:p>
@@ -9500,7 +9509,7 @@
           <p:cNvPr id="3" name="Content Placeholder 2">
             <a:extLst>
               <a:ext uri="{FF2B5EF4-FFF2-40B4-BE49-F238E27FC236}">
-                <a16:creationId xmlns:a16="http://schemas.microsoft.com/office/drawing/2014/main" id="{ED9DB76D-9365-425E-A39F-5026367D4CBE}"/>
+                <a16:creationId xmlns:a16="http://schemas.microsoft.com/office/drawing/2014/main" id="{8AA24D8E-5687-48C0-9E44-1EAD5D4672A2}"/>
               </a:ext>
             </a:extLst>
           </p:cNvPr>
@@ -9518,31 +9527,60 @@
           <a:p>
             <a:r>
               <a:rPr lang="fr-FR" dirty="0"/>
-              <a:t>Diversification != All In</a:t>
-            </a:r>
-          </a:p>
-          <a:p>
+              <a:t>All </a:t>
+            </a:r>
+            <a:r>
+              <a:rPr lang="fr-FR" dirty="0" err="1"/>
+              <a:t>weather</a:t>
+            </a:r>
             <a:r>
               <a:rPr lang="fr-FR" dirty="0"/>
-              <a:t>Gestion du risque</a:t>
-            </a:r>
-          </a:p>
-          <a:p>
-            <a:r>
-              <a:rPr lang="en-US" dirty="0" err="1"/>
-              <a:t>Nombre</a:t>
-            </a:r>
-            <a:r>
-              <a:rPr lang="en-US" dirty="0"/>
-              <a:t> de positions</a:t>
-            </a:r>
+              <a:t> portfolio: Ray </a:t>
+            </a:r>
+            <a:r>
+              <a:rPr lang="fr-FR" dirty="0" err="1"/>
+              <a:t>Dalio</a:t>
+            </a:r>
+            <a:endParaRPr lang="fr-FR" dirty="0"/>
+          </a:p>
+          <a:p>
+            <a:pPr lvl="1"/>
+            <a:r>
+              <a:rPr lang="en-US" dirty="0">
+                <a:hlinkClick r:id="rId2"/>
+              </a:rPr>
+              <a:t>http://www.lazyportfolioetf.com/allocation/ray-dalio-all-weather/</a:t>
+            </a:r>
+            <a:endParaRPr lang="en-US" dirty="0"/>
+          </a:p>
+          <a:p>
+            <a:r>
+              <a:rPr lang="fr-FR" dirty="0"/>
+              <a:t>Permanent portfolio: Harry Browne</a:t>
+            </a:r>
+          </a:p>
+          <a:p>
+            <a:pPr lvl="1"/>
+            <a:r>
+              <a:rPr lang="en-US" dirty="0">
+                <a:hlinkClick r:id="rId3"/>
+              </a:rPr>
+              <a:t>http://www.lazyportfolioetf.com/allocation/harry-browne-permanent/</a:t>
+            </a:r>
+            <a:endParaRPr lang="fr-FR" dirty="0"/>
+          </a:p>
+          <a:p>
+            <a:pPr marL="457200" lvl="1" indent="0">
+              <a:buNone/>
+            </a:pPr>
+            <a:endParaRPr lang="en-US" dirty="0"/>
           </a:p>
         </p:txBody>
       </p:sp>
     </p:spTree>
     <p:extLst>
       <p:ext uri="{BB962C8B-B14F-4D97-AF65-F5344CB8AC3E}">
-        <p14:creationId xmlns:p14="http://schemas.microsoft.com/office/powerpoint/2010/main" val="2373413576"/>
+        <p14:creationId xmlns:p14="http://schemas.microsoft.com/office/powerpoint/2010/main" val="3639680921"/>
       </p:ext>
     </p:extLst>
   </p:cSld>
@@ -9569,59 +9607,83 @@
           <a:chExt cx="0" cy="0"/>
         </a:xfrm>
       </p:grpSpPr>
-      <p:pic>
-        <p:nvPicPr>
-          <p:cNvPr id="1026" name="Picture 2" descr="Psychology Charts &amp; Sentiment Cycles (Updated) | Cheat sheets ...">
-            <a:extLst>
-              <a:ext uri="{FF2B5EF4-FFF2-40B4-BE49-F238E27FC236}">
-                <a16:creationId xmlns:a16="http://schemas.microsoft.com/office/drawing/2014/main" id="{BE62A6C7-3A4B-47F0-93D0-55B174085862}"/>
-              </a:ext>
-            </a:extLst>
-          </p:cNvPr>
-          <p:cNvPicPr>
-            <a:picLocks noGrp="1" noChangeAspect="1" noChangeArrowheads="1"/>
-          </p:cNvPicPr>
+      <p:sp>
+        <p:nvSpPr>
+          <p:cNvPr id="2" name="Title 1">
+            <a:extLst>
+              <a:ext uri="{FF2B5EF4-FFF2-40B4-BE49-F238E27FC236}">
+                <a16:creationId xmlns:a16="http://schemas.microsoft.com/office/drawing/2014/main" id="{E04E3372-C95E-44C7-90FA-D8A631A63FED}"/>
+              </a:ext>
+            </a:extLst>
+          </p:cNvPr>
+          <p:cNvSpPr>
+            <a:spLocks noGrp="1"/>
+          </p:cNvSpPr>
+          <p:nvPr>
+            <p:ph type="title"/>
+          </p:nvPr>
+        </p:nvSpPr>
+        <p:spPr/>
+        <p:txBody>
+          <a:bodyPr/>
+          <a:lstStyle/>
+          <a:p>
+            <a:r>
+              <a:rPr lang="fr-FR" dirty="0"/>
+              <a:t>Construction d’un portefeuille</a:t>
+            </a:r>
+            <a:endParaRPr lang="en-US" dirty="0"/>
+          </a:p>
+        </p:txBody>
+      </p:sp>
+      <p:sp>
+        <p:nvSpPr>
+          <p:cNvPr id="3" name="Content Placeholder 2">
+            <a:extLst>
+              <a:ext uri="{FF2B5EF4-FFF2-40B4-BE49-F238E27FC236}">
+                <a16:creationId xmlns:a16="http://schemas.microsoft.com/office/drawing/2014/main" id="{ED9DB76D-9365-425E-A39F-5026367D4CBE}"/>
+              </a:ext>
+            </a:extLst>
+          </p:cNvPr>
+          <p:cNvSpPr>
+            <a:spLocks noGrp="1"/>
+          </p:cNvSpPr>
           <p:nvPr>
             <p:ph idx="1"/>
           </p:nvPr>
-        </p:nvPicPr>
-        <p:blipFill>
-          <a:blip r:embed="rId2">
-            <a:extLst>
-              <a:ext uri="{28A0092B-C50C-407E-A947-70E740481C1C}">
-                <a14:useLocalDpi xmlns:a14="http://schemas.microsoft.com/office/drawing/2010/main" val="0"/>
-              </a:ext>
-            </a:extLst>
-          </a:blip>
-          <a:srcRect/>
-          <a:stretch>
-            <a:fillRect/>
-          </a:stretch>
-        </p:blipFill>
-        <p:spPr bwMode="auto">
-          <a:xfrm>
-            <a:off x="2821259" y="1361706"/>
-            <a:ext cx="6523463" cy="5300315"/>
-          </a:xfrm>
-          <a:prstGeom prst="rect">
-            <a:avLst/>
-          </a:prstGeom>
-          <a:noFill/>
-          <a:extLst>
-            <a:ext uri="{909E8E84-426E-40DD-AFC4-6F175D3DCCD1}">
-              <a14:hiddenFill xmlns:a14="http://schemas.microsoft.com/office/drawing/2010/main">
-                <a:solidFill>
-                  <a:srgbClr val="FFFFFF"/>
-                </a:solidFill>
-              </a14:hiddenFill>
-            </a:ext>
-          </a:extLst>
-        </p:spPr>
-      </p:pic>
+        </p:nvSpPr>
+        <p:spPr/>
+        <p:txBody>
+          <a:bodyPr/>
+          <a:lstStyle/>
+          <a:p>
+            <a:r>
+              <a:rPr lang="fr-FR" dirty="0"/>
+              <a:t>Diversification != All In</a:t>
+            </a:r>
+          </a:p>
+          <a:p>
+            <a:r>
+              <a:rPr lang="fr-FR" dirty="0"/>
+              <a:t>Gestion du risque</a:t>
+            </a:r>
+          </a:p>
+          <a:p>
+            <a:r>
+              <a:rPr lang="en-US" dirty="0" err="1"/>
+              <a:t>Nombre</a:t>
+            </a:r>
+            <a:r>
+              <a:rPr lang="en-US" dirty="0"/>
+              <a:t> de positions</a:t>
+            </a:r>
+          </a:p>
+        </p:txBody>
+      </p:sp>
     </p:spTree>
     <p:extLst>
       <p:ext uri="{BB962C8B-B14F-4D97-AF65-F5344CB8AC3E}">
-        <p14:creationId xmlns:p14="http://schemas.microsoft.com/office/powerpoint/2010/main" val="725611940"/>
+        <p14:creationId xmlns:p14="http://schemas.microsoft.com/office/powerpoint/2010/main" val="2373413576"/>
       </p:ext>
     </p:extLst>
   </p:cSld>
@@ -9648,6 +9710,85 @@
           <a:chExt cx="0" cy="0"/>
         </a:xfrm>
       </p:grpSpPr>
+      <p:pic>
+        <p:nvPicPr>
+          <p:cNvPr id="1026" name="Picture 2" descr="Psychology Charts &amp; Sentiment Cycles (Updated) | Cheat sheets ...">
+            <a:extLst>
+              <a:ext uri="{FF2B5EF4-FFF2-40B4-BE49-F238E27FC236}">
+                <a16:creationId xmlns:a16="http://schemas.microsoft.com/office/drawing/2014/main" id="{BE62A6C7-3A4B-47F0-93D0-55B174085862}"/>
+              </a:ext>
+            </a:extLst>
+          </p:cNvPr>
+          <p:cNvPicPr>
+            <a:picLocks noGrp="1" noChangeAspect="1" noChangeArrowheads="1"/>
+          </p:cNvPicPr>
+          <p:nvPr>
+            <p:ph idx="1"/>
+          </p:nvPr>
+        </p:nvPicPr>
+        <p:blipFill>
+          <a:blip r:embed="rId2">
+            <a:extLst>
+              <a:ext uri="{28A0092B-C50C-407E-A947-70E740481C1C}">
+                <a14:useLocalDpi xmlns:a14="http://schemas.microsoft.com/office/drawing/2010/main" val="0"/>
+              </a:ext>
+            </a:extLst>
+          </a:blip>
+          <a:srcRect/>
+          <a:stretch>
+            <a:fillRect/>
+          </a:stretch>
+        </p:blipFill>
+        <p:spPr bwMode="auto">
+          <a:xfrm>
+            <a:off x="2821259" y="1361706"/>
+            <a:ext cx="6523463" cy="5300315"/>
+          </a:xfrm>
+          <a:prstGeom prst="rect">
+            <a:avLst/>
+          </a:prstGeom>
+          <a:noFill/>
+          <a:extLst>
+            <a:ext uri="{909E8E84-426E-40DD-AFC4-6F175D3DCCD1}">
+              <a14:hiddenFill xmlns:a14="http://schemas.microsoft.com/office/drawing/2010/main">
+                <a:solidFill>
+                  <a:srgbClr val="FFFFFF"/>
+                </a:solidFill>
+              </a14:hiddenFill>
+            </a:ext>
+          </a:extLst>
+        </p:spPr>
+      </p:pic>
+    </p:spTree>
+    <p:extLst>
+      <p:ext uri="{BB962C8B-B14F-4D97-AF65-F5344CB8AC3E}">
+        <p14:creationId xmlns:p14="http://schemas.microsoft.com/office/powerpoint/2010/main" val="725611940"/>
+      </p:ext>
+    </p:extLst>
+  </p:cSld>
+  <p:clrMapOvr>
+    <a:masterClrMapping/>
+  </p:clrMapOvr>
+</p:sld>
+</file>
+
+<file path=ppt/slides/slide26.xml><?xml version="1.0" encoding="utf-8"?>
+<p:sld xmlns:a="http://schemas.openxmlformats.org/drawingml/2006/main" xmlns:r="http://schemas.openxmlformats.org/officeDocument/2006/relationships" xmlns:p="http://schemas.openxmlformats.org/presentationml/2006/main">
+  <p:cSld>
+    <p:spTree>
+      <p:nvGrpSpPr>
+        <p:cNvPr id="1" name=""/>
+        <p:cNvGrpSpPr/>
+        <p:nvPr/>
+      </p:nvGrpSpPr>
+      <p:grpSpPr>
+        <a:xfrm>
+          <a:off x="0" y="0"/>
+          <a:ext cx="0" cy="0"/>
+          <a:chOff x="0" y="0"/>
+          <a:chExt cx="0" cy="0"/>
+        </a:xfrm>
+      </p:grpSpPr>
       <p:sp>
         <p:nvSpPr>
           <p:cNvPr id="2" name="Title 1">
@@ -9770,7 +9911,7 @@
 </p:sld>
 </file>
 
-<file path=ppt/slides/slide26.xml><?xml version="1.0" encoding="utf-8"?>
+<file path=ppt/slides/slide27.xml><?xml version="1.0" encoding="utf-8"?>
 <p:sld xmlns:a="http://schemas.openxmlformats.org/drawingml/2006/main" xmlns:r="http://schemas.openxmlformats.org/officeDocument/2006/relationships" xmlns:p="http://schemas.openxmlformats.org/presentationml/2006/main">
   <p:cSld>
     <p:spTree>

--- a/Formation/Formation Bourse.pptx
+++ b/Formation/Formation Bourse.pptx
@@ -32,7 +32,8 @@
     <p:sldId id="284" r:id="rId26"/>
     <p:sldId id="265" r:id="rId27"/>
     <p:sldId id="262" r:id="rId28"/>
-    <p:sldId id="276" r:id="rId29"/>
+    <p:sldId id="286" r:id="rId29"/>
+    <p:sldId id="276" r:id="rId30"/>
   </p:sldIdLst>
   <p:sldSz cx="12192000" cy="6858000"/>
   <p:notesSz cx="6858000" cy="9144000"/>
@@ -167,6 +168,7 @@
             <p14:sldId id="284"/>
             <p14:sldId id="265"/>
             <p14:sldId id="262"/>
+            <p14:sldId id="286"/>
             <p14:sldId id="276"/>
           </p14:sldIdLst>
         </p14:section>
@@ -326,7 +328,7 @@
           <a:p>
             <a:fld id="{17B49B2E-EC6C-4037-9ACB-43BC4863C7EA}" type="datetimeFigureOut">
               <a:rPr lang="en-US" smtClean="0"/>
-              <a:t>5/5/2020</a:t>
+              <a:t>5/9/2020</a:t>
             </a:fld>
             <a:endParaRPr lang="en-US"/>
           </a:p>
@@ -524,7 +526,7 @@
           <a:p>
             <a:fld id="{17B49B2E-EC6C-4037-9ACB-43BC4863C7EA}" type="datetimeFigureOut">
               <a:rPr lang="en-US" smtClean="0"/>
-              <a:t>5/5/2020</a:t>
+              <a:t>5/9/2020</a:t>
             </a:fld>
             <a:endParaRPr lang="en-US"/>
           </a:p>
@@ -732,7 +734,7 @@
           <a:p>
             <a:fld id="{17B49B2E-EC6C-4037-9ACB-43BC4863C7EA}" type="datetimeFigureOut">
               <a:rPr lang="en-US" smtClean="0"/>
-              <a:t>5/5/2020</a:t>
+              <a:t>5/9/2020</a:t>
             </a:fld>
             <a:endParaRPr lang="en-US"/>
           </a:p>
@@ -930,7 +932,7 @@
           <a:p>
             <a:fld id="{17B49B2E-EC6C-4037-9ACB-43BC4863C7EA}" type="datetimeFigureOut">
               <a:rPr lang="en-US" smtClean="0"/>
-              <a:t>5/5/2020</a:t>
+              <a:t>5/9/2020</a:t>
             </a:fld>
             <a:endParaRPr lang="en-US"/>
           </a:p>
@@ -1205,7 +1207,7 @@
           <a:p>
             <a:fld id="{17B49B2E-EC6C-4037-9ACB-43BC4863C7EA}" type="datetimeFigureOut">
               <a:rPr lang="en-US" smtClean="0"/>
-              <a:t>5/5/2020</a:t>
+              <a:t>5/9/2020</a:t>
             </a:fld>
             <a:endParaRPr lang="en-US"/>
           </a:p>
@@ -1470,7 +1472,7 @@
           <a:p>
             <a:fld id="{17B49B2E-EC6C-4037-9ACB-43BC4863C7EA}" type="datetimeFigureOut">
               <a:rPr lang="en-US" smtClean="0"/>
-              <a:t>5/5/2020</a:t>
+              <a:t>5/9/2020</a:t>
             </a:fld>
             <a:endParaRPr lang="en-US"/>
           </a:p>
@@ -1882,7 +1884,7 @@
           <a:p>
             <a:fld id="{17B49B2E-EC6C-4037-9ACB-43BC4863C7EA}" type="datetimeFigureOut">
               <a:rPr lang="en-US" smtClean="0"/>
-              <a:t>5/5/2020</a:t>
+              <a:t>5/9/2020</a:t>
             </a:fld>
             <a:endParaRPr lang="en-US"/>
           </a:p>
@@ -2023,7 +2025,7 @@
           <a:p>
             <a:fld id="{17B49B2E-EC6C-4037-9ACB-43BC4863C7EA}" type="datetimeFigureOut">
               <a:rPr lang="en-US" smtClean="0"/>
-              <a:t>5/5/2020</a:t>
+              <a:t>5/9/2020</a:t>
             </a:fld>
             <a:endParaRPr lang="en-US"/>
           </a:p>
@@ -2136,7 +2138,7 @@
           <a:p>
             <a:fld id="{17B49B2E-EC6C-4037-9ACB-43BC4863C7EA}" type="datetimeFigureOut">
               <a:rPr lang="en-US" smtClean="0"/>
-              <a:t>5/5/2020</a:t>
+              <a:t>5/9/2020</a:t>
             </a:fld>
             <a:endParaRPr lang="en-US"/>
           </a:p>
@@ -2447,7 +2449,7 @@
           <a:p>
             <a:fld id="{17B49B2E-EC6C-4037-9ACB-43BC4863C7EA}" type="datetimeFigureOut">
               <a:rPr lang="en-US" smtClean="0"/>
-              <a:t>5/5/2020</a:t>
+              <a:t>5/9/2020</a:t>
             </a:fld>
             <a:endParaRPr lang="en-US"/>
           </a:p>
@@ -2735,7 +2737,7 @@
           <a:p>
             <a:fld id="{17B49B2E-EC6C-4037-9ACB-43BC4863C7EA}" type="datetimeFigureOut">
               <a:rPr lang="en-US" smtClean="0"/>
-              <a:t>5/5/2020</a:t>
+              <a:t>5/9/2020</a:t>
             </a:fld>
             <a:endParaRPr lang="en-US"/>
           </a:p>
@@ -2976,7 +2978,7 @@
           <a:p>
             <a:fld id="{17B49B2E-EC6C-4037-9ACB-43BC4863C7EA}" type="datetimeFigureOut">
               <a:rPr lang="en-US" smtClean="0"/>
-              <a:t>5/5/2020</a:t>
+              <a:t>5/9/2020</a:t>
             </a:fld>
             <a:endParaRPr lang="en-US"/>
           </a:p>
@@ -4435,6 +4437,31 @@
             <a:pPr lvl="1"/>
             <a:r>
               <a:rPr lang="fr-FR" dirty="0"/>
+              <a:t>Risque sur </a:t>
+            </a:r>
+            <a:r>
+              <a:rPr lang="fr-FR" dirty="0" err="1"/>
+              <a:t>trade</a:t>
+            </a:r>
+            <a:endParaRPr lang="fr-FR" dirty="0"/>
+          </a:p>
+          <a:p>
+            <a:pPr lvl="1"/>
+            <a:r>
+              <a:rPr lang="fr-FR" dirty="0"/>
+              <a:t>Risque sur portefeuille</a:t>
+            </a:r>
+          </a:p>
+          <a:p>
+            <a:pPr marL="457200" lvl="1" indent="0">
+              <a:buNone/>
+            </a:pPr>
+            <a:endParaRPr lang="fr-FR" dirty="0"/>
+          </a:p>
+          <a:p>
+            <a:pPr lvl="1"/>
+            <a:r>
+              <a:rPr lang="fr-FR" dirty="0"/>
               <a:t>Gain/perte</a:t>
             </a:r>
           </a:p>
@@ -4444,20 +4471,9 @@
               <a:rPr lang="fr-FR" dirty="0" err="1"/>
               <a:t>Drawdown</a:t>
             </a:r>
-            <a:endParaRPr lang="fr-FR" dirty="0"/>
-          </a:p>
-          <a:p>
-            <a:pPr lvl="1"/>
             <a:r>
               <a:rPr lang="fr-FR" dirty="0"/>
-              <a:t>Risque</a:t>
-            </a:r>
-          </a:p>
-          <a:p>
-            <a:pPr lvl="1"/>
-            <a:r>
-              <a:rPr lang="fr-FR" dirty="0"/>
-              <a:t>Risque sur portefeuille</a:t>
+              <a:t> (perte maxi non encaissée)</a:t>
             </a:r>
           </a:p>
           <a:p>
@@ -15273,6 +15289,44 @@
           </a:graphicData>
         </a:graphic>
       </p:graphicFrame>
+      <p:sp>
+        <p:nvSpPr>
+          <p:cNvPr id="3" name="TextBox 2">
+            <a:extLst>
+              <a:ext uri="{FF2B5EF4-FFF2-40B4-BE49-F238E27FC236}">
+                <a16:creationId xmlns:a16="http://schemas.microsoft.com/office/drawing/2014/main" id="{00996156-3AE6-4DCA-9448-025D1D7A2826}"/>
+              </a:ext>
+            </a:extLst>
+          </p:cNvPr>
+          <p:cNvSpPr txBox="1"/>
+          <p:nvPr/>
+        </p:nvSpPr>
+        <p:spPr>
+          <a:xfrm>
+            <a:off x="940742" y="6123543"/>
+            <a:ext cx="10310515" cy="369332"/>
+          </a:xfrm>
+          <a:prstGeom prst="rect">
+            <a:avLst/>
+          </a:prstGeom>
+          <a:noFill/>
+        </p:spPr>
+        <p:txBody>
+          <a:bodyPr wrap="none" rtlCol="0">
+            <a:spAutoFit/>
+          </a:bodyPr>
+          <a:lstStyle/>
+          <a:p>
+            <a:r>
+              <a:rPr lang="en-US" dirty="0">
+                <a:hlinkClick r:id="rId2"/>
+              </a:rPr>
+              <a:t>https://docs.google.com/spreadsheets/d/1AwffhMK9iakI2DAJERnFV1-Z_yDSepMlHR8EnUurCN0/edit#gid=0</a:t>
+            </a:r>
+            <a:endParaRPr lang="en-US" dirty="0"/>
+          </a:p>
+        </p:txBody>
+      </p:sp>
     </p:spTree>
     <p:extLst>
       <p:ext uri="{BB962C8B-B14F-4D97-AF65-F5344CB8AC3E}">
@@ -21372,7 +21426,7 @@
           <p:cNvPr id="2" name="Title 1">
             <a:extLst>
               <a:ext uri="{FF2B5EF4-FFF2-40B4-BE49-F238E27FC236}">
-                <a16:creationId xmlns:a16="http://schemas.microsoft.com/office/drawing/2014/main" id="{EC53ED72-C1F6-49B9-957F-15DF7FF9418A}"/>
+                <a16:creationId xmlns:a16="http://schemas.microsoft.com/office/drawing/2014/main" id="{8799B785-EEBE-49C4-AB80-AC77F7A85E20}"/>
               </a:ext>
             </a:extLst>
           </p:cNvPr>
@@ -21388,16 +21442,20 @@
           <a:bodyPr/>
           <a:lstStyle/>
           <a:p>
-            <a:endParaRPr lang="en-US"/>
+            <a:r>
+              <a:rPr lang="fr-FR" dirty="0"/>
+              <a:t>Adages</a:t>
+            </a:r>
+            <a:endParaRPr lang="en-US" dirty="0"/>
           </a:p>
         </p:txBody>
       </p:sp>
       <p:sp>
         <p:nvSpPr>
-          <p:cNvPr id="3" name="Text Placeholder 2">
+          <p:cNvPr id="3" name="Content Placeholder 2">
             <a:extLst>
               <a:ext uri="{FF2B5EF4-FFF2-40B4-BE49-F238E27FC236}">
-                <a16:creationId xmlns:a16="http://schemas.microsoft.com/office/drawing/2014/main" id="{029F10EF-AE60-4F82-8E4A-AC826CB386D0}"/>
+                <a16:creationId xmlns:a16="http://schemas.microsoft.com/office/drawing/2014/main" id="{EDA62261-4CE3-4393-9DEA-A5C83C80C12E}"/>
               </a:ext>
             </a:extLst>
           </p:cNvPr>
@@ -21405,7 +21463,149 @@
             <a:spLocks noGrp="1"/>
           </p:cNvSpPr>
           <p:nvPr>
-            <p:ph type="body" idx="1"/>
+            <p:ph idx="1"/>
+          </p:nvPr>
+        </p:nvSpPr>
+        <p:spPr>
+          <a:xfrm>
+            <a:off x="256477" y="1550019"/>
+            <a:ext cx="11731083" cy="5185317"/>
+          </a:xfrm>
+        </p:spPr>
+        <p:txBody>
+          <a:bodyPr>
+            <a:normAutofit fontScale="62500" lnSpcReduction="20000"/>
+          </a:bodyPr>
+          <a:lstStyle/>
+          <a:p>
+            <a:r>
+              <a:rPr lang="fr-FR" dirty="0"/>
+              <a:t>La recette d'un trading gagnant ? 10% savoir acheter, 20% savoir vendre, 70% savoir patienter</a:t>
+            </a:r>
+          </a:p>
+          <a:p>
+            <a:r>
+              <a:rPr lang="fr-FR" dirty="0"/>
+              <a:t>Ce qui importe n'est pas à quel point vous avez bien joué quand vous êtes dans une bonne période. Mais à quel point vous avez bien joué quand vous jouez mal - Martina Navratilova</a:t>
+            </a:r>
+          </a:p>
+          <a:p>
+            <a:r>
+              <a:rPr lang="fr-FR" dirty="0"/>
+              <a:t>La richesse de l'information créée la pauvreté de l'attention</a:t>
+            </a:r>
+          </a:p>
+          <a:p>
+            <a:r>
+              <a:rPr lang="fr-FR" dirty="0"/>
+              <a:t>Plutôt que de se concentrer à faire ce qu'il faut faire, l'investisseur durablement gagnant doit surtout éviter de faire ce qu'il ne faut pas faire.</a:t>
+            </a:r>
+          </a:p>
+          <a:p>
+            <a:r>
+              <a:rPr lang="fr-FR" dirty="0"/>
+              <a:t>La performance se fait quand notre objectif est de faire autant que le marché en tendance haussière et plus que lui dans les tendances baissières. C'est là que l'on fait la différence</a:t>
+            </a:r>
+          </a:p>
+          <a:p>
+            <a:r>
+              <a:rPr lang="fr-FR" dirty="0"/>
+              <a:t>Le trading est un jeu psychologique. La majorité des gens pensent qu'ils se battent contre le marché alors que le marché s'en fout. Vous vous battez surtout contre vous même. Martin Schwartz</a:t>
+            </a:r>
+          </a:p>
+          <a:p>
+            <a:r>
+              <a:rPr lang="fr-FR" dirty="0"/>
+              <a:t>Aucune tendance ne dure éternellement, aucun range n'est durable, aucune stratégie ne marche tout le temps. C'est pourquoi, vous devez gérer votre risque tout le temps.</a:t>
+            </a:r>
+          </a:p>
+          <a:p>
+            <a:r>
+              <a:rPr lang="fr-FR" dirty="0"/>
+              <a:t>La majorité serait plus profitable s'ils </a:t>
+            </a:r>
+            <a:r>
+              <a:rPr lang="fr-FR" dirty="0" err="1"/>
+              <a:t>tradaient</a:t>
+            </a:r>
+            <a:r>
+              <a:rPr lang="fr-FR" dirty="0"/>
+              <a:t> moins. Le temps est votre ami, la précipitation impulsive votre ennemi. John </a:t>
+            </a:r>
+            <a:r>
+              <a:rPr lang="fr-FR" dirty="0" err="1"/>
+              <a:t>Bogle</a:t>
+            </a:r>
+            <a:r>
+              <a:rPr lang="fr-FR" dirty="0"/>
+              <a:t>.</a:t>
+            </a:r>
+          </a:p>
+          <a:p>
+            <a:r>
+              <a:rPr lang="fr-FR" dirty="0"/>
+              <a:t>Pendant que le pessimiste et l'optimiste se chamaillent à savoir si le verre et à moitié vide ou plein. Il est bu par l'opportuniste. </a:t>
+            </a:r>
+          </a:p>
+          <a:p>
+            <a:r>
+              <a:rPr lang="fr-FR" dirty="0"/>
+              <a:t>L'investisseur intelligent est un réaliste qui vend aux optimistes et achète aux pessimistes. Ben Graham.</a:t>
+            </a:r>
+          </a:p>
+          <a:p>
+            <a:r>
+              <a:rPr lang="fr-FR" dirty="0"/>
+              <a:t>Investir est un marathon, pas un sprint. </a:t>
+            </a:r>
+            <a:endParaRPr lang="en-US" dirty="0"/>
+          </a:p>
+        </p:txBody>
+      </p:sp>
+    </p:spTree>
+    <p:extLst>
+      <p:ext uri="{BB962C8B-B14F-4D97-AF65-F5344CB8AC3E}">
+        <p14:creationId xmlns:p14="http://schemas.microsoft.com/office/powerpoint/2010/main" val="3710044543"/>
+      </p:ext>
+    </p:extLst>
+  </p:cSld>
+  <p:clrMapOvr>
+    <a:masterClrMapping/>
+  </p:clrMapOvr>
+</p:sld>
+</file>
+
+<file path=ppt/slides/slide29.xml><?xml version="1.0" encoding="utf-8"?>
+<p:sld xmlns:a="http://schemas.openxmlformats.org/drawingml/2006/main" xmlns:r="http://schemas.openxmlformats.org/officeDocument/2006/relationships" xmlns:p="http://schemas.openxmlformats.org/presentationml/2006/main">
+  <p:cSld>
+    <p:spTree>
+      <p:nvGrpSpPr>
+        <p:cNvPr id="1" name=""/>
+        <p:cNvGrpSpPr/>
+        <p:nvPr/>
+      </p:nvGrpSpPr>
+      <p:grpSpPr>
+        <a:xfrm>
+          <a:off x="0" y="0"/>
+          <a:ext cx="0" cy="0"/>
+          <a:chOff x="0" y="0"/>
+          <a:chExt cx="0" cy="0"/>
+        </a:xfrm>
+      </p:grpSpPr>
+      <p:sp>
+        <p:nvSpPr>
+          <p:cNvPr id="4" name="Title 3">
+            <a:extLst>
+              <a:ext uri="{FF2B5EF4-FFF2-40B4-BE49-F238E27FC236}">
+                <a16:creationId xmlns:a16="http://schemas.microsoft.com/office/drawing/2014/main" id="{E6380E96-F0A3-42D6-A06C-794AEEC22297}"/>
+              </a:ext>
+            </a:extLst>
+          </p:cNvPr>
+          <p:cNvSpPr>
+            <a:spLocks noGrp="1"/>
+          </p:cNvSpPr>
+          <p:nvPr>
+            <p:ph type="title"/>
           </p:nvPr>
         </p:nvSpPr>
         <p:spPr/>
@@ -21413,7 +21613,54 @@
           <a:bodyPr/>
           <a:lstStyle/>
           <a:p>
-            <a:endParaRPr lang="en-US"/>
+            <a:r>
+              <a:rPr lang="fr-FR" dirty="0" err="1"/>
+              <a:t>Resources</a:t>
+            </a:r>
+            <a:endParaRPr lang="en-US" dirty="0"/>
+          </a:p>
+        </p:txBody>
+      </p:sp>
+      <p:sp>
+        <p:nvSpPr>
+          <p:cNvPr id="5" name="Content Placeholder 4">
+            <a:extLst>
+              <a:ext uri="{FF2B5EF4-FFF2-40B4-BE49-F238E27FC236}">
+                <a16:creationId xmlns:a16="http://schemas.microsoft.com/office/drawing/2014/main" id="{4DE2D52E-F79C-4F88-8C64-F7DFDDEC7171}"/>
+              </a:ext>
+            </a:extLst>
+          </p:cNvPr>
+          <p:cNvSpPr>
+            <a:spLocks noGrp="1"/>
+          </p:cNvSpPr>
+          <p:nvPr>
+            <p:ph idx="1"/>
+          </p:nvPr>
+        </p:nvSpPr>
+        <p:spPr/>
+        <p:txBody>
+          <a:bodyPr/>
+          <a:lstStyle/>
+          <a:p>
+            <a:r>
+              <a:rPr lang="en-US" dirty="0"/>
+              <a:t>How the economy works</a:t>
+            </a:r>
+          </a:p>
+          <a:p>
+            <a:pPr marL="457200" lvl="1" indent="0">
+              <a:buNone/>
+            </a:pPr>
+            <a:r>
+              <a:rPr lang="en-US" dirty="0">
+                <a:hlinkClick r:id="rId2"/>
+              </a:rPr>
+              <a:t>https://www.youtube.com/watch?v=PHe0bXAIuk0</a:t>
+            </a:r>
+            <a:endParaRPr lang="en-US" dirty="0"/>
+          </a:p>
+          <a:p>
+            <a:endParaRPr lang="en-US" dirty="0"/>
           </a:p>
         </p:txBody>
       </p:sp>

--- a/Formation/Formation Bourse.pptx
+++ b/Formation/Formation Bourse.pptx
@@ -25,15 +25,16 @@
     <p:sldId id="281" r:id="rId19"/>
     <p:sldId id="271" r:id="rId20"/>
     <p:sldId id="272" r:id="rId21"/>
-    <p:sldId id="259" r:id="rId22"/>
-    <p:sldId id="273" r:id="rId23"/>
-    <p:sldId id="274" r:id="rId24"/>
-    <p:sldId id="263" r:id="rId25"/>
-    <p:sldId id="284" r:id="rId26"/>
-    <p:sldId id="265" r:id="rId27"/>
-    <p:sldId id="262" r:id="rId28"/>
-    <p:sldId id="286" r:id="rId29"/>
-    <p:sldId id="276" r:id="rId30"/>
+    <p:sldId id="287" r:id="rId22"/>
+    <p:sldId id="259" r:id="rId23"/>
+    <p:sldId id="273" r:id="rId24"/>
+    <p:sldId id="274" r:id="rId25"/>
+    <p:sldId id="263" r:id="rId26"/>
+    <p:sldId id="284" r:id="rId27"/>
+    <p:sldId id="265" r:id="rId28"/>
+    <p:sldId id="262" r:id="rId29"/>
+    <p:sldId id="286" r:id="rId30"/>
+    <p:sldId id="276" r:id="rId31"/>
   </p:sldIdLst>
   <p:sldSz cx="12192000" cy="6858000"/>
   <p:notesSz cx="6858000" cy="9144000"/>
@@ -161,6 +162,7 @@
             <p14:sldId id="281"/>
             <p14:sldId id="271"/>
             <p14:sldId id="272"/>
+            <p14:sldId id="287"/>
             <p14:sldId id="259"/>
             <p14:sldId id="273"/>
             <p14:sldId id="274"/>
@@ -328,7 +330,7 @@
           <a:p>
             <a:fld id="{17B49B2E-EC6C-4037-9ACB-43BC4863C7EA}" type="datetimeFigureOut">
               <a:rPr lang="en-US" smtClean="0"/>
-              <a:t>5/9/2020</a:t>
+              <a:t>5/27/2020</a:t>
             </a:fld>
             <a:endParaRPr lang="en-US"/>
           </a:p>
@@ -526,7 +528,7 @@
           <a:p>
             <a:fld id="{17B49B2E-EC6C-4037-9ACB-43BC4863C7EA}" type="datetimeFigureOut">
               <a:rPr lang="en-US" smtClean="0"/>
-              <a:t>5/9/2020</a:t>
+              <a:t>5/27/2020</a:t>
             </a:fld>
             <a:endParaRPr lang="en-US"/>
           </a:p>
@@ -734,7 +736,7 @@
           <a:p>
             <a:fld id="{17B49B2E-EC6C-4037-9ACB-43BC4863C7EA}" type="datetimeFigureOut">
               <a:rPr lang="en-US" smtClean="0"/>
-              <a:t>5/9/2020</a:t>
+              <a:t>5/27/2020</a:t>
             </a:fld>
             <a:endParaRPr lang="en-US"/>
           </a:p>
@@ -932,7 +934,7 @@
           <a:p>
             <a:fld id="{17B49B2E-EC6C-4037-9ACB-43BC4863C7EA}" type="datetimeFigureOut">
               <a:rPr lang="en-US" smtClean="0"/>
-              <a:t>5/9/2020</a:t>
+              <a:t>5/27/2020</a:t>
             </a:fld>
             <a:endParaRPr lang="en-US"/>
           </a:p>
@@ -1207,7 +1209,7 @@
           <a:p>
             <a:fld id="{17B49B2E-EC6C-4037-9ACB-43BC4863C7EA}" type="datetimeFigureOut">
               <a:rPr lang="en-US" smtClean="0"/>
-              <a:t>5/9/2020</a:t>
+              <a:t>5/27/2020</a:t>
             </a:fld>
             <a:endParaRPr lang="en-US"/>
           </a:p>
@@ -1472,7 +1474,7 @@
           <a:p>
             <a:fld id="{17B49B2E-EC6C-4037-9ACB-43BC4863C7EA}" type="datetimeFigureOut">
               <a:rPr lang="en-US" smtClean="0"/>
-              <a:t>5/9/2020</a:t>
+              <a:t>5/27/2020</a:t>
             </a:fld>
             <a:endParaRPr lang="en-US"/>
           </a:p>
@@ -1884,7 +1886,7 @@
           <a:p>
             <a:fld id="{17B49B2E-EC6C-4037-9ACB-43BC4863C7EA}" type="datetimeFigureOut">
               <a:rPr lang="en-US" smtClean="0"/>
-              <a:t>5/9/2020</a:t>
+              <a:t>5/27/2020</a:t>
             </a:fld>
             <a:endParaRPr lang="en-US"/>
           </a:p>
@@ -2025,7 +2027,7 @@
           <a:p>
             <a:fld id="{17B49B2E-EC6C-4037-9ACB-43BC4863C7EA}" type="datetimeFigureOut">
               <a:rPr lang="en-US" smtClean="0"/>
-              <a:t>5/9/2020</a:t>
+              <a:t>5/27/2020</a:t>
             </a:fld>
             <a:endParaRPr lang="en-US"/>
           </a:p>
@@ -2138,7 +2140,7 @@
           <a:p>
             <a:fld id="{17B49B2E-EC6C-4037-9ACB-43BC4863C7EA}" type="datetimeFigureOut">
               <a:rPr lang="en-US" smtClean="0"/>
-              <a:t>5/9/2020</a:t>
+              <a:t>5/27/2020</a:t>
             </a:fld>
             <a:endParaRPr lang="en-US"/>
           </a:p>
@@ -2449,7 +2451,7 @@
           <a:p>
             <a:fld id="{17B49B2E-EC6C-4037-9ACB-43BC4863C7EA}" type="datetimeFigureOut">
               <a:rPr lang="en-US" smtClean="0"/>
-              <a:t>5/9/2020</a:t>
+              <a:t>5/27/2020</a:t>
             </a:fld>
             <a:endParaRPr lang="en-US"/>
           </a:p>
@@ -2737,7 +2739,7 @@
           <a:p>
             <a:fld id="{17B49B2E-EC6C-4037-9ACB-43BC4863C7EA}" type="datetimeFigureOut">
               <a:rPr lang="en-US" smtClean="0"/>
-              <a:t>5/9/2020</a:t>
+              <a:t>5/27/2020</a:t>
             </a:fld>
             <a:endParaRPr lang="en-US"/>
           </a:p>
@@ -2978,7 +2980,7 @@
           <a:p>
             <a:fld id="{17B49B2E-EC6C-4037-9ACB-43BC4863C7EA}" type="datetimeFigureOut">
               <a:rPr lang="en-US" smtClean="0"/>
-              <a:t>5/9/2020</a:t>
+              <a:t>5/27/2020</a:t>
             </a:fld>
             <a:endParaRPr lang="en-US"/>
           </a:p>
@@ -20529,6 +20531,853 @@
           <p:cNvPr id="2" name="Title 1">
             <a:extLst>
               <a:ext uri="{FF2B5EF4-FFF2-40B4-BE49-F238E27FC236}">
+                <a16:creationId xmlns:a16="http://schemas.microsoft.com/office/drawing/2014/main" id="{9E69C5EC-8E4C-49B7-9918-5A86A1515D7F}"/>
+              </a:ext>
+            </a:extLst>
+          </p:cNvPr>
+          <p:cNvSpPr>
+            <a:spLocks noGrp="1"/>
+          </p:cNvSpPr>
+          <p:nvPr>
+            <p:ph type="title"/>
+          </p:nvPr>
+        </p:nvSpPr>
+        <p:spPr/>
+        <p:txBody>
+          <a:bodyPr/>
+          <a:lstStyle/>
+          <a:p>
+            <a:r>
+              <a:rPr lang="fr-FR" dirty="0"/>
+              <a:t>Phases de Weinstein</a:t>
+            </a:r>
+            <a:endParaRPr lang="en-US" dirty="0"/>
+          </a:p>
+        </p:txBody>
+      </p:sp>
+      <p:sp>
+        <p:nvSpPr>
+          <p:cNvPr id="3" name="Content Placeholder 2">
+            <a:extLst>
+              <a:ext uri="{FF2B5EF4-FFF2-40B4-BE49-F238E27FC236}">
+                <a16:creationId xmlns:a16="http://schemas.microsoft.com/office/drawing/2014/main" id="{8EDA219F-BFEB-4771-8D83-61A64204E35A}"/>
+              </a:ext>
+            </a:extLst>
+          </p:cNvPr>
+          <p:cNvSpPr>
+            <a:spLocks noGrp="1"/>
+          </p:cNvSpPr>
+          <p:nvPr>
+            <p:ph idx="1"/>
+          </p:nvPr>
+        </p:nvSpPr>
+        <p:spPr/>
+        <p:txBody>
+          <a:bodyPr/>
+          <a:lstStyle/>
+          <a:p>
+            <a:r>
+              <a:rPr lang="fr-FR" dirty="0"/>
+              <a:t>Phase 1 </a:t>
+            </a:r>
+            <a:r>
+              <a:rPr lang="fr-FR" dirty="0">
+                <a:sym typeface="Wingdings" panose="05000000000000000000" pitchFamily="2" charset="2"/>
+              </a:rPr>
+              <a:t> Fondation</a:t>
+            </a:r>
+          </a:p>
+          <a:p>
+            <a:r>
+              <a:rPr lang="fr-FR" dirty="0">
+                <a:sym typeface="Wingdings" panose="05000000000000000000" pitchFamily="2" charset="2"/>
+              </a:rPr>
+              <a:t>Phase 2  La hausse</a:t>
+            </a:r>
+          </a:p>
+          <a:p>
+            <a:r>
+              <a:rPr lang="fr-FR" dirty="0">
+                <a:sym typeface="Wingdings" panose="05000000000000000000" pitchFamily="2" charset="2"/>
+              </a:rPr>
+              <a:t>Phase 3  Le plafond</a:t>
+            </a:r>
+          </a:p>
+          <a:p>
+            <a:r>
+              <a:rPr lang="fr-FR" dirty="0">
+                <a:sym typeface="Wingdings" panose="05000000000000000000" pitchFamily="2" charset="2"/>
+              </a:rPr>
+              <a:t>Phase 4  La baisse</a:t>
+            </a:r>
+            <a:endParaRPr lang="en-US" dirty="0"/>
+          </a:p>
+        </p:txBody>
+      </p:sp>
+      <p:sp>
+        <p:nvSpPr>
+          <p:cNvPr id="4" name="Freeform: Shape 3">
+            <a:extLst>
+              <a:ext uri="{FF2B5EF4-FFF2-40B4-BE49-F238E27FC236}">
+                <a16:creationId xmlns:a16="http://schemas.microsoft.com/office/drawing/2014/main" id="{BD2DCC55-9D7B-47B8-A759-598817DC404D}"/>
+              </a:ext>
+            </a:extLst>
+          </p:cNvPr>
+          <p:cNvSpPr/>
+          <p:nvPr/>
+        </p:nvSpPr>
+        <p:spPr>
+          <a:xfrm>
+            <a:off x="2357718" y="2671373"/>
+            <a:ext cx="9678533" cy="3743697"/>
+          </a:xfrm>
+          <a:custGeom>
+            <a:avLst/>
+            <a:gdLst>
+              <a:gd name="connsiteX0" fmla="*/ 0 w 9678533"/>
+              <a:gd name="connsiteY0" fmla="*/ 2017168 h 3743697"/>
+              <a:gd name="connsiteX1" fmla="*/ 941294 w 9678533"/>
+              <a:gd name="connsiteY1" fmla="*/ 3630815 h 3743697"/>
+              <a:gd name="connsiteX2" fmla="*/ 1497106 w 9678533"/>
+              <a:gd name="connsiteY2" fmla="*/ 3559098 h 3743697"/>
+              <a:gd name="connsiteX3" fmla="*/ 1864658 w 9678533"/>
+              <a:gd name="connsiteY3" fmla="*/ 3675639 h 3743697"/>
+              <a:gd name="connsiteX4" fmla="*/ 2321858 w 9678533"/>
+              <a:gd name="connsiteY4" fmla="*/ 3585992 h 3743697"/>
+              <a:gd name="connsiteX5" fmla="*/ 2528047 w 9678533"/>
+              <a:gd name="connsiteY5" fmla="*/ 3684603 h 3743697"/>
+              <a:gd name="connsiteX6" fmla="*/ 2949388 w 9678533"/>
+              <a:gd name="connsiteY6" fmla="*/ 3594956 h 3743697"/>
+              <a:gd name="connsiteX7" fmla="*/ 3254188 w 9678533"/>
+              <a:gd name="connsiteY7" fmla="*/ 3738392 h 3743697"/>
+              <a:gd name="connsiteX8" fmla="*/ 3783106 w 9678533"/>
+              <a:gd name="connsiteY8" fmla="*/ 3370839 h 3743697"/>
+              <a:gd name="connsiteX9" fmla="*/ 3989294 w 9678533"/>
+              <a:gd name="connsiteY9" fmla="*/ 3442556 h 3743697"/>
+              <a:gd name="connsiteX10" fmla="*/ 4589929 w 9678533"/>
+              <a:gd name="connsiteY10" fmla="*/ 2590909 h 3743697"/>
+              <a:gd name="connsiteX11" fmla="*/ 4894729 w 9678533"/>
+              <a:gd name="connsiteY11" fmla="*/ 2644698 h 3743697"/>
+              <a:gd name="connsiteX12" fmla="*/ 5074023 w 9678533"/>
+              <a:gd name="connsiteY12" fmla="*/ 1810980 h 3743697"/>
+              <a:gd name="connsiteX13" fmla="*/ 5459506 w 9678533"/>
+              <a:gd name="connsiteY13" fmla="*/ 1631686 h 3743697"/>
+              <a:gd name="connsiteX14" fmla="*/ 5755341 w 9678533"/>
+              <a:gd name="connsiteY14" fmla="*/ 833827 h 3743697"/>
+              <a:gd name="connsiteX15" fmla="*/ 6015317 w 9678533"/>
+              <a:gd name="connsiteY15" fmla="*/ 753145 h 3743697"/>
+              <a:gd name="connsiteX16" fmla="*/ 6418729 w 9678533"/>
+              <a:gd name="connsiteY16" fmla="*/ 71827 h 3743697"/>
+              <a:gd name="connsiteX17" fmla="*/ 6687670 w 9678533"/>
+              <a:gd name="connsiteY17" fmla="*/ 591780 h 3743697"/>
+              <a:gd name="connsiteX18" fmla="*/ 7082117 w 9678533"/>
+              <a:gd name="connsiteY18" fmla="*/ 80792 h 3743697"/>
+              <a:gd name="connsiteX19" fmla="*/ 7377953 w 9678533"/>
+              <a:gd name="connsiteY19" fmla="*/ 546956 h 3743697"/>
+              <a:gd name="connsiteX20" fmla="*/ 7700682 w 9678533"/>
+              <a:gd name="connsiteY20" fmla="*/ 109 h 3743697"/>
+              <a:gd name="connsiteX21" fmla="*/ 8095129 w 9678533"/>
+              <a:gd name="connsiteY21" fmla="*/ 600745 h 3743697"/>
+              <a:gd name="connsiteX22" fmla="*/ 8328211 w 9678533"/>
+              <a:gd name="connsiteY22" fmla="*/ 977262 h 3743697"/>
+              <a:gd name="connsiteX23" fmla="*/ 8659906 w 9678533"/>
+              <a:gd name="connsiteY23" fmla="*/ 582815 h 3743697"/>
+              <a:gd name="connsiteX24" fmla="*/ 8839200 w 9678533"/>
+              <a:gd name="connsiteY24" fmla="*/ 1317921 h 3743697"/>
+              <a:gd name="connsiteX25" fmla="*/ 8919882 w 9678533"/>
+              <a:gd name="connsiteY25" fmla="*/ 1766156 h 3743697"/>
+              <a:gd name="connsiteX26" fmla="*/ 9179858 w 9678533"/>
+              <a:gd name="connsiteY26" fmla="*/ 1542039 h 3743697"/>
+              <a:gd name="connsiteX27" fmla="*/ 9215717 w 9678533"/>
+              <a:gd name="connsiteY27" fmla="*/ 2205427 h 3743697"/>
+              <a:gd name="connsiteX28" fmla="*/ 9377082 w 9678533"/>
+              <a:gd name="connsiteY28" fmla="*/ 2205427 h 3743697"/>
+              <a:gd name="connsiteX29" fmla="*/ 9646023 w 9678533"/>
+              <a:gd name="connsiteY29" fmla="*/ 3066039 h 3743697"/>
+              <a:gd name="connsiteX30" fmla="*/ 9663953 w 9678533"/>
+              <a:gd name="connsiteY30" fmla="*/ 3388768 h 3743697"/>
+            </a:gdLst>
+            <a:ahLst/>
+            <a:cxnLst>
+              <a:cxn ang="0">
+                <a:pos x="connsiteX0" y="connsiteY0"/>
+              </a:cxn>
+              <a:cxn ang="0">
+                <a:pos x="connsiteX1" y="connsiteY1"/>
+              </a:cxn>
+              <a:cxn ang="0">
+                <a:pos x="connsiteX2" y="connsiteY2"/>
+              </a:cxn>
+              <a:cxn ang="0">
+                <a:pos x="connsiteX3" y="connsiteY3"/>
+              </a:cxn>
+              <a:cxn ang="0">
+                <a:pos x="connsiteX4" y="connsiteY4"/>
+              </a:cxn>
+              <a:cxn ang="0">
+                <a:pos x="connsiteX5" y="connsiteY5"/>
+              </a:cxn>
+              <a:cxn ang="0">
+                <a:pos x="connsiteX6" y="connsiteY6"/>
+              </a:cxn>
+              <a:cxn ang="0">
+                <a:pos x="connsiteX7" y="connsiteY7"/>
+              </a:cxn>
+              <a:cxn ang="0">
+                <a:pos x="connsiteX8" y="connsiteY8"/>
+              </a:cxn>
+              <a:cxn ang="0">
+                <a:pos x="connsiteX9" y="connsiteY9"/>
+              </a:cxn>
+              <a:cxn ang="0">
+                <a:pos x="connsiteX10" y="connsiteY10"/>
+              </a:cxn>
+              <a:cxn ang="0">
+                <a:pos x="connsiteX11" y="connsiteY11"/>
+              </a:cxn>
+              <a:cxn ang="0">
+                <a:pos x="connsiteX12" y="connsiteY12"/>
+              </a:cxn>
+              <a:cxn ang="0">
+                <a:pos x="connsiteX13" y="connsiteY13"/>
+              </a:cxn>
+              <a:cxn ang="0">
+                <a:pos x="connsiteX14" y="connsiteY14"/>
+              </a:cxn>
+              <a:cxn ang="0">
+                <a:pos x="connsiteX15" y="connsiteY15"/>
+              </a:cxn>
+              <a:cxn ang="0">
+                <a:pos x="connsiteX16" y="connsiteY16"/>
+              </a:cxn>
+              <a:cxn ang="0">
+                <a:pos x="connsiteX17" y="connsiteY17"/>
+              </a:cxn>
+              <a:cxn ang="0">
+                <a:pos x="connsiteX18" y="connsiteY18"/>
+              </a:cxn>
+              <a:cxn ang="0">
+                <a:pos x="connsiteX19" y="connsiteY19"/>
+              </a:cxn>
+              <a:cxn ang="0">
+                <a:pos x="connsiteX20" y="connsiteY20"/>
+              </a:cxn>
+              <a:cxn ang="0">
+                <a:pos x="connsiteX21" y="connsiteY21"/>
+              </a:cxn>
+              <a:cxn ang="0">
+                <a:pos x="connsiteX22" y="connsiteY22"/>
+              </a:cxn>
+              <a:cxn ang="0">
+                <a:pos x="connsiteX23" y="connsiteY23"/>
+              </a:cxn>
+              <a:cxn ang="0">
+                <a:pos x="connsiteX24" y="connsiteY24"/>
+              </a:cxn>
+              <a:cxn ang="0">
+                <a:pos x="connsiteX25" y="connsiteY25"/>
+              </a:cxn>
+              <a:cxn ang="0">
+                <a:pos x="connsiteX26" y="connsiteY26"/>
+              </a:cxn>
+              <a:cxn ang="0">
+                <a:pos x="connsiteX27" y="connsiteY27"/>
+              </a:cxn>
+              <a:cxn ang="0">
+                <a:pos x="connsiteX28" y="connsiteY28"/>
+              </a:cxn>
+              <a:cxn ang="0">
+                <a:pos x="connsiteX29" y="connsiteY29"/>
+              </a:cxn>
+              <a:cxn ang="0">
+                <a:pos x="connsiteX30" y="connsiteY30"/>
+              </a:cxn>
+            </a:cxnLst>
+            <a:rect l="l" t="t" r="r" b="b"/>
+            <a:pathLst>
+              <a:path w="9678533" h="3743697">
+                <a:moveTo>
+                  <a:pt x="0" y="2017168"/>
+                </a:moveTo>
+                <a:cubicBezTo>
+                  <a:pt x="345888" y="2695497"/>
+                  <a:pt x="691776" y="3373827"/>
+                  <a:pt x="941294" y="3630815"/>
+                </a:cubicBezTo>
+                <a:cubicBezTo>
+                  <a:pt x="1190812" y="3887803"/>
+                  <a:pt x="1343212" y="3551627"/>
+                  <a:pt x="1497106" y="3559098"/>
+                </a:cubicBezTo>
+                <a:cubicBezTo>
+                  <a:pt x="1651000" y="3566569"/>
+                  <a:pt x="1727199" y="3671157"/>
+                  <a:pt x="1864658" y="3675639"/>
+                </a:cubicBezTo>
+                <a:cubicBezTo>
+                  <a:pt x="2002117" y="3680121"/>
+                  <a:pt x="2211293" y="3584498"/>
+                  <a:pt x="2321858" y="3585992"/>
+                </a:cubicBezTo>
+                <a:cubicBezTo>
+                  <a:pt x="2432423" y="3587486"/>
+                  <a:pt x="2423459" y="3683109"/>
+                  <a:pt x="2528047" y="3684603"/>
+                </a:cubicBezTo>
+                <a:cubicBezTo>
+                  <a:pt x="2632635" y="3686097"/>
+                  <a:pt x="2828365" y="3585991"/>
+                  <a:pt x="2949388" y="3594956"/>
+                </a:cubicBezTo>
+                <a:cubicBezTo>
+                  <a:pt x="3070412" y="3603921"/>
+                  <a:pt x="3115235" y="3775745"/>
+                  <a:pt x="3254188" y="3738392"/>
+                </a:cubicBezTo>
+                <a:cubicBezTo>
+                  <a:pt x="3393141" y="3701039"/>
+                  <a:pt x="3660588" y="3420145"/>
+                  <a:pt x="3783106" y="3370839"/>
+                </a:cubicBezTo>
+                <a:cubicBezTo>
+                  <a:pt x="3905624" y="3321533"/>
+                  <a:pt x="3854824" y="3572544"/>
+                  <a:pt x="3989294" y="3442556"/>
+                </a:cubicBezTo>
+                <a:cubicBezTo>
+                  <a:pt x="4123764" y="3312568"/>
+                  <a:pt x="4439023" y="2723885"/>
+                  <a:pt x="4589929" y="2590909"/>
+                </a:cubicBezTo>
+                <a:cubicBezTo>
+                  <a:pt x="4740835" y="2457933"/>
+                  <a:pt x="4814047" y="2774686"/>
+                  <a:pt x="4894729" y="2644698"/>
+                </a:cubicBezTo>
+                <a:cubicBezTo>
+                  <a:pt x="4975411" y="2514710"/>
+                  <a:pt x="4979894" y="1979815"/>
+                  <a:pt x="5074023" y="1810980"/>
+                </a:cubicBezTo>
+                <a:cubicBezTo>
+                  <a:pt x="5168153" y="1642145"/>
+                  <a:pt x="5345953" y="1794545"/>
+                  <a:pt x="5459506" y="1631686"/>
+                </a:cubicBezTo>
+                <a:cubicBezTo>
+                  <a:pt x="5573059" y="1468827"/>
+                  <a:pt x="5662706" y="980250"/>
+                  <a:pt x="5755341" y="833827"/>
+                </a:cubicBezTo>
+                <a:cubicBezTo>
+                  <a:pt x="5847976" y="687404"/>
+                  <a:pt x="5904752" y="880145"/>
+                  <a:pt x="6015317" y="753145"/>
+                </a:cubicBezTo>
+                <a:cubicBezTo>
+                  <a:pt x="6125882" y="626145"/>
+                  <a:pt x="6306670" y="98721"/>
+                  <a:pt x="6418729" y="71827"/>
+                </a:cubicBezTo>
+                <a:cubicBezTo>
+                  <a:pt x="6530788" y="44933"/>
+                  <a:pt x="6577105" y="590286"/>
+                  <a:pt x="6687670" y="591780"/>
+                </a:cubicBezTo>
+                <a:cubicBezTo>
+                  <a:pt x="6798235" y="593274"/>
+                  <a:pt x="6967070" y="88263"/>
+                  <a:pt x="7082117" y="80792"/>
+                </a:cubicBezTo>
+                <a:cubicBezTo>
+                  <a:pt x="7197164" y="73321"/>
+                  <a:pt x="7274859" y="560403"/>
+                  <a:pt x="7377953" y="546956"/>
+                </a:cubicBezTo>
+                <a:cubicBezTo>
+                  <a:pt x="7481047" y="533509"/>
+                  <a:pt x="7581153" y="-8856"/>
+                  <a:pt x="7700682" y="109"/>
+                </a:cubicBezTo>
+                <a:cubicBezTo>
+                  <a:pt x="7820211" y="9074"/>
+                  <a:pt x="7990541" y="437886"/>
+                  <a:pt x="8095129" y="600745"/>
+                </a:cubicBezTo>
+                <a:cubicBezTo>
+                  <a:pt x="8199717" y="763604"/>
+                  <a:pt x="8234082" y="980250"/>
+                  <a:pt x="8328211" y="977262"/>
+                </a:cubicBezTo>
+                <a:cubicBezTo>
+                  <a:pt x="8422340" y="974274"/>
+                  <a:pt x="8574741" y="526039"/>
+                  <a:pt x="8659906" y="582815"/>
+                </a:cubicBezTo>
+                <a:cubicBezTo>
+                  <a:pt x="8745071" y="639591"/>
+                  <a:pt x="8795871" y="1120698"/>
+                  <a:pt x="8839200" y="1317921"/>
+                </a:cubicBezTo>
+                <a:cubicBezTo>
+                  <a:pt x="8882529" y="1515144"/>
+                  <a:pt x="8863106" y="1728803"/>
+                  <a:pt x="8919882" y="1766156"/>
+                </a:cubicBezTo>
+                <a:cubicBezTo>
+                  <a:pt x="8976658" y="1803509"/>
+                  <a:pt x="9130552" y="1468827"/>
+                  <a:pt x="9179858" y="1542039"/>
+                </a:cubicBezTo>
+                <a:cubicBezTo>
+                  <a:pt x="9229164" y="1615251"/>
+                  <a:pt x="9182846" y="2094862"/>
+                  <a:pt x="9215717" y="2205427"/>
+                </a:cubicBezTo>
+                <a:cubicBezTo>
+                  <a:pt x="9248588" y="2315992"/>
+                  <a:pt x="9305364" y="2061992"/>
+                  <a:pt x="9377082" y="2205427"/>
+                </a:cubicBezTo>
+                <a:cubicBezTo>
+                  <a:pt x="9448800" y="2348862"/>
+                  <a:pt x="9598211" y="2868816"/>
+                  <a:pt x="9646023" y="3066039"/>
+                </a:cubicBezTo>
+                <a:cubicBezTo>
+                  <a:pt x="9693835" y="3263262"/>
+                  <a:pt x="9678894" y="3326015"/>
+                  <a:pt x="9663953" y="3388768"/>
+                </a:cubicBezTo>
+              </a:path>
+            </a:pathLst>
+          </a:custGeom>
+          <a:noFill/>
+        </p:spPr>
+        <p:style>
+          <a:lnRef idx="2">
+            <a:schemeClr val="accent1">
+              <a:shade val="50000"/>
+            </a:schemeClr>
+          </a:lnRef>
+          <a:fillRef idx="1">
+            <a:schemeClr val="accent1"/>
+          </a:fillRef>
+          <a:effectRef idx="0">
+            <a:schemeClr val="accent1"/>
+          </a:effectRef>
+          <a:fontRef idx="minor">
+            <a:schemeClr val="lt1"/>
+          </a:fontRef>
+        </p:style>
+        <p:txBody>
+          <a:bodyPr rtlCol="0" anchor="ctr"/>
+          <a:lstStyle/>
+          <a:p>
+            <a:pPr algn="ctr"/>
+            <a:endParaRPr lang="en-US"/>
+          </a:p>
+        </p:txBody>
+      </p:sp>
+      <p:cxnSp>
+        <p:nvCxnSpPr>
+          <p:cNvPr id="6" name="Straight Connector 5">
+            <a:extLst>
+              <a:ext uri="{FF2B5EF4-FFF2-40B4-BE49-F238E27FC236}">
+                <a16:creationId xmlns:a16="http://schemas.microsoft.com/office/drawing/2014/main" id="{5B4951D7-D2ED-4D40-B4A9-4EDEC48BF3AE}"/>
+              </a:ext>
+            </a:extLst>
+          </p:cNvPr>
+          <p:cNvCxnSpPr>
+            <a:cxnSpLocks/>
+          </p:cNvCxnSpPr>
+          <p:nvPr/>
+        </p:nvCxnSpPr>
+        <p:spPr>
+          <a:xfrm>
+            <a:off x="3415553" y="4007224"/>
+            <a:ext cx="0" cy="2402541"/>
+          </a:xfrm>
+          <a:prstGeom prst="line">
+            <a:avLst/>
+          </a:prstGeom>
+        </p:spPr>
+        <p:style>
+          <a:lnRef idx="1">
+            <a:schemeClr val="accent1"/>
+          </a:lnRef>
+          <a:fillRef idx="0">
+            <a:schemeClr val="accent1"/>
+          </a:fillRef>
+          <a:effectRef idx="0">
+            <a:schemeClr val="accent1"/>
+          </a:effectRef>
+          <a:fontRef idx="minor">
+            <a:schemeClr val="tx1"/>
+          </a:fontRef>
+        </p:style>
+      </p:cxnSp>
+      <p:cxnSp>
+        <p:nvCxnSpPr>
+          <p:cNvPr id="8" name="Straight Connector 7">
+            <a:extLst>
+              <a:ext uri="{FF2B5EF4-FFF2-40B4-BE49-F238E27FC236}">
+                <a16:creationId xmlns:a16="http://schemas.microsoft.com/office/drawing/2014/main" id="{5AF7F90D-0211-428B-BF14-55EA1E086B9D}"/>
+              </a:ext>
+            </a:extLst>
+          </p:cNvPr>
+          <p:cNvCxnSpPr>
+            <a:cxnSpLocks/>
+          </p:cNvCxnSpPr>
+          <p:nvPr/>
+        </p:nvCxnSpPr>
+        <p:spPr>
+          <a:xfrm>
+            <a:off x="5880847" y="4012529"/>
+            <a:ext cx="0" cy="2402541"/>
+          </a:xfrm>
+          <a:prstGeom prst="line">
+            <a:avLst/>
+          </a:prstGeom>
+        </p:spPr>
+        <p:style>
+          <a:lnRef idx="1">
+            <a:schemeClr val="accent1"/>
+          </a:lnRef>
+          <a:fillRef idx="0">
+            <a:schemeClr val="accent1"/>
+          </a:fillRef>
+          <a:effectRef idx="0">
+            <a:schemeClr val="accent1"/>
+          </a:effectRef>
+          <a:fontRef idx="minor">
+            <a:schemeClr val="tx1"/>
+          </a:fontRef>
+        </p:style>
+      </p:cxnSp>
+      <p:cxnSp>
+        <p:nvCxnSpPr>
+          <p:cNvPr id="9" name="Straight Connector 8">
+            <a:extLst>
+              <a:ext uri="{FF2B5EF4-FFF2-40B4-BE49-F238E27FC236}">
+                <a16:creationId xmlns:a16="http://schemas.microsoft.com/office/drawing/2014/main" id="{BA461BBF-EEA7-4732-8621-D14454895B55}"/>
+              </a:ext>
+            </a:extLst>
+          </p:cNvPr>
+          <p:cNvCxnSpPr>
+            <a:cxnSpLocks/>
+          </p:cNvCxnSpPr>
+          <p:nvPr/>
+        </p:nvCxnSpPr>
+        <p:spPr>
+          <a:xfrm>
+            <a:off x="8534400" y="2671373"/>
+            <a:ext cx="0" cy="3663014"/>
+          </a:xfrm>
+          <a:prstGeom prst="line">
+            <a:avLst/>
+          </a:prstGeom>
+        </p:spPr>
+        <p:style>
+          <a:lnRef idx="1">
+            <a:schemeClr val="accent1"/>
+          </a:lnRef>
+          <a:fillRef idx="0">
+            <a:schemeClr val="accent1"/>
+          </a:fillRef>
+          <a:effectRef idx="0">
+            <a:schemeClr val="accent1"/>
+          </a:effectRef>
+          <a:fontRef idx="minor">
+            <a:schemeClr val="tx1"/>
+          </a:fontRef>
+        </p:style>
+      </p:cxnSp>
+      <p:cxnSp>
+        <p:nvCxnSpPr>
+          <p:cNvPr id="11" name="Straight Connector 10">
+            <a:extLst>
+              <a:ext uri="{FF2B5EF4-FFF2-40B4-BE49-F238E27FC236}">
+                <a16:creationId xmlns:a16="http://schemas.microsoft.com/office/drawing/2014/main" id="{36EF5DC7-923C-4894-A47C-3422EB88AF1E}"/>
+              </a:ext>
+            </a:extLst>
+          </p:cNvPr>
+          <p:cNvCxnSpPr>
+            <a:cxnSpLocks/>
+          </p:cNvCxnSpPr>
+          <p:nvPr/>
+        </p:nvCxnSpPr>
+        <p:spPr>
+          <a:xfrm>
+            <a:off x="10408024" y="2513949"/>
+            <a:ext cx="0" cy="3663014"/>
+          </a:xfrm>
+          <a:prstGeom prst="line">
+            <a:avLst/>
+          </a:prstGeom>
+        </p:spPr>
+        <p:style>
+          <a:lnRef idx="1">
+            <a:schemeClr val="accent1"/>
+          </a:lnRef>
+          <a:fillRef idx="0">
+            <a:schemeClr val="accent1"/>
+          </a:fillRef>
+          <a:effectRef idx="0">
+            <a:schemeClr val="accent1"/>
+          </a:effectRef>
+          <a:fontRef idx="minor">
+            <a:schemeClr val="tx1"/>
+          </a:fontRef>
+        </p:style>
+      </p:cxnSp>
+      <p:sp>
+        <p:nvSpPr>
+          <p:cNvPr id="12" name="Arrow: Left-Right 11">
+            <a:extLst>
+              <a:ext uri="{FF2B5EF4-FFF2-40B4-BE49-F238E27FC236}">
+                <a16:creationId xmlns:a16="http://schemas.microsoft.com/office/drawing/2014/main" id="{B423BD38-3D4D-481E-B5E5-225FEEAA701B}"/>
+              </a:ext>
+            </a:extLst>
+          </p:cNvPr>
+          <p:cNvSpPr/>
+          <p:nvPr/>
+        </p:nvSpPr>
+        <p:spPr>
+          <a:xfrm>
+            <a:off x="3415553" y="5692588"/>
+            <a:ext cx="2465290" cy="457738"/>
+          </a:xfrm>
+          <a:prstGeom prst="leftRightArrow">
+            <a:avLst>
+              <a:gd name="adj1" fmla="val 50000"/>
+              <a:gd name="adj2" fmla="val 38249"/>
+            </a:avLst>
+          </a:prstGeom>
+        </p:spPr>
+        <p:style>
+          <a:lnRef idx="2">
+            <a:schemeClr val="accent1">
+              <a:shade val="50000"/>
+            </a:schemeClr>
+          </a:lnRef>
+          <a:fillRef idx="1">
+            <a:schemeClr val="accent1"/>
+          </a:fillRef>
+          <a:effectRef idx="0">
+            <a:schemeClr val="accent1"/>
+          </a:effectRef>
+          <a:fontRef idx="minor">
+            <a:schemeClr val="lt1"/>
+          </a:fontRef>
+        </p:style>
+        <p:txBody>
+          <a:bodyPr rtlCol="0" anchor="ctr"/>
+          <a:lstStyle/>
+          <a:p>
+            <a:pPr algn="ctr"/>
+            <a:r>
+              <a:rPr lang="fr-FR" dirty="0"/>
+              <a:t>Phase 1</a:t>
+            </a:r>
+            <a:endParaRPr lang="en-US" dirty="0"/>
+          </a:p>
+        </p:txBody>
+      </p:sp>
+      <p:sp>
+        <p:nvSpPr>
+          <p:cNvPr id="13" name="Arrow: Left-Right 12">
+            <a:extLst>
+              <a:ext uri="{FF2B5EF4-FFF2-40B4-BE49-F238E27FC236}">
+                <a16:creationId xmlns:a16="http://schemas.microsoft.com/office/drawing/2014/main" id="{E3A09022-764E-485A-A7EB-FF5E20802EE5}"/>
+              </a:ext>
+            </a:extLst>
+          </p:cNvPr>
+          <p:cNvSpPr/>
+          <p:nvPr/>
+        </p:nvSpPr>
+        <p:spPr>
+          <a:xfrm>
+            <a:off x="5880846" y="5692588"/>
+            <a:ext cx="2465290" cy="457738"/>
+          </a:xfrm>
+          <a:prstGeom prst="leftRightArrow">
+            <a:avLst>
+              <a:gd name="adj1" fmla="val 50000"/>
+              <a:gd name="adj2" fmla="val 38249"/>
+            </a:avLst>
+          </a:prstGeom>
+        </p:spPr>
+        <p:style>
+          <a:lnRef idx="2">
+            <a:schemeClr val="accent1">
+              <a:shade val="50000"/>
+            </a:schemeClr>
+          </a:lnRef>
+          <a:fillRef idx="1">
+            <a:schemeClr val="accent1"/>
+          </a:fillRef>
+          <a:effectRef idx="0">
+            <a:schemeClr val="accent1"/>
+          </a:effectRef>
+          <a:fontRef idx="minor">
+            <a:schemeClr val="lt1"/>
+          </a:fontRef>
+        </p:style>
+        <p:txBody>
+          <a:bodyPr rtlCol="0" anchor="ctr"/>
+          <a:lstStyle/>
+          <a:p>
+            <a:pPr algn="ctr"/>
+            <a:r>
+              <a:rPr lang="fr-FR" dirty="0"/>
+              <a:t>Phase 2</a:t>
+            </a:r>
+            <a:endParaRPr lang="en-US" dirty="0"/>
+          </a:p>
+        </p:txBody>
+      </p:sp>
+      <p:sp>
+        <p:nvSpPr>
+          <p:cNvPr id="14" name="Arrow: Left-Right 13">
+            <a:extLst>
+              <a:ext uri="{FF2B5EF4-FFF2-40B4-BE49-F238E27FC236}">
+                <a16:creationId xmlns:a16="http://schemas.microsoft.com/office/drawing/2014/main" id="{722BA06E-C1B7-4303-8457-73F056C79F79}"/>
+              </a:ext>
+            </a:extLst>
+          </p:cNvPr>
+          <p:cNvSpPr/>
+          <p:nvPr/>
+        </p:nvSpPr>
+        <p:spPr>
+          <a:xfrm>
+            <a:off x="8525436" y="5688122"/>
+            <a:ext cx="1882585" cy="457738"/>
+          </a:xfrm>
+          <a:prstGeom prst="leftRightArrow">
+            <a:avLst>
+              <a:gd name="adj1" fmla="val 50000"/>
+              <a:gd name="adj2" fmla="val 38249"/>
+            </a:avLst>
+          </a:prstGeom>
+        </p:spPr>
+        <p:style>
+          <a:lnRef idx="2">
+            <a:schemeClr val="accent1">
+              <a:shade val="50000"/>
+            </a:schemeClr>
+          </a:lnRef>
+          <a:fillRef idx="1">
+            <a:schemeClr val="accent1"/>
+          </a:fillRef>
+          <a:effectRef idx="0">
+            <a:schemeClr val="accent1"/>
+          </a:effectRef>
+          <a:fontRef idx="minor">
+            <a:schemeClr val="lt1"/>
+          </a:fontRef>
+        </p:style>
+        <p:txBody>
+          <a:bodyPr rtlCol="0" anchor="ctr"/>
+          <a:lstStyle/>
+          <a:p>
+            <a:pPr algn="ctr"/>
+            <a:r>
+              <a:rPr lang="fr-FR" dirty="0"/>
+              <a:t>Phase 3</a:t>
+            </a:r>
+            <a:endParaRPr lang="en-US" dirty="0"/>
+          </a:p>
+        </p:txBody>
+      </p:sp>
+      <p:sp>
+        <p:nvSpPr>
+          <p:cNvPr id="15" name="Arrow: Left-Right 14">
+            <a:extLst>
+              <a:ext uri="{FF2B5EF4-FFF2-40B4-BE49-F238E27FC236}">
+                <a16:creationId xmlns:a16="http://schemas.microsoft.com/office/drawing/2014/main" id="{19B8B7BF-DAA5-475A-91D3-C767458143C2}"/>
+              </a:ext>
+            </a:extLst>
+          </p:cNvPr>
+          <p:cNvSpPr/>
+          <p:nvPr/>
+        </p:nvSpPr>
+        <p:spPr>
+          <a:xfrm>
+            <a:off x="10403540" y="5688122"/>
+            <a:ext cx="1632712" cy="457738"/>
+          </a:xfrm>
+          <a:prstGeom prst="leftRightArrow">
+            <a:avLst>
+              <a:gd name="adj1" fmla="val 50000"/>
+              <a:gd name="adj2" fmla="val 38249"/>
+            </a:avLst>
+          </a:prstGeom>
+        </p:spPr>
+        <p:style>
+          <a:lnRef idx="2">
+            <a:schemeClr val="accent1">
+              <a:shade val="50000"/>
+            </a:schemeClr>
+          </a:lnRef>
+          <a:fillRef idx="1">
+            <a:schemeClr val="accent1"/>
+          </a:fillRef>
+          <a:effectRef idx="0">
+            <a:schemeClr val="accent1"/>
+          </a:effectRef>
+          <a:fontRef idx="minor">
+            <a:schemeClr val="lt1"/>
+          </a:fontRef>
+        </p:style>
+        <p:txBody>
+          <a:bodyPr rtlCol="0" anchor="ctr"/>
+          <a:lstStyle/>
+          <a:p>
+            <a:pPr algn="ctr"/>
+            <a:r>
+              <a:rPr lang="fr-FR" dirty="0"/>
+              <a:t>Phase 4</a:t>
+            </a:r>
+            <a:endParaRPr lang="en-US" dirty="0"/>
+          </a:p>
+        </p:txBody>
+      </p:sp>
+    </p:spTree>
+    <p:extLst>
+      <p:ext uri="{BB962C8B-B14F-4D97-AF65-F5344CB8AC3E}">
+        <p14:creationId xmlns:p14="http://schemas.microsoft.com/office/powerpoint/2010/main" val="4032827474"/>
+      </p:ext>
+    </p:extLst>
+  </p:cSld>
+  <p:clrMapOvr>
+    <a:masterClrMapping/>
+  </p:clrMapOvr>
+</p:sld>
+</file>
+
+<file path=ppt/slides/slide22.xml><?xml version="1.0" encoding="utf-8"?>
+<p:sld xmlns:a="http://schemas.openxmlformats.org/drawingml/2006/main" xmlns:r="http://schemas.openxmlformats.org/officeDocument/2006/relationships" xmlns:p="http://schemas.openxmlformats.org/presentationml/2006/main">
+  <p:cSld>
+    <p:spTree>
+      <p:nvGrpSpPr>
+        <p:cNvPr id="1" name=""/>
+        <p:cNvGrpSpPr/>
+        <p:nvPr/>
+      </p:nvGrpSpPr>
+      <p:grpSpPr>
+        <a:xfrm>
+          <a:off x="0" y="0"/>
+          <a:ext cx="0" cy="0"/>
+          <a:chOff x="0" y="0"/>
+          <a:chExt cx="0" cy="0"/>
+        </a:xfrm>
+      </p:grpSpPr>
+      <p:sp>
+        <p:nvSpPr>
+          <p:cNvPr id="2" name="Title 1">
+            <a:extLst>
+              <a:ext uri="{FF2B5EF4-FFF2-40B4-BE49-F238E27FC236}">
                 <a16:creationId xmlns:a16="http://schemas.microsoft.com/office/drawing/2014/main" id="{BCD27A8D-74E0-4E88-81BD-2722472DC484}"/>
               </a:ext>
             </a:extLst>
@@ -20661,7 +21510,7 @@
 </p:sld>
 </file>
 
-<file path=ppt/slides/slide22.xml><?xml version="1.0" encoding="utf-8"?>
+<file path=ppt/slides/slide23.xml><?xml version="1.0" encoding="utf-8"?>
 <p:sld xmlns:a="http://schemas.openxmlformats.org/drawingml/2006/main" xmlns:r="http://schemas.openxmlformats.org/officeDocument/2006/relationships" xmlns:p="http://schemas.openxmlformats.org/presentationml/2006/main">
   <p:cSld>
     <p:spTree>
@@ -20789,7 +21638,7 @@
 </p:sld>
 </file>
 
-<file path=ppt/slides/slide23.xml><?xml version="1.0" encoding="utf-8"?>
+<file path=ppt/slides/slide24.xml><?xml version="1.0" encoding="utf-8"?>
 <p:sld xmlns:a="http://schemas.openxmlformats.org/drawingml/2006/main" xmlns:r="http://schemas.openxmlformats.org/officeDocument/2006/relationships" xmlns:p="http://schemas.openxmlformats.org/presentationml/2006/main">
   <p:cSld>
     <p:spTree>
@@ -20911,7 +21760,7 @@
 </p:sld>
 </file>
 
-<file path=ppt/slides/slide24.xml><?xml version="1.0" encoding="utf-8"?>
+<file path=ppt/slides/slide25.xml><?xml version="1.0" encoding="utf-8"?>
 <p:sld xmlns:a="http://schemas.openxmlformats.org/drawingml/2006/main" xmlns:r="http://schemas.openxmlformats.org/officeDocument/2006/relationships" xmlns:p="http://schemas.openxmlformats.org/presentationml/2006/main">
   <p:cSld>
     <p:spTree>
@@ -21030,7 +21879,7 @@
 </p:sld>
 </file>
 
-<file path=ppt/slides/slide25.xml><?xml version="1.0" encoding="utf-8"?>
+<file path=ppt/slides/slide26.xml><?xml version="1.0" encoding="utf-8"?>
 <p:sld xmlns:a="http://schemas.openxmlformats.org/drawingml/2006/main" xmlns:r="http://schemas.openxmlformats.org/officeDocument/2006/relationships" xmlns:p="http://schemas.openxmlformats.org/presentationml/2006/main">
   <p:cSld>
     <p:spTree>
@@ -21162,7 +22011,7 @@
 </p:sld>
 </file>
 
-<file path=ppt/slides/slide26.xml><?xml version="1.0" encoding="utf-8"?>
+<file path=ppt/slides/slide27.xml><?xml version="1.0" encoding="utf-8"?>
 <p:sld xmlns:a="http://schemas.openxmlformats.org/drawingml/2006/main" xmlns:r="http://schemas.openxmlformats.org/officeDocument/2006/relationships" xmlns:p="http://schemas.openxmlformats.org/presentationml/2006/main">
   <p:cSld>
     <p:spTree>
@@ -21256,145 +22105,6 @@
     <p:extLst>
       <p:ext uri="{BB962C8B-B14F-4D97-AF65-F5344CB8AC3E}">
         <p14:creationId xmlns:p14="http://schemas.microsoft.com/office/powerpoint/2010/main" val="2373413576"/>
-      </p:ext>
-    </p:extLst>
-  </p:cSld>
-  <p:clrMapOvr>
-    <a:masterClrMapping/>
-  </p:clrMapOvr>
-</p:sld>
-</file>
-
-<file path=ppt/slides/slide27.xml><?xml version="1.0" encoding="utf-8"?>
-<p:sld xmlns:a="http://schemas.openxmlformats.org/drawingml/2006/main" xmlns:r="http://schemas.openxmlformats.org/officeDocument/2006/relationships" xmlns:p="http://schemas.openxmlformats.org/presentationml/2006/main">
-  <p:cSld>
-    <p:spTree>
-      <p:nvGrpSpPr>
-        <p:cNvPr id="1" name=""/>
-        <p:cNvGrpSpPr/>
-        <p:nvPr/>
-      </p:nvGrpSpPr>
-      <p:grpSpPr>
-        <a:xfrm>
-          <a:off x="0" y="0"/>
-          <a:ext cx="0" cy="0"/>
-          <a:chOff x="0" y="0"/>
-          <a:chExt cx="0" cy="0"/>
-        </a:xfrm>
-      </p:grpSpPr>
-      <p:sp>
-        <p:nvSpPr>
-          <p:cNvPr id="2" name="Title 1">
-            <a:extLst>
-              <a:ext uri="{FF2B5EF4-FFF2-40B4-BE49-F238E27FC236}">
-                <a16:creationId xmlns:a16="http://schemas.microsoft.com/office/drawing/2014/main" id="{8799B785-EEBE-49C4-AB80-AC77F7A85E20}"/>
-              </a:ext>
-            </a:extLst>
-          </p:cNvPr>
-          <p:cNvSpPr>
-            <a:spLocks noGrp="1"/>
-          </p:cNvSpPr>
-          <p:nvPr>
-            <p:ph type="title"/>
-          </p:nvPr>
-        </p:nvSpPr>
-        <p:spPr/>
-        <p:txBody>
-          <a:bodyPr/>
-          <a:lstStyle/>
-          <a:p>
-            <a:r>
-              <a:rPr lang="fr-FR" dirty="0"/>
-              <a:t>Psychologie</a:t>
-            </a:r>
-            <a:endParaRPr lang="en-US" dirty="0"/>
-          </a:p>
-        </p:txBody>
-      </p:sp>
-      <p:sp>
-        <p:nvSpPr>
-          <p:cNvPr id="3" name="Content Placeholder 2">
-            <a:extLst>
-              <a:ext uri="{FF2B5EF4-FFF2-40B4-BE49-F238E27FC236}">
-                <a16:creationId xmlns:a16="http://schemas.microsoft.com/office/drawing/2014/main" id="{EDA62261-4CE3-4393-9DEA-A5C83C80C12E}"/>
-              </a:ext>
-            </a:extLst>
-          </p:cNvPr>
-          <p:cNvSpPr>
-            <a:spLocks noGrp="1"/>
-          </p:cNvSpPr>
-          <p:nvPr>
-            <p:ph idx="1"/>
-          </p:nvPr>
-        </p:nvSpPr>
-        <p:spPr/>
-        <p:txBody>
-          <a:bodyPr/>
-          <a:lstStyle/>
-          <a:p>
-            <a:r>
-              <a:rPr lang="fr-FR" dirty="0"/>
-              <a:t>Couper les pertes et laisser courir les gains</a:t>
-            </a:r>
-          </a:p>
-          <a:p>
-            <a:pPr lvl="1">
-              <a:buFont typeface="Wingdings" panose="05000000000000000000" pitchFamily="2" charset="2"/>
-              <a:buChar char="è"/>
-            </a:pPr>
-            <a:r>
-              <a:rPr lang="fr-FR" dirty="0">
-                <a:sym typeface="Wingdings" panose="05000000000000000000" pitchFamily="2" charset="2"/>
-              </a:rPr>
-              <a:t>Contre la nature humaine</a:t>
-            </a:r>
-          </a:p>
-          <a:p>
-            <a:r>
-              <a:rPr lang="en-US" dirty="0"/>
-              <a:t>Ne pas </a:t>
-            </a:r>
-            <a:r>
-              <a:rPr lang="en-US" dirty="0" err="1"/>
-              <a:t>vouloir</a:t>
-            </a:r>
-            <a:r>
-              <a:rPr lang="en-US" dirty="0"/>
-              <a:t> </a:t>
-            </a:r>
-            <a:r>
-              <a:rPr lang="en-US" dirty="0" err="1"/>
-              <a:t>avoir</a:t>
-            </a:r>
-            <a:r>
-              <a:rPr lang="en-US" dirty="0"/>
-              <a:t> raison</a:t>
-            </a:r>
-          </a:p>
-          <a:p>
-            <a:pPr marL="457200" lvl="1" indent="0">
-              <a:buNone/>
-            </a:pPr>
-            <a:r>
-              <a:rPr lang="en-US" dirty="0">
-                <a:sym typeface="Wingdings" panose="05000000000000000000" pitchFamily="2" charset="2"/>
-              </a:rPr>
-              <a:t>Ranger son </a:t>
-            </a:r>
-            <a:r>
-              <a:rPr lang="en-US" dirty="0" err="1">
-                <a:sym typeface="Wingdings" panose="05000000000000000000" pitchFamily="2" charset="2"/>
-              </a:rPr>
-              <a:t>égo</a:t>
-            </a:r>
-            <a:endParaRPr lang="en-US" dirty="0"/>
-          </a:p>
-        </p:txBody>
-      </p:sp>
-    </p:spTree>
-    <p:extLst>
-      <p:ext uri="{BB962C8B-B14F-4D97-AF65-F5344CB8AC3E}">
-        <p14:creationId xmlns:p14="http://schemas.microsoft.com/office/powerpoint/2010/main" val="2971414286"/>
       </p:ext>
     </p:extLst>
   </p:cSld>
@@ -21444,6 +22154,145 @@
           <a:p>
             <a:r>
               <a:rPr lang="fr-FR" dirty="0"/>
+              <a:t>Psychologie</a:t>
+            </a:r>
+            <a:endParaRPr lang="en-US" dirty="0"/>
+          </a:p>
+        </p:txBody>
+      </p:sp>
+      <p:sp>
+        <p:nvSpPr>
+          <p:cNvPr id="3" name="Content Placeholder 2">
+            <a:extLst>
+              <a:ext uri="{FF2B5EF4-FFF2-40B4-BE49-F238E27FC236}">
+                <a16:creationId xmlns:a16="http://schemas.microsoft.com/office/drawing/2014/main" id="{EDA62261-4CE3-4393-9DEA-A5C83C80C12E}"/>
+              </a:ext>
+            </a:extLst>
+          </p:cNvPr>
+          <p:cNvSpPr>
+            <a:spLocks noGrp="1"/>
+          </p:cNvSpPr>
+          <p:nvPr>
+            <p:ph idx="1"/>
+          </p:nvPr>
+        </p:nvSpPr>
+        <p:spPr/>
+        <p:txBody>
+          <a:bodyPr/>
+          <a:lstStyle/>
+          <a:p>
+            <a:r>
+              <a:rPr lang="fr-FR" dirty="0"/>
+              <a:t>Couper les pertes et laisser courir les gains</a:t>
+            </a:r>
+          </a:p>
+          <a:p>
+            <a:pPr lvl="1">
+              <a:buFont typeface="Wingdings" panose="05000000000000000000" pitchFamily="2" charset="2"/>
+              <a:buChar char="è"/>
+            </a:pPr>
+            <a:r>
+              <a:rPr lang="fr-FR" dirty="0">
+                <a:sym typeface="Wingdings" panose="05000000000000000000" pitchFamily="2" charset="2"/>
+              </a:rPr>
+              <a:t>Contre la nature humaine</a:t>
+            </a:r>
+          </a:p>
+          <a:p>
+            <a:r>
+              <a:rPr lang="en-US" dirty="0"/>
+              <a:t>Ne pas </a:t>
+            </a:r>
+            <a:r>
+              <a:rPr lang="en-US" dirty="0" err="1"/>
+              <a:t>vouloir</a:t>
+            </a:r>
+            <a:r>
+              <a:rPr lang="en-US" dirty="0"/>
+              <a:t> </a:t>
+            </a:r>
+            <a:r>
+              <a:rPr lang="en-US" dirty="0" err="1"/>
+              <a:t>avoir</a:t>
+            </a:r>
+            <a:r>
+              <a:rPr lang="en-US" dirty="0"/>
+              <a:t> raison</a:t>
+            </a:r>
+          </a:p>
+          <a:p>
+            <a:pPr marL="457200" lvl="1" indent="0">
+              <a:buNone/>
+            </a:pPr>
+            <a:r>
+              <a:rPr lang="en-US" dirty="0">
+                <a:sym typeface="Wingdings" panose="05000000000000000000" pitchFamily="2" charset="2"/>
+              </a:rPr>
+              <a:t>Ranger son </a:t>
+            </a:r>
+            <a:r>
+              <a:rPr lang="en-US" dirty="0" err="1">
+                <a:sym typeface="Wingdings" panose="05000000000000000000" pitchFamily="2" charset="2"/>
+              </a:rPr>
+              <a:t>égo</a:t>
+            </a:r>
+            <a:endParaRPr lang="en-US" dirty="0"/>
+          </a:p>
+        </p:txBody>
+      </p:sp>
+    </p:spTree>
+    <p:extLst>
+      <p:ext uri="{BB962C8B-B14F-4D97-AF65-F5344CB8AC3E}">
+        <p14:creationId xmlns:p14="http://schemas.microsoft.com/office/powerpoint/2010/main" val="2971414286"/>
+      </p:ext>
+    </p:extLst>
+  </p:cSld>
+  <p:clrMapOvr>
+    <a:masterClrMapping/>
+  </p:clrMapOvr>
+</p:sld>
+</file>
+
+<file path=ppt/slides/slide29.xml><?xml version="1.0" encoding="utf-8"?>
+<p:sld xmlns:a="http://schemas.openxmlformats.org/drawingml/2006/main" xmlns:r="http://schemas.openxmlformats.org/officeDocument/2006/relationships" xmlns:p="http://schemas.openxmlformats.org/presentationml/2006/main">
+  <p:cSld>
+    <p:spTree>
+      <p:nvGrpSpPr>
+        <p:cNvPr id="1" name=""/>
+        <p:cNvGrpSpPr/>
+        <p:nvPr/>
+      </p:nvGrpSpPr>
+      <p:grpSpPr>
+        <a:xfrm>
+          <a:off x="0" y="0"/>
+          <a:ext cx="0" cy="0"/>
+          <a:chOff x="0" y="0"/>
+          <a:chExt cx="0" cy="0"/>
+        </a:xfrm>
+      </p:grpSpPr>
+      <p:sp>
+        <p:nvSpPr>
+          <p:cNvPr id="2" name="Title 1">
+            <a:extLst>
+              <a:ext uri="{FF2B5EF4-FFF2-40B4-BE49-F238E27FC236}">
+                <a16:creationId xmlns:a16="http://schemas.microsoft.com/office/drawing/2014/main" id="{8799B785-EEBE-49C4-AB80-AC77F7A85E20}"/>
+              </a:ext>
+            </a:extLst>
+          </p:cNvPr>
+          <p:cNvSpPr>
+            <a:spLocks noGrp="1"/>
+          </p:cNvSpPr>
+          <p:nvPr>
+            <p:ph type="title"/>
+          </p:nvPr>
+        </p:nvSpPr>
+        <p:spPr/>
+        <p:txBody>
+          <a:bodyPr/>
+          <a:lstStyle/>
+          <a:p>
+            <a:r>
+              <a:rPr lang="fr-FR" dirty="0"/>
               <a:t>Adages</a:t>
             </a:r>
             <a:endParaRPr lang="en-US" dirty="0"/>
@@ -21566,108 +22415,6 @@
     <p:extLst>
       <p:ext uri="{BB962C8B-B14F-4D97-AF65-F5344CB8AC3E}">
         <p14:creationId xmlns:p14="http://schemas.microsoft.com/office/powerpoint/2010/main" val="3710044543"/>
-      </p:ext>
-    </p:extLst>
-  </p:cSld>
-  <p:clrMapOvr>
-    <a:masterClrMapping/>
-  </p:clrMapOvr>
-</p:sld>
-</file>
-
-<file path=ppt/slides/slide29.xml><?xml version="1.0" encoding="utf-8"?>
-<p:sld xmlns:a="http://schemas.openxmlformats.org/drawingml/2006/main" xmlns:r="http://schemas.openxmlformats.org/officeDocument/2006/relationships" xmlns:p="http://schemas.openxmlformats.org/presentationml/2006/main">
-  <p:cSld>
-    <p:spTree>
-      <p:nvGrpSpPr>
-        <p:cNvPr id="1" name=""/>
-        <p:cNvGrpSpPr/>
-        <p:nvPr/>
-      </p:nvGrpSpPr>
-      <p:grpSpPr>
-        <a:xfrm>
-          <a:off x="0" y="0"/>
-          <a:ext cx="0" cy="0"/>
-          <a:chOff x="0" y="0"/>
-          <a:chExt cx="0" cy="0"/>
-        </a:xfrm>
-      </p:grpSpPr>
-      <p:sp>
-        <p:nvSpPr>
-          <p:cNvPr id="4" name="Title 3">
-            <a:extLst>
-              <a:ext uri="{FF2B5EF4-FFF2-40B4-BE49-F238E27FC236}">
-                <a16:creationId xmlns:a16="http://schemas.microsoft.com/office/drawing/2014/main" id="{E6380E96-F0A3-42D6-A06C-794AEEC22297}"/>
-              </a:ext>
-            </a:extLst>
-          </p:cNvPr>
-          <p:cNvSpPr>
-            <a:spLocks noGrp="1"/>
-          </p:cNvSpPr>
-          <p:nvPr>
-            <p:ph type="title"/>
-          </p:nvPr>
-        </p:nvSpPr>
-        <p:spPr/>
-        <p:txBody>
-          <a:bodyPr/>
-          <a:lstStyle/>
-          <a:p>
-            <a:r>
-              <a:rPr lang="fr-FR" dirty="0" err="1"/>
-              <a:t>Resources</a:t>
-            </a:r>
-            <a:endParaRPr lang="en-US" dirty="0"/>
-          </a:p>
-        </p:txBody>
-      </p:sp>
-      <p:sp>
-        <p:nvSpPr>
-          <p:cNvPr id="5" name="Content Placeholder 4">
-            <a:extLst>
-              <a:ext uri="{FF2B5EF4-FFF2-40B4-BE49-F238E27FC236}">
-                <a16:creationId xmlns:a16="http://schemas.microsoft.com/office/drawing/2014/main" id="{4DE2D52E-F79C-4F88-8C64-F7DFDDEC7171}"/>
-              </a:ext>
-            </a:extLst>
-          </p:cNvPr>
-          <p:cNvSpPr>
-            <a:spLocks noGrp="1"/>
-          </p:cNvSpPr>
-          <p:nvPr>
-            <p:ph idx="1"/>
-          </p:nvPr>
-        </p:nvSpPr>
-        <p:spPr/>
-        <p:txBody>
-          <a:bodyPr/>
-          <a:lstStyle/>
-          <a:p>
-            <a:r>
-              <a:rPr lang="en-US" dirty="0"/>
-              <a:t>How the economy works</a:t>
-            </a:r>
-          </a:p>
-          <a:p>
-            <a:pPr marL="457200" lvl="1" indent="0">
-              <a:buNone/>
-            </a:pPr>
-            <a:r>
-              <a:rPr lang="en-US" dirty="0">
-                <a:hlinkClick r:id="rId2"/>
-              </a:rPr>
-              <a:t>https://www.youtube.com/watch?v=PHe0bXAIuk0</a:t>
-            </a:r>
-            <a:endParaRPr lang="en-US" dirty="0"/>
-          </a:p>
-          <a:p>
-            <a:endParaRPr lang="en-US" dirty="0"/>
-          </a:p>
-        </p:txBody>
-      </p:sp>
-    </p:spTree>
-    <p:extLst>
-      <p:ext uri="{BB962C8B-B14F-4D97-AF65-F5344CB8AC3E}">
-        <p14:creationId xmlns:p14="http://schemas.microsoft.com/office/powerpoint/2010/main" val="1707557745"/>
       </p:ext>
     </p:extLst>
   </p:cSld>
@@ -21863,6 +22610,108 @@
     <p:extLst>
       <p:ext uri="{BB962C8B-B14F-4D97-AF65-F5344CB8AC3E}">
         <p14:creationId xmlns:p14="http://schemas.microsoft.com/office/powerpoint/2010/main" val="737864293"/>
+      </p:ext>
+    </p:extLst>
+  </p:cSld>
+  <p:clrMapOvr>
+    <a:masterClrMapping/>
+  </p:clrMapOvr>
+</p:sld>
+</file>
+
+<file path=ppt/slides/slide30.xml><?xml version="1.0" encoding="utf-8"?>
+<p:sld xmlns:a="http://schemas.openxmlformats.org/drawingml/2006/main" xmlns:r="http://schemas.openxmlformats.org/officeDocument/2006/relationships" xmlns:p="http://schemas.openxmlformats.org/presentationml/2006/main">
+  <p:cSld>
+    <p:spTree>
+      <p:nvGrpSpPr>
+        <p:cNvPr id="1" name=""/>
+        <p:cNvGrpSpPr/>
+        <p:nvPr/>
+      </p:nvGrpSpPr>
+      <p:grpSpPr>
+        <a:xfrm>
+          <a:off x="0" y="0"/>
+          <a:ext cx="0" cy="0"/>
+          <a:chOff x="0" y="0"/>
+          <a:chExt cx="0" cy="0"/>
+        </a:xfrm>
+      </p:grpSpPr>
+      <p:sp>
+        <p:nvSpPr>
+          <p:cNvPr id="4" name="Title 3">
+            <a:extLst>
+              <a:ext uri="{FF2B5EF4-FFF2-40B4-BE49-F238E27FC236}">
+                <a16:creationId xmlns:a16="http://schemas.microsoft.com/office/drawing/2014/main" id="{E6380E96-F0A3-42D6-A06C-794AEEC22297}"/>
+              </a:ext>
+            </a:extLst>
+          </p:cNvPr>
+          <p:cNvSpPr>
+            <a:spLocks noGrp="1"/>
+          </p:cNvSpPr>
+          <p:nvPr>
+            <p:ph type="title"/>
+          </p:nvPr>
+        </p:nvSpPr>
+        <p:spPr/>
+        <p:txBody>
+          <a:bodyPr/>
+          <a:lstStyle/>
+          <a:p>
+            <a:r>
+              <a:rPr lang="fr-FR" dirty="0" err="1"/>
+              <a:t>Resources</a:t>
+            </a:r>
+            <a:endParaRPr lang="en-US" dirty="0"/>
+          </a:p>
+        </p:txBody>
+      </p:sp>
+      <p:sp>
+        <p:nvSpPr>
+          <p:cNvPr id="5" name="Content Placeholder 4">
+            <a:extLst>
+              <a:ext uri="{FF2B5EF4-FFF2-40B4-BE49-F238E27FC236}">
+                <a16:creationId xmlns:a16="http://schemas.microsoft.com/office/drawing/2014/main" id="{4DE2D52E-F79C-4F88-8C64-F7DFDDEC7171}"/>
+              </a:ext>
+            </a:extLst>
+          </p:cNvPr>
+          <p:cNvSpPr>
+            <a:spLocks noGrp="1"/>
+          </p:cNvSpPr>
+          <p:nvPr>
+            <p:ph idx="1"/>
+          </p:nvPr>
+        </p:nvSpPr>
+        <p:spPr/>
+        <p:txBody>
+          <a:bodyPr/>
+          <a:lstStyle/>
+          <a:p>
+            <a:r>
+              <a:rPr lang="en-US" dirty="0"/>
+              <a:t>How the economy works</a:t>
+            </a:r>
+          </a:p>
+          <a:p>
+            <a:pPr marL="457200" lvl="1" indent="0">
+              <a:buNone/>
+            </a:pPr>
+            <a:r>
+              <a:rPr lang="en-US" dirty="0">
+                <a:hlinkClick r:id="rId2"/>
+              </a:rPr>
+              <a:t>https://www.youtube.com/watch?v=PHe0bXAIuk0</a:t>
+            </a:r>
+            <a:endParaRPr lang="en-US" dirty="0"/>
+          </a:p>
+          <a:p>
+            <a:endParaRPr lang="en-US" dirty="0"/>
+          </a:p>
+        </p:txBody>
+      </p:sp>
+    </p:spTree>
+    <p:extLst>
+      <p:ext uri="{BB962C8B-B14F-4D97-AF65-F5344CB8AC3E}">
+        <p14:creationId xmlns:p14="http://schemas.microsoft.com/office/powerpoint/2010/main" val="1707557745"/>
       </p:ext>
     </p:extLst>
   </p:cSld>

--- a/Formation/Formation Bourse.pptx
+++ b/Formation/Formation Bourse.pptx
@@ -30,11 +30,12 @@
     <p:sldId id="273" r:id="rId24"/>
     <p:sldId id="274" r:id="rId25"/>
     <p:sldId id="263" r:id="rId26"/>
-    <p:sldId id="284" r:id="rId27"/>
-    <p:sldId id="265" r:id="rId28"/>
-    <p:sldId id="262" r:id="rId29"/>
-    <p:sldId id="286" r:id="rId30"/>
-    <p:sldId id="276" r:id="rId31"/>
+    <p:sldId id="288" r:id="rId27"/>
+    <p:sldId id="284" r:id="rId28"/>
+    <p:sldId id="265" r:id="rId29"/>
+    <p:sldId id="262" r:id="rId30"/>
+    <p:sldId id="286" r:id="rId31"/>
+    <p:sldId id="276" r:id="rId32"/>
   </p:sldIdLst>
   <p:sldSz cx="12192000" cy="6858000"/>
   <p:notesSz cx="6858000" cy="9144000"/>
@@ -167,6 +168,7 @@
             <p14:sldId id="273"/>
             <p14:sldId id="274"/>
             <p14:sldId id="263"/>
+            <p14:sldId id="288"/>
             <p14:sldId id="284"/>
             <p14:sldId id="265"/>
             <p14:sldId id="262"/>
@@ -330,7 +332,7 @@
           <a:p>
             <a:fld id="{17B49B2E-EC6C-4037-9ACB-43BC4863C7EA}" type="datetimeFigureOut">
               <a:rPr lang="en-US" smtClean="0"/>
-              <a:t>5/27/2020</a:t>
+              <a:t>6/9/2020</a:t>
             </a:fld>
             <a:endParaRPr lang="en-US"/>
           </a:p>
@@ -528,7 +530,7 @@
           <a:p>
             <a:fld id="{17B49B2E-EC6C-4037-9ACB-43BC4863C7EA}" type="datetimeFigureOut">
               <a:rPr lang="en-US" smtClean="0"/>
-              <a:t>5/27/2020</a:t>
+              <a:t>6/9/2020</a:t>
             </a:fld>
             <a:endParaRPr lang="en-US"/>
           </a:p>
@@ -736,7 +738,7 @@
           <a:p>
             <a:fld id="{17B49B2E-EC6C-4037-9ACB-43BC4863C7EA}" type="datetimeFigureOut">
               <a:rPr lang="en-US" smtClean="0"/>
-              <a:t>5/27/2020</a:t>
+              <a:t>6/9/2020</a:t>
             </a:fld>
             <a:endParaRPr lang="en-US"/>
           </a:p>
@@ -934,7 +936,7 @@
           <a:p>
             <a:fld id="{17B49B2E-EC6C-4037-9ACB-43BC4863C7EA}" type="datetimeFigureOut">
               <a:rPr lang="en-US" smtClean="0"/>
-              <a:t>5/27/2020</a:t>
+              <a:t>6/9/2020</a:t>
             </a:fld>
             <a:endParaRPr lang="en-US"/>
           </a:p>
@@ -1209,7 +1211,7 @@
           <a:p>
             <a:fld id="{17B49B2E-EC6C-4037-9ACB-43BC4863C7EA}" type="datetimeFigureOut">
               <a:rPr lang="en-US" smtClean="0"/>
-              <a:t>5/27/2020</a:t>
+              <a:t>6/9/2020</a:t>
             </a:fld>
             <a:endParaRPr lang="en-US"/>
           </a:p>
@@ -1474,7 +1476,7 @@
           <a:p>
             <a:fld id="{17B49B2E-EC6C-4037-9ACB-43BC4863C7EA}" type="datetimeFigureOut">
               <a:rPr lang="en-US" smtClean="0"/>
-              <a:t>5/27/2020</a:t>
+              <a:t>6/9/2020</a:t>
             </a:fld>
             <a:endParaRPr lang="en-US"/>
           </a:p>
@@ -1886,7 +1888,7 @@
           <a:p>
             <a:fld id="{17B49B2E-EC6C-4037-9ACB-43BC4863C7EA}" type="datetimeFigureOut">
               <a:rPr lang="en-US" smtClean="0"/>
-              <a:t>5/27/2020</a:t>
+              <a:t>6/9/2020</a:t>
             </a:fld>
             <a:endParaRPr lang="en-US"/>
           </a:p>
@@ -2027,7 +2029,7 @@
           <a:p>
             <a:fld id="{17B49B2E-EC6C-4037-9ACB-43BC4863C7EA}" type="datetimeFigureOut">
               <a:rPr lang="en-US" smtClean="0"/>
-              <a:t>5/27/2020</a:t>
+              <a:t>6/9/2020</a:t>
             </a:fld>
             <a:endParaRPr lang="en-US"/>
           </a:p>
@@ -2140,7 +2142,7 @@
           <a:p>
             <a:fld id="{17B49B2E-EC6C-4037-9ACB-43BC4863C7EA}" type="datetimeFigureOut">
               <a:rPr lang="en-US" smtClean="0"/>
-              <a:t>5/27/2020</a:t>
+              <a:t>6/9/2020</a:t>
             </a:fld>
             <a:endParaRPr lang="en-US"/>
           </a:p>
@@ -2451,7 +2453,7 @@
           <a:p>
             <a:fld id="{17B49B2E-EC6C-4037-9ACB-43BC4863C7EA}" type="datetimeFigureOut">
               <a:rPr lang="en-US" smtClean="0"/>
-              <a:t>5/27/2020</a:t>
+              <a:t>6/9/2020</a:t>
             </a:fld>
             <a:endParaRPr lang="en-US"/>
           </a:p>
@@ -2739,7 +2741,7 @@
           <a:p>
             <a:fld id="{17B49B2E-EC6C-4037-9ACB-43BC4863C7EA}" type="datetimeFigureOut">
               <a:rPr lang="en-US" smtClean="0"/>
-              <a:t>5/27/2020</a:t>
+              <a:t>6/9/2020</a:t>
             </a:fld>
             <a:endParaRPr lang="en-US"/>
           </a:p>
@@ -2980,7 +2982,7 @@
           <a:p>
             <a:fld id="{17B49B2E-EC6C-4037-9ACB-43BC4863C7EA}" type="datetimeFigureOut">
               <a:rPr lang="en-US" smtClean="0"/>
-              <a:t>5/27/2020</a:t>
+              <a:t>6/9/2020</a:t>
             </a:fld>
             <a:endParaRPr lang="en-US"/>
           </a:p>
@@ -21901,6 +21903,106 @@
           <p:cNvPr id="2" name="Title 1">
             <a:extLst>
               <a:ext uri="{FF2B5EF4-FFF2-40B4-BE49-F238E27FC236}">
+                <a16:creationId xmlns:a16="http://schemas.microsoft.com/office/drawing/2014/main" id="{A37AACDF-CDBA-454A-A20B-BA181914ECA0}"/>
+              </a:ext>
+            </a:extLst>
+          </p:cNvPr>
+          <p:cNvSpPr>
+            <a:spLocks noGrp="1"/>
+          </p:cNvSpPr>
+          <p:nvPr>
+            <p:ph type="title"/>
+          </p:nvPr>
+        </p:nvSpPr>
+        <p:spPr/>
+        <p:txBody>
+          <a:bodyPr/>
+          <a:lstStyle/>
+          <a:p>
+            <a:r>
+              <a:rPr lang="fr-FR" dirty="0"/>
+              <a:t>Analyse Fondamentale</a:t>
+            </a:r>
+            <a:endParaRPr lang="en-US" dirty="0"/>
+          </a:p>
+        </p:txBody>
+      </p:sp>
+      <p:sp>
+        <p:nvSpPr>
+          <p:cNvPr id="3" name="Content Placeholder 2">
+            <a:extLst>
+              <a:ext uri="{FF2B5EF4-FFF2-40B4-BE49-F238E27FC236}">
+                <a16:creationId xmlns:a16="http://schemas.microsoft.com/office/drawing/2014/main" id="{CEC8B841-8013-45A1-85D1-FF2AC9EE6610}"/>
+              </a:ext>
+            </a:extLst>
+          </p:cNvPr>
+          <p:cNvSpPr>
+            <a:spLocks noGrp="1"/>
+          </p:cNvSpPr>
+          <p:nvPr>
+            <p:ph idx="1"/>
+          </p:nvPr>
+        </p:nvSpPr>
+        <p:spPr/>
+        <p:txBody>
+          <a:bodyPr/>
+          <a:lstStyle/>
+          <a:p>
+            <a:r>
+              <a:rPr lang="fr-FR" dirty="0"/>
+              <a:t>Analyse Value (VUG)</a:t>
+            </a:r>
+          </a:p>
+          <a:p>
+            <a:endParaRPr lang="fr-FR" dirty="0"/>
+          </a:p>
+          <a:p>
+            <a:endParaRPr lang="fr-FR" dirty="0"/>
+          </a:p>
+          <a:p>
+            <a:r>
+              <a:rPr lang="fr-FR"/>
+              <a:t>Analyse Croissance (VTV)</a:t>
+            </a:r>
+            <a:endParaRPr lang="en-US" dirty="0"/>
+          </a:p>
+        </p:txBody>
+      </p:sp>
+    </p:spTree>
+    <p:extLst>
+      <p:ext uri="{BB962C8B-B14F-4D97-AF65-F5344CB8AC3E}">
+        <p14:creationId xmlns:p14="http://schemas.microsoft.com/office/powerpoint/2010/main" val="1934557241"/>
+      </p:ext>
+    </p:extLst>
+  </p:cSld>
+  <p:clrMapOvr>
+    <a:masterClrMapping/>
+  </p:clrMapOvr>
+</p:sld>
+</file>
+
+<file path=ppt/slides/slide27.xml><?xml version="1.0" encoding="utf-8"?>
+<p:sld xmlns:a="http://schemas.openxmlformats.org/drawingml/2006/main" xmlns:r="http://schemas.openxmlformats.org/officeDocument/2006/relationships" xmlns:p="http://schemas.openxmlformats.org/presentationml/2006/main">
+  <p:cSld>
+    <p:spTree>
+      <p:nvGrpSpPr>
+        <p:cNvPr id="1" name=""/>
+        <p:cNvGrpSpPr/>
+        <p:nvPr/>
+      </p:nvGrpSpPr>
+      <p:grpSpPr>
+        <a:xfrm>
+          <a:off x="0" y="0"/>
+          <a:ext cx="0" cy="0"/>
+          <a:chOff x="0" y="0"/>
+          <a:chExt cx="0" cy="0"/>
+        </a:xfrm>
+      </p:grpSpPr>
+      <p:sp>
+        <p:nvSpPr>
+          <p:cNvPr id="2" name="Title 1">
+            <a:extLst>
+              <a:ext uri="{FF2B5EF4-FFF2-40B4-BE49-F238E27FC236}">
                 <a16:creationId xmlns:a16="http://schemas.microsoft.com/office/drawing/2014/main" id="{4C3C6B9C-57EB-4663-A58C-B680D8DD6006}"/>
               </a:ext>
             </a:extLst>
@@ -22011,7 +22113,7 @@
 </p:sld>
 </file>
 
-<file path=ppt/slides/slide27.xml><?xml version="1.0" encoding="utf-8"?>
+<file path=ppt/slides/slide28.xml><?xml version="1.0" encoding="utf-8"?>
 <p:sld xmlns:a="http://schemas.openxmlformats.org/drawingml/2006/main" xmlns:r="http://schemas.openxmlformats.org/officeDocument/2006/relationships" xmlns:p="http://schemas.openxmlformats.org/presentationml/2006/main">
   <p:cSld>
     <p:spTree>
@@ -22105,145 +22207,6 @@
     <p:extLst>
       <p:ext uri="{BB962C8B-B14F-4D97-AF65-F5344CB8AC3E}">
         <p14:creationId xmlns:p14="http://schemas.microsoft.com/office/powerpoint/2010/main" val="2373413576"/>
-      </p:ext>
-    </p:extLst>
-  </p:cSld>
-  <p:clrMapOvr>
-    <a:masterClrMapping/>
-  </p:clrMapOvr>
-</p:sld>
-</file>
-
-<file path=ppt/slides/slide28.xml><?xml version="1.0" encoding="utf-8"?>
-<p:sld xmlns:a="http://schemas.openxmlformats.org/drawingml/2006/main" xmlns:r="http://schemas.openxmlformats.org/officeDocument/2006/relationships" xmlns:p="http://schemas.openxmlformats.org/presentationml/2006/main">
-  <p:cSld>
-    <p:spTree>
-      <p:nvGrpSpPr>
-        <p:cNvPr id="1" name=""/>
-        <p:cNvGrpSpPr/>
-        <p:nvPr/>
-      </p:nvGrpSpPr>
-      <p:grpSpPr>
-        <a:xfrm>
-          <a:off x="0" y="0"/>
-          <a:ext cx="0" cy="0"/>
-          <a:chOff x="0" y="0"/>
-          <a:chExt cx="0" cy="0"/>
-        </a:xfrm>
-      </p:grpSpPr>
-      <p:sp>
-        <p:nvSpPr>
-          <p:cNvPr id="2" name="Title 1">
-            <a:extLst>
-              <a:ext uri="{FF2B5EF4-FFF2-40B4-BE49-F238E27FC236}">
-                <a16:creationId xmlns:a16="http://schemas.microsoft.com/office/drawing/2014/main" id="{8799B785-EEBE-49C4-AB80-AC77F7A85E20}"/>
-              </a:ext>
-            </a:extLst>
-          </p:cNvPr>
-          <p:cNvSpPr>
-            <a:spLocks noGrp="1"/>
-          </p:cNvSpPr>
-          <p:nvPr>
-            <p:ph type="title"/>
-          </p:nvPr>
-        </p:nvSpPr>
-        <p:spPr/>
-        <p:txBody>
-          <a:bodyPr/>
-          <a:lstStyle/>
-          <a:p>
-            <a:r>
-              <a:rPr lang="fr-FR" dirty="0"/>
-              <a:t>Psychologie</a:t>
-            </a:r>
-            <a:endParaRPr lang="en-US" dirty="0"/>
-          </a:p>
-        </p:txBody>
-      </p:sp>
-      <p:sp>
-        <p:nvSpPr>
-          <p:cNvPr id="3" name="Content Placeholder 2">
-            <a:extLst>
-              <a:ext uri="{FF2B5EF4-FFF2-40B4-BE49-F238E27FC236}">
-                <a16:creationId xmlns:a16="http://schemas.microsoft.com/office/drawing/2014/main" id="{EDA62261-4CE3-4393-9DEA-A5C83C80C12E}"/>
-              </a:ext>
-            </a:extLst>
-          </p:cNvPr>
-          <p:cNvSpPr>
-            <a:spLocks noGrp="1"/>
-          </p:cNvSpPr>
-          <p:nvPr>
-            <p:ph idx="1"/>
-          </p:nvPr>
-        </p:nvSpPr>
-        <p:spPr/>
-        <p:txBody>
-          <a:bodyPr/>
-          <a:lstStyle/>
-          <a:p>
-            <a:r>
-              <a:rPr lang="fr-FR" dirty="0"/>
-              <a:t>Couper les pertes et laisser courir les gains</a:t>
-            </a:r>
-          </a:p>
-          <a:p>
-            <a:pPr lvl="1">
-              <a:buFont typeface="Wingdings" panose="05000000000000000000" pitchFamily="2" charset="2"/>
-              <a:buChar char="è"/>
-            </a:pPr>
-            <a:r>
-              <a:rPr lang="fr-FR" dirty="0">
-                <a:sym typeface="Wingdings" panose="05000000000000000000" pitchFamily="2" charset="2"/>
-              </a:rPr>
-              <a:t>Contre la nature humaine</a:t>
-            </a:r>
-          </a:p>
-          <a:p>
-            <a:r>
-              <a:rPr lang="en-US" dirty="0"/>
-              <a:t>Ne pas </a:t>
-            </a:r>
-            <a:r>
-              <a:rPr lang="en-US" dirty="0" err="1"/>
-              <a:t>vouloir</a:t>
-            </a:r>
-            <a:r>
-              <a:rPr lang="en-US" dirty="0"/>
-              <a:t> </a:t>
-            </a:r>
-            <a:r>
-              <a:rPr lang="en-US" dirty="0" err="1"/>
-              <a:t>avoir</a:t>
-            </a:r>
-            <a:r>
-              <a:rPr lang="en-US" dirty="0"/>
-              <a:t> raison</a:t>
-            </a:r>
-          </a:p>
-          <a:p>
-            <a:pPr marL="457200" lvl="1" indent="0">
-              <a:buNone/>
-            </a:pPr>
-            <a:r>
-              <a:rPr lang="en-US" dirty="0">
-                <a:sym typeface="Wingdings" panose="05000000000000000000" pitchFamily="2" charset="2"/>
-              </a:rPr>
-              <a:t>Ranger son </a:t>
-            </a:r>
-            <a:r>
-              <a:rPr lang="en-US" dirty="0" err="1">
-                <a:sym typeface="Wingdings" panose="05000000000000000000" pitchFamily="2" charset="2"/>
-              </a:rPr>
-              <a:t>égo</a:t>
-            </a:r>
-            <a:endParaRPr lang="en-US" dirty="0"/>
-          </a:p>
-        </p:txBody>
-      </p:sp>
-    </p:spTree>
-    <p:extLst>
-      <p:ext uri="{BB962C8B-B14F-4D97-AF65-F5344CB8AC3E}">
-        <p14:creationId xmlns:p14="http://schemas.microsoft.com/office/powerpoint/2010/main" val="2971414286"/>
       </p:ext>
     </p:extLst>
   </p:cSld>
@@ -22293,7 +22256,7 @@
           <a:p>
             <a:r>
               <a:rPr lang="fr-FR" dirty="0"/>
-              <a:t>Adages</a:t>
+              <a:t>Psychologie</a:t>
             </a:r>
             <a:endParaRPr lang="en-US" dirty="0"/>
           </a:p>
@@ -22315,97 +22278,65 @@
             <p:ph idx="1"/>
           </p:nvPr>
         </p:nvSpPr>
-        <p:spPr>
-          <a:xfrm>
-            <a:off x="256477" y="1550019"/>
-            <a:ext cx="11731083" cy="5185317"/>
-          </a:xfrm>
-        </p:spPr>
+        <p:spPr/>
         <p:txBody>
-          <a:bodyPr>
-            <a:normAutofit fontScale="62500" lnSpcReduction="20000"/>
-          </a:bodyPr>
+          <a:bodyPr/>
           <a:lstStyle/>
           <a:p>
             <a:r>
               <a:rPr lang="fr-FR" dirty="0"/>
-              <a:t>La recette d'un trading gagnant ? 10% savoir acheter, 20% savoir vendre, 70% savoir patienter</a:t>
-            </a:r>
-          </a:p>
-          <a:p>
-            <a:r>
-              <a:rPr lang="fr-FR" dirty="0"/>
-              <a:t>Ce qui importe n'est pas à quel point vous avez bien joué quand vous êtes dans une bonne période. Mais à quel point vous avez bien joué quand vous jouez mal - Martina Navratilova</a:t>
-            </a:r>
-          </a:p>
-          <a:p>
-            <a:r>
-              <a:rPr lang="fr-FR" dirty="0"/>
-              <a:t>La richesse de l'information créée la pauvreté de l'attention</a:t>
-            </a:r>
-          </a:p>
-          <a:p>
-            <a:r>
-              <a:rPr lang="fr-FR" dirty="0"/>
-              <a:t>Plutôt que de se concentrer à faire ce qu'il faut faire, l'investisseur durablement gagnant doit surtout éviter de faire ce qu'il ne faut pas faire.</a:t>
-            </a:r>
-          </a:p>
-          <a:p>
-            <a:r>
-              <a:rPr lang="fr-FR" dirty="0"/>
-              <a:t>La performance se fait quand notre objectif est de faire autant que le marché en tendance haussière et plus que lui dans les tendances baissières. C'est là que l'on fait la différence</a:t>
-            </a:r>
-          </a:p>
-          <a:p>
-            <a:r>
-              <a:rPr lang="fr-FR" dirty="0"/>
-              <a:t>Le trading est un jeu psychologique. La majorité des gens pensent qu'ils se battent contre le marché alors que le marché s'en fout. Vous vous battez surtout contre vous même. Martin Schwartz</a:t>
-            </a:r>
-          </a:p>
-          <a:p>
-            <a:r>
-              <a:rPr lang="fr-FR" dirty="0"/>
-              <a:t>Aucune tendance ne dure éternellement, aucun range n'est durable, aucune stratégie ne marche tout le temps. C'est pourquoi, vous devez gérer votre risque tout le temps.</a:t>
-            </a:r>
-          </a:p>
-          <a:p>
-            <a:r>
-              <a:rPr lang="fr-FR" dirty="0"/>
-              <a:t>La majorité serait plus profitable s'ils </a:t>
-            </a:r>
-            <a:r>
-              <a:rPr lang="fr-FR" dirty="0" err="1"/>
-              <a:t>tradaient</a:t>
-            </a:r>
-            <a:r>
-              <a:rPr lang="fr-FR" dirty="0"/>
-              <a:t> moins. Le temps est votre ami, la précipitation impulsive votre ennemi. John </a:t>
-            </a:r>
-            <a:r>
-              <a:rPr lang="fr-FR" dirty="0" err="1"/>
-              <a:t>Bogle</a:t>
-            </a:r>
-            <a:r>
-              <a:rPr lang="fr-FR" dirty="0"/>
-              <a:t>.</a:t>
-            </a:r>
-          </a:p>
-          <a:p>
-            <a:r>
-              <a:rPr lang="fr-FR" dirty="0"/>
-              <a:t>Pendant que le pessimiste et l'optimiste se chamaillent à savoir si le verre et à moitié vide ou plein. Il est bu par l'opportuniste. </a:t>
-            </a:r>
-          </a:p>
-          <a:p>
-            <a:r>
-              <a:rPr lang="fr-FR" dirty="0"/>
-              <a:t>L'investisseur intelligent est un réaliste qui vend aux optimistes et achète aux pessimistes. Ben Graham.</a:t>
-            </a:r>
-          </a:p>
-          <a:p>
-            <a:r>
-              <a:rPr lang="fr-FR" dirty="0"/>
-              <a:t>Investir est un marathon, pas un sprint. </a:t>
+              <a:t>Couper les pertes et laisser courir les gains</a:t>
+            </a:r>
+          </a:p>
+          <a:p>
+            <a:pPr lvl="1">
+              <a:buFont typeface="Wingdings" panose="05000000000000000000" pitchFamily="2" charset="2"/>
+              <a:buChar char="è"/>
+            </a:pPr>
+            <a:r>
+              <a:rPr lang="fr-FR" dirty="0">
+                <a:sym typeface="Wingdings" panose="05000000000000000000" pitchFamily="2" charset="2"/>
+              </a:rPr>
+              <a:t>Contre la nature humaine</a:t>
+            </a:r>
+          </a:p>
+          <a:p>
+            <a:r>
+              <a:rPr lang="en-US" dirty="0"/>
+              <a:t>Ne pas </a:t>
+            </a:r>
+            <a:r>
+              <a:rPr lang="en-US" dirty="0" err="1"/>
+              <a:t>vouloir</a:t>
+            </a:r>
+            <a:r>
+              <a:rPr lang="en-US" dirty="0"/>
+              <a:t> </a:t>
+            </a:r>
+            <a:r>
+              <a:rPr lang="en-US" dirty="0" err="1"/>
+              <a:t>avoir</a:t>
+            </a:r>
+            <a:r>
+              <a:rPr lang="en-US" dirty="0"/>
+              <a:t> raison</a:t>
+            </a:r>
+          </a:p>
+          <a:p>
+            <a:pPr marL="457200" lvl="1" indent="0">
+              <a:buNone/>
+            </a:pPr>
+            <a:r>
+              <a:rPr lang="en-US" dirty="0">
+                <a:sym typeface="Wingdings" panose="05000000000000000000" pitchFamily="2" charset="2"/>
+              </a:rPr>
+              <a:t>Ranger son </a:t>
+            </a:r>
+            <a:r>
+              <a:rPr lang="en-US" dirty="0" err="1">
+                <a:sym typeface="Wingdings" panose="05000000000000000000" pitchFamily="2" charset="2"/>
+              </a:rPr>
+              <a:t>égo</a:t>
             </a:r>
             <a:endParaRPr lang="en-US" dirty="0"/>
           </a:p>
@@ -22414,7 +22345,7 @@
     </p:spTree>
     <p:extLst>
       <p:ext uri="{BB962C8B-B14F-4D97-AF65-F5344CB8AC3E}">
-        <p14:creationId xmlns:p14="http://schemas.microsoft.com/office/powerpoint/2010/main" val="3710044543"/>
+        <p14:creationId xmlns:p14="http://schemas.microsoft.com/office/powerpoint/2010/main" val="2971414286"/>
       </p:ext>
     </p:extLst>
   </p:cSld>
@@ -22620,6 +22551,177 @@
 </file>
 
 <file path=ppt/slides/slide30.xml><?xml version="1.0" encoding="utf-8"?>
+<p:sld xmlns:a="http://schemas.openxmlformats.org/drawingml/2006/main" xmlns:r="http://schemas.openxmlformats.org/officeDocument/2006/relationships" xmlns:p="http://schemas.openxmlformats.org/presentationml/2006/main">
+  <p:cSld>
+    <p:spTree>
+      <p:nvGrpSpPr>
+        <p:cNvPr id="1" name=""/>
+        <p:cNvGrpSpPr/>
+        <p:nvPr/>
+      </p:nvGrpSpPr>
+      <p:grpSpPr>
+        <a:xfrm>
+          <a:off x="0" y="0"/>
+          <a:ext cx="0" cy="0"/>
+          <a:chOff x="0" y="0"/>
+          <a:chExt cx="0" cy="0"/>
+        </a:xfrm>
+      </p:grpSpPr>
+      <p:sp>
+        <p:nvSpPr>
+          <p:cNvPr id="2" name="Title 1">
+            <a:extLst>
+              <a:ext uri="{FF2B5EF4-FFF2-40B4-BE49-F238E27FC236}">
+                <a16:creationId xmlns:a16="http://schemas.microsoft.com/office/drawing/2014/main" id="{8799B785-EEBE-49C4-AB80-AC77F7A85E20}"/>
+              </a:ext>
+            </a:extLst>
+          </p:cNvPr>
+          <p:cNvSpPr>
+            <a:spLocks noGrp="1"/>
+          </p:cNvSpPr>
+          <p:nvPr>
+            <p:ph type="title"/>
+          </p:nvPr>
+        </p:nvSpPr>
+        <p:spPr/>
+        <p:txBody>
+          <a:bodyPr/>
+          <a:lstStyle/>
+          <a:p>
+            <a:r>
+              <a:rPr lang="fr-FR" dirty="0"/>
+              <a:t>Adages</a:t>
+            </a:r>
+            <a:endParaRPr lang="en-US" dirty="0"/>
+          </a:p>
+        </p:txBody>
+      </p:sp>
+      <p:sp>
+        <p:nvSpPr>
+          <p:cNvPr id="3" name="Content Placeholder 2">
+            <a:extLst>
+              <a:ext uri="{FF2B5EF4-FFF2-40B4-BE49-F238E27FC236}">
+                <a16:creationId xmlns:a16="http://schemas.microsoft.com/office/drawing/2014/main" id="{EDA62261-4CE3-4393-9DEA-A5C83C80C12E}"/>
+              </a:ext>
+            </a:extLst>
+          </p:cNvPr>
+          <p:cNvSpPr>
+            <a:spLocks noGrp="1"/>
+          </p:cNvSpPr>
+          <p:nvPr>
+            <p:ph idx="1"/>
+          </p:nvPr>
+        </p:nvSpPr>
+        <p:spPr>
+          <a:xfrm>
+            <a:off x="256477" y="1550019"/>
+            <a:ext cx="11731083" cy="5185317"/>
+          </a:xfrm>
+        </p:spPr>
+        <p:txBody>
+          <a:bodyPr>
+            <a:normAutofit fontScale="62500" lnSpcReduction="20000"/>
+          </a:bodyPr>
+          <a:lstStyle/>
+          <a:p>
+            <a:r>
+              <a:rPr lang="fr-FR" dirty="0"/>
+              <a:t>La recette d'un trading gagnant ? 10% savoir acheter, 20% savoir vendre, 70% savoir patienter</a:t>
+            </a:r>
+          </a:p>
+          <a:p>
+            <a:r>
+              <a:rPr lang="fr-FR" dirty="0"/>
+              <a:t>Ce qui importe n'est pas à quel point vous avez bien joué quand vous êtes dans une bonne période. Mais à quel point vous avez bien joué quand vous jouez mal - Martina Navratilova</a:t>
+            </a:r>
+          </a:p>
+          <a:p>
+            <a:r>
+              <a:rPr lang="fr-FR" dirty="0"/>
+              <a:t>La richesse de l'information créée la pauvreté de l'attention</a:t>
+            </a:r>
+          </a:p>
+          <a:p>
+            <a:r>
+              <a:rPr lang="fr-FR" dirty="0"/>
+              <a:t>Plutôt que de se concentrer à faire ce qu'il faut faire, l'investisseur durablement gagnant doit surtout éviter de faire ce qu'il ne faut pas faire.</a:t>
+            </a:r>
+          </a:p>
+          <a:p>
+            <a:r>
+              <a:rPr lang="fr-FR" dirty="0"/>
+              <a:t>La performance se fait quand notre objectif est de faire autant que le marché en tendance haussière et plus que lui dans les tendances baissières. C'est là que l'on fait la différence</a:t>
+            </a:r>
+          </a:p>
+          <a:p>
+            <a:r>
+              <a:rPr lang="fr-FR" dirty="0"/>
+              <a:t>Le trading est un jeu psychologique. La majorité des gens pensent qu'ils se battent contre le marché alors que le marché s'en fout. Vous vous battez surtout contre vous même. Martin Schwartz</a:t>
+            </a:r>
+          </a:p>
+          <a:p>
+            <a:r>
+              <a:rPr lang="fr-FR" dirty="0"/>
+              <a:t>Aucune tendance ne dure éternellement, aucun range n'est durable, aucune stratégie ne marche tout le temps. C'est pourquoi, vous devez gérer votre risque tout le temps.</a:t>
+            </a:r>
+          </a:p>
+          <a:p>
+            <a:r>
+              <a:rPr lang="fr-FR" dirty="0"/>
+              <a:t>La majorité serait plus profitable s'ils </a:t>
+            </a:r>
+            <a:r>
+              <a:rPr lang="fr-FR" dirty="0" err="1"/>
+              <a:t>tradaient</a:t>
+            </a:r>
+            <a:r>
+              <a:rPr lang="fr-FR" dirty="0"/>
+              <a:t> moins. Le temps est votre ami, la précipitation impulsive votre ennemi. John </a:t>
+            </a:r>
+            <a:r>
+              <a:rPr lang="fr-FR" dirty="0" err="1"/>
+              <a:t>Bogle</a:t>
+            </a:r>
+            <a:r>
+              <a:rPr lang="fr-FR" dirty="0"/>
+              <a:t>.</a:t>
+            </a:r>
+          </a:p>
+          <a:p>
+            <a:r>
+              <a:rPr lang="fr-FR" dirty="0"/>
+              <a:t>Pendant que le pessimiste et l'optimiste se chamaillent à savoir si le verre et à moitié vide ou plein. Il est bu par l'opportuniste. </a:t>
+            </a:r>
+          </a:p>
+          <a:p>
+            <a:r>
+              <a:rPr lang="fr-FR" dirty="0"/>
+              <a:t>L'investisseur intelligent est un réaliste qui vend aux optimistes et achète aux pessimistes. Ben Graham.</a:t>
+            </a:r>
+          </a:p>
+          <a:p>
+            <a:r>
+              <a:rPr lang="fr-FR" dirty="0"/>
+              <a:t>Investir est un marathon, pas un sprint. </a:t>
+            </a:r>
+            <a:endParaRPr lang="en-US" dirty="0"/>
+          </a:p>
+        </p:txBody>
+      </p:sp>
+    </p:spTree>
+    <p:extLst>
+      <p:ext uri="{BB962C8B-B14F-4D97-AF65-F5344CB8AC3E}">
+        <p14:creationId xmlns:p14="http://schemas.microsoft.com/office/powerpoint/2010/main" val="3710044543"/>
+      </p:ext>
+    </p:extLst>
+  </p:cSld>
+  <p:clrMapOvr>
+    <a:masterClrMapping/>
+  </p:clrMapOvr>
+</p:sld>
+</file>
+
+<file path=ppt/slides/slide31.xml><?xml version="1.0" encoding="utf-8"?>
 <p:sld xmlns:a="http://schemas.openxmlformats.org/drawingml/2006/main" xmlns:r="http://schemas.openxmlformats.org/officeDocument/2006/relationships" xmlns:p="http://schemas.openxmlformats.org/presentationml/2006/main">
   <p:cSld>
     <p:spTree>
